--- a/PPTs/Deleted SLides.pptx
+++ b/PPTs/Deleted SLides.pptx
@@ -7,29 +7,32 @@
     <p:sldMasterId id="2147483753" r:id="rId3"/>
   </p:sldMasterIdLst>
   <p:notesMasterIdLst>
-    <p:notesMasterId r:id="rId21"/>
+    <p:notesMasterId r:id="rId24"/>
   </p:notesMasterIdLst>
   <p:handoutMasterIdLst>
-    <p:handoutMasterId r:id="rId22"/>
+    <p:handoutMasterId r:id="rId25"/>
   </p:handoutMasterIdLst>
   <p:sldIdLst>
     <p:sldId id="256" r:id="rId4"/>
-    <p:sldId id="398" r:id="rId5"/>
-    <p:sldId id="399" r:id="rId6"/>
-    <p:sldId id="382" r:id="rId7"/>
-    <p:sldId id="357" r:id="rId8"/>
-    <p:sldId id="362" r:id="rId9"/>
-    <p:sldId id="363" r:id="rId10"/>
-    <p:sldId id="364" r:id="rId11"/>
-    <p:sldId id="371" r:id="rId12"/>
-    <p:sldId id="372" r:id="rId13"/>
-    <p:sldId id="365" r:id="rId14"/>
-    <p:sldId id="373" r:id="rId15"/>
-    <p:sldId id="376" r:id="rId16"/>
-    <p:sldId id="374" r:id="rId17"/>
-    <p:sldId id="378" r:id="rId18"/>
-    <p:sldId id="294" r:id="rId19"/>
-    <p:sldId id="295" r:id="rId20"/>
+    <p:sldId id="813" r:id="rId5"/>
+    <p:sldId id="272" r:id="rId6"/>
+    <p:sldId id="422" r:id="rId7"/>
+    <p:sldId id="398" r:id="rId8"/>
+    <p:sldId id="399" r:id="rId9"/>
+    <p:sldId id="382" r:id="rId10"/>
+    <p:sldId id="357" r:id="rId11"/>
+    <p:sldId id="362" r:id="rId12"/>
+    <p:sldId id="363" r:id="rId13"/>
+    <p:sldId id="364" r:id="rId14"/>
+    <p:sldId id="371" r:id="rId15"/>
+    <p:sldId id="372" r:id="rId16"/>
+    <p:sldId id="365" r:id="rId17"/>
+    <p:sldId id="373" r:id="rId18"/>
+    <p:sldId id="376" r:id="rId19"/>
+    <p:sldId id="374" r:id="rId20"/>
+    <p:sldId id="378" r:id="rId21"/>
+    <p:sldId id="294" r:id="rId22"/>
+    <p:sldId id="295" r:id="rId23"/>
   </p:sldIdLst>
   <p:sldSz cx="12192000" cy="6858000"/>
   <p:notesSz cx="9601200" cy="7315200"/>
@@ -809,6 +812,349 @@
   <p:cSld>
     <p:spTree>
       <p:nvGrpSpPr>
+        <p:cNvPr id="1" name="">
+          <a:extLst>
+            <a:ext uri="{FF2B5EF4-FFF2-40B4-BE49-F238E27FC236}">
+              <a16:creationId xmlns:a16="http://schemas.microsoft.com/office/drawing/2014/main" id="{7E8F6D7A-46EF-37DC-FCC3-B36F548F9916}"/>
+            </a:ext>
+          </a:extLst>
+        </p:cNvPr>
+        <p:cNvGrpSpPr/>
+        <p:nvPr/>
+      </p:nvGrpSpPr>
+      <p:grpSpPr>
+        <a:xfrm>
+          <a:off x="0" y="0"/>
+          <a:ext cx="0" cy="0"/>
+          <a:chOff x="0" y="0"/>
+          <a:chExt cx="0" cy="0"/>
+        </a:xfrm>
+      </p:grpSpPr>
+      <p:sp>
+        <p:nvSpPr>
+          <p:cNvPr id="2" name="Slide Image Placeholder 1">
+            <a:extLst>
+              <a:ext uri="{FF2B5EF4-FFF2-40B4-BE49-F238E27FC236}">
+                <a16:creationId xmlns:a16="http://schemas.microsoft.com/office/drawing/2014/main" id="{C8FE7257-6C7A-7985-2B62-5926E2FF2F23}"/>
+              </a:ext>
+            </a:extLst>
+          </p:cNvPr>
+          <p:cNvSpPr>
+            <a:spLocks noGrp="1" noRot="1" noChangeAspect="1"/>
+          </p:cNvSpPr>
+          <p:nvPr>
+            <p:ph type="sldImg"/>
+          </p:nvPr>
+        </p:nvSpPr>
+        <p:spPr/>
+      </p:sp>
+      <p:sp>
+        <p:nvSpPr>
+          <p:cNvPr id="3" name="Notes Placeholder 2">
+            <a:extLst>
+              <a:ext uri="{FF2B5EF4-FFF2-40B4-BE49-F238E27FC236}">
+                <a16:creationId xmlns:a16="http://schemas.microsoft.com/office/drawing/2014/main" id="{6080A312-0BF2-C62C-2764-A218AA8D2431}"/>
+              </a:ext>
+            </a:extLst>
+          </p:cNvPr>
+          <p:cNvSpPr>
+            <a:spLocks noGrp="1"/>
+          </p:cNvSpPr>
+          <p:nvPr>
+            <p:ph type="body" idx="1"/>
+          </p:nvPr>
+        </p:nvSpPr>
+        <p:spPr/>
+        <p:txBody>
+          <a:bodyPr/>
+          <a:lstStyle/>
+          <a:p>
+            <a:r>
+              <a:rPr lang="en-GB" b="0" i="0" dirty="0">
+                <a:solidFill>
+                  <a:srgbClr val="273239"/>
+                </a:solidFill>
+                <a:effectLst/>
+                <a:latin typeface="Nunito" pitchFamily="2" charset="0"/>
+              </a:rPr>
+              <a:t>The number of times ‘hello’ is printed is equal to the number of processes created. Total Number of Processes = 2</a:t>
+            </a:r>
+            <a:r>
+              <a:rPr lang="en-GB" b="0" i="0" baseline="30000" dirty="0">
+                <a:solidFill>
+                  <a:srgbClr val="273239"/>
+                </a:solidFill>
+                <a:effectLst/>
+                <a:latin typeface="Nunito" pitchFamily="2" charset="0"/>
+              </a:rPr>
+              <a:t>n</a:t>
+            </a:r>
+            <a:r>
+              <a:rPr lang="en-GB" b="0" i="0" dirty="0">
+                <a:solidFill>
+                  <a:srgbClr val="273239"/>
+                </a:solidFill>
+                <a:effectLst/>
+                <a:latin typeface="Nunito" pitchFamily="2" charset="0"/>
+              </a:rPr>
+              <a:t>, where n is the number of fork system calls. So here n = 3, 2</a:t>
+            </a:r>
+            <a:r>
+              <a:rPr lang="en-GB" b="0" i="0" baseline="30000" dirty="0">
+                <a:solidFill>
+                  <a:srgbClr val="273239"/>
+                </a:solidFill>
+                <a:effectLst/>
+                <a:latin typeface="Nunito" pitchFamily="2" charset="0"/>
+              </a:rPr>
+              <a:t>3</a:t>
+            </a:r>
+            <a:r>
+              <a:rPr lang="en-GB" b="0" i="0" dirty="0">
+                <a:solidFill>
+                  <a:srgbClr val="273239"/>
+                </a:solidFill>
+                <a:effectLst/>
+                <a:latin typeface="Nunito" pitchFamily="2" charset="0"/>
+              </a:rPr>
+              <a:t> = 8 Let us put some label names for the three lines:’</a:t>
+            </a:r>
+            <a:endParaRPr lang="en-GB" sz="1200" b="0" kern="0" dirty="0"/>
+          </a:p>
+          <a:p>
+            <a:endParaRPr lang="en-GB" sz="1200" b="0" kern="0" dirty="0"/>
+          </a:p>
+          <a:p>
+            <a:endParaRPr lang="en-GB" sz="1200" b="0" kern="0" dirty="0"/>
+          </a:p>
+          <a:p>
+            <a:r>
+              <a:rPr lang="en-GB" sz="1200" b="0" kern="0" dirty="0"/>
+              <a:t> Let us put some label names for the three lines:</a:t>
+            </a:r>
+          </a:p>
+          <a:p>
+            <a:r>
+              <a:rPr lang="en-GB" sz="1200" b="0" kern="0" dirty="0"/>
+              <a:t>fork ();   // Line 1</a:t>
+            </a:r>
+          </a:p>
+          <a:p>
+            <a:r>
+              <a:rPr lang="en-GB" sz="1200" b="0" kern="0" dirty="0"/>
+              <a:t>fork ();   // Line 2</a:t>
+            </a:r>
+          </a:p>
+          <a:p>
+            <a:r>
+              <a:rPr lang="en-GB" sz="1200" b="0" kern="0" dirty="0"/>
+              <a:t>fork ();   // Line 3</a:t>
+            </a:r>
+          </a:p>
+          <a:p>
+            <a:r>
+              <a:rPr lang="en-GB" sz="1200" b="0" kern="0" dirty="0"/>
+              <a:t>       L1       // 1 child process created by line 1.</a:t>
+            </a:r>
+          </a:p>
+          <a:p>
+            <a:r>
+              <a:rPr lang="en-GB" sz="1200" b="0" kern="0" dirty="0"/>
+              <a:t>    /     \     </a:t>
+            </a:r>
+          </a:p>
+          <a:p>
+            <a:r>
+              <a:rPr lang="en-GB" sz="1200" b="0" kern="0" dirty="0"/>
+              <a:t>  L2      </a:t>
+            </a:r>
+            <a:r>
+              <a:rPr lang="en-GB" sz="1200" b="0" kern="0" dirty="0" err="1"/>
+              <a:t>L2</a:t>
+            </a:r>
+            <a:r>
+              <a:rPr lang="en-GB" sz="1200" b="0" kern="0" dirty="0"/>
+              <a:t>    // 2 child processes created by line 2.</a:t>
+            </a:r>
+          </a:p>
+          <a:p>
+            <a:r>
+              <a:rPr lang="en-GB" sz="1200" b="0" kern="0" dirty="0"/>
+              <a:t> /  \    /  \   </a:t>
+            </a:r>
+          </a:p>
+          <a:p>
+            <a:r>
+              <a:rPr lang="en-GB" sz="1200" b="0" kern="0" dirty="0"/>
+              <a:t>L3  </a:t>
+            </a:r>
+            <a:r>
+              <a:rPr lang="en-GB" sz="1200" b="0" kern="0" dirty="0" err="1"/>
+              <a:t>L3</a:t>
+            </a:r>
+            <a:r>
+              <a:rPr lang="en-GB" sz="1200" b="0" kern="0" dirty="0"/>
+              <a:t>  </a:t>
+            </a:r>
+            <a:r>
+              <a:rPr lang="en-GB" sz="1200" b="0" kern="0" dirty="0" err="1"/>
+              <a:t>L3</a:t>
+            </a:r>
+            <a:r>
+              <a:rPr lang="en-GB" sz="1200" b="0" kern="0" dirty="0"/>
+              <a:t>  </a:t>
+            </a:r>
+            <a:r>
+              <a:rPr lang="en-GB" sz="1200" b="0" kern="0" dirty="0" err="1"/>
+              <a:t>L3</a:t>
+            </a:r>
+            <a:r>
+              <a:rPr lang="en-GB" sz="1200" b="0" kern="0" dirty="0"/>
+              <a:t>  // 4 child processes created by line 3.</a:t>
+            </a:r>
+            <a:endParaRPr lang="en-US" sz="1200" b="0" kern="0" dirty="0"/>
+          </a:p>
+          <a:p>
+            <a:endParaRPr lang="en-SE" dirty="0"/>
+          </a:p>
+        </p:txBody>
+      </p:sp>
+    </p:spTree>
+    <p:extLst>
+      <p:ext uri="{BB962C8B-B14F-4D97-AF65-F5344CB8AC3E}">
+        <p14:creationId xmlns:p14="http://schemas.microsoft.com/office/powerpoint/2010/main" val="2435880681"/>
+      </p:ext>
+    </p:extLst>
+  </p:cSld>
+  <p:clrMapOvr>
+    <a:masterClrMapping/>
+  </p:clrMapOvr>
+</p:notes>
+</file>
+
+<file path=ppt/notesSlides/notesSlide3.xml><?xml version="1.0" encoding="utf-8"?>
+<p:notes xmlns:a="http://schemas.openxmlformats.org/drawingml/2006/main" xmlns:r="http://schemas.openxmlformats.org/officeDocument/2006/relationships" xmlns:p="http://schemas.openxmlformats.org/presentationml/2006/main">
+  <p:cSld>
+    <p:spTree>
+      <p:nvGrpSpPr>
+        <p:cNvPr id="1" name=""/>
+        <p:cNvGrpSpPr/>
+        <p:nvPr/>
+      </p:nvGrpSpPr>
+      <p:grpSpPr>
+        <a:xfrm>
+          <a:off x="0" y="0"/>
+          <a:ext cx="0" cy="0"/>
+          <a:chOff x="0" y="0"/>
+          <a:chExt cx="0" cy="0"/>
+        </a:xfrm>
+      </p:grpSpPr>
+      <p:sp>
+        <p:nvSpPr>
+          <p:cNvPr id="1488898" name="Rectangle 2"/>
+          <p:cNvSpPr>
+            <a:spLocks noGrp="1" noRot="1" noChangeAspect="1" noChangeArrowheads="1" noTextEdit="1"/>
+          </p:cNvSpPr>
+          <p:nvPr>
+            <p:ph type="sldImg"/>
+          </p:nvPr>
+        </p:nvSpPr>
+        <p:spPr>
+          <a:xfrm>
+            <a:off x="479425" y="617538"/>
+            <a:ext cx="6373813" cy="3586162"/>
+          </a:xfrm>
+        </p:spPr>
+      </p:sp>
+      <p:sp>
+        <p:nvSpPr>
+          <p:cNvPr id="1488899" name="Rectangle 3"/>
+          <p:cNvSpPr>
+            <a:spLocks noGrp="1" noChangeArrowheads="1"/>
+          </p:cNvSpPr>
+          <p:nvPr>
+            <p:ph type="body" idx="1"/>
+          </p:nvPr>
+        </p:nvSpPr>
+        <p:spPr>
+          <a:xfrm>
+            <a:off x="550334" y="4560570"/>
+            <a:ext cx="6304279" cy="4318874"/>
+          </a:xfrm>
+          <a:ln/>
+        </p:spPr>
+        <p:txBody>
+          <a:bodyPr lIns="96642" tIns="48321" rIns="96642" bIns="48321"/>
+          <a:lstStyle/>
+          <a:p>
+            <a:r>
+              <a:rPr lang="en-US" dirty="0"/>
+              <a:t>Instead, the memory system of a modern computer consists of a series of black boxes ranging from the fastest to the slowest.</a:t>
+            </a:r>
+          </a:p>
+          <a:p>
+            <a:r>
+              <a:rPr lang="en-US" dirty="0"/>
+              <a:t>Besides variation in speed, these boxes also varies in size (smallest to biggest) and cost.</a:t>
+            </a:r>
+          </a:p>
+          <a:p>
+            <a:r>
+              <a:rPr lang="en-US" dirty="0"/>
+              <a:t>What makes this kind of arrangement work is one of the most important  principle in computer design.  The principle of locality. </a:t>
+            </a:r>
+            <a:r>
+              <a:rPr lang="en-US" dirty="0">
+                <a:cs typeface="Arial" charset="0"/>
+              </a:rPr>
+              <a:t>The principle of locality states that programs access a relatively small portion of the address space at  any instant of time.</a:t>
+            </a:r>
+            <a:endParaRPr lang="en-US" dirty="0"/>
+          </a:p>
+          <a:p>
+            <a:endParaRPr lang="en-US" dirty="0"/>
+          </a:p>
+          <a:p>
+            <a:r>
+              <a:rPr lang="en-US" dirty="0"/>
+              <a:t>The design goal is to present the user with as much memory as is available in the cheapest technology (points to the disk).</a:t>
+            </a:r>
+          </a:p>
+          <a:p>
+            <a:r>
+              <a:rPr lang="en-US" dirty="0"/>
+              <a:t>While by taking advantage of the principle of locality, we like to provide the user an average access speed that is very close to the speed that is offered by the fastest technology.</a:t>
+            </a:r>
+          </a:p>
+          <a:p>
+            <a:r>
+              <a:rPr lang="en-US" dirty="0"/>
+              <a:t>(We will go over this slide in detail in the next lectures on caches).</a:t>
+            </a:r>
+          </a:p>
+          <a:p>
+            <a:endParaRPr lang="en-US" dirty="0"/>
+          </a:p>
+        </p:txBody>
+      </p:sp>
+    </p:spTree>
+    <p:extLst>
+      <p:ext uri="{BB962C8B-B14F-4D97-AF65-F5344CB8AC3E}">
+        <p14:creationId xmlns:p14="http://schemas.microsoft.com/office/powerpoint/2010/main" val="1005909195"/>
+      </p:ext>
+    </p:extLst>
+  </p:cSld>
+  <p:clrMapOvr>
+    <a:masterClrMapping/>
+  </p:clrMapOvr>
+</p:notes>
+</file>
+
+<file path=ppt/notesSlides/notesSlide4.xml><?xml version="1.0" encoding="utf-8"?>
+<p:notes xmlns:a="http://schemas.openxmlformats.org/drawingml/2006/main" xmlns:r="http://schemas.openxmlformats.org/officeDocument/2006/relationships" xmlns:p="http://schemas.openxmlformats.org/presentationml/2006/main">
+  <p:cSld>
+    <p:spTree>
+      <p:nvGrpSpPr>
         <p:cNvPr id="1" name=""/>
         <p:cNvGrpSpPr/>
         <p:nvPr/>
@@ -948,7 +1294,7 @@
                 <a:tabLst/>
                 <a:defRPr/>
               </a:pPr>
-              <a:t>2</a:t>
+              <a:t>5</a:t>
             </a:fld>
             <a:endParaRPr kumimoji="1" lang="zh-CN" altLang="en-US" sz="1200" b="0" i="0" u="none" strike="noStrike" kern="1200" cap="none" spc="0" normalizeH="0" baseline="0" noProof="0">
               <a:ln>
@@ -980,7 +1326,7 @@
 </p:notes>
 </file>
 
-<file path=ppt/notesSlides/notesSlide3.xml><?xml version="1.0" encoding="utf-8"?>
+<file path=ppt/notesSlides/notesSlide5.xml><?xml version="1.0" encoding="utf-8"?>
 <p:notes xmlns:a="http://schemas.openxmlformats.org/drawingml/2006/main" xmlns:r="http://schemas.openxmlformats.org/officeDocument/2006/relationships" xmlns:p="http://schemas.openxmlformats.org/presentationml/2006/main">
   <p:cSld>
     <p:spTree>
@@ -1244,7 +1590,7 @@
                 <a:tabLst/>
                 <a:defRPr/>
               </a:pPr>
-              <a:t>4</a:t>
+              <a:t>7</a:t>
             </a:fld>
             <a:endParaRPr kumimoji="0" lang="en-US" altLang="zh-CN" sz="1200" b="0" i="0" u="none" strike="noStrike" kern="1200" cap="none" spc="0" normalizeH="0" baseline="0" noProof="0">
               <a:ln>
@@ -1271,7 +1617,7 @@
 </p:notes>
 </file>
 
-<file path=ppt/notesSlides/notesSlide4.xml><?xml version="1.0" encoding="utf-8"?>
+<file path=ppt/notesSlides/notesSlide6.xml><?xml version="1.0" encoding="utf-8"?>
 <p:notes xmlns:a="http://schemas.openxmlformats.org/drawingml/2006/main" xmlns:r="http://schemas.openxmlformats.org/officeDocument/2006/relationships" xmlns:p="http://schemas.openxmlformats.org/presentationml/2006/main">
   <p:cSld>
     <p:spTree>
@@ -1337,7 +1683,7 @@
 </p:notes>
 </file>
 
-<file path=ppt/notesSlides/notesSlide5.xml><?xml version="1.0" encoding="utf-8"?>
+<file path=ppt/notesSlides/notesSlide7.xml><?xml version="1.0" encoding="utf-8"?>
 <p:notes xmlns:a="http://schemas.openxmlformats.org/drawingml/2006/main" xmlns:r="http://schemas.openxmlformats.org/officeDocument/2006/relationships" xmlns:p="http://schemas.openxmlformats.org/presentationml/2006/main">
   <p:cSld>
     <p:spTree>
@@ -12955,60 +13301,7 @@
           <a:bodyPr/>
           <a:lstStyle/>
           <a:p>
-            <a:r>
-              <a:rPr lang="en-US" dirty="0"/>
-              <a:t>Dining Lawyers Questions II</a:t>
-            </a:r>
-          </a:p>
-        </p:txBody>
-      </p:sp>
-      <p:sp>
-        <p:nvSpPr>
-          <p:cNvPr id="3" name="Content Placeholder 2"/>
-          <p:cNvSpPr>
-            <a:spLocks noGrp="1"/>
-          </p:cNvSpPr>
-          <p:nvPr>
-            <p:ph idx="1"/>
-          </p:nvPr>
-        </p:nvSpPr>
-        <p:spPr/>
-        <p:txBody>
-          <a:bodyPr/>
-          <a:lstStyle/>
-          <a:p>
-            <a:r>
-              <a:rPr lang="en-US" dirty="0"/>
-              <a:t>Q: Is it a generalization of the 2-armed Dining Philosophers problem?</a:t>
-            </a:r>
-          </a:p>
-          <a:p>
-            <a:r>
-              <a:rPr lang="en-US" dirty="0"/>
-              <a:t>A: Not exactly. Since the chopsticks are in a pile at center of the table, we should model them as a single resource with multiple instances, instead of multiple resources for the Dining Philosophers. Hence the </a:t>
-            </a:r>
-            <a:r>
-              <a:rPr lang="en-US" i="1" dirty="0"/>
-              <a:t>R</a:t>
-            </a:r>
-            <a:r>
-              <a:rPr lang="en-US" dirty="0"/>
-              <a:t> and </a:t>
-            </a:r>
-            <a:r>
-              <a:rPr lang="en-US" i="1" dirty="0"/>
-              <a:t>C</a:t>
-            </a:r>
-            <a:r>
-              <a:rPr lang="en-US" dirty="0"/>
-              <a:t> matrices have a single column.</a:t>
-            </a:r>
-          </a:p>
-          <a:p>
-            <a:endParaRPr lang="en-US" dirty="0"/>
-          </a:p>
-          <a:p>
-            <a:endParaRPr lang="en-US" dirty="0"/>
+            <a:endParaRPr lang="en-US"/>
           </a:p>
         </p:txBody>
       </p:sp>
@@ -13171,7 +13464,7 @@
               </a:rPr>
               <a:t> © Zonghua Gu, CMPT 300, Fall 2011 </a:t>
             </a:r>
-            <a:endParaRPr lang="en-US" b="0" dirty="0">
+            <a:endParaRPr lang="en-US" b="0">
               <a:solidFill>
                 <a:srgbClr val="000000"/>
               </a:solidFill>
@@ -13364,6 +13657,105 @@
           </a:p>
         </p:txBody>
       </p:sp>
+      <p:sp>
+        <p:nvSpPr>
+          <p:cNvPr id="6" name="Content Placeholder 5"/>
+          <p:cNvSpPr>
+            <a:spLocks noGrp="1"/>
+          </p:cNvSpPr>
+          <p:nvPr>
+            <p:ph idx="1"/>
+          </p:nvPr>
+        </p:nvSpPr>
+        <p:spPr>
+          <a:xfrm>
+            <a:off x="8042788" y="-1"/>
+            <a:ext cx="2625213" cy="6685935"/>
+          </a:xfrm>
+        </p:spPr>
+        <p:txBody>
+          <a:bodyPr>
+            <a:normAutofit fontScale="85000" lnSpcReduction="20000"/>
+          </a:bodyPr>
+          <a:lstStyle/>
+          <a:p>
+            <a:r>
+              <a:rPr lang="en-US" dirty="0" err="1"/>
+              <a:t>GrabOne</a:t>
+            </a:r>
+            <a:r>
+              <a:rPr lang="en-US" dirty="0"/>
+              <a:t>() allows a lawyer to grab one chopstick. It puts a lawyer to sleep if he cannot be granted a chopstick without potentially deadlocking the system. </a:t>
+            </a:r>
+          </a:p>
+          <a:p>
+            <a:r>
+              <a:rPr lang="en-US" dirty="0" err="1"/>
+              <a:t>ReleaseAll</a:t>
+            </a:r>
+            <a:r>
+              <a:rPr lang="en-US" dirty="0"/>
+              <a:t>() allows a lawyer to release all chopsticks that he is holding. It wakes up any other lawyers that can proceed.</a:t>
+            </a:r>
+          </a:p>
+          <a:p>
+            <a:r>
+              <a:rPr lang="en-US" dirty="0" err="1"/>
+              <a:t>BankerCheck</a:t>
+            </a:r>
+            <a:r>
+              <a:rPr lang="en-US" dirty="0"/>
+              <a:t>() method takes a Lawyer number, checks resources, and returns true if a given lawyer can be granted one new chopstick </a:t>
+            </a:r>
+          </a:p>
+          <a:p>
+            <a:r>
+              <a:rPr lang="en-US" dirty="0"/>
+              <a:t>Assume Mesa-style monitor, hence while loop is used in </a:t>
+            </a:r>
+            <a:r>
+              <a:rPr lang="en-US" dirty="0" err="1"/>
+              <a:t>GrabOne</a:t>
+            </a:r>
+            <a:r>
+              <a:rPr lang="en-US" dirty="0"/>
+              <a:t>().</a:t>
+            </a:r>
+          </a:p>
+        </p:txBody>
+      </p:sp>
+      <p:pic>
+        <p:nvPicPr>
+          <p:cNvPr id="120835" name="Picture 3"/>
+          <p:cNvPicPr>
+            <a:picLocks noChangeAspect="1" noChangeArrowheads="1"/>
+          </p:cNvPicPr>
+          <p:nvPr/>
+        </p:nvPicPr>
+        <p:blipFill>
+          <a:blip r:embed="rId2" cstate="print"/>
+          <a:srcRect/>
+          <a:stretch>
+            <a:fillRect/>
+          </a:stretch>
+        </p:blipFill>
+        <p:spPr bwMode="auto">
+          <a:xfrm>
+            <a:off x="1696219" y="1"/>
+            <a:ext cx="6435058" cy="6881163"/>
+          </a:xfrm>
+          <a:prstGeom prst="rect">
+            <a:avLst/>
+          </a:prstGeom>
+          <a:noFill/>
+          <a:ln w="9525">
+            <a:noFill/>
+            <a:miter lim="800000"/>
+            <a:headEnd/>
+            <a:tailEnd/>
+          </a:ln>
+        </p:spPr>
+      </p:pic>
     </p:spTree>
   </p:cSld>
   <p:clrMapOvr>
@@ -13374,6 +13766,1660 @@
 </file>
 
 <file path=ppt/slides/slide11.xml><?xml version="1.0" encoding="utf-8"?>
+<p:sld xmlns:a="http://schemas.openxmlformats.org/drawingml/2006/main" xmlns:r="http://schemas.openxmlformats.org/officeDocument/2006/relationships" xmlns:p="http://schemas.openxmlformats.org/presentationml/2006/main">
+  <p:cSld>
+    <p:spTree>
+      <p:nvGrpSpPr>
+        <p:cNvPr id="1" name=""/>
+        <p:cNvGrpSpPr/>
+        <p:nvPr/>
+      </p:nvGrpSpPr>
+      <p:grpSpPr>
+        <a:xfrm>
+          <a:off x="0" y="0"/>
+          <a:ext cx="0" cy="0"/>
+          <a:chOff x="0" y="0"/>
+          <a:chExt cx="0" cy="0"/>
+        </a:xfrm>
+      </p:grpSpPr>
+      <p:sp>
+        <p:nvSpPr>
+          <p:cNvPr id="2" name="Title 1"/>
+          <p:cNvSpPr>
+            <a:spLocks noGrp="1"/>
+          </p:cNvSpPr>
+          <p:nvPr>
+            <p:ph type="title"/>
+          </p:nvPr>
+        </p:nvSpPr>
+        <p:spPr/>
+        <p:txBody>
+          <a:bodyPr/>
+          <a:lstStyle/>
+          <a:p>
+            <a:r>
+              <a:rPr lang="en-US" dirty="0" err="1"/>
+              <a:t>BankerCheck</a:t>
+            </a:r>
+            <a:r>
+              <a:rPr lang="en-US" dirty="0"/>
+              <a:t>() Method</a:t>
+            </a:r>
+          </a:p>
+        </p:txBody>
+      </p:sp>
+      <p:sp>
+        <p:nvSpPr>
+          <p:cNvPr id="3" name="Content Placeholder 2"/>
+          <p:cNvSpPr>
+            <a:spLocks noGrp="1"/>
+          </p:cNvSpPr>
+          <p:nvPr>
+            <p:ph idx="1"/>
+          </p:nvPr>
+        </p:nvSpPr>
+        <p:spPr>
+          <a:xfrm>
+            <a:off x="1524001" y="4013200"/>
+            <a:ext cx="8967019" cy="2446594"/>
+          </a:xfrm>
+        </p:spPr>
+        <p:txBody>
+          <a:bodyPr>
+            <a:normAutofit fontScale="92500"/>
+          </a:bodyPr>
+          <a:lstStyle/>
+          <a:p>
+            <a:r>
+              <a:rPr lang="en-US" dirty="0"/>
+              <a:t>State is safe if when a lawyer tries to take a chopstick, either</a:t>
+            </a:r>
+          </a:p>
+          <a:p>
+            <a:pPr lvl="1"/>
+            <a:r>
+              <a:rPr lang="en-US" dirty="0"/>
+              <a:t>It is the last chopstick, but someone will have </a:t>
+            </a:r>
+            <a:r>
+              <a:rPr lang="en-US" i="1" dirty="0" err="1"/>
+              <a:t>NumArms</a:t>
+            </a:r>
+            <a:r>
+              <a:rPr lang="en-US" dirty="0"/>
+              <a:t> chopsticks afterwards</a:t>
+            </a:r>
+          </a:p>
+          <a:p>
+            <a:pPr lvl="1"/>
+            <a:r>
+              <a:rPr lang="en-US" dirty="0"/>
+              <a:t>Or it is the 2</a:t>
+            </a:r>
+            <a:r>
+              <a:rPr lang="en-US" baseline="30000" dirty="0"/>
+              <a:t>nd</a:t>
+            </a:r>
+            <a:r>
+              <a:rPr lang="en-US" dirty="0"/>
+              <a:t> to last chopstick, but someone will have </a:t>
+            </a:r>
+            <a:r>
+              <a:rPr lang="en-US" i="1" dirty="0"/>
+              <a:t>NumArms-1</a:t>
+            </a:r>
+            <a:r>
+              <a:rPr lang="en-US" dirty="0"/>
+              <a:t> chopsticks afterwards</a:t>
+            </a:r>
+          </a:p>
+          <a:p>
+            <a:pPr lvl="1"/>
+            <a:r>
+              <a:rPr lang="en-US" dirty="0"/>
+              <a:t>Or it is the 3</a:t>
+            </a:r>
+            <a:r>
+              <a:rPr lang="en-US" baseline="30000" dirty="0"/>
+              <a:t>rd</a:t>
+            </a:r>
+            <a:r>
+              <a:rPr lang="en-US" dirty="0"/>
+              <a:t>  to last chopstick, but someone will have </a:t>
+            </a:r>
+            <a:r>
+              <a:rPr lang="en-US" i="1" dirty="0"/>
+              <a:t>NumArms-2 </a:t>
+            </a:r>
+            <a:r>
+              <a:rPr lang="en-US" dirty="0"/>
+              <a:t>chopsticks afterwards …</a:t>
+            </a:r>
+          </a:p>
+          <a:p>
+            <a:pPr lvl="1"/>
+            <a:r>
+              <a:rPr lang="en-US" dirty="0"/>
+              <a:t>Or…</a:t>
+            </a:r>
+          </a:p>
+          <a:p>
+            <a:pPr>
+              <a:buNone/>
+            </a:pPr>
+            <a:endParaRPr lang="en-US" dirty="0"/>
+          </a:p>
+          <a:p>
+            <a:endParaRPr lang="en-US" dirty="0"/>
+          </a:p>
+        </p:txBody>
+      </p:sp>
+      <p:sp>
+        <p:nvSpPr>
+          <p:cNvPr id="4" name="Date Placeholder 3"/>
+          <p:cNvSpPr>
+            <a:spLocks noGrp="1"/>
+          </p:cNvSpPr>
+          <p:nvPr>
+            <p:ph type="dt" sz="half" idx="10"/>
+          </p:nvPr>
+        </p:nvSpPr>
+        <p:spPr>
+          <a:xfrm>
+            <a:off x="609600" y="6248400"/>
+            <a:ext cx="5852584" cy="457200"/>
+          </a:xfrm>
+          <a:prstGeom prst="rect">
+            <a:avLst/>
+          </a:prstGeom>
+          <a:ln/>
+        </p:spPr>
+        <p:txBody>
+          <a:bodyPr/>
+          <a:lstStyle>
+            <a:defPPr>
+              <a:defRPr lang="en-US"/>
+            </a:defPPr>
+            <a:lvl1pPr algn="l" rtl="0" eaLnBrk="0" fontAlgn="base" hangingPunct="0">
+              <a:spcBef>
+                <a:spcPct val="0"/>
+              </a:spcBef>
+              <a:spcAft>
+                <a:spcPct val="0"/>
+              </a:spcAft>
+              <a:defRPr b="1" kern="1200">
+                <a:solidFill>
+                  <a:schemeClr val="tx1"/>
+                </a:solidFill>
+                <a:latin typeface="Comic Sans MS" charset="0"/>
+                <a:ea typeface="ＭＳ Ｐゴシック" charset="0"/>
+                <a:cs typeface="ＭＳ Ｐゴシック" charset="0"/>
+              </a:defRPr>
+            </a:lvl1pPr>
+            <a:lvl2pPr marL="457200" algn="l" rtl="0" eaLnBrk="0" fontAlgn="base" hangingPunct="0">
+              <a:spcBef>
+                <a:spcPct val="0"/>
+              </a:spcBef>
+              <a:spcAft>
+                <a:spcPct val="0"/>
+              </a:spcAft>
+              <a:defRPr b="1" kern="1200">
+                <a:solidFill>
+                  <a:schemeClr val="tx1"/>
+                </a:solidFill>
+                <a:latin typeface="Comic Sans MS" charset="0"/>
+                <a:ea typeface="ＭＳ Ｐゴシック" charset="0"/>
+                <a:cs typeface="ＭＳ Ｐゴシック" charset="0"/>
+              </a:defRPr>
+            </a:lvl2pPr>
+            <a:lvl3pPr marL="914400" algn="l" rtl="0" eaLnBrk="0" fontAlgn="base" hangingPunct="0">
+              <a:spcBef>
+                <a:spcPct val="0"/>
+              </a:spcBef>
+              <a:spcAft>
+                <a:spcPct val="0"/>
+              </a:spcAft>
+              <a:defRPr b="1" kern="1200">
+                <a:solidFill>
+                  <a:schemeClr val="tx1"/>
+                </a:solidFill>
+                <a:latin typeface="Comic Sans MS" charset="0"/>
+                <a:ea typeface="ＭＳ Ｐゴシック" charset="0"/>
+                <a:cs typeface="ＭＳ Ｐゴシック" charset="0"/>
+              </a:defRPr>
+            </a:lvl3pPr>
+            <a:lvl4pPr marL="1371600" algn="l" rtl="0" eaLnBrk="0" fontAlgn="base" hangingPunct="0">
+              <a:spcBef>
+                <a:spcPct val="0"/>
+              </a:spcBef>
+              <a:spcAft>
+                <a:spcPct val="0"/>
+              </a:spcAft>
+              <a:defRPr b="1" kern="1200">
+                <a:solidFill>
+                  <a:schemeClr val="tx1"/>
+                </a:solidFill>
+                <a:latin typeface="Comic Sans MS" charset="0"/>
+                <a:ea typeface="ＭＳ Ｐゴシック" charset="0"/>
+                <a:cs typeface="ＭＳ Ｐゴシック" charset="0"/>
+              </a:defRPr>
+            </a:lvl4pPr>
+            <a:lvl5pPr marL="1828800" algn="l" rtl="0" eaLnBrk="0" fontAlgn="base" hangingPunct="0">
+              <a:spcBef>
+                <a:spcPct val="0"/>
+              </a:spcBef>
+              <a:spcAft>
+                <a:spcPct val="0"/>
+              </a:spcAft>
+              <a:defRPr b="1" kern="1200">
+                <a:solidFill>
+                  <a:schemeClr val="tx1"/>
+                </a:solidFill>
+                <a:latin typeface="Comic Sans MS" charset="0"/>
+                <a:ea typeface="ＭＳ Ｐゴシック" charset="0"/>
+                <a:cs typeface="ＭＳ Ｐゴシック" charset="0"/>
+              </a:defRPr>
+            </a:lvl5pPr>
+            <a:lvl6pPr marL="2286000" algn="l" defTabSz="457200" rtl="0" eaLnBrk="1" latinLnBrk="0" hangingPunct="1">
+              <a:defRPr b="1" kern="1200">
+                <a:solidFill>
+                  <a:schemeClr val="tx1"/>
+                </a:solidFill>
+                <a:latin typeface="Comic Sans MS" charset="0"/>
+                <a:ea typeface="ＭＳ Ｐゴシック" charset="0"/>
+                <a:cs typeface="ＭＳ Ｐゴシック" charset="0"/>
+              </a:defRPr>
+            </a:lvl6pPr>
+            <a:lvl7pPr marL="2743200" algn="l" defTabSz="457200" rtl="0" eaLnBrk="1" latinLnBrk="0" hangingPunct="1">
+              <a:defRPr b="1" kern="1200">
+                <a:solidFill>
+                  <a:schemeClr val="tx1"/>
+                </a:solidFill>
+                <a:latin typeface="Comic Sans MS" charset="0"/>
+                <a:ea typeface="ＭＳ Ｐゴシック" charset="0"/>
+                <a:cs typeface="ＭＳ Ｐゴシック" charset="0"/>
+              </a:defRPr>
+            </a:lvl7pPr>
+            <a:lvl8pPr marL="3200400" algn="l" defTabSz="457200" rtl="0" eaLnBrk="1" latinLnBrk="0" hangingPunct="1">
+              <a:defRPr b="1" kern="1200">
+                <a:solidFill>
+                  <a:schemeClr val="tx1"/>
+                </a:solidFill>
+                <a:latin typeface="Comic Sans MS" charset="0"/>
+                <a:ea typeface="ＭＳ Ｐゴシック" charset="0"/>
+                <a:cs typeface="ＭＳ Ｐゴシック" charset="0"/>
+              </a:defRPr>
+            </a:lvl8pPr>
+            <a:lvl9pPr marL="3657600" algn="l" defTabSz="457200" rtl="0" eaLnBrk="1" latinLnBrk="0" hangingPunct="1">
+              <a:defRPr b="1" kern="1200">
+                <a:solidFill>
+                  <a:schemeClr val="tx1"/>
+                </a:solidFill>
+                <a:latin typeface="Comic Sans MS" charset="0"/>
+                <a:ea typeface="ＭＳ Ｐゴシック" charset="0"/>
+                <a:cs typeface="ＭＳ Ｐゴシック" charset="0"/>
+              </a:defRPr>
+            </a:lvl9pPr>
+          </a:lstStyle>
+          <a:p>
+            <a:pPr algn="ctr">
+              <a:defRPr/>
+            </a:pPr>
+            <a:r>
+              <a:rPr lang="en-US">
+                <a:solidFill>
+                  <a:srgbClr val="000000"/>
+                </a:solidFill>
+              </a:rPr>
+              <a:t> © Zonghua Gu, CMPT 300, Fall 2011 </a:t>
+            </a:r>
+            <a:endParaRPr lang="en-US" b="0" dirty="0">
+              <a:solidFill>
+                <a:srgbClr val="000000"/>
+              </a:solidFill>
+              <a:latin typeface="Times New Roman" pitchFamily="18" charset="0"/>
+              <a:ea typeface="+mn-ea"/>
+              <a:cs typeface="+mn-cs"/>
+            </a:endParaRPr>
+          </a:p>
+        </p:txBody>
+      </p:sp>
+      <p:sp>
+        <p:nvSpPr>
+          <p:cNvPr id="5" name="Slide Number Placeholder 4"/>
+          <p:cNvSpPr>
+            <a:spLocks noGrp="1"/>
+          </p:cNvSpPr>
+          <p:nvPr>
+            <p:ph type="sldNum" sz="quarter" idx="11"/>
+          </p:nvPr>
+        </p:nvSpPr>
+        <p:spPr bwMode="auto">
+          <a:xfrm>
+            <a:off x="9042400" y="6364288"/>
+            <a:ext cx="2540000" cy="457200"/>
+          </a:xfrm>
+          <a:prstGeom prst="rect">
+            <a:avLst/>
+          </a:prstGeom>
+          <a:noFill/>
+          <a:ln w="9525">
+            <a:noFill/>
+            <a:miter lim="800000"/>
+            <a:headEnd/>
+            <a:tailEnd/>
+          </a:ln>
+          <a:effectLst/>
+        </p:spPr>
+        <p:txBody>
+          <a:bodyPr vert="horz" wrap="square" lIns="91440" tIns="45720" rIns="91440" bIns="45720" numCol="1" anchor="t" anchorCtr="0" compatLnSpc="1">
+            <a:prstTxWarp prst="textNoShape">
+              <a:avLst/>
+            </a:prstTxWarp>
+          </a:bodyPr>
+          <a:lstStyle>
+            <a:defPPr>
+              <a:defRPr lang="en-US"/>
+            </a:defPPr>
+            <a:lvl1pPr algn="r" rtl="0" eaLnBrk="1" fontAlgn="base" hangingPunct="1">
+              <a:spcBef>
+                <a:spcPct val="0"/>
+              </a:spcBef>
+              <a:spcAft>
+                <a:spcPct val="0"/>
+              </a:spcAft>
+              <a:defRPr sz="1000" b="1" kern="1200">
+                <a:solidFill>
+                  <a:schemeClr val="tx1"/>
+                </a:solidFill>
+                <a:latin typeface="Arial" charset="0"/>
+                <a:ea typeface="宋体" charset="-122"/>
+                <a:cs typeface="ＭＳ Ｐゴシック" charset="0"/>
+              </a:defRPr>
+            </a:lvl1pPr>
+            <a:lvl2pPr marL="457200" algn="l" rtl="0" eaLnBrk="0" fontAlgn="base" hangingPunct="0">
+              <a:spcBef>
+                <a:spcPct val="0"/>
+              </a:spcBef>
+              <a:spcAft>
+                <a:spcPct val="0"/>
+              </a:spcAft>
+              <a:defRPr b="1" kern="1200">
+                <a:solidFill>
+                  <a:schemeClr val="tx1"/>
+                </a:solidFill>
+                <a:latin typeface="Comic Sans MS" charset="0"/>
+                <a:ea typeface="ＭＳ Ｐゴシック" charset="0"/>
+                <a:cs typeface="ＭＳ Ｐゴシック" charset="0"/>
+              </a:defRPr>
+            </a:lvl2pPr>
+            <a:lvl3pPr marL="914400" algn="l" rtl="0" eaLnBrk="0" fontAlgn="base" hangingPunct="0">
+              <a:spcBef>
+                <a:spcPct val="0"/>
+              </a:spcBef>
+              <a:spcAft>
+                <a:spcPct val="0"/>
+              </a:spcAft>
+              <a:defRPr b="1" kern="1200">
+                <a:solidFill>
+                  <a:schemeClr val="tx1"/>
+                </a:solidFill>
+                <a:latin typeface="Comic Sans MS" charset="0"/>
+                <a:ea typeface="ＭＳ Ｐゴシック" charset="0"/>
+                <a:cs typeface="ＭＳ Ｐゴシック" charset="0"/>
+              </a:defRPr>
+            </a:lvl3pPr>
+            <a:lvl4pPr marL="1371600" algn="l" rtl="0" eaLnBrk="0" fontAlgn="base" hangingPunct="0">
+              <a:spcBef>
+                <a:spcPct val="0"/>
+              </a:spcBef>
+              <a:spcAft>
+                <a:spcPct val="0"/>
+              </a:spcAft>
+              <a:defRPr b="1" kern="1200">
+                <a:solidFill>
+                  <a:schemeClr val="tx1"/>
+                </a:solidFill>
+                <a:latin typeface="Comic Sans MS" charset="0"/>
+                <a:ea typeface="ＭＳ Ｐゴシック" charset="0"/>
+                <a:cs typeface="ＭＳ Ｐゴシック" charset="0"/>
+              </a:defRPr>
+            </a:lvl4pPr>
+            <a:lvl5pPr marL="1828800" algn="l" rtl="0" eaLnBrk="0" fontAlgn="base" hangingPunct="0">
+              <a:spcBef>
+                <a:spcPct val="0"/>
+              </a:spcBef>
+              <a:spcAft>
+                <a:spcPct val="0"/>
+              </a:spcAft>
+              <a:defRPr b="1" kern="1200">
+                <a:solidFill>
+                  <a:schemeClr val="tx1"/>
+                </a:solidFill>
+                <a:latin typeface="Comic Sans MS" charset="0"/>
+                <a:ea typeface="ＭＳ Ｐゴシック" charset="0"/>
+                <a:cs typeface="ＭＳ Ｐゴシック" charset="0"/>
+              </a:defRPr>
+            </a:lvl5pPr>
+            <a:lvl6pPr marL="2286000" algn="l" defTabSz="457200" rtl="0" eaLnBrk="1" latinLnBrk="0" hangingPunct="1">
+              <a:defRPr b="1" kern="1200">
+                <a:solidFill>
+                  <a:schemeClr val="tx1"/>
+                </a:solidFill>
+                <a:latin typeface="Comic Sans MS" charset="0"/>
+                <a:ea typeface="ＭＳ Ｐゴシック" charset="0"/>
+                <a:cs typeface="ＭＳ Ｐゴシック" charset="0"/>
+              </a:defRPr>
+            </a:lvl6pPr>
+            <a:lvl7pPr marL="2743200" algn="l" defTabSz="457200" rtl="0" eaLnBrk="1" latinLnBrk="0" hangingPunct="1">
+              <a:defRPr b="1" kern="1200">
+                <a:solidFill>
+                  <a:schemeClr val="tx1"/>
+                </a:solidFill>
+                <a:latin typeface="Comic Sans MS" charset="0"/>
+                <a:ea typeface="ＭＳ Ｐゴシック" charset="0"/>
+                <a:cs typeface="ＭＳ Ｐゴシック" charset="0"/>
+              </a:defRPr>
+            </a:lvl7pPr>
+            <a:lvl8pPr marL="3200400" algn="l" defTabSz="457200" rtl="0" eaLnBrk="1" latinLnBrk="0" hangingPunct="1">
+              <a:defRPr b="1" kern="1200">
+                <a:solidFill>
+                  <a:schemeClr val="tx1"/>
+                </a:solidFill>
+                <a:latin typeface="Comic Sans MS" charset="0"/>
+                <a:ea typeface="ＭＳ Ｐゴシック" charset="0"/>
+                <a:cs typeface="ＭＳ Ｐゴシック" charset="0"/>
+              </a:defRPr>
+            </a:lvl8pPr>
+            <a:lvl9pPr marL="3657600" algn="l" defTabSz="457200" rtl="0" eaLnBrk="1" latinLnBrk="0" hangingPunct="1">
+              <a:defRPr b="1" kern="1200">
+                <a:solidFill>
+                  <a:schemeClr val="tx1"/>
+                </a:solidFill>
+                <a:latin typeface="Comic Sans MS" charset="0"/>
+                <a:ea typeface="ＭＳ Ｐゴシック" charset="0"/>
+                <a:cs typeface="ＭＳ Ｐゴシック" charset="0"/>
+              </a:defRPr>
+            </a:lvl9pPr>
+          </a:lstStyle>
+          <a:p>
+            <a:pPr>
+              <a:defRPr/>
+            </a:pPr>
+            <a:fld id="{198846B4-9419-4C68-9E06-408D83002EEA}" type="slidenum">
+              <a:rPr lang="en-US" altLang="zh-CN" smtClean="0">
+                <a:solidFill>
+                  <a:srgbClr val="000000"/>
+                </a:solidFill>
+              </a:rPr>
+              <a:pPr>
+                <a:defRPr/>
+              </a:pPr>
+              <a:t>11</a:t>
+            </a:fld>
+            <a:endParaRPr lang="en-US" altLang="zh-CN" b="0">
+              <a:solidFill>
+                <a:srgbClr val="000000"/>
+              </a:solidFill>
+              <a:cs typeface="+mn-cs"/>
+            </a:endParaRPr>
+          </a:p>
+        </p:txBody>
+      </p:sp>
+      <p:pic>
+        <p:nvPicPr>
+          <p:cNvPr id="121858" name="Picture 2"/>
+          <p:cNvPicPr>
+            <a:picLocks noChangeAspect="1" noChangeArrowheads="1"/>
+          </p:cNvPicPr>
+          <p:nvPr/>
+        </p:nvPicPr>
+        <p:blipFill>
+          <a:blip r:embed="rId2" cstate="print"/>
+          <a:srcRect/>
+          <a:stretch>
+            <a:fillRect/>
+          </a:stretch>
+        </p:blipFill>
+        <p:spPr bwMode="auto">
+          <a:xfrm>
+            <a:off x="2005779" y="0"/>
+            <a:ext cx="7718324" cy="3943764"/>
+          </a:xfrm>
+          <a:prstGeom prst="rect">
+            <a:avLst/>
+          </a:prstGeom>
+          <a:noFill/>
+          <a:ln w="9525">
+            <a:noFill/>
+            <a:miter lim="800000"/>
+            <a:headEnd/>
+            <a:tailEnd/>
+          </a:ln>
+        </p:spPr>
+      </p:pic>
+    </p:spTree>
+  </p:cSld>
+  <p:clrMapOvr>
+    <a:masterClrMapping/>
+  </p:clrMapOvr>
+  <p:transition/>
+  <p:timing>
+    <p:tnLst>
+      <p:par>
+        <p:cTn id="1" dur="indefinite" restart="never" nodeType="tmRoot">
+          <p:childTnLst>
+            <p:seq concurrent="1" nextAc="seek">
+              <p:cTn id="2" dur="indefinite" nodeType="mainSeq">
+                <p:childTnLst>
+                  <p:par>
+                    <p:cTn id="3" fill="hold">
+                      <p:stCondLst>
+                        <p:cond delay="indefinite"/>
+                      </p:stCondLst>
+                      <p:childTnLst>
+                        <p:par>
+                          <p:cTn id="4" fill="hold">
+                            <p:stCondLst>
+                              <p:cond delay="0"/>
+                            </p:stCondLst>
+                            <p:childTnLst>
+                              <p:par>
+                                <p:cTn id="5" presetID="1" presetClass="entr" presetSubtype="0" fill="hold" grpId="0" nodeType="clickEffect">
+                                  <p:stCondLst>
+                                    <p:cond delay="0"/>
+                                  </p:stCondLst>
+                                  <p:childTnLst>
+                                    <p:set>
+                                      <p:cBhvr>
+                                        <p:cTn id="6" dur="1" fill="hold">
+                                          <p:stCondLst>
+                                            <p:cond delay="0"/>
+                                          </p:stCondLst>
+                                        </p:cTn>
+                                        <p:tgtEl>
+                                          <p:spTgt spid="3">
+                                            <p:txEl>
+                                              <p:pRg st="0" end="0"/>
+                                            </p:txEl>
+                                          </p:spTgt>
+                                        </p:tgtEl>
+                                        <p:attrNameLst>
+                                          <p:attrName>style.visibility</p:attrName>
+                                        </p:attrNameLst>
+                                      </p:cBhvr>
+                                      <p:to>
+                                        <p:strVal val="visible"/>
+                                      </p:to>
+                                    </p:set>
+                                  </p:childTnLst>
+                                </p:cTn>
+                              </p:par>
+                              <p:par>
+                                <p:cTn id="7" presetID="1" presetClass="entr" presetSubtype="0" fill="hold" grpId="0" nodeType="withEffect">
+                                  <p:stCondLst>
+                                    <p:cond delay="0"/>
+                                  </p:stCondLst>
+                                  <p:childTnLst>
+                                    <p:set>
+                                      <p:cBhvr>
+                                        <p:cTn id="8" dur="1" fill="hold">
+                                          <p:stCondLst>
+                                            <p:cond delay="0"/>
+                                          </p:stCondLst>
+                                        </p:cTn>
+                                        <p:tgtEl>
+                                          <p:spTgt spid="3">
+                                            <p:txEl>
+                                              <p:pRg st="1" end="1"/>
+                                            </p:txEl>
+                                          </p:spTgt>
+                                        </p:tgtEl>
+                                        <p:attrNameLst>
+                                          <p:attrName>style.visibility</p:attrName>
+                                        </p:attrNameLst>
+                                      </p:cBhvr>
+                                      <p:to>
+                                        <p:strVal val="visible"/>
+                                      </p:to>
+                                    </p:set>
+                                  </p:childTnLst>
+                                </p:cTn>
+                              </p:par>
+                              <p:par>
+                                <p:cTn id="9" presetID="1" presetClass="entr" presetSubtype="0" fill="hold" grpId="0" nodeType="withEffect">
+                                  <p:stCondLst>
+                                    <p:cond delay="0"/>
+                                  </p:stCondLst>
+                                  <p:childTnLst>
+                                    <p:set>
+                                      <p:cBhvr>
+                                        <p:cTn id="10" dur="1" fill="hold">
+                                          <p:stCondLst>
+                                            <p:cond delay="0"/>
+                                          </p:stCondLst>
+                                        </p:cTn>
+                                        <p:tgtEl>
+                                          <p:spTgt spid="3">
+                                            <p:txEl>
+                                              <p:pRg st="2" end="2"/>
+                                            </p:txEl>
+                                          </p:spTgt>
+                                        </p:tgtEl>
+                                        <p:attrNameLst>
+                                          <p:attrName>style.visibility</p:attrName>
+                                        </p:attrNameLst>
+                                      </p:cBhvr>
+                                      <p:to>
+                                        <p:strVal val="visible"/>
+                                      </p:to>
+                                    </p:set>
+                                  </p:childTnLst>
+                                </p:cTn>
+                              </p:par>
+                              <p:par>
+                                <p:cTn id="11" presetID="1" presetClass="entr" presetSubtype="0" fill="hold" grpId="0" nodeType="withEffect">
+                                  <p:stCondLst>
+                                    <p:cond delay="0"/>
+                                  </p:stCondLst>
+                                  <p:childTnLst>
+                                    <p:set>
+                                      <p:cBhvr>
+                                        <p:cTn id="12" dur="1" fill="hold">
+                                          <p:stCondLst>
+                                            <p:cond delay="0"/>
+                                          </p:stCondLst>
+                                        </p:cTn>
+                                        <p:tgtEl>
+                                          <p:spTgt spid="3">
+                                            <p:txEl>
+                                              <p:pRg st="3" end="3"/>
+                                            </p:txEl>
+                                          </p:spTgt>
+                                        </p:tgtEl>
+                                        <p:attrNameLst>
+                                          <p:attrName>style.visibility</p:attrName>
+                                        </p:attrNameLst>
+                                      </p:cBhvr>
+                                      <p:to>
+                                        <p:strVal val="visible"/>
+                                      </p:to>
+                                    </p:set>
+                                  </p:childTnLst>
+                                </p:cTn>
+                              </p:par>
+                              <p:par>
+                                <p:cTn id="13" presetID="1" presetClass="entr" presetSubtype="0" fill="hold" grpId="0" nodeType="withEffect">
+                                  <p:stCondLst>
+                                    <p:cond delay="0"/>
+                                  </p:stCondLst>
+                                  <p:childTnLst>
+                                    <p:set>
+                                      <p:cBhvr>
+                                        <p:cTn id="14" dur="1" fill="hold">
+                                          <p:stCondLst>
+                                            <p:cond delay="0"/>
+                                          </p:stCondLst>
+                                        </p:cTn>
+                                        <p:tgtEl>
+                                          <p:spTgt spid="3">
+                                            <p:txEl>
+                                              <p:pRg st="4" end="4"/>
+                                            </p:txEl>
+                                          </p:spTgt>
+                                        </p:tgtEl>
+                                        <p:attrNameLst>
+                                          <p:attrName>style.visibility</p:attrName>
+                                        </p:attrNameLst>
+                                      </p:cBhvr>
+                                      <p:to>
+                                        <p:strVal val="visible"/>
+                                      </p:to>
+                                    </p:set>
+                                  </p:childTnLst>
+                                </p:cTn>
+                              </p:par>
+                            </p:childTnLst>
+                          </p:cTn>
+                        </p:par>
+                      </p:childTnLst>
+                    </p:cTn>
+                  </p:par>
+                </p:childTnLst>
+              </p:cTn>
+              <p:prevCondLst>
+                <p:cond evt="onPrev" delay="0">
+                  <p:tgtEl>
+                    <p:sldTgt/>
+                  </p:tgtEl>
+                </p:cond>
+              </p:prevCondLst>
+              <p:nextCondLst>
+                <p:cond evt="onNext" delay="0">
+                  <p:tgtEl>
+                    <p:sldTgt/>
+                  </p:tgtEl>
+                </p:cond>
+              </p:nextCondLst>
+            </p:seq>
+          </p:childTnLst>
+        </p:cTn>
+      </p:par>
+    </p:tnLst>
+    <p:bldLst>
+      <p:bldP spid="3" grpId="0" build="p"/>
+    </p:bldLst>
+  </p:timing>
+</p:sld>
+</file>
+
+<file path=ppt/slides/slide12.xml><?xml version="1.0" encoding="utf-8"?>
+<p:sld xmlns:a="http://schemas.openxmlformats.org/drawingml/2006/main" xmlns:r="http://schemas.openxmlformats.org/officeDocument/2006/relationships" xmlns:p="http://schemas.openxmlformats.org/presentationml/2006/main">
+  <p:cSld>
+    <p:spTree>
+      <p:nvGrpSpPr>
+        <p:cNvPr id="1" name=""/>
+        <p:cNvGrpSpPr/>
+        <p:nvPr/>
+      </p:nvGrpSpPr>
+      <p:grpSpPr>
+        <a:xfrm>
+          <a:off x="0" y="0"/>
+          <a:ext cx="0" cy="0"/>
+          <a:chOff x="0" y="0"/>
+          <a:chExt cx="0" cy="0"/>
+        </a:xfrm>
+      </p:grpSpPr>
+      <p:sp>
+        <p:nvSpPr>
+          <p:cNvPr id="2" name="Title 1"/>
+          <p:cNvSpPr>
+            <a:spLocks noGrp="1"/>
+          </p:cNvSpPr>
+          <p:nvPr>
+            <p:ph type="title"/>
+          </p:nvPr>
+        </p:nvSpPr>
+        <p:spPr/>
+        <p:txBody>
+          <a:bodyPr/>
+          <a:lstStyle/>
+          <a:p>
+            <a:r>
+              <a:rPr lang="en-US" dirty="0"/>
+              <a:t>Dining Lawyers Questions I</a:t>
+            </a:r>
+          </a:p>
+        </p:txBody>
+      </p:sp>
+      <p:sp>
+        <p:nvSpPr>
+          <p:cNvPr id="3" name="Content Placeholder 2"/>
+          <p:cNvSpPr>
+            <a:spLocks noGrp="1"/>
+          </p:cNvSpPr>
+          <p:nvPr>
+            <p:ph idx="1"/>
+          </p:nvPr>
+        </p:nvSpPr>
+        <p:spPr/>
+        <p:txBody>
+          <a:bodyPr/>
+          <a:lstStyle/>
+          <a:p>
+            <a:r>
+              <a:rPr lang="en-US" dirty="0"/>
+              <a:t>Q: Why didn’t we check for the case of </a:t>
+            </a:r>
+            <a:r>
+              <a:rPr lang="en-US" i="1" dirty="0" err="1"/>
+              <a:t>NumChopsticks</a:t>
+            </a:r>
+            <a:r>
+              <a:rPr lang="en-US" i="1" dirty="0"/>
+              <a:t> == 0</a:t>
+            </a:r>
+            <a:r>
+              <a:rPr lang="en-US" dirty="0"/>
+              <a:t>?</a:t>
+            </a:r>
+          </a:p>
+          <a:p>
+            <a:r>
+              <a:rPr lang="en-US" dirty="0"/>
+              <a:t>A: In this case, </a:t>
+            </a:r>
+            <a:r>
+              <a:rPr lang="en-US" i="1" dirty="0"/>
+              <a:t>(NumChopsticks-1) == -1</a:t>
+            </a:r>
+            <a:r>
+              <a:rPr lang="en-US" dirty="0"/>
+              <a:t>, hence the if statement would always fail – exactly what we would want to do when </a:t>
+            </a:r>
+            <a:r>
+              <a:rPr lang="en-US" i="1" dirty="0" err="1"/>
+              <a:t>NumChopsticks</a:t>
+            </a:r>
+            <a:r>
+              <a:rPr lang="en-US" i="1" dirty="0"/>
+              <a:t> == 0</a:t>
+            </a:r>
+          </a:p>
+        </p:txBody>
+      </p:sp>
+      <p:sp>
+        <p:nvSpPr>
+          <p:cNvPr id="4" name="Date Placeholder 3"/>
+          <p:cNvSpPr>
+            <a:spLocks noGrp="1"/>
+          </p:cNvSpPr>
+          <p:nvPr>
+            <p:ph type="dt" sz="half" idx="10"/>
+          </p:nvPr>
+        </p:nvSpPr>
+        <p:spPr>
+          <a:xfrm>
+            <a:off x="609600" y="6248400"/>
+            <a:ext cx="5852584" cy="457200"/>
+          </a:xfrm>
+          <a:prstGeom prst="rect">
+            <a:avLst/>
+          </a:prstGeom>
+          <a:ln/>
+        </p:spPr>
+        <p:txBody>
+          <a:bodyPr/>
+          <a:lstStyle>
+            <a:defPPr>
+              <a:defRPr lang="en-US"/>
+            </a:defPPr>
+            <a:lvl1pPr algn="l" rtl="0" eaLnBrk="0" fontAlgn="base" hangingPunct="0">
+              <a:spcBef>
+                <a:spcPct val="0"/>
+              </a:spcBef>
+              <a:spcAft>
+                <a:spcPct val="0"/>
+              </a:spcAft>
+              <a:defRPr b="1" kern="1200">
+                <a:solidFill>
+                  <a:schemeClr val="tx1"/>
+                </a:solidFill>
+                <a:latin typeface="Comic Sans MS" charset="0"/>
+                <a:ea typeface="ＭＳ Ｐゴシック" charset="0"/>
+                <a:cs typeface="ＭＳ Ｐゴシック" charset="0"/>
+              </a:defRPr>
+            </a:lvl1pPr>
+            <a:lvl2pPr marL="457200" algn="l" rtl="0" eaLnBrk="0" fontAlgn="base" hangingPunct="0">
+              <a:spcBef>
+                <a:spcPct val="0"/>
+              </a:spcBef>
+              <a:spcAft>
+                <a:spcPct val="0"/>
+              </a:spcAft>
+              <a:defRPr b="1" kern="1200">
+                <a:solidFill>
+                  <a:schemeClr val="tx1"/>
+                </a:solidFill>
+                <a:latin typeface="Comic Sans MS" charset="0"/>
+                <a:ea typeface="ＭＳ Ｐゴシック" charset="0"/>
+                <a:cs typeface="ＭＳ Ｐゴシック" charset="0"/>
+              </a:defRPr>
+            </a:lvl2pPr>
+            <a:lvl3pPr marL="914400" algn="l" rtl="0" eaLnBrk="0" fontAlgn="base" hangingPunct="0">
+              <a:spcBef>
+                <a:spcPct val="0"/>
+              </a:spcBef>
+              <a:spcAft>
+                <a:spcPct val="0"/>
+              </a:spcAft>
+              <a:defRPr b="1" kern="1200">
+                <a:solidFill>
+                  <a:schemeClr val="tx1"/>
+                </a:solidFill>
+                <a:latin typeface="Comic Sans MS" charset="0"/>
+                <a:ea typeface="ＭＳ Ｐゴシック" charset="0"/>
+                <a:cs typeface="ＭＳ Ｐゴシック" charset="0"/>
+              </a:defRPr>
+            </a:lvl3pPr>
+            <a:lvl4pPr marL="1371600" algn="l" rtl="0" eaLnBrk="0" fontAlgn="base" hangingPunct="0">
+              <a:spcBef>
+                <a:spcPct val="0"/>
+              </a:spcBef>
+              <a:spcAft>
+                <a:spcPct val="0"/>
+              </a:spcAft>
+              <a:defRPr b="1" kern="1200">
+                <a:solidFill>
+                  <a:schemeClr val="tx1"/>
+                </a:solidFill>
+                <a:latin typeface="Comic Sans MS" charset="0"/>
+                <a:ea typeface="ＭＳ Ｐゴシック" charset="0"/>
+                <a:cs typeface="ＭＳ Ｐゴシック" charset="0"/>
+              </a:defRPr>
+            </a:lvl4pPr>
+            <a:lvl5pPr marL="1828800" algn="l" rtl="0" eaLnBrk="0" fontAlgn="base" hangingPunct="0">
+              <a:spcBef>
+                <a:spcPct val="0"/>
+              </a:spcBef>
+              <a:spcAft>
+                <a:spcPct val="0"/>
+              </a:spcAft>
+              <a:defRPr b="1" kern="1200">
+                <a:solidFill>
+                  <a:schemeClr val="tx1"/>
+                </a:solidFill>
+                <a:latin typeface="Comic Sans MS" charset="0"/>
+                <a:ea typeface="ＭＳ Ｐゴシック" charset="0"/>
+                <a:cs typeface="ＭＳ Ｐゴシック" charset="0"/>
+              </a:defRPr>
+            </a:lvl5pPr>
+            <a:lvl6pPr marL="2286000" algn="l" defTabSz="457200" rtl="0" eaLnBrk="1" latinLnBrk="0" hangingPunct="1">
+              <a:defRPr b="1" kern="1200">
+                <a:solidFill>
+                  <a:schemeClr val="tx1"/>
+                </a:solidFill>
+                <a:latin typeface="Comic Sans MS" charset="0"/>
+                <a:ea typeface="ＭＳ Ｐゴシック" charset="0"/>
+                <a:cs typeface="ＭＳ Ｐゴシック" charset="0"/>
+              </a:defRPr>
+            </a:lvl6pPr>
+            <a:lvl7pPr marL="2743200" algn="l" defTabSz="457200" rtl="0" eaLnBrk="1" latinLnBrk="0" hangingPunct="1">
+              <a:defRPr b="1" kern="1200">
+                <a:solidFill>
+                  <a:schemeClr val="tx1"/>
+                </a:solidFill>
+                <a:latin typeface="Comic Sans MS" charset="0"/>
+                <a:ea typeface="ＭＳ Ｐゴシック" charset="0"/>
+                <a:cs typeface="ＭＳ Ｐゴシック" charset="0"/>
+              </a:defRPr>
+            </a:lvl7pPr>
+            <a:lvl8pPr marL="3200400" algn="l" defTabSz="457200" rtl="0" eaLnBrk="1" latinLnBrk="0" hangingPunct="1">
+              <a:defRPr b="1" kern="1200">
+                <a:solidFill>
+                  <a:schemeClr val="tx1"/>
+                </a:solidFill>
+                <a:latin typeface="Comic Sans MS" charset="0"/>
+                <a:ea typeface="ＭＳ Ｐゴシック" charset="0"/>
+                <a:cs typeface="ＭＳ Ｐゴシック" charset="0"/>
+              </a:defRPr>
+            </a:lvl8pPr>
+            <a:lvl9pPr marL="3657600" algn="l" defTabSz="457200" rtl="0" eaLnBrk="1" latinLnBrk="0" hangingPunct="1">
+              <a:defRPr b="1" kern="1200">
+                <a:solidFill>
+                  <a:schemeClr val="tx1"/>
+                </a:solidFill>
+                <a:latin typeface="Comic Sans MS" charset="0"/>
+                <a:ea typeface="ＭＳ Ｐゴシック" charset="0"/>
+                <a:cs typeface="ＭＳ Ｐゴシック" charset="0"/>
+              </a:defRPr>
+            </a:lvl9pPr>
+          </a:lstStyle>
+          <a:p>
+            <a:pPr algn="ctr">
+              <a:defRPr/>
+            </a:pPr>
+            <a:r>
+              <a:rPr lang="en-US">
+                <a:solidFill>
+                  <a:srgbClr val="000000"/>
+                </a:solidFill>
+              </a:rPr>
+              <a:t> © Zonghua Gu, CMPT 300, Fall 2011 </a:t>
+            </a:r>
+            <a:endParaRPr lang="en-US" b="0">
+              <a:solidFill>
+                <a:srgbClr val="000000"/>
+              </a:solidFill>
+              <a:latin typeface="Times New Roman" pitchFamily="18" charset="0"/>
+              <a:ea typeface="+mn-ea"/>
+              <a:cs typeface="+mn-cs"/>
+            </a:endParaRPr>
+          </a:p>
+        </p:txBody>
+      </p:sp>
+      <p:sp>
+        <p:nvSpPr>
+          <p:cNvPr id="5" name="Slide Number Placeholder 4"/>
+          <p:cNvSpPr>
+            <a:spLocks noGrp="1"/>
+          </p:cNvSpPr>
+          <p:nvPr>
+            <p:ph type="sldNum" sz="quarter" idx="11"/>
+          </p:nvPr>
+        </p:nvSpPr>
+        <p:spPr bwMode="auto">
+          <a:xfrm>
+            <a:off x="9042400" y="6364288"/>
+            <a:ext cx="2540000" cy="457200"/>
+          </a:xfrm>
+          <a:prstGeom prst="rect">
+            <a:avLst/>
+          </a:prstGeom>
+          <a:noFill/>
+          <a:ln w="9525">
+            <a:noFill/>
+            <a:miter lim="800000"/>
+            <a:headEnd/>
+            <a:tailEnd/>
+          </a:ln>
+          <a:effectLst/>
+        </p:spPr>
+        <p:txBody>
+          <a:bodyPr vert="horz" wrap="square" lIns="91440" tIns="45720" rIns="91440" bIns="45720" numCol="1" anchor="t" anchorCtr="0" compatLnSpc="1">
+            <a:prstTxWarp prst="textNoShape">
+              <a:avLst/>
+            </a:prstTxWarp>
+          </a:bodyPr>
+          <a:lstStyle>
+            <a:defPPr>
+              <a:defRPr lang="en-US"/>
+            </a:defPPr>
+            <a:lvl1pPr algn="r" rtl="0" eaLnBrk="1" fontAlgn="base" hangingPunct="1">
+              <a:spcBef>
+                <a:spcPct val="0"/>
+              </a:spcBef>
+              <a:spcAft>
+                <a:spcPct val="0"/>
+              </a:spcAft>
+              <a:defRPr sz="1000" b="1" kern="1200">
+                <a:solidFill>
+                  <a:schemeClr val="tx1"/>
+                </a:solidFill>
+                <a:latin typeface="Arial" charset="0"/>
+                <a:ea typeface="宋体" charset="-122"/>
+                <a:cs typeface="ＭＳ Ｐゴシック" charset="0"/>
+              </a:defRPr>
+            </a:lvl1pPr>
+            <a:lvl2pPr marL="457200" algn="l" rtl="0" eaLnBrk="0" fontAlgn="base" hangingPunct="0">
+              <a:spcBef>
+                <a:spcPct val="0"/>
+              </a:spcBef>
+              <a:spcAft>
+                <a:spcPct val="0"/>
+              </a:spcAft>
+              <a:defRPr b="1" kern="1200">
+                <a:solidFill>
+                  <a:schemeClr val="tx1"/>
+                </a:solidFill>
+                <a:latin typeface="Comic Sans MS" charset="0"/>
+                <a:ea typeface="ＭＳ Ｐゴシック" charset="0"/>
+                <a:cs typeface="ＭＳ Ｐゴシック" charset="0"/>
+              </a:defRPr>
+            </a:lvl2pPr>
+            <a:lvl3pPr marL="914400" algn="l" rtl="0" eaLnBrk="0" fontAlgn="base" hangingPunct="0">
+              <a:spcBef>
+                <a:spcPct val="0"/>
+              </a:spcBef>
+              <a:spcAft>
+                <a:spcPct val="0"/>
+              </a:spcAft>
+              <a:defRPr b="1" kern="1200">
+                <a:solidFill>
+                  <a:schemeClr val="tx1"/>
+                </a:solidFill>
+                <a:latin typeface="Comic Sans MS" charset="0"/>
+                <a:ea typeface="ＭＳ Ｐゴシック" charset="0"/>
+                <a:cs typeface="ＭＳ Ｐゴシック" charset="0"/>
+              </a:defRPr>
+            </a:lvl3pPr>
+            <a:lvl4pPr marL="1371600" algn="l" rtl="0" eaLnBrk="0" fontAlgn="base" hangingPunct="0">
+              <a:spcBef>
+                <a:spcPct val="0"/>
+              </a:spcBef>
+              <a:spcAft>
+                <a:spcPct val="0"/>
+              </a:spcAft>
+              <a:defRPr b="1" kern="1200">
+                <a:solidFill>
+                  <a:schemeClr val="tx1"/>
+                </a:solidFill>
+                <a:latin typeface="Comic Sans MS" charset="0"/>
+                <a:ea typeface="ＭＳ Ｐゴシック" charset="0"/>
+                <a:cs typeface="ＭＳ Ｐゴシック" charset="0"/>
+              </a:defRPr>
+            </a:lvl4pPr>
+            <a:lvl5pPr marL="1828800" algn="l" rtl="0" eaLnBrk="0" fontAlgn="base" hangingPunct="0">
+              <a:spcBef>
+                <a:spcPct val="0"/>
+              </a:spcBef>
+              <a:spcAft>
+                <a:spcPct val="0"/>
+              </a:spcAft>
+              <a:defRPr b="1" kern="1200">
+                <a:solidFill>
+                  <a:schemeClr val="tx1"/>
+                </a:solidFill>
+                <a:latin typeface="Comic Sans MS" charset="0"/>
+                <a:ea typeface="ＭＳ Ｐゴシック" charset="0"/>
+                <a:cs typeface="ＭＳ Ｐゴシック" charset="0"/>
+              </a:defRPr>
+            </a:lvl5pPr>
+            <a:lvl6pPr marL="2286000" algn="l" defTabSz="457200" rtl="0" eaLnBrk="1" latinLnBrk="0" hangingPunct="1">
+              <a:defRPr b="1" kern="1200">
+                <a:solidFill>
+                  <a:schemeClr val="tx1"/>
+                </a:solidFill>
+                <a:latin typeface="Comic Sans MS" charset="0"/>
+                <a:ea typeface="ＭＳ Ｐゴシック" charset="0"/>
+                <a:cs typeface="ＭＳ Ｐゴシック" charset="0"/>
+              </a:defRPr>
+            </a:lvl6pPr>
+            <a:lvl7pPr marL="2743200" algn="l" defTabSz="457200" rtl="0" eaLnBrk="1" latinLnBrk="0" hangingPunct="1">
+              <a:defRPr b="1" kern="1200">
+                <a:solidFill>
+                  <a:schemeClr val="tx1"/>
+                </a:solidFill>
+                <a:latin typeface="Comic Sans MS" charset="0"/>
+                <a:ea typeface="ＭＳ Ｐゴシック" charset="0"/>
+                <a:cs typeface="ＭＳ Ｐゴシック" charset="0"/>
+              </a:defRPr>
+            </a:lvl7pPr>
+            <a:lvl8pPr marL="3200400" algn="l" defTabSz="457200" rtl="0" eaLnBrk="1" latinLnBrk="0" hangingPunct="1">
+              <a:defRPr b="1" kern="1200">
+                <a:solidFill>
+                  <a:schemeClr val="tx1"/>
+                </a:solidFill>
+                <a:latin typeface="Comic Sans MS" charset="0"/>
+                <a:ea typeface="ＭＳ Ｐゴシック" charset="0"/>
+                <a:cs typeface="ＭＳ Ｐゴシック" charset="0"/>
+              </a:defRPr>
+            </a:lvl8pPr>
+            <a:lvl9pPr marL="3657600" algn="l" defTabSz="457200" rtl="0" eaLnBrk="1" latinLnBrk="0" hangingPunct="1">
+              <a:defRPr b="1" kern="1200">
+                <a:solidFill>
+                  <a:schemeClr val="tx1"/>
+                </a:solidFill>
+                <a:latin typeface="Comic Sans MS" charset="0"/>
+                <a:ea typeface="ＭＳ Ｐゴシック" charset="0"/>
+                <a:cs typeface="ＭＳ Ｐゴシック" charset="0"/>
+              </a:defRPr>
+            </a:lvl9pPr>
+          </a:lstStyle>
+          <a:p>
+            <a:pPr>
+              <a:defRPr/>
+            </a:pPr>
+            <a:fld id="{198846B4-9419-4C68-9E06-408D83002EEA}" type="slidenum">
+              <a:rPr lang="en-US" altLang="zh-CN" smtClean="0">
+                <a:solidFill>
+                  <a:srgbClr val="000000"/>
+                </a:solidFill>
+              </a:rPr>
+              <a:pPr>
+                <a:defRPr/>
+              </a:pPr>
+              <a:t>12</a:t>
+            </a:fld>
+            <a:endParaRPr lang="en-US" altLang="zh-CN" b="0">
+              <a:solidFill>
+                <a:srgbClr val="000000"/>
+              </a:solidFill>
+              <a:cs typeface="+mn-cs"/>
+            </a:endParaRPr>
+          </a:p>
+        </p:txBody>
+      </p:sp>
+    </p:spTree>
+  </p:cSld>
+  <p:clrMapOvr>
+    <a:masterClrMapping/>
+  </p:clrMapOvr>
+  <p:transition/>
+</p:sld>
+</file>
+
+<file path=ppt/slides/slide13.xml><?xml version="1.0" encoding="utf-8"?>
+<p:sld xmlns:a="http://schemas.openxmlformats.org/drawingml/2006/main" xmlns:r="http://schemas.openxmlformats.org/officeDocument/2006/relationships" xmlns:p="http://schemas.openxmlformats.org/presentationml/2006/main">
+  <p:cSld>
+    <p:spTree>
+      <p:nvGrpSpPr>
+        <p:cNvPr id="1" name=""/>
+        <p:cNvGrpSpPr/>
+        <p:nvPr/>
+      </p:nvGrpSpPr>
+      <p:grpSpPr>
+        <a:xfrm>
+          <a:off x="0" y="0"/>
+          <a:ext cx="0" cy="0"/>
+          <a:chOff x="0" y="0"/>
+          <a:chExt cx="0" cy="0"/>
+        </a:xfrm>
+      </p:grpSpPr>
+      <p:sp>
+        <p:nvSpPr>
+          <p:cNvPr id="2" name="Title 1"/>
+          <p:cNvSpPr>
+            <a:spLocks noGrp="1"/>
+          </p:cNvSpPr>
+          <p:nvPr>
+            <p:ph type="title"/>
+          </p:nvPr>
+        </p:nvSpPr>
+        <p:spPr/>
+        <p:txBody>
+          <a:bodyPr/>
+          <a:lstStyle/>
+          <a:p>
+            <a:r>
+              <a:rPr lang="en-US" dirty="0"/>
+              <a:t>Dining Lawyers Questions II</a:t>
+            </a:r>
+          </a:p>
+        </p:txBody>
+      </p:sp>
+      <p:sp>
+        <p:nvSpPr>
+          <p:cNvPr id="3" name="Content Placeholder 2"/>
+          <p:cNvSpPr>
+            <a:spLocks noGrp="1"/>
+          </p:cNvSpPr>
+          <p:nvPr>
+            <p:ph idx="1"/>
+          </p:nvPr>
+        </p:nvSpPr>
+        <p:spPr/>
+        <p:txBody>
+          <a:bodyPr/>
+          <a:lstStyle/>
+          <a:p>
+            <a:r>
+              <a:rPr lang="en-US" dirty="0"/>
+              <a:t>Q: Is it a generalization of the 2-armed Dining Philosophers problem?</a:t>
+            </a:r>
+          </a:p>
+          <a:p>
+            <a:r>
+              <a:rPr lang="en-US" dirty="0"/>
+              <a:t>A: Not exactly. Since the chopsticks are in a pile at center of the table, we should model them as a single resource with multiple instances, instead of multiple resources for the Dining Philosophers. Hence the </a:t>
+            </a:r>
+            <a:r>
+              <a:rPr lang="en-US" i="1" dirty="0"/>
+              <a:t>R</a:t>
+            </a:r>
+            <a:r>
+              <a:rPr lang="en-US" dirty="0"/>
+              <a:t> and </a:t>
+            </a:r>
+            <a:r>
+              <a:rPr lang="en-US" i="1" dirty="0"/>
+              <a:t>C</a:t>
+            </a:r>
+            <a:r>
+              <a:rPr lang="en-US" dirty="0"/>
+              <a:t> matrices have a single column.</a:t>
+            </a:r>
+          </a:p>
+          <a:p>
+            <a:endParaRPr lang="en-US" dirty="0"/>
+          </a:p>
+          <a:p>
+            <a:endParaRPr lang="en-US" dirty="0"/>
+          </a:p>
+        </p:txBody>
+      </p:sp>
+      <p:sp>
+        <p:nvSpPr>
+          <p:cNvPr id="4" name="Date Placeholder 3"/>
+          <p:cNvSpPr>
+            <a:spLocks noGrp="1"/>
+          </p:cNvSpPr>
+          <p:nvPr>
+            <p:ph type="dt" sz="half" idx="10"/>
+          </p:nvPr>
+        </p:nvSpPr>
+        <p:spPr>
+          <a:xfrm>
+            <a:off x="609600" y="6248400"/>
+            <a:ext cx="5852584" cy="457200"/>
+          </a:xfrm>
+          <a:prstGeom prst="rect">
+            <a:avLst/>
+          </a:prstGeom>
+          <a:ln/>
+        </p:spPr>
+        <p:txBody>
+          <a:bodyPr/>
+          <a:lstStyle>
+            <a:defPPr>
+              <a:defRPr lang="en-US"/>
+            </a:defPPr>
+            <a:lvl1pPr algn="l" rtl="0" eaLnBrk="0" fontAlgn="base" hangingPunct="0">
+              <a:spcBef>
+                <a:spcPct val="0"/>
+              </a:spcBef>
+              <a:spcAft>
+                <a:spcPct val="0"/>
+              </a:spcAft>
+              <a:defRPr b="1" kern="1200">
+                <a:solidFill>
+                  <a:schemeClr val="tx1"/>
+                </a:solidFill>
+                <a:latin typeface="Comic Sans MS" charset="0"/>
+                <a:ea typeface="ＭＳ Ｐゴシック" charset="0"/>
+                <a:cs typeface="ＭＳ Ｐゴシック" charset="0"/>
+              </a:defRPr>
+            </a:lvl1pPr>
+            <a:lvl2pPr marL="457200" algn="l" rtl="0" eaLnBrk="0" fontAlgn="base" hangingPunct="0">
+              <a:spcBef>
+                <a:spcPct val="0"/>
+              </a:spcBef>
+              <a:spcAft>
+                <a:spcPct val="0"/>
+              </a:spcAft>
+              <a:defRPr b="1" kern="1200">
+                <a:solidFill>
+                  <a:schemeClr val="tx1"/>
+                </a:solidFill>
+                <a:latin typeface="Comic Sans MS" charset="0"/>
+                <a:ea typeface="ＭＳ Ｐゴシック" charset="0"/>
+                <a:cs typeface="ＭＳ Ｐゴシック" charset="0"/>
+              </a:defRPr>
+            </a:lvl2pPr>
+            <a:lvl3pPr marL="914400" algn="l" rtl="0" eaLnBrk="0" fontAlgn="base" hangingPunct="0">
+              <a:spcBef>
+                <a:spcPct val="0"/>
+              </a:spcBef>
+              <a:spcAft>
+                <a:spcPct val="0"/>
+              </a:spcAft>
+              <a:defRPr b="1" kern="1200">
+                <a:solidFill>
+                  <a:schemeClr val="tx1"/>
+                </a:solidFill>
+                <a:latin typeface="Comic Sans MS" charset="0"/>
+                <a:ea typeface="ＭＳ Ｐゴシック" charset="0"/>
+                <a:cs typeface="ＭＳ Ｐゴシック" charset="0"/>
+              </a:defRPr>
+            </a:lvl3pPr>
+            <a:lvl4pPr marL="1371600" algn="l" rtl="0" eaLnBrk="0" fontAlgn="base" hangingPunct="0">
+              <a:spcBef>
+                <a:spcPct val="0"/>
+              </a:spcBef>
+              <a:spcAft>
+                <a:spcPct val="0"/>
+              </a:spcAft>
+              <a:defRPr b="1" kern="1200">
+                <a:solidFill>
+                  <a:schemeClr val="tx1"/>
+                </a:solidFill>
+                <a:latin typeface="Comic Sans MS" charset="0"/>
+                <a:ea typeface="ＭＳ Ｐゴシック" charset="0"/>
+                <a:cs typeface="ＭＳ Ｐゴシック" charset="0"/>
+              </a:defRPr>
+            </a:lvl4pPr>
+            <a:lvl5pPr marL="1828800" algn="l" rtl="0" eaLnBrk="0" fontAlgn="base" hangingPunct="0">
+              <a:spcBef>
+                <a:spcPct val="0"/>
+              </a:spcBef>
+              <a:spcAft>
+                <a:spcPct val="0"/>
+              </a:spcAft>
+              <a:defRPr b="1" kern="1200">
+                <a:solidFill>
+                  <a:schemeClr val="tx1"/>
+                </a:solidFill>
+                <a:latin typeface="Comic Sans MS" charset="0"/>
+                <a:ea typeface="ＭＳ Ｐゴシック" charset="0"/>
+                <a:cs typeface="ＭＳ Ｐゴシック" charset="0"/>
+              </a:defRPr>
+            </a:lvl5pPr>
+            <a:lvl6pPr marL="2286000" algn="l" defTabSz="457200" rtl="0" eaLnBrk="1" latinLnBrk="0" hangingPunct="1">
+              <a:defRPr b="1" kern="1200">
+                <a:solidFill>
+                  <a:schemeClr val="tx1"/>
+                </a:solidFill>
+                <a:latin typeface="Comic Sans MS" charset="0"/>
+                <a:ea typeface="ＭＳ Ｐゴシック" charset="0"/>
+                <a:cs typeface="ＭＳ Ｐゴシック" charset="0"/>
+              </a:defRPr>
+            </a:lvl6pPr>
+            <a:lvl7pPr marL="2743200" algn="l" defTabSz="457200" rtl="0" eaLnBrk="1" latinLnBrk="0" hangingPunct="1">
+              <a:defRPr b="1" kern="1200">
+                <a:solidFill>
+                  <a:schemeClr val="tx1"/>
+                </a:solidFill>
+                <a:latin typeface="Comic Sans MS" charset="0"/>
+                <a:ea typeface="ＭＳ Ｐゴシック" charset="0"/>
+                <a:cs typeface="ＭＳ Ｐゴシック" charset="0"/>
+              </a:defRPr>
+            </a:lvl7pPr>
+            <a:lvl8pPr marL="3200400" algn="l" defTabSz="457200" rtl="0" eaLnBrk="1" latinLnBrk="0" hangingPunct="1">
+              <a:defRPr b="1" kern="1200">
+                <a:solidFill>
+                  <a:schemeClr val="tx1"/>
+                </a:solidFill>
+                <a:latin typeface="Comic Sans MS" charset="0"/>
+                <a:ea typeface="ＭＳ Ｐゴシック" charset="0"/>
+                <a:cs typeface="ＭＳ Ｐゴシック" charset="0"/>
+              </a:defRPr>
+            </a:lvl8pPr>
+            <a:lvl9pPr marL="3657600" algn="l" defTabSz="457200" rtl="0" eaLnBrk="1" latinLnBrk="0" hangingPunct="1">
+              <a:defRPr b="1" kern="1200">
+                <a:solidFill>
+                  <a:schemeClr val="tx1"/>
+                </a:solidFill>
+                <a:latin typeface="Comic Sans MS" charset="0"/>
+                <a:ea typeface="ＭＳ Ｐゴシック" charset="0"/>
+                <a:cs typeface="ＭＳ Ｐゴシック" charset="0"/>
+              </a:defRPr>
+            </a:lvl9pPr>
+          </a:lstStyle>
+          <a:p>
+            <a:pPr algn="ctr">
+              <a:defRPr/>
+            </a:pPr>
+            <a:r>
+              <a:rPr lang="en-US">
+                <a:solidFill>
+                  <a:srgbClr val="000000"/>
+                </a:solidFill>
+              </a:rPr>
+              <a:t> © Zonghua Gu, CMPT 300, Fall 2011 </a:t>
+            </a:r>
+            <a:endParaRPr lang="en-US" b="0" dirty="0">
+              <a:solidFill>
+                <a:srgbClr val="000000"/>
+              </a:solidFill>
+              <a:latin typeface="Times New Roman" pitchFamily="18" charset="0"/>
+              <a:ea typeface="+mn-ea"/>
+              <a:cs typeface="+mn-cs"/>
+            </a:endParaRPr>
+          </a:p>
+        </p:txBody>
+      </p:sp>
+      <p:sp>
+        <p:nvSpPr>
+          <p:cNvPr id="5" name="Slide Number Placeholder 4"/>
+          <p:cNvSpPr>
+            <a:spLocks noGrp="1"/>
+          </p:cNvSpPr>
+          <p:nvPr>
+            <p:ph type="sldNum" sz="quarter" idx="11"/>
+          </p:nvPr>
+        </p:nvSpPr>
+        <p:spPr bwMode="auto">
+          <a:xfrm>
+            <a:off x="9042400" y="6364288"/>
+            <a:ext cx="2540000" cy="457200"/>
+          </a:xfrm>
+          <a:prstGeom prst="rect">
+            <a:avLst/>
+          </a:prstGeom>
+          <a:noFill/>
+          <a:ln w="9525">
+            <a:noFill/>
+            <a:miter lim="800000"/>
+            <a:headEnd/>
+            <a:tailEnd/>
+          </a:ln>
+          <a:effectLst/>
+        </p:spPr>
+        <p:txBody>
+          <a:bodyPr vert="horz" wrap="square" lIns="91440" tIns="45720" rIns="91440" bIns="45720" numCol="1" anchor="t" anchorCtr="0" compatLnSpc="1">
+            <a:prstTxWarp prst="textNoShape">
+              <a:avLst/>
+            </a:prstTxWarp>
+          </a:bodyPr>
+          <a:lstStyle>
+            <a:defPPr>
+              <a:defRPr lang="en-US"/>
+            </a:defPPr>
+            <a:lvl1pPr algn="r" rtl="0" eaLnBrk="1" fontAlgn="base" hangingPunct="1">
+              <a:spcBef>
+                <a:spcPct val="0"/>
+              </a:spcBef>
+              <a:spcAft>
+                <a:spcPct val="0"/>
+              </a:spcAft>
+              <a:defRPr sz="1000" b="1" kern="1200">
+                <a:solidFill>
+                  <a:schemeClr val="tx1"/>
+                </a:solidFill>
+                <a:latin typeface="Arial" charset="0"/>
+                <a:ea typeface="宋体" charset="-122"/>
+                <a:cs typeface="ＭＳ Ｐゴシック" charset="0"/>
+              </a:defRPr>
+            </a:lvl1pPr>
+            <a:lvl2pPr marL="457200" algn="l" rtl="0" eaLnBrk="0" fontAlgn="base" hangingPunct="0">
+              <a:spcBef>
+                <a:spcPct val="0"/>
+              </a:spcBef>
+              <a:spcAft>
+                <a:spcPct val="0"/>
+              </a:spcAft>
+              <a:defRPr b="1" kern="1200">
+                <a:solidFill>
+                  <a:schemeClr val="tx1"/>
+                </a:solidFill>
+                <a:latin typeface="Comic Sans MS" charset="0"/>
+                <a:ea typeface="ＭＳ Ｐゴシック" charset="0"/>
+                <a:cs typeface="ＭＳ Ｐゴシック" charset="0"/>
+              </a:defRPr>
+            </a:lvl2pPr>
+            <a:lvl3pPr marL="914400" algn="l" rtl="0" eaLnBrk="0" fontAlgn="base" hangingPunct="0">
+              <a:spcBef>
+                <a:spcPct val="0"/>
+              </a:spcBef>
+              <a:spcAft>
+                <a:spcPct val="0"/>
+              </a:spcAft>
+              <a:defRPr b="1" kern="1200">
+                <a:solidFill>
+                  <a:schemeClr val="tx1"/>
+                </a:solidFill>
+                <a:latin typeface="Comic Sans MS" charset="0"/>
+                <a:ea typeface="ＭＳ Ｐゴシック" charset="0"/>
+                <a:cs typeface="ＭＳ Ｐゴシック" charset="0"/>
+              </a:defRPr>
+            </a:lvl3pPr>
+            <a:lvl4pPr marL="1371600" algn="l" rtl="0" eaLnBrk="0" fontAlgn="base" hangingPunct="0">
+              <a:spcBef>
+                <a:spcPct val="0"/>
+              </a:spcBef>
+              <a:spcAft>
+                <a:spcPct val="0"/>
+              </a:spcAft>
+              <a:defRPr b="1" kern="1200">
+                <a:solidFill>
+                  <a:schemeClr val="tx1"/>
+                </a:solidFill>
+                <a:latin typeface="Comic Sans MS" charset="0"/>
+                <a:ea typeface="ＭＳ Ｐゴシック" charset="0"/>
+                <a:cs typeface="ＭＳ Ｐゴシック" charset="0"/>
+              </a:defRPr>
+            </a:lvl4pPr>
+            <a:lvl5pPr marL="1828800" algn="l" rtl="0" eaLnBrk="0" fontAlgn="base" hangingPunct="0">
+              <a:spcBef>
+                <a:spcPct val="0"/>
+              </a:spcBef>
+              <a:spcAft>
+                <a:spcPct val="0"/>
+              </a:spcAft>
+              <a:defRPr b="1" kern="1200">
+                <a:solidFill>
+                  <a:schemeClr val="tx1"/>
+                </a:solidFill>
+                <a:latin typeface="Comic Sans MS" charset="0"/>
+                <a:ea typeface="ＭＳ Ｐゴシック" charset="0"/>
+                <a:cs typeface="ＭＳ Ｐゴシック" charset="0"/>
+              </a:defRPr>
+            </a:lvl5pPr>
+            <a:lvl6pPr marL="2286000" algn="l" defTabSz="457200" rtl="0" eaLnBrk="1" latinLnBrk="0" hangingPunct="1">
+              <a:defRPr b="1" kern="1200">
+                <a:solidFill>
+                  <a:schemeClr val="tx1"/>
+                </a:solidFill>
+                <a:latin typeface="Comic Sans MS" charset="0"/>
+                <a:ea typeface="ＭＳ Ｐゴシック" charset="0"/>
+                <a:cs typeface="ＭＳ Ｐゴシック" charset="0"/>
+              </a:defRPr>
+            </a:lvl6pPr>
+            <a:lvl7pPr marL="2743200" algn="l" defTabSz="457200" rtl="0" eaLnBrk="1" latinLnBrk="0" hangingPunct="1">
+              <a:defRPr b="1" kern="1200">
+                <a:solidFill>
+                  <a:schemeClr val="tx1"/>
+                </a:solidFill>
+                <a:latin typeface="Comic Sans MS" charset="0"/>
+                <a:ea typeface="ＭＳ Ｐゴシック" charset="0"/>
+                <a:cs typeface="ＭＳ Ｐゴシック" charset="0"/>
+              </a:defRPr>
+            </a:lvl7pPr>
+            <a:lvl8pPr marL="3200400" algn="l" defTabSz="457200" rtl="0" eaLnBrk="1" latinLnBrk="0" hangingPunct="1">
+              <a:defRPr b="1" kern="1200">
+                <a:solidFill>
+                  <a:schemeClr val="tx1"/>
+                </a:solidFill>
+                <a:latin typeface="Comic Sans MS" charset="0"/>
+                <a:ea typeface="ＭＳ Ｐゴシック" charset="0"/>
+                <a:cs typeface="ＭＳ Ｐゴシック" charset="0"/>
+              </a:defRPr>
+            </a:lvl8pPr>
+            <a:lvl9pPr marL="3657600" algn="l" defTabSz="457200" rtl="0" eaLnBrk="1" latinLnBrk="0" hangingPunct="1">
+              <a:defRPr b="1" kern="1200">
+                <a:solidFill>
+                  <a:schemeClr val="tx1"/>
+                </a:solidFill>
+                <a:latin typeface="Comic Sans MS" charset="0"/>
+                <a:ea typeface="ＭＳ Ｐゴシック" charset="0"/>
+                <a:cs typeface="ＭＳ Ｐゴシック" charset="0"/>
+              </a:defRPr>
+            </a:lvl9pPr>
+          </a:lstStyle>
+          <a:p>
+            <a:pPr>
+              <a:defRPr/>
+            </a:pPr>
+            <a:fld id="{198846B4-9419-4C68-9E06-408D83002EEA}" type="slidenum">
+              <a:rPr lang="en-US" altLang="zh-CN" smtClean="0">
+                <a:solidFill>
+                  <a:srgbClr val="000000"/>
+                </a:solidFill>
+              </a:rPr>
+              <a:pPr>
+                <a:defRPr/>
+              </a:pPr>
+              <a:t>13</a:t>
+            </a:fld>
+            <a:endParaRPr lang="en-US" altLang="zh-CN" b="0">
+              <a:solidFill>
+                <a:srgbClr val="000000"/>
+              </a:solidFill>
+              <a:cs typeface="+mn-cs"/>
+            </a:endParaRPr>
+          </a:p>
+        </p:txBody>
+      </p:sp>
+    </p:spTree>
+  </p:cSld>
+  <p:clrMapOvr>
+    <a:masterClrMapping/>
+  </p:clrMapOvr>
+  <p:transition/>
+</p:sld>
+</file>
+
+<file path=ppt/slides/slide14.xml><?xml version="1.0" encoding="utf-8"?>
 <p:sld xmlns:a="http://schemas.openxmlformats.org/drawingml/2006/main" xmlns:r="http://schemas.openxmlformats.org/officeDocument/2006/relationships" xmlns:p="http://schemas.openxmlformats.org/presentationml/2006/main">
   <p:cSld>
     <p:spTree>
@@ -13672,7 +15718,7 @@
 </p:sld>
 </file>
 
-<file path=ppt/slides/slide12.xml><?xml version="1.0" encoding="utf-8"?>
+<file path=ppt/slides/slide15.xml><?xml version="1.0" encoding="utf-8"?>
 <p:sld xmlns:a="http://schemas.openxmlformats.org/drawingml/2006/main" xmlns:r="http://schemas.openxmlformats.org/officeDocument/2006/relationships" xmlns:p="http://schemas.openxmlformats.org/presentationml/2006/main">
   <p:cSld>
     <p:spTree>
@@ -14192,7 +16238,7 @@
 </p:sld>
 </file>
 
-<file path=ppt/slides/slide13.xml><?xml version="1.0" encoding="utf-8"?>
+<file path=ppt/slides/slide16.xml><?xml version="1.0" encoding="utf-8"?>
 <p:sld xmlns:a="http://schemas.openxmlformats.org/drawingml/2006/main" xmlns:r="http://schemas.openxmlformats.org/officeDocument/2006/relationships" xmlns:p="http://schemas.openxmlformats.org/presentationml/2006/main">
   <p:cSld>
     <p:spTree>
@@ -14628,7 +16674,7 @@
 </p:sld>
 </file>
 
-<file path=ppt/slides/slide14.xml><?xml version="1.0" encoding="utf-8"?>
+<file path=ppt/slides/slide17.xml><?xml version="1.0" encoding="utf-8"?>
 <p:sld xmlns:a="http://schemas.openxmlformats.org/drawingml/2006/main" xmlns:r="http://schemas.openxmlformats.org/officeDocument/2006/relationships" xmlns:p="http://schemas.openxmlformats.org/presentationml/2006/main">
   <p:cSld>
     <p:spTree>
@@ -15260,7 +17306,7 @@
 </p:sld>
 </file>
 
-<file path=ppt/slides/slide15.xml><?xml version="1.0" encoding="utf-8"?>
+<file path=ppt/slides/slide18.xml><?xml version="1.0" encoding="utf-8"?>
 <p:sld xmlns:a="http://schemas.openxmlformats.org/drawingml/2006/main" xmlns:r="http://schemas.openxmlformats.org/officeDocument/2006/relationships" xmlns:p="http://schemas.openxmlformats.org/presentationml/2006/main">
   <p:cSld>
     <p:spTree>
@@ -15498,7 +17544,7 @@
 </p:sld>
 </file>
 
-<file path=ppt/slides/slide16.xml><?xml version="1.0" encoding="utf-8"?>
+<file path=ppt/slides/slide19.xml><?xml version="1.0" encoding="utf-8"?>
 <p:sld xmlns:a="http://schemas.openxmlformats.org/drawingml/2006/main" xmlns:r="http://schemas.openxmlformats.org/officeDocument/2006/relationships" xmlns:p="http://schemas.openxmlformats.org/presentationml/2006/main">
   <p:cSld>
     <p:spTree>
@@ -15667,7 +17713,7 @@
                 <a:tabLst/>
                 <a:defRPr/>
               </a:pPr>
-              <a:t>16</a:t>
+              <a:t>19</a:t>
             </a:fld>
             <a:endParaRPr kumimoji="0" lang="en-US" sz="1000" b="0" i="0" u="none" strike="noStrike" kern="1200" cap="none" spc="0" normalizeH="0" baseline="0" noProof="0">
               <a:ln>
@@ -16214,7 +18260,543 @@
 </p:sld>
 </file>
 
-<file path=ppt/slides/slide17.xml><?xml version="1.0" encoding="utf-8"?>
+<file path=ppt/slides/slide2.xml><?xml version="1.0" encoding="utf-8"?>
+<p:sld xmlns:a="http://schemas.openxmlformats.org/drawingml/2006/main" xmlns:r="http://schemas.openxmlformats.org/officeDocument/2006/relationships" xmlns:p="http://schemas.openxmlformats.org/presentationml/2006/main">
+  <p:cSld>
+    <p:spTree>
+      <p:nvGrpSpPr>
+        <p:cNvPr id="1" name="">
+          <a:extLst>
+            <a:ext uri="{FF2B5EF4-FFF2-40B4-BE49-F238E27FC236}">
+              <a16:creationId xmlns:a16="http://schemas.microsoft.com/office/drawing/2014/main" id="{1AE0EC44-3BBD-EB7A-FC48-2F591BA4CA6B}"/>
+            </a:ext>
+          </a:extLst>
+        </p:cNvPr>
+        <p:cNvGrpSpPr/>
+        <p:nvPr/>
+      </p:nvGrpSpPr>
+      <p:grpSpPr>
+        <a:xfrm>
+          <a:off x="0" y="0"/>
+          <a:ext cx="0" cy="0"/>
+          <a:chOff x="0" y="0"/>
+          <a:chExt cx="0" cy="0"/>
+        </a:xfrm>
+      </p:grpSpPr>
+      <p:sp>
+        <p:nvSpPr>
+          <p:cNvPr id="2" name="Title 1">
+            <a:extLst>
+              <a:ext uri="{FF2B5EF4-FFF2-40B4-BE49-F238E27FC236}">
+                <a16:creationId xmlns:a16="http://schemas.microsoft.com/office/drawing/2014/main" id="{D4BA9138-4608-E262-DBF7-C3E895956F72}"/>
+              </a:ext>
+            </a:extLst>
+          </p:cNvPr>
+          <p:cNvSpPr>
+            <a:spLocks noGrp="1"/>
+          </p:cNvSpPr>
+          <p:nvPr>
+            <p:ph type="title"/>
+          </p:nvPr>
+        </p:nvSpPr>
+        <p:spPr/>
+        <p:txBody>
+          <a:bodyPr/>
+          <a:lstStyle/>
+          <a:p>
+            <a:r>
+              <a:rPr lang="en-GB" dirty="0"/>
+              <a:t>Fork Quiz</a:t>
+            </a:r>
+            <a:endParaRPr lang="en-SE" dirty="0"/>
+          </a:p>
+        </p:txBody>
+      </p:sp>
+      <p:sp>
+        <p:nvSpPr>
+          <p:cNvPr id="4" name="Plassholder for innhold 2">
+            <a:extLst>
+              <a:ext uri="{FF2B5EF4-FFF2-40B4-BE49-F238E27FC236}">
+                <a16:creationId xmlns:a16="http://schemas.microsoft.com/office/drawing/2014/main" id="{E3BA8FE3-FB30-F57C-ABE7-EAF6E22BF142}"/>
+              </a:ext>
+            </a:extLst>
+          </p:cNvPr>
+          <p:cNvSpPr>
+            <a:spLocks noGrp="1"/>
+          </p:cNvSpPr>
+          <p:nvPr>
+            <p:ph idx="1"/>
+          </p:nvPr>
+        </p:nvSpPr>
+        <p:spPr>
+          <a:xfrm>
+            <a:off x="856087" y="750216"/>
+            <a:ext cx="5055376" cy="3702042"/>
+          </a:xfrm>
+        </p:spPr>
+        <p:txBody>
+          <a:bodyPr>
+            <a:normAutofit/>
+          </a:bodyPr>
+          <a:lstStyle/>
+          <a:p>
+            <a:pPr marL="0" indent="0">
+              <a:buNone/>
+            </a:pPr>
+            <a:endParaRPr lang="en-US" altLang="zh-CN" sz="2800" dirty="0"/>
+          </a:p>
+        </p:txBody>
+      </p:sp>
+      <p:sp>
+        <p:nvSpPr>
+          <p:cNvPr id="7" name="内容占位符 2">
+            <a:extLst>
+              <a:ext uri="{FF2B5EF4-FFF2-40B4-BE49-F238E27FC236}">
+                <a16:creationId xmlns:a16="http://schemas.microsoft.com/office/drawing/2014/main" id="{B2342B56-D6E1-F877-D1C8-D028192E5D0D}"/>
+              </a:ext>
+            </a:extLst>
+          </p:cNvPr>
+          <p:cNvSpPr txBox="1">
+            <a:spLocks/>
+          </p:cNvSpPr>
+          <p:nvPr/>
+        </p:nvSpPr>
+        <p:spPr bwMode="auto">
+          <a:xfrm>
+            <a:off x="4815031" y="750215"/>
+            <a:ext cx="6894512" cy="5833146"/>
+          </a:xfrm>
+          <a:prstGeom prst="rect">
+            <a:avLst/>
+          </a:prstGeom>
+          <a:noFill/>
+          <a:ln>
+            <a:noFill/>
+          </a:ln>
+          <a:effectLst/>
+          <a:extLst>
+            <a:ext uri="{FAA26D3D-D897-4be2-8F04-BA451C77F1D7}">
+              <ma14:placeholderFlag xmlns:ma14="http://schemas.microsoft.com/office/mac/drawingml/2011/main" xmlns="" val="1"/>
+            </a:ext>
+            <a:ext uri="{909E8E84-426E-40dd-AFC4-6F175D3DCCD1}">
+              <a14:hiddenFill xmlns:a14="http://schemas.microsoft.com/office/drawing/2010/main" xmlns="">
+                <a:solidFill>
+                  <a:schemeClr val="bg1"/>
+                </a:solidFill>
+              </a14:hiddenFill>
+            </a:ext>
+            <a:ext uri="{91240B29-F687-4f45-9708-019B960494DF}">
+              <a14:hiddenLine xmlns:a14="http://schemas.microsoft.com/office/drawing/2010/main" xmlns="" w="12700">
+                <a:pattFill prst="narHorz">
+                  <a:fgClr>
+                    <a:schemeClr val="tx1"/>
+                  </a:fgClr>
+                  <a:bgClr>
+                    <a:schemeClr val="bg1"/>
+                  </a:bgClr>
+                </a:pattFill>
+                <a:miter lim="800000"/>
+                <a:headEnd/>
+                <a:tailEnd/>
+              </a14:hiddenLine>
+            </a:ext>
+            <a:ext uri="{AF507438-7753-43e0-B8FC-AC1667EBCBE1}">
+              <a14:hiddenEffects xmlns:a14="http://schemas.microsoft.com/office/drawing/2010/main" xmlns="">
+                <a:effectLst>
+                  <a:outerShdw blurRad="63500" dist="38099" dir="2700000" algn="ctr" rotWithShape="0">
+                    <a:schemeClr val="bg2">
+                      <a:alpha val="74998"/>
+                    </a:schemeClr>
+                  </a:outerShdw>
+                </a:effectLst>
+              </a14:hiddenEffects>
+            </a:ext>
+          </a:extLst>
+        </p:spPr>
+        <p:txBody>
+          <a:bodyPr vert="horz" wrap="square" lIns="90478" tIns="44445" rIns="90478" bIns="44445" numCol="1" anchor="t" anchorCtr="0" compatLnSpc="1">
+            <a:prstTxWarp prst="textNoShape">
+              <a:avLst/>
+            </a:prstTxWarp>
+          </a:bodyPr>
+          <a:lstStyle>
+            <a:lvl1pPr marL="285750" indent="-285750" algn="l" rtl="0" eaLnBrk="0" fontAlgn="base" hangingPunct="0">
+              <a:lnSpc>
+                <a:spcPct val="90000"/>
+              </a:lnSpc>
+              <a:spcBef>
+                <a:spcPct val="30000"/>
+              </a:spcBef>
+              <a:spcAft>
+                <a:spcPct val="0"/>
+              </a:spcAft>
+              <a:buSzPct val="100000"/>
+              <a:buChar char="•"/>
+              <a:defRPr sz="2400">
+                <a:solidFill>
+                  <a:schemeClr val="tx1"/>
+                </a:solidFill>
+                <a:latin typeface="Gill Sans" charset="0"/>
+                <a:ea typeface="ＭＳ Ｐゴシック" charset="0"/>
+                <a:cs typeface="Gill Sans" charset="0"/>
+              </a:defRPr>
+            </a:lvl1pPr>
+            <a:lvl2pPr marL="685800" indent="-228600" algn="l" rtl="0" eaLnBrk="0" fontAlgn="base" hangingPunct="0">
+              <a:lnSpc>
+                <a:spcPct val="90000"/>
+              </a:lnSpc>
+              <a:spcBef>
+                <a:spcPct val="30000"/>
+              </a:spcBef>
+              <a:spcAft>
+                <a:spcPct val="0"/>
+              </a:spcAft>
+              <a:buSzPct val="100000"/>
+              <a:buChar char="–"/>
+              <a:defRPr sz="2200">
+                <a:solidFill>
+                  <a:schemeClr val="tx1"/>
+                </a:solidFill>
+                <a:latin typeface="Gill Sans" charset="0"/>
+                <a:ea typeface="Gill Sans" charset="0"/>
+                <a:cs typeface="Gill Sans" charset="0"/>
+              </a:defRPr>
+            </a:lvl2pPr>
+            <a:lvl3pPr marL="1143000" indent="-228600" algn="l" rtl="0" eaLnBrk="0" fontAlgn="base" hangingPunct="0">
+              <a:lnSpc>
+                <a:spcPct val="90000"/>
+              </a:lnSpc>
+              <a:spcBef>
+                <a:spcPct val="30000"/>
+              </a:spcBef>
+              <a:spcAft>
+                <a:spcPct val="0"/>
+              </a:spcAft>
+              <a:buSzPct val="100000"/>
+              <a:buChar char="»"/>
+              <a:defRPr sz="2000">
+                <a:solidFill>
+                  <a:schemeClr val="tx1"/>
+                </a:solidFill>
+                <a:latin typeface="Gill Sans" charset="0"/>
+                <a:ea typeface="Gill Sans" charset="0"/>
+                <a:cs typeface="Gill Sans" charset="0"/>
+              </a:defRPr>
+            </a:lvl3pPr>
+            <a:lvl4pPr marL="1543050" indent="-171450" algn="l" rtl="0" eaLnBrk="0" fontAlgn="base" hangingPunct="0">
+              <a:lnSpc>
+                <a:spcPct val="90000"/>
+              </a:lnSpc>
+              <a:spcBef>
+                <a:spcPct val="30000"/>
+              </a:spcBef>
+              <a:spcAft>
+                <a:spcPct val="0"/>
+              </a:spcAft>
+              <a:buSzPct val="100000"/>
+              <a:buChar char="•"/>
+              <a:defRPr sz="2000">
+                <a:solidFill>
+                  <a:schemeClr val="tx1"/>
+                </a:solidFill>
+                <a:latin typeface="Gill Sans" charset="0"/>
+                <a:ea typeface="Gill Sans" charset="0"/>
+                <a:cs typeface="Gill Sans" charset="0"/>
+              </a:defRPr>
+            </a:lvl4pPr>
+            <a:lvl5pPr marL="2000250" indent="-171450" algn="l" rtl="0" eaLnBrk="0" fontAlgn="base" hangingPunct="0">
+              <a:lnSpc>
+                <a:spcPct val="90000"/>
+              </a:lnSpc>
+              <a:spcBef>
+                <a:spcPct val="30000"/>
+              </a:spcBef>
+              <a:spcAft>
+                <a:spcPct val="0"/>
+              </a:spcAft>
+              <a:buSzPct val="100000"/>
+              <a:buChar char="–"/>
+              <a:defRPr sz="2000">
+                <a:solidFill>
+                  <a:schemeClr val="tx1"/>
+                </a:solidFill>
+                <a:latin typeface="Gill Sans" charset="0"/>
+                <a:ea typeface="Gill Sans" charset="0"/>
+                <a:cs typeface="Gill Sans" charset="0"/>
+              </a:defRPr>
+            </a:lvl5pPr>
+            <a:lvl6pPr marL="2457450" indent="-171450" algn="l" rtl="0" eaLnBrk="0" fontAlgn="base" hangingPunct="0">
+              <a:lnSpc>
+                <a:spcPct val="90000"/>
+              </a:lnSpc>
+              <a:spcBef>
+                <a:spcPct val="30000"/>
+              </a:spcBef>
+              <a:spcAft>
+                <a:spcPct val="0"/>
+              </a:spcAft>
+              <a:buSzPct val="100000"/>
+              <a:buChar char="–"/>
+              <a:defRPr sz="2000" b="1">
+                <a:solidFill>
+                  <a:schemeClr val="tx1"/>
+                </a:solidFill>
+                <a:latin typeface="+mn-lt"/>
+              </a:defRPr>
+            </a:lvl6pPr>
+            <a:lvl7pPr marL="2914650" indent="-171450" algn="l" rtl="0" eaLnBrk="0" fontAlgn="base" hangingPunct="0">
+              <a:lnSpc>
+                <a:spcPct val="90000"/>
+              </a:lnSpc>
+              <a:spcBef>
+                <a:spcPct val="30000"/>
+              </a:spcBef>
+              <a:spcAft>
+                <a:spcPct val="0"/>
+              </a:spcAft>
+              <a:buSzPct val="100000"/>
+              <a:buChar char="–"/>
+              <a:defRPr sz="2000" b="1">
+                <a:solidFill>
+                  <a:schemeClr val="tx1"/>
+                </a:solidFill>
+                <a:latin typeface="+mn-lt"/>
+              </a:defRPr>
+            </a:lvl7pPr>
+            <a:lvl8pPr marL="3371850" indent="-171450" algn="l" rtl="0" eaLnBrk="0" fontAlgn="base" hangingPunct="0">
+              <a:lnSpc>
+                <a:spcPct val="90000"/>
+              </a:lnSpc>
+              <a:spcBef>
+                <a:spcPct val="30000"/>
+              </a:spcBef>
+              <a:spcAft>
+                <a:spcPct val="0"/>
+              </a:spcAft>
+              <a:buSzPct val="100000"/>
+              <a:buChar char="–"/>
+              <a:defRPr sz="2000" b="1">
+                <a:solidFill>
+                  <a:schemeClr val="tx1"/>
+                </a:solidFill>
+                <a:latin typeface="+mn-lt"/>
+              </a:defRPr>
+            </a:lvl8pPr>
+            <a:lvl9pPr marL="3829050" indent="-171450" algn="l" rtl="0" eaLnBrk="0" fontAlgn="base" hangingPunct="0">
+              <a:lnSpc>
+                <a:spcPct val="90000"/>
+              </a:lnSpc>
+              <a:spcBef>
+                <a:spcPct val="30000"/>
+              </a:spcBef>
+              <a:spcAft>
+                <a:spcPct val="0"/>
+              </a:spcAft>
+              <a:buSzPct val="100000"/>
+              <a:buChar char="–"/>
+              <a:defRPr sz="2000" b="1">
+                <a:solidFill>
+                  <a:schemeClr val="tx1"/>
+                </a:solidFill>
+                <a:latin typeface="+mn-lt"/>
+              </a:defRPr>
+            </a:lvl9pPr>
+          </a:lstStyle>
+          <a:p>
+            <a:r>
+              <a:rPr lang="en-GB" sz="2000" b="0" kern="0" dirty="0"/>
+              <a:t>The number of times ‘hello’ is printed is equal to the total number of processes = 2^n, where n is the number of fork system calls. So here n = 3, 2^3 = 8.</a:t>
+            </a:r>
+          </a:p>
+          <a:p>
+            <a:pPr lvl="1"/>
+            <a:r>
+              <a:rPr lang="en-GB" sz="1800" b="0" kern="0" dirty="0"/>
+              <a:t>Main process: P0</a:t>
+            </a:r>
+          </a:p>
+          <a:p>
+            <a:pPr lvl="1"/>
+            <a:r>
+              <a:rPr lang="en-GB" sz="1800" b="0" kern="0" dirty="0"/>
+              <a:t>1 child process created by the 1st fork: P1</a:t>
+            </a:r>
+          </a:p>
+          <a:p>
+            <a:pPr lvl="1"/>
+            <a:r>
+              <a:rPr lang="en-GB" sz="1800" b="0" kern="0" dirty="0"/>
+              <a:t>2 child processes created by the 2nd fork: P2, P3</a:t>
+            </a:r>
+          </a:p>
+          <a:p>
+            <a:pPr lvl="1"/>
+            <a:r>
+              <a:rPr lang="en-GB" sz="1800" b="0" kern="0" dirty="0"/>
+              <a:t>4 child processes created by the 3rd fork: P4, P5, P6, P7</a:t>
+            </a:r>
+          </a:p>
+          <a:p>
+            <a:r>
+              <a:rPr lang="en-GB" sz="2000" b="0" kern="0" dirty="0"/>
+              <a:t>In general, for (i = 0; i &lt; n; i++) fork();” creates 1+2+…+2^(n-1)=(2^n)-1 child processes. Plus the main process P0, we have a total of 2^n processes.</a:t>
+            </a:r>
+          </a:p>
+          <a:p>
+            <a:r>
+              <a:rPr lang="en-GB" sz="2000" b="0" kern="0" dirty="0"/>
+              <a:t>Order of process execution may vary depending on how OS schedules these processes, so you don’t know which process printed which hello.</a:t>
+            </a:r>
+          </a:p>
+          <a:p>
+            <a:r>
+              <a:rPr lang="en-GB" sz="2000" b="0" kern="0" dirty="0"/>
+              <a:t>None of the processes include a wait() call to handle terminated child processes. When any of these child processes terminate, their PCBs remain in the process table as no parent process is waiting on them, resulting in zombie processes. (This also applies to the following examples.)</a:t>
+            </a:r>
+          </a:p>
+        </p:txBody>
+      </p:sp>
+      <p:sp>
+        <p:nvSpPr>
+          <p:cNvPr id="5" name="TextBox 4">
+            <a:extLst>
+              <a:ext uri="{FF2B5EF4-FFF2-40B4-BE49-F238E27FC236}">
+                <a16:creationId xmlns:a16="http://schemas.microsoft.com/office/drawing/2014/main" id="{96F69844-19C6-3EEA-BBBD-42EC37BE72D7}"/>
+              </a:ext>
+            </a:extLst>
+          </p:cNvPr>
+          <p:cNvSpPr txBox="1"/>
+          <p:nvPr/>
+        </p:nvSpPr>
+        <p:spPr>
+          <a:xfrm>
+            <a:off x="3777517" y="3923531"/>
+            <a:ext cx="1058303" cy="2862322"/>
+          </a:xfrm>
+          <a:prstGeom prst="rect">
+            <a:avLst/>
+          </a:prstGeom>
+        </p:spPr>
+        <p:style>
+          <a:lnRef idx="2">
+            <a:schemeClr val="accent1"/>
+          </a:lnRef>
+          <a:fillRef idx="1">
+            <a:schemeClr val="lt1"/>
+          </a:fillRef>
+          <a:effectRef idx="0">
+            <a:schemeClr val="accent1"/>
+          </a:effectRef>
+          <a:fontRef idx="minor">
+            <a:schemeClr val="dk1"/>
+          </a:fontRef>
+        </p:style>
+        <p:txBody>
+          <a:bodyPr wrap="none" rtlCol="0">
+            <a:spAutoFit/>
+          </a:bodyPr>
+          <a:lstStyle/>
+          <a:p>
+            <a:r>
+              <a:rPr lang="en-GB" altLang="zh-CN" sz="2000" b="0" kern="0" dirty="0"/>
+              <a:t>Output: </a:t>
+            </a:r>
+          </a:p>
+          <a:p>
+            <a:r>
+              <a:rPr lang="nn-NO" altLang="zh-CN" sz="2000" b="0" kern="0" dirty="0"/>
+              <a:t>hello</a:t>
+            </a:r>
+          </a:p>
+          <a:p>
+            <a:r>
+              <a:rPr lang="nn-NO" altLang="zh-CN" sz="2000" b="0" kern="0" dirty="0"/>
+              <a:t>hello</a:t>
+            </a:r>
+          </a:p>
+          <a:p>
+            <a:r>
+              <a:rPr lang="nn-NO" altLang="zh-CN" sz="2000" b="0" kern="0" dirty="0"/>
+              <a:t>hello</a:t>
+            </a:r>
+          </a:p>
+          <a:p>
+            <a:r>
+              <a:rPr lang="nn-NO" altLang="zh-CN" sz="2000" b="0" kern="0" dirty="0"/>
+              <a:t>hello</a:t>
+            </a:r>
+          </a:p>
+          <a:p>
+            <a:r>
+              <a:rPr lang="nn-NO" altLang="zh-CN" sz="2000" b="0" kern="0" dirty="0"/>
+              <a:t>hello</a:t>
+            </a:r>
+          </a:p>
+          <a:p>
+            <a:r>
+              <a:rPr lang="nn-NO" altLang="zh-CN" sz="2000" b="0" kern="0" dirty="0"/>
+              <a:t>hello</a:t>
+            </a:r>
+          </a:p>
+          <a:p>
+            <a:r>
+              <a:rPr lang="nn-NO" altLang="zh-CN" sz="2000" b="0" kern="0" dirty="0"/>
+              <a:t>hello</a:t>
+            </a:r>
+          </a:p>
+          <a:p>
+            <a:r>
+              <a:rPr lang="nn-NO" altLang="zh-CN" sz="2000" b="0" kern="0" dirty="0"/>
+              <a:t>hello</a:t>
+            </a:r>
+            <a:endParaRPr lang="en-GB" altLang="zh-CN" sz="2000" b="0" kern="0" dirty="0"/>
+          </a:p>
+        </p:txBody>
+      </p:sp>
+      <p:pic>
+        <p:nvPicPr>
+          <p:cNvPr id="10" name="Picture 9">
+            <a:extLst>
+              <a:ext uri="{FF2B5EF4-FFF2-40B4-BE49-F238E27FC236}">
+                <a16:creationId xmlns:a16="http://schemas.microsoft.com/office/drawing/2014/main" id="{FC3A7D3F-EC65-056B-6A9F-6CB2076667FA}"/>
+              </a:ext>
+            </a:extLst>
+          </p:cNvPr>
+          <p:cNvPicPr>
+            <a:picLocks noChangeAspect="1"/>
+          </p:cNvPicPr>
+          <p:nvPr/>
+        </p:nvPicPr>
+        <p:blipFill>
+          <a:blip r:embed="rId3"/>
+          <a:stretch>
+            <a:fillRect/>
+          </a:stretch>
+        </p:blipFill>
+        <p:spPr>
+          <a:xfrm>
+            <a:off x="923175" y="4419600"/>
+            <a:ext cx="2787254" cy="2382269"/>
+          </a:xfrm>
+          <a:prstGeom prst="rect">
+            <a:avLst/>
+          </a:prstGeom>
+        </p:spPr>
+      </p:pic>
+    </p:spTree>
+    <p:extLst>
+      <p:ext uri="{BB962C8B-B14F-4D97-AF65-F5344CB8AC3E}">
+        <p14:creationId xmlns:p14="http://schemas.microsoft.com/office/powerpoint/2010/main" val="2722048720"/>
+      </p:ext>
+    </p:extLst>
+  </p:cSld>
+  <p:clrMapOvr>
+    <a:masterClrMapping/>
+  </p:clrMapOvr>
+</p:sld>
+</file>
+
+<file path=ppt/slides/slide20.xml><?xml version="1.0" encoding="utf-8"?>
 <p:sld xmlns:a="http://schemas.openxmlformats.org/drawingml/2006/main" xmlns:r="http://schemas.openxmlformats.org/officeDocument/2006/relationships" xmlns:p="http://schemas.openxmlformats.org/presentationml/2006/main">
   <p:cSld>
     <p:spTree>
@@ -16464,7 +19046,7 @@
                 <a:tabLst/>
                 <a:defRPr/>
               </a:pPr>
-              <a:t>17</a:t>
+              <a:t>20</a:t>
             </a:fld>
             <a:endParaRPr kumimoji="0" lang="en-US" sz="1000" b="0" i="0" u="none" strike="noStrike" kern="1200" cap="none" spc="0" normalizeH="0" baseline="0" noProof="0">
               <a:ln>
@@ -16788,7 +19370,2016 @@
 </p:sld>
 </file>
 
-<file path=ppt/slides/slide2.xml><?xml version="1.0" encoding="utf-8"?>
+<file path=ppt/slides/slide3.xml><?xml version="1.0" encoding="utf-8"?>
+<p:sld xmlns:a="http://schemas.openxmlformats.org/drawingml/2006/main" xmlns:r="http://schemas.openxmlformats.org/officeDocument/2006/relationships" xmlns:p="http://schemas.openxmlformats.org/presentationml/2006/main" showMasterPhAnim="0">
+  <p:cSld>
+    <p:spTree>
+      <p:nvGrpSpPr>
+        <p:cNvPr id="1" name=""/>
+        <p:cNvGrpSpPr/>
+        <p:nvPr/>
+      </p:nvGrpSpPr>
+      <p:grpSpPr>
+        <a:xfrm>
+          <a:off x="0" y="0"/>
+          <a:ext cx="0" cy="0"/>
+          <a:chOff x="0" y="0"/>
+          <a:chExt cx="0" cy="0"/>
+        </a:xfrm>
+      </p:grpSpPr>
+      <p:sp>
+        <p:nvSpPr>
+          <p:cNvPr id="1487875" name="Rectangle 3" descr="10%"/>
+          <p:cNvSpPr>
+            <a:spLocks noChangeArrowheads="1"/>
+          </p:cNvSpPr>
+          <p:nvPr/>
+        </p:nvSpPr>
+        <p:spPr bwMode="auto">
+          <a:xfrm>
+            <a:off x="6093236" y="2672117"/>
+            <a:ext cx="807914" cy="1074653"/>
+          </a:xfrm>
+          <a:prstGeom prst="rect">
+            <a:avLst/>
+          </a:prstGeom>
+          <a:ln>
+            <a:headEnd/>
+            <a:tailEnd/>
+          </a:ln>
+        </p:spPr>
+        <p:style>
+          <a:lnRef idx="1">
+            <a:schemeClr val="accent1"/>
+          </a:lnRef>
+          <a:fillRef idx="3">
+            <a:schemeClr val="accent1"/>
+          </a:fillRef>
+          <a:effectRef idx="2">
+            <a:schemeClr val="accent1"/>
+          </a:effectRef>
+          <a:fontRef idx="minor">
+            <a:schemeClr val="lt1"/>
+          </a:fontRef>
+        </p:style>
+        <p:txBody>
+          <a:bodyPr wrap="none" lIns="90488" tIns="44450" rIns="90488" bIns="44450">
+            <a:spAutoFit/>
+          </a:bodyPr>
+          <a:lstStyle/>
+          <a:p>
+            <a:pPr algn="ctr" defTabSz="457200" eaLnBrk="1" fontAlgn="auto" hangingPunct="1">
+              <a:spcBef>
+                <a:spcPts val="0"/>
+              </a:spcBef>
+              <a:spcAft>
+                <a:spcPts val="0"/>
+              </a:spcAft>
+            </a:pPr>
+            <a:r>
+              <a:rPr lang="en-US" sz="1600" b="0">
+                <a:solidFill>
+                  <a:srgbClr val="000000"/>
+                </a:solidFill>
+                <a:latin typeface="Calibri"/>
+              </a:rPr>
+              <a:t>Second</a:t>
+            </a:r>
+          </a:p>
+          <a:p>
+            <a:pPr algn="ctr" defTabSz="457200" eaLnBrk="1" fontAlgn="auto" hangingPunct="1">
+              <a:spcBef>
+                <a:spcPts val="0"/>
+              </a:spcBef>
+              <a:spcAft>
+                <a:spcPts val="0"/>
+              </a:spcAft>
+            </a:pPr>
+            <a:r>
+              <a:rPr lang="en-US" sz="1600" b="0">
+                <a:solidFill>
+                  <a:srgbClr val="000000"/>
+                </a:solidFill>
+                <a:latin typeface="Calibri"/>
+              </a:rPr>
+              <a:t>Level</a:t>
+            </a:r>
+          </a:p>
+          <a:p>
+            <a:pPr algn="ctr" defTabSz="457200" eaLnBrk="1" fontAlgn="auto" hangingPunct="1">
+              <a:spcBef>
+                <a:spcPts val="0"/>
+              </a:spcBef>
+              <a:spcAft>
+                <a:spcPts val="0"/>
+              </a:spcAft>
+            </a:pPr>
+            <a:r>
+              <a:rPr lang="en-US" sz="1600" b="0">
+                <a:solidFill>
+                  <a:srgbClr val="000000"/>
+                </a:solidFill>
+                <a:latin typeface="Calibri"/>
+              </a:rPr>
+              <a:t>Cache</a:t>
+            </a:r>
+          </a:p>
+          <a:p>
+            <a:pPr algn="ctr" defTabSz="457200" eaLnBrk="1" fontAlgn="auto" hangingPunct="1">
+              <a:spcBef>
+                <a:spcPts val="0"/>
+              </a:spcBef>
+              <a:spcAft>
+                <a:spcPts val="0"/>
+              </a:spcAft>
+            </a:pPr>
+            <a:r>
+              <a:rPr lang="en-US" sz="1600" b="0">
+                <a:solidFill>
+                  <a:srgbClr val="000000"/>
+                </a:solidFill>
+                <a:latin typeface="Calibri"/>
+              </a:rPr>
+              <a:t>(SRAM)</a:t>
+            </a:r>
+          </a:p>
+        </p:txBody>
+      </p:sp>
+      <p:sp>
+        <p:nvSpPr>
+          <p:cNvPr id="1487877" name="Rectangle 5"/>
+          <p:cNvSpPr>
+            <a:spLocks noGrp="1" noChangeArrowheads="1"/>
+          </p:cNvSpPr>
+          <p:nvPr>
+            <p:ph type="title"/>
+          </p:nvPr>
+        </p:nvSpPr>
+        <p:spPr/>
+        <p:txBody>
+          <a:bodyPr>
+            <a:normAutofit/>
+          </a:bodyPr>
+          <a:lstStyle/>
+          <a:p>
+            <a:r>
+              <a:rPr lang="en-US" dirty="0"/>
+              <a:t>Typical Memory Hierarchy</a:t>
+            </a:r>
+          </a:p>
+        </p:txBody>
+      </p:sp>
+      <p:sp>
+        <p:nvSpPr>
+          <p:cNvPr id="1487878" name="Rectangle 6"/>
+          <p:cNvSpPr>
+            <a:spLocks noChangeArrowheads="1"/>
+          </p:cNvSpPr>
+          <p:nvPr/>
+        </p:nvSpPr>
+        <p:spPr bwMode="auto">
+          <a:xfrm>
+            <a:off x="2535588" y="2138716"/>
+            <a:ext cx="2716213" cy="242888"/>
+          </a:xfrm>
+          <a:prstGeom prst="rect">
+            <a:avLst/>
+          </a:prstGeom>
+          <a:noFill/>
+          <a:ln w="25400">
+            <a:solidFill>
+              <a:schemeClr val="tx1"/>
+            </a:solidFill>
+            <a:miter lim="800000"/>
+            <a:headEnd/>
+            <a:tailEnd/>
+          </a:ln>
+          <a:effectLst/>
+        </p:spPr>
+        <p:txBody>
+          <a:bodyPr wrap="none" anchor="ctr"/>
+          <a:lstStyle/>
+          <a:p>
+            <a:pPr defTabSz="457200" eaLnBrk="1" fontAlgn="auto" hangingPunct="1">
+              <a:spcBef>
+                <a:spcPts val="0"/>
+              </a:spcBef>
+              <a:spcAft>
+                <a:spcPts val="0"/>
+              </a:spcAft>
+            </a:pPr>
+            <a:endParaRPr lang="en-US" b="0">
+              <a:solidFill>
+                <a:prstClr val="black"/>
+              </a:solidFill>
+              <a:latin typeface="Calibri"/>
+              <a:ea typeface="+mn-ea"/>
+              <a:cs typeface="+mn-cs"/>
+            </a:endParaRPr>
+          </a:p>
+        </p:txBody>
+      </p:sp>
+      <p:sp>
+        <p:nvSpPr>
+          <p:cNvPr id="1487879" name="Rectangle 7"/>
+          <p:cNvSpPr>
+            <a:spLocks noChangeArrowheads="1"/>
+          </p:cNvSpPr>
+          <p:nvPr/>
+        </p:nvSpPr>
+        <p:spPr bwMode="auto">
+          <a:xfrm>
+            <a:off x="3449988" y="2062517"/>
+            <a:ext cx="799451" cy="335989"/>
+          </a:xfrm>
+          <a:prstGeom prst="rect">
+            <a:avLst/>
+          </a:prstGeom>
+          <a:noFill/>
+          <a:ln w="12700">
+            <a:noFill/>
+            <a:miter lim="800000"/>
+            <a:headEnd/>
+            <a:tailEnd/>
+          </a:ln>
+          <a:effectLst/>
+        </p:spPr>
+        <p:txBody>
+          <a:bodyPr wrap="none" lIns="90488" tIns="44450" rIns="90488" bIns="44450">
+            <a:spAutoFit/>
+          </a:bodyPr>
+          <a:lstStyle/>
+          <a:p>
+            <a:pPr defTabSz="457200" eaLnBrk="1" fontAlgn="auto" hangingPunct="1">
+              <a:spcBef>
+                <a:spcPts val="0"/>
+              </a:spcBef>
+              <a:spcAft>
+                <a:spcPts val="0"/>
+              </a:spcAft>
+            </a:pPr>
+            <a:r>
+              <a:rPr lang="en-US" sz="1600" b="0">
+                <a:solidFill>
+                  <a:prstClr val="black"/>
+                </a:solidFill>
+                <a:latin typeface="Calibri"/>
+                <a:ea typeface="+mn-ea"/>
+                <a:cs typeface="+mn-cs"/>
+              </a:rPr>
+              <a:t>Control</a:t>
+            </a:r>
+          </a:p>
+        </p:txBody>
+      </p:sp>
+      <p:sp>
+        <p:nvSpPr>
+          <p:cNvPr id="1487880" name="Rectangle 8"/>
+          <p:cNvSpPr>
+            <a:spLocks noChangeArrowheads="1"/>
+          </p:cNvSpPr>
+          <p:nvPr/>
+        </p:nvSpPr>
+        <p:spPr bwMode="auto">
+          <a:xfrm>
+            <a:off x="2486375" y="2595916"/>
+            <a:ext cx="1422400" cy="1347788"/>
+          </a:xfrm>
+          <a:prstGeom prst="rect">
+            <a:avLst/>
+          </a:prstGeom>
+          <a:noFill/>
+          <a:ln w="25400">
+            <a:solidFill>
+              <a:schemeClr val="tx1"/>
+            </a:solidFill>
+            <a:miter lim="800000"/>
+            <a:headEnd/>
+            <a:tailEnd/>
+          </a:ln>
+          <a:effectLst/>
+        </p:spPr>
+        <p:txBody>
+          <a:bodyPr wrap="none" anchor="ctr"/>
+          <a:lstStyle/>
+          <a:p>
+            <a:pPr defTabSz="457200" eaLnBrk="1" fontAlgn="auto" hangingPunct="1">
+              <a:spcBef>
+                <a:spcPts val="0"/>
+              </a:spcBef>
+              <a:spcAft>
+                <a:spcPts val="0"/>
+              </a:spcAft>
+            </a:pPr>
+            <a:endParaRPr lang="en-US" b="0">
+              <a:solidFill>
+                <a:prstClr val="black"/>
+              </a:solidFill>
+              <a:latin typeface="Calibri"/>
+              <a:ea typeface="+mn-ea"/>
+              <a:cs typeface="+mn-cs"/>
+            </a:endParaRPr>
+          </a:p>
+        </p:txBody>
+      </p:sp>
+      <p:sp>
+        <p:nvSpPr>
+          <p:cNvPr id="1487881" name="Rectangle 9"/>
+          <p:cNvSpPr>
+            <a:spLocks noChangeArrowheads="1"/>
+          </p:cNvSpPr>
+          <p:nvPr/>
+        </p:nvSpPr>
+        <p:spPr bwMode="auto">
+          <a:xfrm>
+            <a:off x="2535588" y="3129317"/>
+            <a:ext cx="949043" cy="335989"/>
+          </a:xfrm>
+          <a:prstGeom prst="rect">
+            <a:avLst/>
+          </a:prstGeom>
+          <a:noFill/>
+          <a:ln w="12700">
+            <a:noFill/>
+            <a:miter lim="800000"/>
+            <a:headEnd/>
+            <a:tailEnd/>
+          </a:ln>
+          <a:effectLst/>
+        </p:spPr>
+        <p:txBody>
+          <a:bodyPr wrap="none" lIns="90488" tIns="44450" rIns="90488" bIns="44450">
+            <a:spAutoFit/>
+          </a:bodyPr>
+          <a:lstStyle/>
+          <a:p>
+            <a:pPr defTabSz="457200" eaLnBrk="1" fontAlgn="auto" hangingPunct="1">
+              <a:spcBef>
+                <a:spcPts val="0"/>
+              </a:spcBef>
+              <a:spcAft>
+                <a:spcPts val="0"/>
+              </a:spcAft>
+            </a:pPr>
+            <a:r>
+              <a:rPr lang="en-US" sz="1600" b="0">
+                <a:solidFill>
+                  <a:prstClr val="black"/>
+                </a:solidFill>
+                <a:latin typeface="Calibri"/>
+                <a:ea typeface="+mn-ea"/>
+                <a:cs typeface="+mn-cs"/>
+              </a:rPr>
+              <a:t>Datapath</a:t>
+            </a:r>
+          </a:p>
+        </p:txBody>
+      </p:sp>
+      <p:sp>
+        <p:nvSpPr>
+          <p:cNvPr id="1487882" name="Rectangle 10"/>
+          <p:cNvSpPr>
+            <a:spLocks noChangeArrowheads="1"/>
+          </p:cNvSpPr>
+          <p:nvPr/>
+        </p:nvSpPr>
+        <p:spPr bwMode="auto">
+          <a:xfrm>
+            <a:off x="9164987" y="1605316"/>
+            <a:ext cx="1117600" cy="2432050"/>
+          </a:xfrm>
+          <a:prstGeom prst="rect">
+            <a:avLst/>
+          </a:prstGeom>
+          <a:noFill/>
+          <a:ln w="25400">
+            <a:solidFill>
+              <a:schemeClr val="tx1"/>
+            </a:solidFill>
+            <a:miter lim="800000"/>
+            <a:headEnd/>
+            <a:tailEnd/>
+          </a:ln>
+          <a:effectLst/>
+        </p:spPr>
+        <p:txBody>
+          <a:bodyPr wrap="none" anchor="ctr"/>
+          <a:lstStyle/>
+          <a:p>
+            <a:pPr defTabSz="457200" eaLnBrk="1" fontAlgn="auto" hangingPunct="1">
+              <a:spcBef>
+                <a:spcPts val="0"/>
+              </a:spcBef>
+              <a:spcAft>
+                <a:spcPts val="0"/>
+              </a:spcAft>
+            </a:pPr>
+            <a:endParaRPr lang="en-US" b="0">
+              <a:solidFill>
+                <a:prstClr val="black"/>
+              </a:solidFill>
+              <a:latin typeface="Calibri"/>
+              <a:ea typeface="+mn-ea"/>
+              <a:cs typeface="+mn-cs"/>
+            </a:endParaRPr>
+          </a:p>
+        </p:txBody>
+      </p:sp>
+      <p:sp>
+        <p:nvSpPr>
+          <p:cNvPr id="1487883" name="Rectangle 11"/>
+          <p:cNvSpPr>
+            <a:spLocks noChangeArrowheads="1"/>
+          </p:cNvSpPr>
+          <p:nvPr/>
+        </p:nvSpPr>
+        <p:spPr bwMode="auto">
+          <a:xfrm>
+            <a:off x="9186081" y="2595917"/>
+            <a:ext cx="1054777" cy="1074653"/>
+          </a:xfrm>
+          <a:prstGeom prst="rect">
+            <a:avLst/>
+          </a:prstGeom>
+          <a:noFill/>
+          <a:ln w="12700">
+            <a:noFill/>
+            <a:miter lim="800000"/>
+            <a:headEnd/>
+            <a:tailEnd/>
+          </a:ln>
+          <a:effectLst/>
+        </p:spPr>
+        <p:txBody>
+          <a:bodyPr wrap="square" lIns="90488" tIns="44450" rIns="90488" bIns="44450">
+            <a:spAutoFit/>
+          </a:bodyPr>
+          <a:lstStyle/>
+          <a:p>
+            <a:pPr algn="ctr" defTabSz="457200" eaLnBrk="1" fontAlgn="auto" hangingPunct="1">
+              <a:spcBef>
+                <a:spcPts val="0"/>
+              </a:spcBef>
+              <a:spcAft>
+                <a:spcPts val="0"/>
+              </a:spcAft>
+            </a:pPr>
+            <a:r>
+              <a:rPr lang="en-US" sz="1600" b="0" dirty="0">
+                <a:solidFill>
+                  <a:prstClr val="black"/>
+                </a:solidFill>
+                <a:latin typeface="Calibri"/>
+                <a:ea typeface="+mn-ea"/>
+                <a:cs typeface="+mn-cs"/>
+              </a:rPr>
+              <a:t>Secondary</a:t>
+            </a:r>
+          </a:p>
+          <a:p>
+            <a:pPr algn="ctr" defTabSz="457200" eaLnBrk="1" fontAlgn="auto" hangingPunct="1">
+              <a:spcBef>
+                <a:spcPts val="0"/>
+              </a:spcBef>
+              <a:spcAft>
+                <a:spcPts val="0"/>
+              </a:spcAft>
+            </a:pPr>
+            <a:r>
+              <a:rPr lang="en-US" sz="1600" b="0" dirty="0">
+                <a:solidFill>
+                  <a:prstClr val="black"/>
+                </a:solidFill>
+                <a:latin typeface="Calibri"/>
+                <a:ea typeface="+mn-ea"/>
+                <a:cs typeface="+mn-cs"/>
+              </a:rPr>
+              <a:t>Memory</a:t>
+            </a:r>
+          </a:p>
+          <a:p>
+            <a:pPr algn="ctr" defTabSz="457200" eaLnBrk="1" fontAlgn="auto" hangingPunct="1">
+              <a:spcBef>
+                <a:spcPts val="0"/>
+              </a:spcBef>
+              <a:spcAft>
+                <a:spcPts val="0"/>
+              </a:spcAft>
+            </a:pPr>
+            <a:r>
+              <a:rPr lang="en-US" sz="1600" b="0" dirty="0">
+                <a:solidFill>
+                  <a:prstClr val="black"/>
+                </a:solidFill>
+                <a:latin typeface="Calibri"/>
+                <a:ea typeface="+mn-ea"/>
+                <a:cs typeface="+mn-cs"/>
+              </a:rPr>
+              <a:t>(Disk</a:t>
+            </a:r>
+          </a:p>
+          <a:p>
+            <a:pPr algn="ctr" defTabSz="457200" eaLnBrk="1" fontAlgn="auto" hangingPunct="1">
+              <a:spcBef>
+                <a:spcPts val="0"/>
+              </a:spcBef>
+              <a:spcAft>
+                <a:spcPts val="0"/>
+              </a:spcAft>
+            </a:pPr>
+            <a:r>
+              <a:rPr lang="en-US" sz="1600" b="0" dirty="0">
+                <a:solidFill>
+                  <a:prstClr val="black"/>
+                </a:solidFill>
+                <a:latin typeface="Calibri"/>
+                <a:ea typeface="+mn-ea"/>
+                <a:cs typeface="+mn-cs"/>
+              </a:rPr>
+              <a:t>Or Flash)</a:t>
+            </a:r>
+          </a:p>
+        </p:txBody>
+      </p:sp>
+      <p:sp>
+        <p:nvSpPr>
+          <p:cNvPr id="1487884" name="Rectangle 12"/>
+          <p:cNvSpPr>
+            <a:spLocks noChangeArrowheads="1"/>
+          </p:cNvSpPr>
+          <p:nvPr/>
+        </p:nvSpPr>
+        <p:spPr bwMode="auto">
+          <a:xfrm>
+            <a:off x="2333975" y="1833917"/>
+            <a:ext cx="4773506" cy="2219325"/>
+          </a:xfrm>
+          <a:prstGeom prst="rect">
+            <a:avLst/>
+          </a:prstGeom>
+          <a:noFill/>
+          <a:ln w="25400">
+            <a:solidFill>
+              <a:schemeClr val="tx1"/>
+            </a:solidFill>
+            <a:miter lim="800000"/>
+            <a:headEnd/>
+            <a:tailEnd/>
+          </a:ln>
+          <a:effectLst/>
+        </p:spPr>
+        <p:txBody>
+          <a:bodyPr wrap="none" anchor="ctr"/>
+          <a:lstStyle/>
+          <a:p>
+            <a:pPr defTabSz="457200" eaLnBrk="1" fontAlgn="auto" hangingPunct="1">
+              <a:spcBef>
+                <a:spcPts val="0"/>
+              </a:spcBef>
+              <a:spcAft>
+                <a:spcPts val="0"/>
+              </a:spcAft>
+            </a:pPr>
+            <a:endParaRPr lang="en-US" b="0">
+              <a:solidFill>
+                <a:prstClr val="black"/>
+              </a:solidFill>
+              <a:latin typeface="Calibri"/>
+              <a:ea typeface="+mn-ea"/>
+              <a:cs typeface="+mn-cs"/>
+            </a:endParaRPr>
+          </a:p>
+        </p:txBody>
+      </p:sp>
+      <p:sp>
+        <p:nvSpPr>
+          <p:cNvPr id="1487885" name="Rectangle 13"/>
+          <p:cNvSpPr>
+            <a:spLocks noChangeArrowheads="1"/>
+          </p:cNvSpPr>
+          <p:nvPr/>
+        </p:nvSpPr>
+        <p:spPr bwMode="auto">
+          <a:xfrm>
+            <a:off x="3556799" y="1831191"/>
+            <a:ext cx="1968169" cy="335989"/>
+          </a:xfrm>
+          <a:prstGeom prst="rect">
+            <a:avLst/>
+          </a:prstGeom>
+          <a:noFill/>
+          <a:ln w="12700">
+            <a:noFill/>
+            <a:miter lim="800000"/>
+            <a:headEnd/>
+            <a:tailEnd/>
+          </a:ln>
+          <a:effectLst/>
+        </p:spPr>
+        <p:txBody>
+          <a:bodyPr wrap="none" lIns="90488" tIns="44450" rIns="90488" bIns="44450">
+            <a:spAutoFit/>
+          </a:bodyPr>
+          <a:lstStyle/>
+          <a:p>
+            <a:pPr defTabSz="457200" eaLnBrk="1" fontAlgn="auto" hangingPunct="1">
+              <a:spcBef>
+                <a:spcPts val="0"/>
+              </a:spcBef>
+              <a:spcAft>
+                <a:spcPts val="0"/>
+              </a:spcAft>
+            </a:pPr>
+            <a:r>
+              <a:rPr lang="en-US" sz="1600" b="0" dirty="0">
+                <a:solidFill>
+                  <a:prstClr val="black"/>
+                </a:solidFill>
+                <a:latin typeface="Calibri"/>
+                <a:ea typeface="+mn-ea"/>
+                <a:cs typeface="+mn-cs"/>
+              </a:rPr>
+              <a:t>On-Chip Components</a:t>
+            </a:r>
+          </a:p>
+        </p:txBody>
+      </p:sp>
+      <p:sp>
+        <p:nvSpPr>
+          <p:cNvPr id="1487886" name="Line 14"/>
+          <p:cNvSpPr>
+            <a:spLocks noChangeShapeType="1"/>
+          </p:cNvSpPr>
+          <p:nvPr/>
+        </p:nvSpPr>
+        <p:spPr bwMode="auto">
+          <a:xfrm flipV="1">
+            <a:off x="3754787" y="1452916"/>
+            <a:ext cx="5791200" cy="1676400"/>
+          </a:xfrm>
+          <a:prstGeom prst="line">
+            <a:avLst/>
+          </a:prstGeom>
+          <a:noFill/>
+          <a:ln w="28575">
+            <a:solidFill>
+              <a:schemeClr val="tx1"/>
+            </a:solidFill>
+            <a:prstDash val="dashDot"/>
+            <a:round/>
+            <a:headEnd/>
+            <a:tailEnd/>
+          </a:ln>
+          <a:effectLst/>
+        </p:spPr>
+        <p:txBody>
+          <a:bodyPr wrap="none" anchor="ctr"/>
+          <a:lstStyle/>
+          <a:p>
+            <a:pPr defTabSz="457200" eaLnBrk="1" fontAlgn="auto" hangingPunct="1">
+              <a:spcBef>
+                <a:spcPts val="0"/>
+              </a:spcBef>
+              <a:spcAft>
+                <a:spcPts val="0"/>
+              </a:spcAft>
+            </a:pPr>
+            <a:endParaRPr lang="en-US" b="0">
+              <a:solidFill>
+                <a:prstClr val="black"/>
+              </a:solidFill>
+              <a:latin typeface="Calibri"/>
+              <a:ea typeface="+mn-ea"/>
+              <a:cs typeface="+mn-cs"/>
+            </a:endParaRPr>
+          </a:p>
+        </p:txBody>
+      </p:sp>
+      <p:sp>
+        <p:nvSpPr>
+          <p:cNvPr id="1487887" name="Line 15"/>
+          <p:cNvSpPr>
+            <a:spLocks noChangeShapeType="1"/>
+          </p:cNvSpPr>
+          <p:nvPr/>
+        </p:nvSpPr>
+        <p:spPr bwMode="auto">
+          <a:xfrm>
+            <a:off x="3851625" y="3902430"/>
+            <a:ext cx="5541962" cy="217487"/>
+          </a:xfrm>
+          <a:prstGeom prst="line">
+            <a:avLst/>
+          </a:prstGeom>
+          <a:noFill/>
+          <a:ln w="28575">
+            <a:solidFill>
+              <a:schemeClr val="tx1"/>
+            </a:solidFill>
+            <a:prstDash val="dashDot"/>
+            <a:round/>
+            <a:headEnd/>
+            <a:tailEnd/>
+          </a:ln>
+          <a:effectLst/>
+        </p:spPr>
+        <p:txBody>
+          <a:bodyPr wrap="none" anchor="ctr"/>
+          <a:lstStyle/>
+          <a:p>
+            <a:pPr defTabSz="457200" eaLnBrk="1" fontAlgn="auto" hangingPunct="1">
+              <a:spcBef>
+                <a:spcPts val="0"/>
+              </a:spcBef>
+              <a:spcAft>
+                <a:spcPts val="0"/>
+              </a:spcAft>
+            </a:pPr>
+            <a:endParaRPr lang="en-US" b="0">
+              <a:solidFill>
+                <a:prstClr val="black"/>
+              </a:solidFill>
+              <a:latin typeface="Calibri"/>
+              <a:ea typeface="+mn-ea"/>
+              <a:cs typeface="+mn-cs"/>
+            </a:endParaRPr>
+          </a:p>
+        </p:txBody>
+      </p:sp>
+      <p:sp>
+        <p:nvSpPr>
+          <p:cNvPr id="1487888" name="Rectangle 16"/>
+          <p:cNvSpPr>
+            <a:spLocks noChangeArrowheads="1"/>
+          </p:cNvSpPr>
+          <p:nvPr/>
+        </p:nvSpPr>
+        <p:spPr bwMode="auto">
+          <a:xfrm>
+            <a:off x="3476975" y="3195991"/>
+            <a:ext cx="355600" cy="693738"/>
+          </a:xfrm>
+          <a:prstGeom prst="rect">
+            <a:avLst/>
+          </a:prstGeom>
+          <a:noFill/>
+          <a:ln w="25400">
+            <a:solidFill>
+              <a:schemeClr val="tx1"/>
+            </a:solidFill>
+            <a:miter lim="800000"/>
+            <a:headEnd/>
+            <a:tailEnd/>
+          </a:ln>
+          <a:effectLst/>
+        </p:spPr>
+        <p:txBody>
+          <a:bodyPr wrap="none" anchor="ctr"/>
+          <a:lstStyle/>
+          <a:p>
+            <a:pPr defTabSz="457200" eaLnBrk="1" fontAlgn="auto" hangingPunct="1">
+              <a:spcBef>
+                <a:spcPts val="0"/>
+              </a:spcBef>
+              <a:spcAft>
+                <a:spcPts val="0"/>
+              </a:spcAft>
+            </a:pPr>
+            <a:endParaRPr lang="en-US" b="0">
+              <a:solidFill>
+                <a:prstClr val="black"/>
+              </a:solidFill>
+              <a:latin typeface="Calibri"/>
+              <a:ea typeface="+mn-ea"/>
+              <a:cs typeface="+mn-cs"/>
+            </a:endParaRPr>
+          </a:p>
+        </p:txBody>
+      </p:sp>
+      <p:sp>
+        <p:nvSpPr>
+          <p:cNvPr id="1487889" name="Rectangle 17"/>
+          <p:cNvSpPr>
+            <a:spLocks noChangeArrowheads="1"/>
+          </p:cNvSpPr>
+          <p:nvPr/>
+        </p:nvSpPr>
+        <p:spPr bwMode="auto">
+          <a:xfrm rot="5400000">
+            <a:off x="3187256" y="3468248"/>
+            <a:ext cx="1011238" cy="333375"/>
+          </a:xfrm>
+          <a:prstGeom prst="rect">
+            <a:avLst/>
+          </a:prstGeom>
+          <a:noFill/>
+          <a:ln w="12700">
+            <a:noFill/>
+            <a:miter lim="800000"/>
+            <a:headEnd/>
+            <a:tailEnd/>
+          </a:ln>
+          <a:effectLst/>
+        </p:spPr>
+        <p:txBody>
+          <a:bodyPr lIns="90488" tIns="44450" rIns="90488" bIns="44450">
+            <a:spAutoFit/>
+          </a:bodyPr>
+          <a:lstStyle/>
+          <a:p>
+            <a:pPr defTabSz="457200" eaLnBrk="1" fontAlgn="auto" hangingPunct="1">
+              <a:spcBef>
+                <a:spcPts val="0"/>
+              </a:spcBef>
+              <a:spcAft>
+                <a:spcPts val="0"/>
+              </a:spcAft>
+            </a:pPr>
+            <a:r>
+              <a:rPr lang="en-US" sz="1600" b="0">
+                <a:solidFill>
+                  <a:prstClr val="black"/>
+                </a:solidFill>
+                <a:latin typeface="Calibri"/>
+                <a:ea typeface="+mn-ea"/>
+                <a:cs typeface="+mn-cs"/>
+              </a:rPr>
+              <a:t>RegFile</a:t>
+            </a:r>
+          </a:p>
+        </p:txBody>
+      </p:sp>
+      <p:sp>
+        <p:nvSpPr>
+          <p:cNvPr id="1487891" name="Rectangle 19" descr="10%"/>
+          <p:cNvSpPr>
+            <a:spLocks noChangeArrowheads="1"/>
+          </p:cNvSpPr>
+          <p:nvPr/>
+        </p:nvSpPr>
+        <p:spPr bwMode="auto">
+          <a:xfrm>
+            <a:off x="7564787" y="2519717"/>
+            <a:ext cx="1041400" cy="1350963"/>
+          </a:xfrm>
+          <a:prstGeom prst="rect">
+            <a:avLst/>
+          </a:prstGeom>
+          <a:noFill/>
+          <a:ln w="25400">
+            <a:solidFill>
+              <a:schemeClr val="tx1"/>
+            </a:solidFill>
+            <a:miter lim="800000"/>
+            <a:headEnd/>
+            <a:tailEnd/>
+          </a:ln>
+          <a:effectLst/>
+        </p:spPr>
+        <p:txBody>
+          <a:bodyPr wrap="none" anchor="ctr"/>
+          <a:lstStyle/>
+          <a:p>
+            <a:pPr defTabSz="457200" eaLnBrk="1" fontAlgn="auto" hangingPunct="1">
+              <a:spcBef>
+                <a:spcPts val="0"/>
+              </a:spcBef>
+              <a:spcAft>
+                <a:spcPts val="0"/>
+              </a:spcAft>
+            </a:pPr>
+            <a:endParaRPr lang="en-US" b="0">
+              <a:solidFill>
+                <a:prstClr val="black"/>
+              </a:solidFill>
+              <a:latin typeface="Calibri"/>
+              <a:ea typeface="+mn-ea"/>
+              <a:cs typeface="+mn-cs"/>
+            </a:endParaRPr>
+          </a:p>
+        </p:txBody>
+      </p:sp>
+      <p:sp>
+        <p:nvSpPr>
+          <p:cNvPr id="1487892" name="Rectangle 20"/>
+          <p:cNvSpPr>
+            <a:spLocks noChangeArrowheads="1"/>
+          </p:cNvSpPr>
+          <p:nvPr/>
+        </p:nvSpPr>
+        <p:spPr bwMode="auto">
+          <a:xfrm>
+            <a:off x="7656862" y="2824517"/>
+            <a:ext cx="915988" cy="822325"/>
+          </a:xfrm>
+          <a:prstGeom prst="rect">
+            <a:avLst/>
+          </a:prstGeom>
+          <a:noFill/>
+          <a:ln w="12700">
+            <a:noFill/>
+            <a:miter lim="800000"/>
+            <a:headEnd/>
+            <a:tailEnd/>
+          </a:ln>
+          <a:effectLst/>
+        </p:spPr>
+        <p:txBody>
+          <a:bodyPr wrap="none" lIns="90488" tIns="44450" rIns="90488" bIns="44450">
+            <a:spAutoFit/>
+          </a:bodyPr>
+          <a:lstStyle/>
+          <a:p>
+            <a:pPr algn="ctr" defTabSz="457200" eaLnBrk="1" fontAlgn="auto" hangingPunct="1">
+              <a:spcBef>
+                <a:spcPts val="0"/>
+              </a:spcBef>
+              <a:spcAft>
+                <a:spcPts val="0"/>
+              </a:spcAft>
+            </a:pPr>
+            <a:r>
+              <a:rPr lang="en-US" sz="1600" b="0">
+                <a:solidFill>
+                  <a:srgbClr val="000000"/>
+                </a:solidFill>
+                <a:latin typeface="Calibri"/>
+                <a:ea typeface="+mn-ea"/>
+                <a:cs typeface="+mn-cs"/>
+              </a:rPr>
+              <a:t>Main</a:t>
+            </a:r>
+          </a:p>
+          <a:p>
+            <a:pPr algn="ctr" defTabSz="457200" eaLnBrk="1" fontAlgn="auto" hangingPunct="1">
+              <a:spcBef>
+                <a:spcPts val="0"/>
+              </a:spcBef>
+              <a:spcAft>
+                <a:spcPts val="0"/>
+              </a:spcAft>
+            </a:pPr>
+            <a:r>
+              <a:rPr lang="en-US" sz="1600" b="0">
+                <a:solidFill>
+                  <a:srgbClr val="000000"/>
+                </a:solidFill>
+                <a:latin typeface="Calibri"/>
+                <a:ea typeface="+mn-ea"/>
+                <a:cs typeface="+mn-cs"/>
+              </a:rPr>
+              <a:t>Memory</a:t>
+            </a:r>
+          </a:p>
+          <a:p>
+            <a:pPr algn="ctr" defTabSz="457200" eaLnBrk="1" fontAlgn="auto" hangingPunct="1">
+              <a:spcBef>
+                <a:spcPts val="0"/>
+              </a:spcBef>
+              <a:spcAft>
+                <a:spcPts val="0"/>
+              </a:spcAft>
+            </a:pPr>
+            <a:r>
+              <a:rPr lang="en-US" sz="1600" b="0">
+                <a:solidFill>
+                  <a:srgbClr val="000000"/>
+                </a:solidFill>
+                <a:latin typeface="Calibri"/>
+                <a:ea typeface="+mn-ea"/>
+                <a:cs typeface="+mn-cs"/>
+              </a:rPr>
+              <a:t>(DRAM)</a:t>
+            </a:r>
+          </a:p>
+        </p:txBody>
+      </p:sp>
+      <p:sp>
+        <p:nvSpPr>
+          <p:cNvPr id="1487893" name="Rectangle 21"/>
+          <p:cNvSpPr>
+            <a:spLocks noChangeArrowheads="1"/>
+          </p:cNvSpPr>
+          <p:nvPr/>
+        </p:nvSpPr>
+        <p:spPr bwMode="auto">
+          <a:xfrm rot="5400000">
+            <a:off x="4638882" y="3351769"/>
+            <a:ext cx="686086" cy="582211"/>
+          </a:xfrm>
+          <a:prstGeom prst="rect">
+            <a:avLst/>
+          </a:prstGeom>
+          <a:ln>
+            <a:headEnd/>
+            <a:tailEnd/>
+          </a:ln>
+        </p:spPr>
+        <p:style>
+          <a:lnRef idx="1">
+            <a:schemeClr val="accent2"/>
+          </a:lnRef>
+          <a:fillRef idx="3">
+            <a:schemeClr val="accent2"/>
+          </a:fillRef>
+          <a:effectRef idx="2">
+            <a:schemeClr val="accent2"/>
+          </a:effectRef>
+          <a:fontRef idx="minor">
+            <a:schemeClr val="lt1"/>
+          </a:fontRef>
+        </p:style>
+        <p:txBody>
+          <a:bodyPr wrap="none" lIns="90488" tIns="44450" rIns="90488" bIns="44450">
+            <a:spAutoFit/>
+          </a:bodyPr>
+          <a:lstStyle/>
+          <a:p>
+            <a:pPr algn="ctr" defTabSz="457200" eaLnBrk="1" fontAlgn="auto" hangingPunct="1">
+              <a:spcBef>
+                <a:spcPts val="0"/>
+              </a:spcBef>
+              <a:spcAft>
+                <a:spcPts val="0"/>
+              </a:spcAft>
+            </a:pPr>
+            <a:r>
+              <a:rPr lang="en-US" sz="1600" b="0" dirty="0">
+                <a:solidFill>
+                  <a:srgbClr val="000000"/>
+                </a:solidFill>
+                <a:latin typeface="Calibri"/>
+              </a:rPr>
+              <a:t>Data</a:t>
+            </a:r>
+          </a:p>
+          <a:p>
+            <a:pPr algn="ctr" defTabSz="457200" eaLnBrk="1" fontAlgn="auto" hangingPunct="1">
+              <a:spcBef>
+                <a:spcPts val="0"/>
+              </a:spcBef>
+              <a:spcAft>
+                <a:spcPts val="0"/>
+              </a:spcAft>
+            </a:pPr>
+            <a:r>
+              <a:rPr lang="en-US" sz="1600" b="0" dirty="0">
+                <a:solidFill>
+                  <a:srgbClr val="000000"/>
+                </a:solidFill>
+                <a:latin typeface="Calibri"/>
+              </a:rPr>
+              <a:t>Cache</a:t>
+            </a:r>
+          </a:p>
+        </p:txBody>
+      </p:sp>
+      <p:sp>
+        <p:nvSpPr>
+          <p:cNvPr id="1487895" name="Rectangle 23"/>
+          <p:cNvSpPr>
+            <a:spLocks noChangeArrowheads="1"/>
+          </p:cNvSpPr>
+          <p:nvPr/>
+        </p:nvSpPr>
+        <p:spPr bwMode="auto">
+          <a:xfrm rot="5400000">
+            <a:off x="4646818" y="2665969"/>
+            <a:ext cx="686086" cy="582211"/>
+          </a:xfrm>
+          <a:prstGeom prst="rect">
+            <a:avLst/>
+          </a:prstGeom>
+          <a:ln>
+            <a:headEnd/>
+            <a:tailEnd/>
+          </a:ln>
+        </p:spPr>
+        <p:style>
+          <a:lnRef idx="1">
+            <a:schemeClr val="accent1"/>
+          </a:lnRef>
+          <a:fillRef idx="2">
+            <a:schemeClr val="accent1"/>
+          </a:fillRef>
+          <a:effectRef idx="1">
+            <a:schemeClr val="accent1"/>
+          </a:effectRef>
+          <a:fontRef idx="minor">
+            <a:schemeClr val="dk1"/>
+          </a:fontRef>
+        </p:style>
+        <p:txBody>
+          <a:bodyPr wrap="none" lIns="90488" tIns="44450" rIns="90488" bIns="44450">
+            <a:spAutoFit/>
+          </a:bodyPr>
+          <a:lstStyle/>
+          <a:p>
+            <a:pPr algn="ctr" defTabSz="457200" eaLnBrk="1" fontAlgn="auto" hangingPunct="1">
+              <a:spcBef>
+                <a:spcPts val="0"/>
+              </a:spcBef>
+              <a:spcAft>
+                <a:spcPts val="0"/>
+              </a:spcAft>
+            </a:pPr>
+            <a:r>
+              <a:rPr lang="en-US" sz="1600" b="0" dirty="0" err="1">
+                <a:solidFill>
+                  <a:srgbClr val="000000"/>
+                </a:solidFill>
+                <a:latin typeface="Calibri"/>
+              </a:rPr>
+              <a:t>Instr</a:t>
+            </a:r>
+            <a:endParaRPr lang="en-US" sz="1600" b="0" dirty="0">
+              <a:solidFill>
+                <a:srgbClr val="000000"/>
+              </a:solidFill>
+              <a:latin typeface="Calibri"/>
+            </a:endParaRPr>
+          </a:p>
+          <a:p>
+            <a:pPr algn="ctr" defTabSz="457200" eaLnBrk="1" fontAlgn="auto" hangingPunct="1">
+              <a:spcBef>
+                <a:spcPts val="0"/>
+              </a:spcBef>
+              <a:spcAft>
+                <a:spcPts val="0"/>
+              </a:spcAft>
+            </a:pPr>
+            <a:r>
+              <a:rPr lang="en-US" sz="1600" b="0" dirty="0">
+                <a:solidFill>
+                  <a:srgbClr val="000000"/>
+                </a:solidFill>
+                <a:latin typeface="Calibri"/>
+              </a:rPr>
+              <a:t>Cache</a:t>
+            </a:r>
+          </a:p>
+        </p:txBody>
+      </p:sp>
+      <p:sp>
+        <p:nvSpPr>
+          <p:cNvPr id="1487901" name="Rectangle 29"/>
+          <p:cNvSpPr>
+            <a:spLocks noChangeArrowheads="1"/>
+          </p:cNvSpPr>
+          <p:nvPr/>
+        </p:nvSpPr>
+        <p:spPr bwMode="auto">
+          <a:xfrm>
+            <a:off x="1697387" y="4272316"/>
+            <a:ext cx="8618432" cy="293670"/>
+          </a:xfrm>
+          <a:prstGeom prst="rect">
+            <a:avLst/>
+          </a:prstGeom>
+          <a:noFill/>
+          <a:ln w="12700">
+            <a:noFill/>
+            <a:miter lim="800000"/>
+            <a:headEnd/>
+            <a:tailEnd/>
+          </a:ln>
+          <a:effectLst/>
+        </p:spPr>
+        <p:txBody>
+          <a:bodyPr wrap="none" lIns="63500" tIns="25400" rIns="63500" bIns="25400">
+            <a:spAutoFit/>
+          </a:bodyPr>
+          <a:lstStyle/>
+          <a:p>
+            <a:pPr defTabSz="457200" eaLnBrk="1" fontAlgn="auto" hangingPunct="1">
+              <a:lnSpc>
+                <a:spcPct val="85000"/>
+              </a:lnSpc>
+              <a:spcBef>
+                <a:spcPts val="0"/>
+              </a:spcBef>
+              <a:spcAft>
+                <a:spcPts val="0"/>
+              </a:spcAft>
+            </a:pPr>
+            <a:r>
+              <a:rPr lang="en-US" dirty="0">
+                <a:solidFill>
+                  <a:prstClr val="black"/>
+                </a:solidFill>
+                <a:latin typeface="Calibri"/>
+                <a:ea typeface="+mn-ea"/>
+                <a:cs typeface="+mn-cs"/>
+              </a:rPr>
+              <a:t>Speed (cycles):        </a:t>
+            </a:r>
+            <a:r>
+              <a:rPr lang="en-US" b="0" dirty="0">
+                <a:solidFill>
+                  <a:prstClr val="black"/>
+                </a:solidFill>
+                <a:latin typeface="Calibri"/>
+                <a:ea typeface="+mn-ea"/>
+                <a:cs typeface="Arial" charset="0"/>
+              </a:rPr>
+              <a:t>½</a:t>
+            </a:r>
+            <a:r>
+              <a:rPr lang="en-US" b="0" dirty="0">
+                <a:solidFill>
+                  <a:prstClr val="black"/>
+                </a:solidFill>
+                <a:latin typeface="Calibri"/>
+                <a:ea typeface="+mn-ea"/>
+                <a:cs typeface="+mn-cs"/>
+              </a:rPr>
+              <a:t>’s                     1’s                    10’s                       100’s               1,000,000’s</a:t>
+            </a:r>
+          </a:p>
+        </p:txBody>
+      </p:sp>
+      <p:sp>
+        <p:nvSpPr>
+          <p:cNvPr id="1487902" name="Rectangle 30"/>
+          <p:cNvSpPr>
+            <a:spLocks noChangeArrowheads="1"/>
+          </p:cNvSpPr>
+          <p:nvPr/>
+        </p:nvSpPr>
+        <p:spPr bwMode="auto">
+          <a:xfrm>
+            <a:off x="1697388" y="4653316"/>
+            <a:ext cx="7963919" cy="293670"/>
+          </a:xfrm>
+          <a:prstGeom prst="rect">
+            <a:avLst/>
+          </a:prstGeom>
+          <a:noFill/>
+          <a:ln w="12700">
+            <a:noFill/>
+            <a:miter lim="800000"/>
+            <a:headEnd/>
+            <a:tailEnd/>
+          </a:ln>
+          <a:effectLst/>
+        </p:spPr>
+        <p:txBody>
+          <a:bodyPr wrap="none" lIns="63500" tIns="25400" rIns="63500" bIns="25400">
+            <a:spAutoFit/>
+          </a:bodyPr>
+          <a:lstStyle/>
+          <a:p>
+            <a:pPr defTabSz="457200" eaLnBrk="1" fontAlgn="auto" hangingPunct="1">
+              <a:lnSpc>
+                <a:spcPct val="85000"/>
+              </a:lnSpc>
+              <a:spcBef>
+                <a:spcPts val="0"/>
+              </a:spcBef>
+              <a:spcAft>
+                <a:spcPts val="0"/>
+              </a:spcAft>
+            </a:pPr>
+            <a:r>
+              <a:rPr lang="en-US" dirty="0">
+                <a:solidFill>
+                  <a:prstClr val="black"/>
+                </a:solidFill>
+                <a:latin typeface="Calibri"/>
+                <a:ea typeface="+mn-ea"/>
+                <a:cs typeface="+mn-cs"/>
+              </a:rPr>
+              <a:t>Size (bytes):    </a:t>
+            </a:r>
+            <a:r>
+              <a:rPr lang="en-US" b="0" dirty="0">
+                <a:solidFill>
+                  <a:prstClr val="black"/>
+                </a:solidFill>
+                <a:latin typeface="Calibri"/>
+                <a:ea typeface="+mn-ea"/>
+                <a:cs typeface="+mn-cs"/>
+              </a:rPr>
+              <a:t>     100’s   </a:t>
+            </a:r>
+            <a:r>
+              <a:rPr lang="en-US" dirty="0">
+                <a:solidFill>
+                  <a:prstClr val="black"/>
+                </a:solidFill>
+                <a:latin typeface="Calibri"/>
+                <a:ea typeface="+mn-ea"/>
+                <a:cs typeface="+mn-cs"/>
+              </a:rPr>
+              <a:t>      </a:t>
+            </a:r>
+            <a:r>
+              <a:rPr lang="en-US" b="0" dirty="0">
+                <a:solidFill>
+                  <a:prstClr val="black"/>
+                </a:solidFill>
+                <a:latin typeface="Calibri"/>
+                <a:ea typeface="+mn-ea"/>
+                <a:cs typeface="+mn-cs"/>
+              </a:rPr>
+              <a:t>         10K’s                  M’s                          G’s                      T’s</a:t>
+            </a:r>
+          </a:p>
+        </p:txBody>
+      </p:sp>
+      <p:sp>
+        <p:nvSpPr>
+          <p:cNvPr id="36" name="Content Placeholder 30"/>
+          <p:cNvSpPr>
+            <a:spLocks noGrp="1"/>
+          </p:cNvSpPr>
+          <p:nvPr>
+            <p:ph idx="1"/>
+          </p:nvPr>
+        </p:nvSpPr>
+        <p:spPr>
+          <a:xfrm>
+            <a:off x="1844762" y="5544553"/>
+            <a:ext cx="8229600" cy="1193800"/>
+          </a:xfrm>
+        </p:spPr>
+        <p:txBody>
+          <a:bodyPr>
+            <a:normAutofit/>
+          </a:bodyPr>
+          <a:lstStyle/>
+          <a:p>
+            <a:endParaRPr lang="en-US" dirty="0"/>
+          </a:p>
+        </p:txBody>
+      </p:sp>
+      <p:grpSp>
+        <p:nvGrpSpPr>
+          <p:cNvPr id="2" name="Group 29"/>
+          <p:cNvGrpSpPr/>
+          <p:nvPr/>
+        </p:nvGrpSpPr>
+        <p:grpSpPr>
+          <a:xfrm>
+            <a:off x="2005357" y="5023820"/>
+            <a:ext cx="7924800" cy="293670"/>
+            <a:chOff x="481357" y="4658696"/>
+            <a:chExt cx="7924800" cy="293670"/>
+          </a:xfrm>
+        </p:grpSpPr>
+        <p:sp>
+          <p:nvSpPr>
+            <p:cNvPr id="1487903" name="Rectangle 31"/>
+            <p:cNvSpPr>
+              <a:spLocks noChangeArrowheads="1"/>
+            </p:cNvSpPr>
+            <p:nvPr/>
+          </p:nvSpPr>
+          <p:spPr bwMode="auto">
+            <a:xfrm>
+              <a:off x="481357" y="4658696"/>
+              <a:ext cx="7924800" cy="293670"/>
+            </a:xfrm>
+            <a:prstGeom prst="rect">
+              <a:avLst/>
+            </a:prstGeom>
+            <a:noFill/>
+            <a:ln w="12700">
+              <a:noFill/>
+              <a:miter lim="800000"/>
+              <a:headEnd/>
+              <a:tailEnd/>
+            </a:ln>
+            <a:effectLst/>
+          </p:spPr>
+          <p:txBody>
+            <a:bodyPr lIns="63500" tIns="25400" rIns="63500" bIns="25400">
+              <a:spAutoFit/>
+            </a:bodyPr>
+            <a:lstStyle/>
+            <a:p>
+              <a:pPr defTabSz="457200" eaLnBrk="1" fontAlgn="auto" hangingPunct="1">
+                <a:lnSpc>
+                  <a:spcPct val="85000"/>
+                </a:lnSpc>
+                <a:spcBef>
+                  <a:spcPts val="0"/>
+                </a:spcBef>
+                <a:spcAft>
+                  <a:spcPts val="0"/>
+                </a:spcAft>
+              </a:pPr>
+              <a:r>
+                <a:rPr lang="en-US" dirty="0">
+                  <a:solidFill>
+                    <a:prstClr val="black"/>
+                  </a:solidFill>
+                  <a:latin typeface="Calibri"/>
+                  <a:ea typeface="+mn-ea"/>
+                  <a:cs typeface="+mn-cs"/>
+                </a:rPr>
+                <a:t> Cost/bit:         </a:t>
+              </a:r>
+              <a:r>
+                <a:rPr lang="en-US" b="0" dirty="0">
+                  <a:solidFill>
+                    <a:prstClr val="black"/>
+                  </a:solidFill>
+                  <a:latin typeface="Calibri"/>
+                  <a:ea typeface="+mn-ea"/>
+                  <a:cs typeface="+mn-cs"/>
+                </a:rPr>
+                <a:t>highest                                                                                                 lowest</a:t>
+              </a:r>
+            </a:p>
+          </p:txBody>
+        </p:sp>
+        <p:cxnSp>
+          <p:nvCxnSpPr>
+            <p:cNvPr id="29" name="Straight Arrow Connector 28"/>
+            <p:cNvCxnSpPr/>
+            <p:nvPr/>
+          </p:nvCxnSpPr>
+          <p:spPr>
+            <a:xfrm>
+              <a:off x="2739264" y="4817788"/>
+              <a:ext cx="4743860" cy="10496"/>
+            </a:xfrm>
+            <a:prstGeom prst="straightConnector1">
+              <a:avLst/>
+            </a:prstGeom>
+            <a:ln>
+              <a:headEnd type="arrow"/>
+              <a:tailEnd type="arrow"/>
+            </a:ln>
+          </p:spPr>
+          <p:style>
+            <a:lnRef idx="2">
+              <a:schemeClr val="accent1"/>
+            </a:lnRef>
+            <a:fillRef idx="0">
+              <a:schemeClr val="accent1"/>
+            </a:fillRef>
+            <a:effectRef idx="1">
+              <a:schemeClr val="accent1"/>
+            </a:effectRef>
+            <a:fontRef idx="minor">
+              <a:schemeClr val="tx1"/>
+            </a:fontRef>
+          </p:style>
+        </p:cxnSp>
+      </p:grpSp>
+      <p:sp>
+        <p:nvSpPr>
+          <p:cNvPr id="4" name="Slide Number Placeholder 3">
+            <a:extLst>
+              <a:ext uri="{FF2B5EF4-FFF2-40B4-BE49-F238E27FC236}">
+                <a16:creationId xmlns:a16="http://schemas.microsoft.com/office/drawing/2014/main" id="{D8F284F5-C9A4-B347-EBF7-20F2B2B5A499}"/>
+              </a:ext>
+            </a:extLst>
+          </p:cNvPr>
+          <p:cNvSpPr txBox="1">
+            <a:spLocks/>
+          </p:cNvSpPr>
+          <p:nvPr/>
+        </p:nvSpPr>
+        <p:spPr>
+          <a:xfrm>
+            <a:off x="11582400" y="6416244"/>
+            <a:ext cx="524967" cy="344339"/>
+          </a:xfrm>
+          <a:prstGeom prst="rect">
+            <a:avLst/>
+          </a:prstGeom>
+        </p:spPr>
+        <p:txBody>
+          <a:bodyPr/>
+          <a:lstStyle>
+            <a:defPPr>
+              <a:defRPr lang="en-US"/>
+            </a:defPPr>
+            <a:lvl1pPr algn="l" rtl="0" eaLnBrk="0" fontAlgn="base" hangingPunct="0">
+              <a:spcBef>
+                <a:spcPct val="0"/>
+              </a:spcBef>
+              <a:spcAft>
+                <a:spcPct val="0"/>
+              </a:spcAft>
+              <a:defRPr sz="1600" b="0" i="0" kern="1200">
+                <a:solidFill>
+                  <a:schemeClr val="tx1"/>
+                </a:solidFill>
+                <a:latin typeface="Comic Sans MS" charset="0"/>
+                <a:ea typeface="ＭＳ Ｐゴシック" charset="0"/>
+                <a:cs typeface="ＭＳ Ｐゴシック" charset="0"/>
+              </a:defRPr>
+            </a:lvl1pPr>
+            <a:lvl2pPr marL="457200" algn="l" rtl="0" eaLnBrk="0" fontAlgn="base" hangingPunct="0">
+              <a:spcBef>
+                <a:spcPct val="0"/>
+              </a:spcBef>
+              <a:spcAft>
+                <a:spcPct val="0"/>
+              </a:spcAft>
+              <a:defRPr b="1" kern="1200">
+                <a:solidFill>
+                  <a:schemeClr val="tx1"/>
+                </a:solidFill>
+                <a:latin typeface="Comic Sans MS" charset="0"/>
+                <a:ea typeface="ＭＳ Ｐゴシック" charset="0"/>
+                <a:cs typeface="ＭＳ Ｐゴシック" charset="0"/>
+              </a:defRPr>
+            </a:lvl2pPr>
+            <a:lvl3pPr marL="914400" algn="l" rtl="0" eaLnBrk="0" fontAlgn="base" hangingPunct="0">
+              <a:spcBef>
+                <a:spcPct val="0"/>
+              </a:spcBef>
+              <a:spcAft>
+                <a:spcPct val="0"/>
+              </a:spcAft>
+              <a:defRPr b="1" kern="1200">
+                <a:solidFill>
+                  <a:schemeClr val="tx1"/>
+                </a:solidFill>
+                <a:latin typeface="Comic Sans MS" charset="0"/>
+                <a:ea typeface="ＭＳ Ｐゴシック" charset="0"/>
+                <a:cs typeface="ＭＳ Ｐゴシック" charset="0"/>
+              </a:defRPr>
+            </a:lvl3pPr>
+            <a:lvl4pPr marL="1371600" algn="l" rtl="0" eaLnBrk="0" fontAlgn="base" hangingPunct="0">
+              <a:spcBef>
+                <a:spcPct val="0"/>
+              </a:spcBef>
+              <a:spcAft>
+                <a:spcPct val="0"/>
+              </a:spcAft>
+              <a:defRPr b="1" kern="1200">
+                <a:solidFill>
+                  <a:schemeClr val="tx1"/>
+                </a:solidFill>
+                <a:latin typeface="Comic Sans MS" charset="0"/>
+                <a:ea typeface="ＭＳ Ｐゴシック" charset="0"/>
+                <a:cs typeface="ＭＳ Ｐゴシック" charset="0"/>
+              </a:defRPr>
+            </a:lvl4pPr>
+            <a:lvl5pPr marL="1828800" algn="l" rtl="0" eaLnBrk="0" fontAlgn="base" hangingPunct="0">
+              <a:spcBef>
+                <a:spcPct val="0"/>
+              </a:spcBef>
+              <a:spcAft>
+                <a:spcPct val="0"/>
+              </a:spcAft>
+              <a:defRPr b="1" kern="1200">
+                <a:solidFill>
+                  <a:schemeClr val="tx1"/>
+                </a:solidFill>
+                <a:latin typeface="Comic Sans MS" charset="0"/>
+                <a:ea typeface="ＭＳ Ｐゴシック" charset="0"/>
+                <a:cs typeface="ＭＳ Ｐゴシック" charset="0"/>
+              </a:defRPr>
+            </a:lvl5pPr>
+            <a:lvl6pPr marL="2286000" algn="l" defTabSz="457200" rtl="0" eaLnBrk="1" latinLnBrk="0" hangingPunct="1">
+              <a:defRPr b="1" kern="1200">
+                <a:solidFill>
+                  <a:schemeClr val="tx1"/>
+                </a:solidFill>
+                <a:latin typeface="Comic Sans MS" charset="0"/>
+                <a:ea typeface="ＭＳ Ｐゴシック" charset="0"/>
+                <a:cs typeface="ＭＳ Ｐゴシック" charset="0"/>
+              </a:defRPr>
+            </a:lvl6pPr>
+            <a:lvl7pPr marL="2743200" algn="l" defTabSz="457200" rtl="0" eaLnBrk="1" latinLnBrk="0" hangingPunct="1">
+              <a:defRPr b="1" kern="1200">
+                <a:solidFill>
+                  <a:schemeClr val="tx1"/>
+                </a:solidFill>
+                <a:latin typeface="Comic Sans MS" charset="0"/>
+                <a:ea typeface="ＭＳ Ｐゴシック" charset="0"/>
+                <a:cs typeface="ＭＳ Ｐゴシック" charset="0"/>
+              </a:defRPr>
+            </a:lvl7pPr>
+            <a:lvl8pPr marL="3200400" algn="l" defTabSz="457200" rtl="0" eaLnBrk="1" latinLnBrk="0" hangingPunct="1">
+              <a:defRPr b="1" kern="1200">
+                <a:solidFill>
+                  <a:schemeClr val="tx1"/>
+                </a:solidFill>
+                <a:latin typeface="Comic Sans MS" charset="0"/>
+                <a:ea typeface="ＭＳ Ｐゴシック" charset="0"/>
+                <a:cs typeface="ＭＳ Ｐゴシック" charset="0"/>
+              </a:defRPr>
+            </a:lvl8pPr>
+            <a:lvl9pPr marL="3657600" algn="l" defTabSz="457200" rtl="0" eaLnBrk="1" latinLnBrk="0" hangingPunct="1">
+              <a:defRPr b="1" kern="1200">
+                <a:solidFill>
+                  <a:schemeClr val="tx1"/>
+                </a:solidFill>
+                <a:latin typeface="Comic Sans MS" charset="0"/>
+                <a:ea typeface="ＭＳ Ｐゴシック" charset="0"/>
+                <a:cs typeface="ＭＳ Ｐゴシック" charset="0"/>
+              </a:defRPr>
+            </a:lvl9pPr>
+          </a:lstStyle>
+          <a:p>
+            <a:pPr algn="ctr">
+              <a:defRPr/>
+            </a:pPr>
+            <a:fld id="{79ACD604-DE96-4BF4-B014-6BD05026CF1E}" type="slidenum">
+              <a:rPr lang="en-US" altLang="zh-CN" smtClean="0">
+                <a:solidFill>
+                  <a:prstClr val="black"/>
+                </a:solidFill>
+                <a:latin typeface="Times New Roman" pitchFamily="18" charset="0"/>
+                <a:ea typeface="宋体" panose="02010600030101010101" pitchFamily="2" charset="-122"/>
+                <a:cs typeface="+mn-cs"/>
+              </a:rPr>
+              <a:pPr algn="ctr">
+                <a:defRPr/>
+              </a:pPr>
+              <a:t>3</a:t>
+            </a:fld>
+            <a:endParaRPr lang="en-US" altLang="zh-CN" dirty="0">
+              <a:solidFill>
+                <a:prstClr val="black"/>
+              </a:solidFill>
+              <a:latin typeface="Times New Roman" pitchFamily="18" charset="0"/>
+              <a:ea typeface="宋体" panose="02010600030101010101" pitchFamily="2" charset="-122"/>
+              <a:cs typeface="+mn-cs"/>
+            </a:endParaRPr>
+          </a:p>
+        </p:txBody>
+      </p:sp>
+    </p:spTree>
+    <p:extLst>
+      <p:ext uri="{BB962C8B-B14F-4D97-AF65-F5344CB8AC3E}">
+        <p14:creationId xmlns:p14="http://schemas.microsoft.com/office/powerpoint/2010/main" val="261768810"/>
+      </p:ext>
+    </p:extLst>
+  </p:cSld>
+  <p:clrMapOvr>
+    <a:masterClrMapping/>
+  </p:clrMapOvr>
+  <p:transition/>
+  <p:timing>
+    <p:tnLst>
+      <p:par>
+        <p:cTn id="1" dur="indefinite" restart="never" nodeType="tmRoot">
+          <p:childTnLst>
+            <p:seq concurrent="1" nextAc="seek">
+              <p:cTn id="2" dur="indefinite" nodeType="mainSeq">
+                <p:childTnLst>
+                  <p:par>
+                    <p:cTn id="3" fill="hold">
+                      <p:stCondLst>
+                        <p:cond delay="indefinite"/>
+                      </p:stCondLst>
+                      <p:childTnLst>
+                        <p:par>
+                          <p:cTn id="4" fill="hold">
+                            <p:stCondLst>
+                              <p:cond delay="0"/>
+                            </p:stCondLst>
+                            <p:childTnLst>
+                              <p:par>
+                                <p:cTn id="5" presetID="1" presetClass="entr" presetSubtype="0" fill="hold" grpId="0" nodeType="clickEffect">
+                                  <p:stCondLst>
+                                    <p:cond delay="0"/>
+                                  </p:stCondLst>
+                                  <p:childTnLst>
+                                    <p:set>
+                                      <p:cBhvr>
+                                        <p:cTn id="6" dur="1" fill="hold">
+                                          <p:stCondLst>
+                                            <p:cond delay="499"/>
+                                          </p:stCondLst>
+                                        </p:cTn>
+                                        <p:tgtEl>
+                                          <p:spTgt spid="1487884"/>
+                                        </p:tgtEl>
+                                        <p:attrNameLst>
+                                          <p:attrName>style.visibility</p:attrName>
+                                        </p:attrNameLst>
+                                      </p:cBhvr>
+                                      <p:to>
+                                        <p:strVal val="visible"/>
+                                      </p:to>
+                                    </p:set>
+                                  </p:childTnLst>
+                                </p:cTn>
+                              </p:par>
+                              <p:par>
+                                <p:cTn id="7" presetID="1" presetClass="entr" presetSubtype="0" fill="hold" grpId="0" nodeType="withEffect">
+                                  <p:stCondLst>
+                                    <p:cond delay="0"/>
+                                  </p:stCondLst>
+                                  <p:childTnLst>
+                                    <p:set>
+                                      <p:cBhvr>
+                                        <p:cTn id="8" dur="1" fill="hold">
+                                          <p:stCondLst>
+                                            <p:cond delay="499"/>
+                                          </p:stCondLst>
+                                        </p:cTn>
+                                        <p:tgtEl>
+                                          <p:spTgt spid="1487885"/>
+                                        </p:tgtEl>
+                                        <p:attrNameLst>
+                                          <p:attrName>style.visibility</p:attrName>
+                                        </p:attrNameLst>
+                                      </p:cBhvr>
+                                      <p:to>
+                                        <p:strVal val="visible"/>
+                                      </p:to>
+                                    </p:set>
+                                  </p:childTnLst>
+                                </p:cTn>
+                              </p:par>
+                            </p:childTnLst>
+                          </p:cTn>
+                        </p:par>
+                      </p:childTnLst>
+                    </p:cTn>
+                  </p:par>
+                  <p:par>
+                    <p:cTn id="9" fill="hold">
+                      <p:stCondLst>
+                        <p:cond delay="indefinite"/>
+                      </p:stCondLst>
+                      <p:childTnLst>
+                        <p:par>
+                          <p:cTn id="10" fill="hold">
+                            <p:stCondLst>
+                              <p:cond delay="0"/>
+                            </p:stCondLst>
+                            <p:childTnLst>
+                              <p:par>
+                                <p:cTn id="11" presetID="1" presetClass="entr" presetSubtype="0" fill="hold" grpId="0" nodeType="clickEffect">
+                                  <p:stCondLst>
+                                    <p:cond delay="0"/>
+                                  </p:stCondLst>
+                                  <p:childTnLst>
+                                    <p:set>
+                                      <p:cBhvr>
+                                        <p:cTn id="12" dur="1" fill="hold">
+                                          <p:stCondLst>
+                                            <p:cond delay="0"/>
+                                          </p:stCondLst>
+                                        </p:cTn>
+                                        <p:tgtEl>
+                                          <p:spTgt spid="1487901"/>
+                                        </p:tgtEl>
+                                        <p:attrNameLst>
+                                          <p:attrName>style.visibility</p:attrName>
+                                        </p:attrNameLst>
+                                      </p:cBhvr>
+                                      <p:to>
+                                        <p:strVal val="visible"/>
+                                      </p:to>
+                                    </p:set>
+                                  </p:childTnLst>
+                                </p:cTn>
+                              </p:par>
+                            </p:childTnLst>
+                          </p:cTn>
+                        </p:par>
+                      </p:childTnLst>
+                    </p:cTn>
+                  </p:par>
+                  <p:par>
+                    <p:cTn id="13" fill="hold">
+                      <p:stCondLst>
+                        <p:cond delay="indefinite"/>
+                      </p:stCondLst>
+                      <p:childTnLst>
+                        <p:par>
+                          <p:cTn id="14" fill="hold">
+                            <p:stCondLst>
+                              <p:cond delay="0"/>
+                            </p:stCondLst>
+                            <p:childTnLst>
+                              <p:par>
+                                <p:cTn id="15" presetID="1" presetClass="entr" presetSubtype="0" fill="hold" grpId="0" nodeType="clickEffect">
+                                  <p:stCondLst>
+                                    <p:cond delay="0"/>
+                                  </p:stCondLst>
+                                  <p:childTnLst>
+                                    <p:set>
+                                      <p:cBhvr>
+                                        <p:cTn id="16" dur="1" fill="hold">
+                                          <p:stCondLst>
+                                            <p:cond delay="0"/>
+                                          </p:stCondLst>
+                                        </p:cTn>
+                                        <p:tgtEl>
+                                          <p:spTgt spid="1487902"/>
+                                        </p:tgtEl>
+                                        <p:attrNameLst>
+                                          <p:attrName>style.visibility</p:attrName>
+                                        </p:attrNameLst>
+                                      </p:cBhvr>
+                                      <p:to>
+                                        <p:strVal val="visible"/>
+                                      </p:to>
+                                    </p:set>
+                                  </p:childTnLst>
+                                </p:cTn>
+                              </p:par>
+                            </p:childTnLst>
+                          </p:cTn>
+                        </p:par>
+                      </p:childTnLst>
+                    </p:cTn>
+                  </p:par>
+                  <p:par>
+                    <p:cTn id="17" fill="hold">
+                      <p:stCondLst>
+                        <p:cond delay="indefinite"/>
+                      </p:stCondLst>
+                      <p:childTnLst>
+                        <p:par>
+                          <p:cTn id="18" fill="hold">
+                            <p:stCondLst>
+                              <p:cond delay="0"/>
+                            </p:stCondLst>
+                            <p:childTnLst>
+                              <p:par>
+                                <p:cTn id="19" presetID="1" presetClass="entr" presetSubtype="0" fill="hold" nodeType="clickEffect">
+                                  <p:stCondLst>
+                                    <p:cond delay="0"/>
+                                  </p:stCondLst>
+                                  <p:childTnLst>
+                                    <p:set>
+                                      <p:cBhvr>
+                                        <p:cTn id="20" dur="1" fill="hold">
+                                          <p:stCondLst>
+                                            <p:cond delay="0"/>
+                                          </p:stCondLst>
+                                        </p:cTn>
+                                        <p:tgtEl>
+                                          <p:spTgt spid="2"/>
+                                        </p:tgtEl>
+                                        <p:attrNameLst>
+                                          <p:attrName>style.visibility</p:attrName>
+                                        </p:attrNameLst>
+                                      </p:cBhvr>
+                                      <p:to>
+                                        <p:strVal val="visible"/>
+                                      </p:to>
+                                    </p:set>
+                                  </p:childTnLst>
+                                </p:cTn>
+                              </p:par>
+                            </p:childTnLst>
+                          </p:cTn>
+                        </p:par>
+                      </p:childTnLst>
+                    </p:cTn>
+                  </p:par>
+                </p:childTnLst>
+              </p:cTn>
+              <p:prevCondLst>
+                <p:cond evt="onPrev" delay="0">
+                  <p:tgtEl>
+                    <p:sldTgt/>
+                  </p:tgtEl>
+                </p:cond>
+              </p:prevCondLst>
+              <p:nextCondLst>
+                <p:cond evt="onNext" delay="0">
+                  <p:tgtEl>
+                    <p:sldTgt/>
+                  </p:tgtEl>
+                </p:cond>
+              </p:nextCondLst>
+            </p:seq>
+          </p:childTnLst>
+        </p:cTn>
+      </p:par>
+    </p:tnLst>
+    <p:bldLst>
+      <p:bldP spid="1487884" grpId="0" animBg="1"/>
+      <p:bldP spid="1487885" grpId="0" autoUpdateAnimBg="0"/>
+      <p:bldP spid="1487901" grpId="0"/>
+      <p:bldP spid="1487902" grpId="0"/>
+    </p:bldLst>
+  </p:timing>
+</p:sld>
+</file>
+
+<file path=ppt/slides/slide4.xml><?xml version="1.0" encoding="utf-8"?>
+<p:sld xmlns:a="http://schemas.openxmlformats.org/drawingml/2006/main" xmlns:r="http://schemas.openxmlformats.org/officeDocument/2006/relationships" xmlns:p="http://schemas.openxmlformats.org/presentationml/2006/main">
+  <p:cSld>
+    <p:spTree>
+      <p:nvGrpSpPr>
+        <p:cNvPr id="1" name=""/>
+        <p:cNvGrpSpPr/>
+        <p:nvPr/>
+      </p:nvGrpSpPr>
+      <p:grpSpPr>
+        <a:xfrm>
+          <a:off x="0" y="0"/>
+          <a:ext cx="0" cy="0"/>
+          <a:chOff x="0" y="0"/>
+          <a:chExt cx="0" cy="0"/>
+        </a:xfrm>
+      </p:grpSpPr>
+      <p:sp>
+        <p:nvSpPr>
+          <p:cNvPr id="2" name="Title 1">
+            <a:extLst>
+              <a:ext uri="{FF2B5EF4-FFF2-40B4-BE49-F238E27FC236}">
+                <a16:creationId xmlns:a16="http://schemas.microsoft.com/office/drawing/2014/main" id="{BD4615AB-8C31-50B3-3FC9-41C28554893C}"/>
+              </a:ext>
+            </a:extLst>
+          </p:cNvPr>
+          <p:cNvSpPr>
+            <a:spLocks noGrp="1"/>
+          </p:cNvSpPr>
+          <p:nvPr>
+            <p:ph type="title"/>
+          </p:nvPr>
+        </p:nvSpPr>
+        <p:spPr/>
+        <p:txBody>
+          <a:bodyPr/>
+          <a:lstStyle/>
+          <a:p>
+            <a:r>
+              <a:rPr lang="en-GB" dirty="0"/>
+              <a:t>Memory Hierarchy</a:t>
+            </a:r>
+            <a:endParaRPr lang="en-SE" dirty="0"/>
+          </a:p>
+        </p:txBody>
+      </p:sp>
+      <p:sp>
+        <p:nvSpPr>
+          <p:cNvPr id="3" name="Content Placeholder 2">
+            <a:extLst>
+              <a:ext uri="{FF2B5EF4-FFF2-40B4-BE49-F238E27FC236}">
+                <a16:creationId xmlns:a16="http://schemas.microsoft.com/office/drawing/2014/main" id="{D6D2329D-60A5-586C-8D2A-9626C196E286}"/>
+              </a:ext>
+            </a:extLst>
+          </p:cNvPr>
+          <p:cNvSpPr>
+            <a:spLocks noGrp="1"/>
+          </p:cNvSpPr>
+          <p:nvPr>
+            <p:ph idx="1"/>
+          </p:nvPr>
+        </p:nvSpPr>
+        <p:spPr/>
+        <p:txBody>
+          <a:bodyPr/>
+          <a:lstStyle/>
+          <a:p>
+            <a:endParaRPr lang="en-SE"/>
+          </a:p>
+        </p:txBody>
+      </p:sp>
+      <p:pic>
+        <p:nvPicPr>
+          <p:cNvPr id="5" name="Picture 4">
+            <a:extLst>
+              <a:ext uri="{FF2B5EF4-FFF2-40B4-BE49-F238E27FC236}">
+                <a16:creationId xmlns:a16="http://schemas.microsoft.com/office/drawing/2014/main" id="{0B4C39DA-31BF-E8AA-1A6A-6C0C1C4E4CDA}"/>
+              </a:ext>
+            </a:extLst>
+          </p:cNvPr>
+          <p:cNvPicPr>
+            <a:picLocks noChangeAspect="1"/>
+          </p:cNvPicPr>
+          <p:nvPr/>
+        </p:nvPicPr>
+        <p:blipFill>
+          <a:blip r:embed="rId2"/>
+          <a:stretch>
+            <a:fillRect/>
+          </a:stretch>
+        </p:blipFill>
+        <p:spPr>
+          <a:xfrm>
+            <a:off x="1472138" y="1073427"/>
+            <a:ext cx="9231013" cy="5391902"/>
+          </a:xfrm>
+          <a:prstGeom prst="rect">
+            <a:avLst/>
+          </a:prstGeom>
+        </p:spPr>
+      </p:pic>
+    </p:spTree>
+    <p:extLst>
+      <p:ext uri="{BB962C8B-B14F-4D97-AF65-F5344CB8AC3E}">
+        <p14:creationId xmlns:p14="http://schemas.microsoft.com/office/powerpoint/2010/main" val="1774554264"/>
+      </p:ext>
+    </p:extLst>
+  </p:cSld>
+  <p:clrMapOvr>
+    <a:masterClrMapping/>
+  </p:clrMapOvr>
+</p:sld>
+</file>
+
+<file path=ppt/slides/slide5.xml><?xml version="1.0" encoding="utf-8"?>
 <p:sld xmlns:a="http://schemas.openxmlformats.org/drawingml/2006/main" xmlns:r="http://schemas.openxmlformats.org/officeDocument/2006/relationships" xmlns:p="http://schemas.openxmlformats.org/presentationml/2006/main">
   <p:cSld>
     <p:spTree>
@@ -20149,7 +24740,7 @@
                 <a:cs typeface="Arial"/>
               </a:rPr>
               <a:pPr algn="r"/>
-              <a:t>2</a:t>
+              <a:t>5</a:t>
             </a:fld>
             <a:endParaRPr lang="nb-NO">
               <a:latin typeface="Arial"/>
@@ -20236,7 +24827,7 @@
 </p:sld>
 </file>
 
-<file path=ppt/slides/slide3.xml><?xml version="1.0" encoding="utf-8"?>
+<file path=ppt/slides/slide6.xml><?xml version="1.0" encoding="utf-8"?>
 <p:sld xmlns:a="http://schemas.openxmlformats.org/drawingml/2006/main" xmlns:r="http://schemas.openxmlformats.org/officeDocument/2006/relationships" xmlns:p="http://schemas.openxmlformats.org/presentationml/2006/main">
   <p:cSld>
     <p:spTree>
@@ -22599,7 +27190,7 @@
                 <a:cs typeface="Arial"/>
               </a:rPr>
               <a:pPr algn="r"/>
-              <a:t>3</a:t>
+              <a:t>6</a:t>
             </a:fld>
             <a:endParaRPr lang="nb-NO">
               <a:latin typeface="Arial"/>
@@ -22621,7 +27212,7 @@
 </p:sld>
 </file>
 
-<file path=ppt/slides/slide4.xml><?xml version="1.0" encoding="utf-8"?>
+<file path=ppt/slides/slide7.xml><?xml version="1.0" encoding="utf-8"?>
 <p:sld xmlns:a="http://schemas.openxmlformats.org/drawingml/2006/main" xmlns:r="http://schemas.openxmlformats.org/officeDocument/2006/relationships" xmlns:p="http://schemas.openxmlformats.org/presentationml/2006/main">
   <p:cSld>
     <p:spTree>
@@ -22954,7 +27545,7 @@
               <a:pPr algn="ctr">
                 <a:defRPr/>
               </a:pPr>
-              <a:t>4</a:t>
+              <a:t>7</a:t>
             </a:fld>
             <a:endParaRPr lang="en-US" altLang="zh-CN" b="0">
               <a:solidFill>
@@ -22976,7 +27567,7 @@
 </p:sld>
 </file>
 
-<file path=ppt/slides/slide5.xml><?xml version="1.0" encoding="utf-8"?>
+<file path=ppt/slides/slide8.xml><?xml version="1.0" encoding="utf-8"?>
 <p:sld xmlns:a="http://schemas.openxmlformats.org/drawingml/2006/main" xmlns:r="http://schemas.openxmlformats.org/officeDocument/2006/relationships" xmlns:p="http://schemas.openxmlformats.org/presentationml/2006/main">
   <p:cSld>
     <p:spTree>
@@ -23152,1333 +27743,6 @@
 </p:sld>
 </file>
 
-<file path=ppt/slides/slide6.xml><?xml version="1.0" encoding="utf-8"?>
-<p:sld xmlns:a="http://schemas.openxmlformats.org/drawingml/2006/main" xmlns:r="http://schemas.openxmlformats.org/officeDocument/2006/relationships" xmlns:p="http://schemas.openxmlformats.org/presentationml/2006/main">
-  <p:cSld>
-    <p:spTree>
-      <p:nvGrpSpPr>
-        <p:cNvPr id="1" name=""/>
-        <p:cNvGrpSpPr/>
-        <p:nvPr/>
-      </p:nvGrpSpPr>
-      <p:grpSpPr>
-        <a:xfrm>
-          <a:off x="0" y="0"/>
-          <a:ext cx="0" cy="0"/>
-          <a:chOff x="0" y="0"/>
-          <a:chExt cx="0" cy="0"/>
-        </a:xfrm>
-      </p:grpSpPr>
-      <p:sp>
-        <p:nvSpPr>
-          <p:cNvPr id="2" name="Title 1"/>
-          <p:cNvSpPr>
-            <a:spLocks noGrp="1"/>
-          </p:cNvSpPr>
-          <p:nvPr>
-            <p:ph type="title"/>
-          </p:nvPr>
-        </p:nvSpPr>
-        <p:spPr/>
-        <p:txBody>
-          <a:bodyPr/>
-          <a:lstStyle/>
-          <a:p>
-            <a:r>
-              <a:rPr lang="en-US" dirty="0"/>
-              <a:t>Multi-Armed Lawyers</a:t>
-            </a:r>
-          </a:p>
-        </p:txBody>
-      </p:sp>
-      <p:sp>
-        <p:nvSpPr>
-          <p:cNvPr id="3" name="Content Placeholder 2"/>
-          <p:cNvSpPr>
-            <a:spLocks noGrp="1"/>
-          </p:cNvSpPr>
-          <p:nvPr>
-            <p:ph idx="1"/>
-          </p:nvPr>
-        </p:nvSpPr>
-        <p:spPr/>
-        <p:txBody>
-          <a:bodyPr>
-            <a:normAutofit/>
-          </a:bodyPr>
-          <a:lstStyle/>
-          <a:p>
-            <a:r>
-              <a:rPr lang="en-US" dirty="0"/>
-              <a:t>Consider a large table with IDENTICAL multi-armed alien lawyers. In the center is a pile of chopsticks. In order to eat, a lawyer must have one chopstick in each hand. The lawyers are so busy talking that they can only grab one chopstick at a time. Design a deadlock-free algorithm</a:t>
-            </a:r>
-            <a:r>
-              <a:rPr lang="en-US" i="1" dirty="0"/>
-              <a:t> </a:t>
-            </a:r>
-            <a:r>
-              <a:rPr lang="en-US" dirty="0"/>
-              <a:t>using monitors and Bankers algorithm. Assume total number of chopsticks &gt;= number of hands of each lawyer, so at least one lawyer can eat.</a:t>
-            </a:r>
-          </a:p>
-          <a:p>
-            <a:endParaRPr lang="en-US" dirty="0"/>
-          </a:p>
-        </p:txBody>
-      </p:sp>
-    </p:spTree>
-  </p:cSld>
-  <p:clrMapOvr>
-    <a:masterClrMapping/>
-  </p:clrMapOvr>
-  <p:transition/>
-</p:sld>
-</file>
-
-<file path=ppt/slides/slide7.xml><?xml version="1.0" encoding="utf-8"?>
-<p:sld xmlns:a="http://schemas.openxmlformats.org/drawingml/2006/main" xmlns:r="http://schemas.openxmlformats.org/officeDocument/2006/relationships" xmlns:p="http://schemas.openxmlformats.org/presentationml/2006/main">
-  <p:cSld>
-    <p:spTree>
-      <p:nvGrpSpPr>
-        <p:cNvPr id="1" name=""/>
-        <p:cNvGrpSpPr/>
-        <p:nvPr/>
-      </p:nvGrpSpPr>
-      <p:grpSpPr>
-        <a:xfrm>
-          <a:off x="0" y="0"/>
-          <a:ext cx="0" cy="0"/>
-          <a:chOff x="0" y="0"/>
-          <a:chExt cx="0" cy="0"/>
-        </a:xfrm>
-      </p:grpSpPr>
-      <p:sp>
-        <p:nvSpPr>
-          <p:cNvPr id="2" name="Title 1"/>
-          <p:cNvSpPr>
-            <a:spLocks noGrp="1"/>
-          </p:cNvSpPr>
-          <p:nvPr>
-            <p:ph type="title"/>
-          </p:nvPr>
-        </p:nvSpPr>
-        <p:spPr/>
-        <p:txBody>
-          <a:bodyPr/>
-          <a:lstStyle/>
-          <a:p>
-            <a:endParaRPr lang="en-US"/>
-          </a:p>
-        </p:txBody>
-      </p:sp>
-      <p:sp>
-        <p:nvSpPr>
-          <p:cNvPr id="4" name="Date Placeholder 3"/>
-          <p:cNvSpPr>
-            <a:spLocks noGrp="1"/>
-          </p:cNvSpPr>
-          <p:nvPr>
-            <p:ph type="dt" sz="half" idx="10"/>
-          </p:nvPr>
-        </p:nvSpPr>
-        <p:spPr>
-          <a:xfrm>
-            <a:off x="609600" y="6248400"/>
-            <a:ext cx="5852584" cy="457200"/>
-          </a:xfrm>
-          <a:prstGeom prst="rect">
-            <a:avLst/>
-          </a:prstGeom>
-          <a:ln/>
-        </p:spPr>
-        <p:txBody>
-          <a:bodyPr/>
-          <a:lstStyle>
-            <a:defPPr>
-              <a:defRPr lang="en-US"/>
-            </a:defPPr>
-            <a:lvl1pPr algn="l" rtl="0" eaLnBrk="0" fontAlgn="base" hangingPunct="0">
-              <a:spcBef>
-                <a:spcPct val="0"/>
-              </a:spcBef>
-              <a:spcAft>
-                <a:spcPct val="0"/>
-              </a:spcAft>
-              <a:defRPr b="1" kern="1200">
-                <a:solidFill>
-                  <a:schemeClr val="tx1"/>
-                </a:solidFill>
-                <a:latin typeface="Comic Sans MS" charset="0"/>
-                <a:ea typeface="ＭＳ Ｐゴシック" charset="0"/>
-                <a:cs typeface="ＭＳ Ｐゴシック" charset="0"/>
-              </a:defRPr>
-            </a:lvl1pPr>
-            <a:lvl2pPr marL="457200" algn="l" rtl="0" eaLnBrk="0" fontAlgn="base" hangingPunct="0">
-              <a:spcBef>
-                <a:spcPct val="0"/>
-              </a:spcBef>
-              <a:spcAft>
-                <a:spcPct val="0"/>
-              </a:spcAft>
-              <a:defRPr b="1" kern="1200">
-                <a:solidFill>
-                  <a:schemeClr val="tx1"/>
-                </a:solidFill>
-                <a:latin typeface="Comic Sans MS" charset="0"/>
-                <a:ea typeface="ＭＳ Ｐゴシック" charset="0"/>
-                <a:cs typeface="ＭＳ Ｐゴシック" charset="0"/>
-              </a:defRPr>
-            </a:lvl2pPr>
-            <a:lvl3pPr marL="914400" algn="l" rtl="0" eaLnBrk="0" fontAlgn="base" hangingPunct="0">
-              <a:spcBef>
-                <a:spcPct val="0"/>
-              </a:spcBef>
-              <a:spcAft>
-                <a:spcPct val="0"/>
-              </a:spcAft>
-              <a:defRPr b="1" kern="1200">
-                <a:solidFill>
-                  <a:schemeClr val="tx1"/>
-                </a:solidFill>
-                <a:latin typeface="Comic Sans MS" charset="0"/>
-                <a:ea typeface="ＭＳ Ｐゴシック" charset="0"/>
-                <a:cs typeface="ＭＳ Ｐゴシック" charset="0"/>
-              </a:defRPr>
-            </a:lvl3pPr>
-            <a:lvl4pPr marL="1371600" algn="l" rtl="0" eaLnBrk="0" fontAlgn="base" hangingPunct="0">
-              <a:spcBef>
-                <a:spcPct val="0"/>
-              </a:spcBef>
-              <a:spcAft>
-                <a:spcPct val="0"/>
-              </a:spcAft>
-              <a:defRPr b="1" kern="1200">
-                <a:solidFill>
-                  <a:schemeClr val="tx1"/>
-                </a:solidFill>
-                <a:latin typeface="Comic Sans MS" charset="0"/>
-                <a:ea typeface="ＭＳ Ｐゴシック" charset="0"/>
-                <a:cs typeface="ＭＳ Ｐゴシック" charset="0"/>
-              </a:defRPr>
-            </a:lvl4pPr>
-            <a:lvl5pPr marL="1828800" algn="l" rtl="0" eaLnBrk="0" fontAlgn="base" hangingPunct="0">
-              <a:spcBef>
-                <a:spcPct val="0"/>
-              </a:spcBef>
-              <a:spcAft>
-                <a:spcPct val="0"/>
-              </a:spcAft>
-              <a:defRPr b="1" kern="1200">
-                <a:solidFill>
-                  <a:schemeClr val="tx1"/>
-                </a:solidFill>
-                <a:latin typeface="Comic Sans MS" charset="0"/>
-                <a:ea typeface="ＭＳ Ｐゴシック" charset="0"/>
-                <a:cs typeface="ＭＳ Ｐゴシック" charset="0"/>
-              </a:defRPr>
-            </a:lvl5pPr>
-            <a:lvl6pPr marL="2286000" algn="l" defTabSz="457200" rtl="0" eaLnBrk="1" latinLnBrk="0" hangingPunct="1">
-              <a:defRPr b="1" kern="1200">
-                <a:solidFill>
-                  <a:schemeClr val="tx1"/>
-                </a:solidFill>
-                <a:latin typeface="Comic Sans MS" charset="0"/>
-                <a:ea typeface="ＭＳ Ｐゴシック" charset="0"/>
-                <a:cs typeface="ＭＳ Ｐゴシック" charset="0"/>
-              </a:defRPr>
-            </a:lvl6pPr>
-            <a:lvl7pPr marL="2743200" algn="l" defTabSz="457200" rtl="0" eaLnBrk="1" latinLnBrk="0" hangingPunct="1">
-              <a:defRPr b="1" kern="1200">
-                <a:solidFill>
-                  <a:schemeClr val="tx1"/>
-                </a:solidFill>
-                <a:latin typeface="Comic Sans MS" charset="0"/>
-                <a:ea typeface="ＭＳ Ｐゴシック" charset="0"/>
-                <a:cs typeface="ＭＳ Ｐゴシック" charset="0"/>
-              </a:defRPr>
-            </a:lvl7pPr>
-            <a:lvl8pPr marL="3200400" algn="l" defTabSz="457200" rtl="0" eaLnBrk="1" latinLnBrk="0" hangingPunct="1">
-              <a:defRPr b="1" kern="1200">
-                <a:solidFill>
-                  <a:schemeClr val="tx1"/>
-                </a:solidFill>
-                <a:latin typeface="Comic Sans MS" charset="0"/>
-                <a:ea typeface="ＭＳ Ｐゴシック" charset="0"/>
-                <a:cs typeface="ＭＳ Ｐゴシック" charset="0"/>
-              </a:defRPr>
-            </a:lvl8pPr>
-            <a:lvl9pPr marL="3657600" algn="l" defTabSz="457200" rtl="0" eaLnBrk="1" latinLnBrk="0" hangingPunct="1">
-              <a:defRPr b="1" kern="1200">
-                <a:solidFill>
-                  <a:schemeClr val="tx1"/>
-                </a:solidFill>
-                <a:latin typeface="Comic Sans MS" charset="0"/>
-                <a:ea typeface="ＭＳ Ｐゴシック" charset="0"/>
-                <a:cs typeface="ＭＳ Ｐゴシック" charset="0"/>
-              </a:defRPr>
-            </a:lvl9pPr>
-          </a:lstStyle>
-          <a:p>
-            <a:pPr algn="ctr">
-              <a:defRPr/>
-            </a:pPr>
-            <a:r>
-              <a:rPr lang="en-US">
-                <a:solidFill>
-                  <a:srgbClr val="000000"/>
-                </a:solidFill>
-              </a:rPr>
-              <a:t> © Zonghua Gu, CMPT 300, Fall 2011 </a:t>
-            </a:r>
-            <a:endParaRPr lang="en-US" b="0">
-              <a:solidFill>
-                <a:srgbClr val="000000"/>
-              </a:solidFill>
-              <a:latin typeface="Times New Roman" pitchFamily="18" charset="0"/>
-              <a:ea typeface="+mn-ea"/>
-              <a:cs typeface="+mn-cs"/>
-            </a:endParaRPr>
-          </a:p>
-        </p:txBody>
-      </p:sp>
-      <p:sp>
-        <p:nvSpPr>
-          <p:cNvPr id="5" name="Slide Number Placeholder 4"/>
-          <p:cNvSpPr>
-            <a:spLocks noGrp="1"/>
-          </p:cNvSpPr>
-          <p:nvPr>
-            <p:ph type="sldNum" sz="quarter" idx="11"/>
-          </p:nvPr>
-        </p:nvSpPr>
-        <p:spPr bwMode="auto">
-          <a:xfrm>
-            <a:off x="9042400" y="6364288"/>
-            <a:ext cx="2540000" cy="457200"/>
-          </a:xfrm>
-          <a:prstGeom prst="rect">
-            <a:avLst/>
-          </a:prstGeom>
-          <a:noFill/>
-          <a:ln w="9525">
-            <a:noFill/>
-            <a:miter lim="800000"/>
-            <a:headEnd/>
-            <a:tailEnd/>
-          </a:ln>
-          <a:effectLst/>
-        </p:spPr>
-        <p:txBody>
-          <a:bodyPr vert="horz" wrap="square" lIns="91440" tIns="45720" rIns="91440" bIns="45720" numCol="1" anchor="t" anchorCtr="0" compatLnSpc="1">
-            <a:prstTxWarp prst="textNoShape">
-              <a:avLst/>
-            </a:prstTxWarp>
-          </a:bodyPr>
-          <a:lstStyle>
-            <a:defPPr>
-              <a:defRPr lang="en-US"/>
-            </a:defPPr>
-            <a:lvl1pPr algn="r" rtl="0" eaLnBrk="1" fontAlgn="base" hangingPunct="1">
-              <a:spcBef>
-                <a:spcPct val="0"/>
-              </a:spcBef>
-              <a:spcAft>
-                <a:spcPct val="0"/>
-              </a:spcAft>
-              <a:defRPr sz="1000" b="1" kern="1200">
-                <a:solidFill>
-                  <a:schemeClr val="tx1"/>
-                </a:solidFill>
-                <a:latin typeface="Arial" charset="0"/>
-                <a:ea typeface="宋体" charset="-122"/>
-                <a:cs typeface="ＭＳ Ｐゴシック" charset="0"/>
-              </a:defRPr>
-            </a:lvl1pPr>
-            <a:lvl2pPr marL="457200" algn="l" rtl="0" eaLnBrk="0" fontAlgn="base" hangingPunct="0">
-              <a:spcBef>
-                <a:spcPct val="0"/>
-              </a:spcBef>
-              <a:spcAft>
-                <a:spcPct val="0"/>
-              </a:spcAft>
-              <a:defRPr b="1" kern="1200">
-                <a:solidFill>
-                  <a:schemeClr val="tx1"/>
-                </a:solidFill>
-                <a:latin typeface="Comic Sans MS" charset="0"/>
-                <a:ea typeface="ＭＳ Ｐゴシック" charset="0"/>
-                <a:cs typeface="ＭＳ Ｐゴシック" charset="0"/>
-              </a:defRPr>
-            </a:lvl2pPr>
-            <a:lvl3pPr marL="914400" algn="l" rtl="0" eaLnBrk="0" fontAlgn="base" hangingPunct="0">
-              <a:spcBef>
-                <a:spcPct val="0"/>
-              </a:spcBef>
-              <a:spcAft>
-                <a:spcPct val="0"/>
-              </a:spcAft>
-              <a:defRPr b="1" kern="1200">
-                <a:solidFill>
-                  <a:schemeClr val="tx1"/>
-                </a:solidFill>
-                <a:latin typeface="Comic Sans MS" charset="0"/>
-                <a:ea typeface="ＭＳ Ｐゴシック" charset="0"/>
-                <a:cs typeface="ＭＳ Ｐゴシック" charset="0"/>
-              </a:defRPr>
-            </a:lvl3pPr>
-            <a:lvl4pPr marL="1371600" algn="l" rtl="0" eaLnBrk="0" fontAlgn="base" hangingPunct="0">
-              <a:spcBef>
-                <a:spcPct val="0"/>
-              </a:spcBef>
-              <a:spcAft>
-                <a:spcPct val="0"/>
-              </a:spcAft>
-              <a:defRPr b="1" kern="1200">
-                <a:solidFill>
-                  <a:schemeClr val="tx1"/>
-                </a:solidFill>
-                <a:latin typeface="Comic Sans MS" charset="0"/>
-                <a:ea typeface="ＭＳ Ｐゴシック" charset="0"/>
-                <a:cs typeface="ＭＳ Ｐゴシック" charset="0"/>
-              </a:defRPr>
-            </a:lvl4pPr>
-            <a:lvl5pPr marL="1828800" algn="l" rtl="0" eaLnBrk="0" fontAlgn="base" hangingPunct="0">
-              <a:spcBef>
-                <a:spcPct val="0"/>
-              </a:spcBef>
-              <a:spcAft>
-                <a:spcPct val="0"/>
-              </a:spcAft>
-              <a:defRPr b="1" kern="1200">
-                <a:solidFill>
-                  <a:schemeClr val="tx1"/>
-                </a:solidFill>
-                <a:latin typeface="Comic Sans MS" charset="0"/>
-                <a:ea typeface="ＭＳ Ｐゴシック" charset="0"/>
-                <a:cs typeface="ＭＳ Ｐゴシック" charset="0"/>
-              </a:defRPr>
-            </a:lvl5pPr>
-            <a:lvl6pPr marL="2286000" algn="l" defTabSz="457200" rtl="0" eaLnBrk="1" latinLnBrk="0" hangingPunct="1">
-              <a:defRPr b="1" kern="1200">
-                <a:solidFill>
-                  <a:schemeClr val="tx1"/>
-                </a:solidFill>
-                <a:latin typeface="Comic Sans MS" charset="0"/>
-                <a:ea typeface="ＭＳ Ｐゴシック" charset="0"/>
-                <a:cs typeface="ＭＳ Ｐゴシック" charset="0"/>
-              </a:defRPr>
-            </a:lvl6pPr>
-            <a:lvl7pPr marL="2743200" algn="l" defTabSz="457200" rtl="0" eaLnBrk="1" latinLnBrk="0" hangingPunct="1">
-              <a:defRPr b="1" kern="1200">
-                <a:solidFill>
-                  <a:schemeClr val="tx1"/>
-                </a:solidFill>
-                <a:latin typeface="Comic Sans MS" charset="0"/>
-                <a:ea typeface="ＭＳ Ｐゴシック" charset="0"/>
-                <a:cs typeface="ＭＳ Ｐゴシック" charset="0"/>
-              </a:defRPr>
-            </a:lvl7pPr>
-            <a:lvl8pPr marL="3200400" algn="l" defTabSz="457200" rtl="0" eaLnBrk="1" latinLnBrk="0" hangingPunct="1">
-              <a:defRPr b="1" kern="1200">
-                <a:solidFill>
-                  <a:schemeClr val="tx1"/>
-                </a:solidFill>
-                <a:latin typeface="Comic Sans MS" charset="0"/>
-                <a:ea typeface="ＭＳ Ｐゴシック" charset="0"/>
-                <a:cs typeface="ＭＳ Ｐゴシック" charset="0"/>
-              </a:defRPr>
-            </a:lvl8pPr>
-            <a:lvl9pPr marL="3657600" algn="l" defTabSz="457200" rtl="0" eaLnBrk="1" latinLnBrk="0" hangingPunct="1">
-              <a:defRPr b="1" kern="1200">
-                <a:solidFill>
-                  <a:schemeClr val="tx1"/>
-                </a:solidFill>
-                <a:latin typeface="Comic Sans MS" charset="0"/>
-                <a:ea typeface="ＭＳ Ｐゴシック" charset="0"/>
-                <a:cs typeface="ＭＳ Ｐゴシック" charset="0"/>
-              </a:defRPr>
-            </a:lvl9pPr>
-          </a:lstStyle>
-          <a:p>
-            <a:pPr>
-              <a:defRPr/>
-            </a:pPr>
-            <a:fld id="{198846B4-9419-4C68-9E06-408D83002EEA}" type="slidenum">
-              <a:rPr lang="en-US" altLang="zh-CN" smtClean="0">
-                <a:solidFill>
-                  <a:srgbClr val="000000"/>
-                </a:solidFill>
-              </a:rPr>
-              <a:pPr>
-                <a:defRPr/>
-              </a:pPr>
-              <a:t>7</a:t>
-            </a:fld>
-            <a:endParaRPr lang="en-US" altLang="zh-CN" b="0">
-              <a:solidFill>
-                <a:srgbClr val="000000"/>
-              </a:solidFill>
-              <a:cs typeface="+mn-cs"/>
-            </a:endParaRPr>
-          </a:p>
-        </p:txBody>
-      </p:sp>
-      <p:sp>
-        <p:nvSpPr>
-          <p:cNvPr id="6" name="Content Placeholder 5"/>
-          <p:cNvSpPr>
-            <a:spLocks noGrp="1"/>
-          </p:cNvSpPr>
-          <p:nvPr>
-            <p:ph idx="1"/>
-          </p:nvPr>
-        </p:nvSpPr>
-        <p:spPr>
-          <a:xfrm>
-            <a:off x="8042788" y="-1"/>
-            <a:ext cx="2625213" cy="6685935"/>
-          </a:xfrm>
-        </p:spPr>
-        <p:txBody>
-          <a:bodyPr>
-            <a:normAutofit fontScale="85000" lnSpcReduction="20000"/>
-          </a:bodyPr>
-          <a:lstStyle/>
-          <a:p>
-            <a:r>
-              <a:rPr lang="en-US" dirty="0" err="1"/>
-              <a:t>GrabOne</a:t>
-            </a:r>
-            <a:r>
-              <a:rPr lang="en-US" dirty="0"/>
-              <a:t>() allows a lawyer to grab one chopstick. It puts a lawyer to sleep if he cannot be granted a chopstick without potentially deadlocking the system. </a:t>
-            </a:r>
-          </a:p>
-          <a:p>
-            <a:r>
-              <a:rPr lang="en-US" dirty="0" err="1"/>
-              <a:t>ReleaseAll</a:t>
-            </a:r>
-            <a:r>
-              <a:rPr lang="en-US" dirty="0"/>
-              <a:t>() allows a lawyer to release all chopsticks that he is holding. It wakes up any other lawyers that can proceed.</a:t>
-            </a:r>
-          </a:p>
-          <a:p>
-            <a:r>
-              <a:rPr lang="en-US" dirty="0" err="1"/>
-              <a:t>BankerCheck</a:t>
-            </a:r>
-            <a:r>
-              <a:rPr lang="en-US" dirty="0"/>
-              <a:t>() method takes a Lawyer number, checks resources, and returns true if a given lawyer can be granted one new chopstick </a:t>
-            </a:r>
-          </a:p>
-          <a:p>
-            <a:r>
-              <a:rPr lang="en-US" dirty="0"/>
-              <a:t>Assume Mesa-style monitor, hence while loop is used in </a:t>
-            </a:r>
-            <a:r>
-              <a:rPr lang="en-US" dirty="0" err="1"/>
-              <a:t>GrabOne</a:t>
-            </a:r>
-            <a:r>
-              <a:rPr lang="en-US" dirty="0"/>
-              <a:t>().</a:t>
-            </a:r>
-          </a:p>
-        </p:txBody>
-      </p:sp>
-      <p:pic>
-        <p:nvPicPr>
-          <p:cNvPr id="120835" name="Picture 3"/>
-          <p:cNvPicPr>
-            <a:picLocks noChangeAspect="1" noChangeArrowheads="1"/>
-          </p:cNvPicPr>
-          <p:nvPr/>
-        </p:nvPicPr>
-        <p:blipFill>
-          <a:blip r:embed="rId2" cstate="print"/>
-          <a:srcRect/>
-          <a:stretch>
-            <a:fillRect/>
-          </a:stretch>
-        </p:blipFill>
-        <p:spPr bwMode="auto">
-          <a:xfrm>
-            <a:off x="1696219" y="1"/>
-            <a:ext cx="6435058" cy="6881163"/>
-          </a:xfrm>
-          <a:prstGeom prst="rect">
-            <a:avLst/>
-          </a:prstGeom>
-          <a:noFill/>
-          <a:ln w="9525">
-            <a:noFill/>
-            <a:miter lim="800000"/>
-            <a:headEnd/>
-            <a:tailEnd/>
-          </a:ln>
-        </p:spPr>
-      </p:pic>
-    </p:spTree>
-  </p:cSld>
-  <p:clrMapOvr>
-    <a:masterClrMapping/>
-  </p:clrMapOvr>
-  <p:transition/>
-</p:sld>
-</file>
-
-<file path=ppt/slides/slide8.xml><?xml version="1.0" encoding="utf-8"?>
-<p:sld xmlns:a="http://schemas.openxmlformats.org/drawingml/2006/main" xmlns:r="http://schemas.openxmlformats.org/officeDocument/2006/relationships" xmlns:p="http://schemas.openxmlformats.org/presentationml/2006/main">
-  <p:cSld>
-    <p:spTree>
-      <p:nvGrpSpPr>
-        <p:cNvPr id="1" name=""/>
-        <p:cNvGrpSpPr/>
-        <p:nvPr/>
-      </p:nvGrpSpPr>
-      <p:grpSpPr>
-        <a:xfrm>
-          <a:off x="0" y="0"/>
-          <a:ext cx="0" cy="0"/>
-          <a:chOff x="0" y="0"/>
-          <a:chExt cx="0" cy="0"/>
-        </a:xfrm>
-      </p:grpSpPr>
-      <p:sp>
-        <p:nvSpPr>
-          <p:cNvPr id="2" name="Title 1"/>
-          <p:cNvSpPr>
-            <a:spLocks noGrp="1"/>
-          </p:cNvSpPr>
-          <p:nvPr>
-            <p:ph type="title"/>
-          </p:nvPr>
-        </p:nvSpPr>
-        <p:spPr/>
-        <p:txBody>
-          <a:bodyPr/>
-          <a:lstStyle/>
-          <a:p>
-            <a:r>
-              <a:rPr lang="en-US" dirty="0" err="1"/>
-              <a:t>BankerCheck</a:t>
-            </a:r>
-            <a:r>
-              <a:rPr lang="en-US" dirty="0"/>
-              <a:t>() Method</a:t>
-            </a:r>
-          </a:p>
-        </p:txBody>
-      </p:sp>
-      <p:sp>
-        <p:nvSpPr>
-          <p:cNvPr id="3" name="Content Placeholder 2"/>
-          <p:cNvSpPr>
-            <a:spLocks noGrp="1"/>
-          </p:cNvSpPr>
-          <p:nvPr>
-            <p:ph idx="1"/>
-          </p:nvPr>
-        </p:nvSpPr>
-        <p:spPr>
-          <a:xfrm>
-            <a:off x="1524001" y="4013200"/>
-            <a:ext cx="8967019" cy="2446594"/>
-          </a:xfrm>
-        </p:spPr>
-        <p:txBody>
-          <a:bodyPr>
-            <a:normAutofit fontScale="92500"/>
-          </a:bodyPr>
-          <a:lstStyle/>
-          <a:p>
-            <a:r>
-              <a:rPr lang="en-US" dirty="0"/>
-              <a:t>State is safe if when a lawyer tries to take a chopstick, either</a:t>
-            </a:r>
-          </a:p>
-          <a:p>
-            <a:pPr lvl="1"/>
-            <a:r>
-              <a:rPr lang="en-US" dirty="0"/>
-              <a:t>It is the last chopstick, but someone will have </a:t>
-            </a:r>
-            <a:r>
-              <a:rPr lang="en-US" i="1" dirty="0" err="1"/>
-              <a:t>NumArms</a:t>
-            </a:r>
-            <a:r>
-              <a:rPr lang="en-US" dirty="0"/>
-              <a:t> chopsticks afterwards</a:t>
-            </a:r>
-          </a:p>
-          <a:p>
-            <a:pPr lvl="1"/>
-            <a:r>
-              <a:rPr lang="en-US" dirty="0"/>
-              <a:t>Or it is the 2</a:t>
-            </a:r>
-            <a:r>
-              <a:rPr lang="en-US" baseline="30000" dirty="0"/>
-              <a:t>nd</a:t>
-            </a:r>
-            <a:r>
-              <a:rPr lang="en-US" dirty="0"/>
-              <a:t> to last chopstick, but someone will have </a:t>
-            </a:r>
-            <a:r>
-              <a:rPr lang="en-US" i="1" dirty="0"/>
-              <a:t>NumArms-1</a:t>
-            </a:r>
-            <a:r>
-              <a:rPr lang="en-US" dirty="0"/>
-              <a:t> chopsticks afterwards</a:t>
-            </a:r>
-          </a:p>
-          <a:p>
-            <a:pPr lvl="1"/>
-            <a:r>
-              <a:rPr lang="en-US" dirty="0"/>
-              <a:t>Or it is the 3</a:t>
-            </a:r>
-            <a:r>
-              <a:rPr lang="en-US" baseline="30000" dirty="0"/>
-              <a:t>rd</a:t>
-            </a:r>
-            <a:r>
-              <a:rPr lang="en-US" dirty="0"/>
-              <a:t>  to last chopstick, but someone will have </a:t>
-            </a:r>
-            <a:r>
-              <a:rPr lang="en-US" i="1" dirty="0"/>
-              <a:t>NumArms-2 </a:t>
-            </a:r>
-            <a:r>
-              <a:rPr lang="en-US" dirty="0"/>
-              <a:t>chopsticks afterwards …</a:t>
-            </a:r>
-          </a:p>
-          <a:p>
-            <a:pPr lvl="1"/>
-            <a:r>
-              <a:rPr lang="en-US" dirty="0"/>
-              <a:t>Or…</a:t>
-            </a:r>
-          </a:p>
-          <a:p>
-            <a:pPr>
-              <a:buNone/>
-            </a:pPr>
-            <a:endParaRPr lang="en-US" dirty="0"/>
-          </a:p>
-          <a:p>
-            <a:endParaRPr lang="en-US" dirty="0"/>
-          </a:p>
-        </p:txBody>
-      </p:sp>
-      <p:sp>
-        <p:nvSpPr>
-          <p:cNvPr id="4" name="Date Placeholder 3"/>
-          <p:cNvSpPr>
-            <a:spLocks noGrp="1"/>
-          </p:cNvSpPr>
-          <p:nvPr>
-            <p:ph type="dt" sz="half" idx="10"/>
-          </p:nvPr>
-        </p:nvSpPr>
-        <p:spPr>
-          <a:xfrm>
-            <a:off x="609600" y="6248400"/>
-            <a:ext cx="5852584" cy="457200"/>
-          </a:xfrm>
-          <a:prstGeom prst="rect">
-            <a:avLst/>
-          </a:prstGeom>
-          <a:ln/>
-        </p:spPr>
-        <p:txBody>
-          <a:bodyPr/>
-          <a:lstStyle>
-            <a:defPPr>
-              <a:defRPr lang="en-US"/>
-            </a:defPPr>
-            <a:lvl1pPr algn="l" rtl="0" eaLnBrk="0" fontAlgn="base" hangingPunct="0">
-              <a:spcBef>
-                <a:spcPct val="0"/>
-              </a:spcBef>
-              <a:spcAft>
-                <a:spcPct val="0"/>
-              </a:spcAft>
-              <a:defRPr b="1" kern="1200">
-                <a:solidFill>
-                  <a:schemeClr val="tx1"/>
-                </a:solidFill>
-                <a:latin typeface="Comic Sans MS" charset="0"/>
-                <a:ea typeface="ＭＳ Ｐゴシック" charset="0"/>
-                <a:cs typeface="ＭＳ Ｐゴシック" charset="0"/>
-              </a:defRPr>
-            </a:lvl1pPr>
-            <a:lvl2pPr marL="457200" algn="l" rtl="0" eaLnBrk="0" fontAlgn="base" hangingPunct="0">
-              <a:spcBef>
-                <a:spcPct val="0"/>
-              </a:spcBef>
-              <a:spcAft>
-                <a:spcPct val="0"/>
-              </a:spcAft>
-              <a:defRPr b="1" kern="1200">
-                <a:solidFill>
-                  <a:schemeClr val="tx1"/>
-                </a:solidFill>
-                <a:latin typeface="Comic Sans MS" charset="0"/>
-                <a:ea typeface="ＭＳ Ｐゴシック" charset="0"/>
-                <a:cs typeface="ＭＳ Ｐゴシック" charset="0"/>
-              </a:defRPr>
-            </a:lvl2pPr>
-            <a:lvl3pPr marL="914400" algn="l" rtl="0" eaLnBrk="0" fontAlgn="base" hangingPunct="0">
-              <a:spcBef>
-                <a:spcPct val="0"/>
-              </a:spcBef>
-              <a:spcAft>
-                <a:spcPct val="0"/>
-              </a:spcAft>
-              <a:defRPr b="1" kern="1200">
-                <a:solidFill>
-                  <a:schemeClr val="tx1"/>
-                </a:solidFill>
-                <a:latin typeface="Comic Sans MS" charset="0"/>
-                <a:ea typeface="ＭＳ Ｐゴシック" charset="0"/>
-                <a:cs typeface="ＭＳ Ｐゴシック" charset="0"/>
-              </a:defRPr>
-            </a:lvl3pPr>
-            <a:lvl4pPr marL="1371600" algn="l" rtl="0" eaLnBrk="0" fontAlgn="base" hangingPunct="0">
-              <a:spcBef>
-                <a:spcPct val="0"/>
-              </a:spcBef>
-              <a:spcAft>
-                <a:spcPct val="0"/>
-              </a:spcAft>
-              <a:defRPr b="1" kern="1200">
-                <a:solidFill>
-                  <a:schemeClr val="tx1"/>
-                </a:solidFill>
-                <a:latin typeface="Comic Sans MS" charset="0"/>
-                <a:ea typeface="ＭＳ Ｐゴシック" charset="0"/>
-                <a:cs typeface="ＭＳ Ｐゴシック" charset="0"/>
-              </a:defRPr>
-            </a:lvl4pPr>
-            <a:lvl5pPr marL="1828800" algn="l" rtl="0" eaLnBrk="0" fontAlgn="base" hangingPunct="0">
-              <a:spcBef>
-                <a:spcPct val="0"/>
-              </a:spcBef>
-              <a:spcAft>
-                <a:spcPct val="0"/>
-              </a:spcAft>
-              <a:defRPr b="1" kern="1200">
-                <a:solidFill>
-                  <a:schemeClr val="tx1"/>
-                </a:solidFill>
-                <a:latin typeface="Comic Sans MS" charset="0"/>
-                <a:ea typeface="ＭＳ Ｐゴシック" charset="0"/>
-                <a:cs typeface="ＭＳ Ｐゴシック" charset="0"/>
-              </a:defRPr>
-            </a:lvl5pPr>
-            <a:lvl6pPr marL="2286000" algn="l" defTabSz="457200" rtl="0" eaLnBrk="1" latinLnBrk="0" hangingPunct="1">
-              <a:defRPr b="1" kern="1200">
-                <a:solidFill>
-                  <a:schemeClr val="tx1"/>
-                </a:solidFill>
-                <a:latin typeface="Comic Sans MS" charset="0"/>
-                <a:ea typeface="ＭＳ Ｐゴシック" charset="0"/>
-                <a:cs typeface="ＭＳ Ｐゴシック" charset="0"/>
-              </a:defRPr>
-            </a:lvl6pPr>
-            <a:lvl7pPr marL="2743200" algn="l" defTabSz="457200" rtl="0" eaLnBrk="1" latinLnBrk="0" hangingPunct="1">
-              <a:defRPr b="1" kern="1200">
-                <a:solidFill>
-                  <a:schemeClr val="tx1"/>
-                </a:solidFill>
-                <a:latin typeface="Comic Sans MS" charset="0"/>
-                <a:ea typeface="ＭＳ Ｐゴシック" charset="0"/>
-                <a:cs typeface="ＭＳ Ｐゴシック" charset="0"/>
-              </a:defRPr>
-            </a:lvl7pPr>
-            <a:lvl8pPr marL="3200400" algn="l" defTabSz="457200" rtl="0" eaLnBrk="1" latinLnBrk="0" hangingPunct="1">
-              <a:defRPr b="1" kern="1200">
-                <a:solidFill>
-                  <a:schemeClr val="tx1"/>
-                </a:solidFill>
-                <a:latin typeface="Comic Sans MS" charset="0"/>
-                <a:ea typeface="ＭＳ Ｐゴシック" charset="0"/>
-                <a:cs typeface="ＭＳ Ｐゴシック" charset="0"/>
-              </a:defRPr>
-            </a:lvl8pPr>
-            <a:lvl9pPr marL="3657600" algn="l" defTabSz="457200" rtl="0" eaLnBrk="1" latinLnBrk="0" hangingPunct="1">
-              <a:defRPr b="1" kern="1200">
-                <a:solidFill>
-                  <a:schemeClr val="tx1"/>
-                </a:solidFill>
-                <a:latin typeface="Comic Sans MS" charset="0"/>
-                <a:ea typeface="ＭＳ Ｐゴシック" charset="0"/>
-                <a:cs typeface="ＭＳ Ｐゴシック" charset="0"/>
-              </a:defRPr>
-            </a:lvl9pPr>
-          </a:lstStyle>
-          <a:p>
-            <a:pPr algn="ctr">
-              <a:defRPr/>
-            </a:pPr>
-            <a:r>
-              <a:rPr lang="en-US">
-                <a:solidFill>
-                  <a:srgbClr val="000000"/>
-                </a:solidFill>
-              </a:rPr>
-              <a:t> © Zonghua Gu, CMPT 300, Fall 2011 </a:t>
-            </a:r>
-            <a:endParaRPr lang="en-US" b="0" dirty="0">
-              <a:solidFill>
-                <a:srgbClr val="000000"/>
-              </a:solidFill>
-              <a:latin typeface="Times New Roman" pitchFamily="18" charset="0"/>
-              <a:ea typeface="+mn-ea"/>
-              <a:cs typeface="+mn-cs"/>
-            </a:endParaRPr>
-          </a:p>
-        </p:txBody>
-      </p:sp>
-      <p:sp>
-        <p:nvSpPr>
-          <p:cNvPr id="5" name="Slide Number Placeholder 4"/>
-          <p:cNvSpPr>
-            <a:spLocks noGrp="1"/>
-          </p:cNvSpPr>
-          <p:nvPr>
-            <p:ph type="sldNum" sz="quarter" idx="11"/>
-          </p:nvPr>
-        </p:nvSpPr>
-        <p:spPr bwMode="auto">
-          <a:xfrm>
-            <a:off x="9042400" y="6364288"/>
-            <a:ext cx="2540000" cy="457200"/>
-          </a:xfrm>
-          <a:prstGeom prst="rect">
-            <a:avLst/>
-          </a:prstGeom>
-          <a:noFill/>
-          <a:ln w="9525">
-            <a:noFill/>
-            <a:miter lim="800000"/>
-            <a:headEnd/>
-            <a:tailEnd/>
-          </a:ln>
-          <a:effectLst/>
-        </p:spPr>
-        <p:txBody>
-          <a:bodyPr vert="horz" wrap="square" lIns="91440" tIns="45720" rIns="91440" bIns="45720" numCol="1" anchor="t" anchorCtr="0" compatLnSpc="1">
-            <a:prstTxWarp prst="textNoShape">
-              <a:avLst/>
-            </a:prstTxWarp>
-          </a:bodyPr>
-          <a:lstStyle>
-            <a:defPPr>
-              <a:defRPr lang="en-US"/>
-            </a:defPPr>
-            <a:lvl1pPr algn="r" rtl="0" eaLnBrk="1" fontAlgn="base" hangingPunct="1">
-              <a:spcBef>
-                <a:spcPct val="0"/>
-              </a:spcBef>
-              <a:spcAft>
-                <a:spcPct val="0"/>
-              </a:spcAft>
-              <a:defRPr sz="1000" b="1" kern="1200">
-                <a:solidFill>
-                  <a:schemeClr val="tx1"/>
-                </a:solidFill>
-                <a:latin typeface="Arial" charset="0"/>
-                <a:ea typeface="宋体" charset="-122"/>
-                <a:cs typeface="ＭＳ Ｐゴシック" charset="0"/>
-              </a:defRPr>
-            </a:lvl1pPr>
-            <a:lvl2pPr marL="457200" algn="l" rtl="0" eaLnBrk="0" fontAlgn="base" hangingPunct="0">
-              <a:spcBef>
-                <a:spcPct val="0"/>
-              </a:spcBef>
-              <a:spcAft>
-                <a:spcPct val="0"/>
-              </a:spcAft>
-              <a:defRPr b="1" kern="1200">
-                <a:solidFill>
-                  <a:schemeClr val="tx1"/>
-                </a:solidFill>
-                <a:latin typeface="Comic Sans MS" charset="0"/>
-                <a:ea typeface="ＭＳ Ｐゴシック" charset="0"/>
-                <a:cs typeface="ＭＳ Ｐゴシック" charset="0"/>
-              </a:defRPr>
-            </a:lvl2pPr>
-            <a:lvl3pPr marL="914400" algn="l" rtl="0" eaLnBrk="0" fontAlgn="base" hangingPunct="0">
-              <a:spcBef>
-                <a:spcPct val="0"/>
-              </a:spcBef>
-              <a:spcAft>
-                <a:spcPct val="0"/>
-              </a:spcAft>
-              <a:defRPr b="1" kern="1200">
-                <a:solidFill>
-                  <a:schemeClr val="tx1"/>
-                </a:solidFill>
-                <a:latin typeface="Comic Sans MS" charset="0"/>
-                <a:ea typeface="ＭＳ Ｐゴシック" charset="0"/>
-                <a:cs typeface="ＭＳ Ｐゴシック" charset="0"/>
-              </a:defRPr>
-            </a:lvl3pPr>
-            <a:lvl4pPr marL="1371600" algn="l" rtl="0" eaLnBrk="0" fontAlgn="base" hangingPunct="0">
-              <a:spcBef>
-                <a:spcPct val="0"/>
-              </a:spcBef>
-              <a:spcAft>
-                <a:spcPct val="0"/>
-              </a:spcAft>
-              <a:defRPr b="1" kern="1200">
-                <a:solidFill>
-                  <a:schemeClr val="tx1"/>
-                </a:solidFill>
-                <a:latin typeface="Comic Sans MS" charset="0"/>
-                <a:ea typeface="ＭＳ Ｐゴシック" charset="0"/>
-                <a:cs typeface="ＭＳ Ｐゴシック" charset="0"/>
-              </a:defRPr>
-            </a:lvl4pPr>
-            <a:lvl5pPr marL="1828800" algn="l" rtl="0" eaLnBrk="0" fontAlgn="base" hangingPunct="0">
-              <a:spcBef>
-                <a:spcPct val="0"/>
-              </a:spcBef>
-              <a:spcAft>
-                <a:spcPct val="0"/>
-              </a:spcAft>
-              <a:defRPr b="1" kern="1200">
-                <a:solidFill>
-                  <a:schemeClr val="tx1"/>
-                </a:solidFill>
-                <a:latin typeface="Comic Sans MS" charset="0"/>
-                <a:ea typeface="ＭＳ Ｐゴシック" charset="0"/>
-                <a:cs typeface="ＭＳ Ｐゴシック" charset="0"/>
-              </a:defRPr>
-            </a:lvl5pPr>
-            <a:lvl6pPr marL="2286000" algn="l" defTabSz="457200" rtl="0" eaLnBrk="1" latinLnBrk="0" hangingPunct="1">
-              <a:defRPr b="1" kern="1200">
-                <a:solidFill>
-                  <a:schemeClr val="tx1"/>
-                </a:solidFill>
-                <a:latin typeface="Comic Sans MS" charset="0"/>
-                <a:ea typeface="ＭＳ Ｐゴシック" charset="0"/>
-                <a:cs typeface="ＭＳ Ｐゴシック" charset="0"/>
-              </a:defRPr>
-            </a:lvl6pPr>
-            <a:lvl7pPr marL="2743200" algn="l" defTabSz="457200" rtl="0" eaLnBrk="1" latinLnBrk="0" hangingPunct="1">
-              <a:defRPr b="1" kern="1200">
-                <a:solidFill>
-                  <a:schemeClr val="tx1"/>
-                </a:solidFill>
-                <a:latin typeface="Comic Sans MS" charset="0"/>
-                <a:ea typeface="ＭＳ Ｐゴシック" charset="0"/>
-                <a:cs typeface="ＭＳ Ｐゴシック" charset="0"/>
-              </a:defRPr>
-            </a:lvl7pPr>
-            <a:lvl8pPr marL="3200400" algn="l" defTabSz="457200" rtl="0" eaLnBrk="1" latinLnBrk="0" hangingPunct="1">
-              <a:defRPr b="1" kern="1200">
-                <a:solidFill>
-                  <a:schemeClr val="tx1"/>
-                </a:solidFill>
-                <a:latin typeface="Comic Sans MS" charset="0"/>
-                <a:ea typeface="ＭＳ Ｐゴシック" charset="0"/>
-                <a:cs typeface="ＭＳ Ｐゴシック" charset="0"/>
-              </a:defRPr>
-            </a:lvl8pPr>
-            <a:lvl9pPr marL="3657600" algn="l" defTabSz="457200" rtl="0" eaLnBrk="1" latinLnBrk="0" hangingPunct="1">
-              <a:defRPr b="1" kern="1200">
-                <a:solidFill>
-                  <a:schemeClr val="tx1"/>
-                </a:solidFill>
-                <a:latin typeface="Comic Sans MS" charset="0"/>
-                <a:ea typeface="ＭＳ Ｐゴシック" charset="0"/>
-                <a:cs typeface="ＭＳ Ｐゴシック" charset="0"/>
-              </a:defRPr>
-            </a:lvl9pPr>
-          </a:lstStyle>
-          <a:p>
-            <a:pPr>
-              <a:defRPr/>
-            </a:pPr>
-            <a:fld id="{198846B4-9419-4C68-9E06-408D83002EEA}" type="slidenum">
-              <a:rPr lang="en-US" altLang="zh-CN" smtClean="0">
-                <a:solidFill>
-                  <a:srgbClr val="000000"/>
-                </a:solidFill>
-              </a:rPr>
-              <a:pPr>
-                <a:defRPr/>
-              </a:pPr>
-              <a:t>8</a:t>
-            </a:fld>
-            <a:endParaRPr lang="en-US" altLang="zh-CN" b="0">
-              <a:solidFill>
-                <a:srgbClr val="000000"/>
-              </a:solidFill>
-              <a:cs typeface="+mn-cs"/>
-            </a:endParaRPr>
-          </a:p>
-        </p:txBody>
-      </p:sp>
-      <p:pic>
-        <p:nvPicPr>
-          <p:cNvPr id="121858" name="Picture 2"/>
-          <p:cNvPicPr>
-            <a:picLocks noChangeAspect="1" noChangeArrowheads="1"/>
-          </p:cNvPicPr>
-          <p:nvPr/>
-        </p:nvPicPr>
-        <p:blipFill>
-          <a:blip r:embed="rId2" cstate="print"/>
-          <a:srcRect/>
-          <a:stretch>
-            <a:fillRect/>
-          </a:stretch>
-        </p:blipFill>
-        <p:spPr bwMode="auto">
-          <a:xfrm>
-            <a:off x="2005779" y="0"/>
-            <a:ext cx="7718324" cy="3943764"/>
-          </a:xfrm>
-          <a:prstGeom prst="rect">
-            <a:avLst/>
-          </a:prstGeom>
-          <a:noFill/>
-          <a:ln w="9525">
-            <a:noFill/>
-            <a:miter lim="800000"/>
-            <a:headEnd/>
-            <a:tailEnd/>
-          </a:ln>
-        </p:spPr>
-      </p:pic>
-    </p:spTree>
-  </p:cSld>
-  <p:clrMapOvr>
-    <a:masterClrMapping/>
-  </p:clrMapOvr>
-  <p:transition/>
-  <p:timing>
-    <p:tnLst>
-      <p:par>
-        <p:cTn id="1" dur="indefinite" restart="never" nodeType="tmRoot">
-          <p:childTnLst>
-            <p:seq concurrent="1" nextAc="seek">
-              <p:cTn id="2" dur="indefinite" nodeType="mainSeq">
-                <p:childTnLst>
-                  <p:par>
-                    <p:cTn id="3" fill="hold">
-                      <p:stCondLst>
-                        <p:cond delay="indefinite"/>
-                      </p:stCondLst>
-                      <p:childTnLst>
-                        <p:par>
-                          <p:cTn id="4" fill="hold">
-                            <p:stCondLst>
-                              <p:cond delay="0"/>
-                            </p:stCondLst>
-                            <p:childTnLst>
-                              <p:par>
-                                <p:cTn id="5" presetID="1" presetClass="entr" presetSubtype="0" fill="hold" grpId="0" nodeType="clickEffect">
-                                  <p:stCondLst>
-                                    <p:cond delay="0"/>
-                                  </p:stCondLst>
-                                  <p:childTnLst>
-                                    <p:set>
-                                      <p:cBhvr>
-                                        <p:cTn id="6" dur="1" fill="hold">
-                                          <p:stCondLst>
-                                            <p:cond delay="0"/>
-                                          </p:stCondLst>
-                                        </p:cTn>
-                                        <p:tgtEl>
-                                          <p:spTgt spid="3">
-                                            <p:txEl>
-                                              <p:pRg st="0" end="0"/>
-                                            </p:txEl>
-                                          </p:spTgt>
-                                        </p:tgtEl>
-                                        <p:attrNameLst>
-                                          <p:attrName>style.visibility</p:attrName>
-                                        </p:attrNameLst>
-                                      </p:cBhvr>
-                                      <p:to>
-                                        <p:strVal val="visible"/>
-                                      </p:to>
-                                    </p:set>
-                                  </p:childTnLst>
-                                </p:cTn>
-                              </p:par>
-                              <p:par>
-                                <p:cTn id="7" presetID="1" presetClass="entr" presetSubtype="0" fill="hold" grpId="0" nodeType="withEffect">
-                                  <p:stCondLst>
-                                    <p:cond delay="0"/>
-                                  </p:stCondLst>
-                                  <p:childTnLst>
-                                    <p:set>
-                                      <p:cBhvr>
-                                        <p:cTn id="8" dur="1" fill="hold">
-                                          <p:stCondLst>
-                                            <p:cond delay="0"/>
-                                          </p:stCondLst>
-                                        </p:cTn>
-                                        <p:tgtEl>
-                                          <p:spTgt spid="3">
-                                            <p:txEl>
-                                              <p:pRg st="1" end="1"/>
-                                            </p:txEl>
-                                          </p:spTgt>
-                                        </p:tgtEl>
-                                        <p:attrNameLst>
-                                          <p:attrName>style.visibility</p:attrName>
-                                        </p:attrNameLst>
-                                      </p:cBhvr>
-                                      <p:to>
-                                        <p:strVal val="visible"/>
-                                      </p:to>
-                                    </p:set>
-                                  </p:childTnLst>
-                                </p:cTn>
-                              </p:par>
-                              <p:par>
-                                <p:cTn id="9" presetID="1" presetClass="entr" presetSubtype="0" fill="hold" grpId="0" nodeType="withEffect">
-                                  <p:stCondLst>
-                                    <p:cond delay="0"/>
-                                  </p:stCondLst>
-                                  <p:childTnLst>
-                                    <p:set>
-                                      <p:cBhvr>
-                                        <p:cTn id="10" dur="1" fill="hold">
-                                          <p:stCondLst>
-                                            <p:cond delay="0"/>
-                                          </p:stCondLst>
-                                        </p:cTn>
-                                        <p:tgtEl>
-                                          <p:spTgt spid="3">
-                                            <p:txEl>
-                                              <p:pRg st="2" end="2"/>
-                                            </p:txEl>
-                                          </p:spTgt>
-                                        </p:tgtEl>
-                                        <p:attrNameLst>
-                                          <p:attrName>style.visibility</p:attrName>
-                                        </p:attrNameLst>
-                                      </p:cBhvr>
-                                      <p:to>
-                                        <p:strVal val="visible"/>
-                                      </p:to>
-                                    </p:set>
-                                  </p:childTnLst>
-                                </p:cTn>
-                              </p:par>
-                              <p:par>
-                                <p:cTn id="11" presetID="1" presetClass="entr" presetSubtype="0" fill="hold" grpId="0" nodeType="withEffect">
-                                  <p:stCondLst>
-                                    <p:cond delay="0"/>
-                                  </p:stCondLst>
-                                  <p:childTnLst>
-                                    <p:set>
-                                      <p:cBhvr>
-                                        <p:cTn id="12" dur="1" fill="hold">
-                                          <p:stCondLst>
-                                            <p:cond delay="0"/>
-                                          </p:stCondLst>
-                                        </p:cTn>
-                                        <p:tgtEl>
-                                          <p:spTgt spid="3">
-                                            <p:txEl>
-                                              <p:pRg st="3" end="3"/>
-                                            </p:txEl>
-                                          </p:spTgt>
-                                        </p:tgtEl>
-                                        <p:attrNameLst>
-                                          <p:attrName>style.visibility</p:attrName>
-                                        </p:attrNameLst>
-                                      </p:cBhvr>
-                                      <p:to>
-                                        <p:strVal val="visible"/>
-                                      </p:to>
-                                    </p:set>
-                                  </p:childTnLst>
-                                </p:cTn>
-                              </p:par>
-                              <p:par>
-                                <p:cTn id="13" presetID="1" presetClass="entr" presetSubtype="0" fill="hold" grpId="0" nodeType="withEffect">
-                                  <p:stCondLst>
-                                    <p:cond delay="0"/>
-                                  </p:stCondLst>
-                                  <p:childTnLst>
-                                    <p:set>
-                                      <p:cBhvr>
-                                        <p:cTn id="14" dur="1" fill="hold">
-                                          <p:stCondLst>
-                                            <p:cond delay="0"/>
-                                          </p:stCondLst>
-                                        </p:cTn>
-                                        <p:tgtEl>
-                                          <p:spTgt spid="3">
-                                            <p:txEl>
-                                              <p:pRg st="4" end="4"/>
-                                            </p:txEl>
-                                          </p:spTgt>
-                                        </p:tgtEl>
-                                        <p:attrNameLst>
-                                          <p:attrName>style.visibility</p:attrName>
-                                        </p:attrNameLst>
-                                      </p:cBhvr>
-                                      <p:to>
-                                        <p:strVal val="visible"/>
-                                      </p:to>
-                                    </p:set>
-                                  </p:childTnLst>
-                                </p:cTn>
-                              </p:par>
-                            </p:childTnLst>
-                          </p:cTn>
-                        </p:par>
-                      </p:childTnLst>
-                    </p:cTn>
-                  </p:par>
-                </p:childTnLst>
-              </p:cTn>
-              <p:prevCondLst>
-                <p:cond evt="onPrev" delay="0">
-                  <p:tgtEl>
-                    <p:sldTgt/>
-                  </p:tgtEl>
-                </p:cond>
-              </p:prevCondLst>
-              <p:nextCondLst>
-                <p:cond evt="onNext" delay="0">
-                  <p:tgtEl>
-                    <p:sldTgt/>
-                  </p:tgtEl>
-                </p:cond>
-              </p:nextCondLst>
-            </p:seq>
-          </p:childTnLst>
-        </p:cTn>
-      </p:par>
-    </p:tnLst>
-    <p:bldLst>
-      <p:bldP spid="3" grpId="0" build="p"/>
-    </p:bldLst>
-  </p:timing>
-</p:sld>
-</file>
-
 <file path=ppt/slides/slide9.xml><?xml version="1.0" encoding="utf-8"?>
 <p:sld xmlns:a="http://schemas.openxmlformats.org/drawingml/2006/main" xmlns:r="http://schemas.openxmlformats.org/officeDocument/2006/relationships" xmlns:p="http://schemas.openxmlformats.org/presentationml/2006/main">
   <p:cSld>
@@ -24513,7 +27777,7 @@
           <a:p>
             <a:r>
               <a:rPr lang="en-US" dirty="0"/>
-              <a:t>Dining Lawyers Questions I</a:t>
+              <a:t>Multi-Armed Lawyers</a:t>
             </a:r>
           </a:p>
         </p:txBody>
@@ -24530,399 +27794,26 @@
         </p:nvSpPr>
         <p:spPr/>
         <p:txBody>
-          <a:bodyPr/>
+          <a:bodyPr>
+            <a:normAutofit/>
+          </a:bodyPr>
           <a:lstStyle/>
           <a:p>
             <a:r>
               <a:rPr lang="en-US" dirty="0"/>
-              <a:t>Q: Why didn’t we check for the case of </a:t>
-            </a:r>
-            <a:r>
-              <a:rPr lang="en-US" i="1" dirty="0" err="1"/>
-              <a:t>NumChopsticks</a:t>
+              <a:t>Consider a large table with IDENTICAL multi-armed alien lawyers. In the center is a pile of chopsticks. In order to eat, a lawyer must have one chopstick in each hand. The lawyers are so busy talking that they can only grab one chopstick at a time. Design a deadlock-free algorithm</a:t>
             </a:r>
             <a:r>
               <a:rPr lang="en-US" i="1" dirty="0"/>
-              <a:t> == 0</a:t>
+              <a:t> </a:t>
             </a:r>
             <a:r>
               <a:rPr lang="en-US" dirty="0"/>
-              <a:t>?</a:t>
-            </a:r>
-          </a:p>
-          <a:p>
-            <a:r>
-              <a:rPr lang="en-US" dirty="0"/>
-              <a:t>A: In this case, </a:t>
-            </a:r>
-            <a:r>
-              <a:rPr lang="en-US" i="1" dirty="0"/>
-              <a:t>(NumChopsticks-1) == -1</a:t>
-            </a:r>
-            <a:r>
-              <a:rPr lang="en-US" dirty="0"/>
-              <a:t>, hence the if statement would always fail – exactly what we would want to do when </a:t>
-            </a:r>
-            <a:r>
-              <a:rPr lang="en-US" i="1" dirty="0" err="1"/>
-              <a:t>NumChopsticks</a:t>
-            </a:r>
-            <a:r>
-              <a:rPr lang="en-US" i="1" dirty="0"/>
-              <a:t> == 0</a:t>
-            </a:r>
-          </a:p>
-        </p:txBody>
-      </p:sp>
-      <p:sp>
-        <p:nvSpPr>
-          <p:cNvPr id="4" name="Date Placeholder 3"/>
-          <p:cNvSpPr>
-            <a:spLocks noGrp="1"/>
-          </p:cNvSpPr>
-          <p:nvPr>
-            <p:ph type="dt" sz="half" idx="10"/>
-          </p:nvPr>
-        </p:nvSpPr>
-        <p:spPr>
-          <a:xfrm>
-            <a:off x="609600" y="6248400"/>
-            <a:ext cx="5852584" cy="457200"/>
-          </a:xfrm>
-          <a:prstGeom prst="rect">
-            <a:avLst/>
-          </a:prstGeom>
-          <a:ln/>
-        </p:spPr>
-        <p:txBody>
-          <a:bodyPr/>
-          <a:lstStyle>
-            <a:defPPr>
-              <a:defRPr lang="en-US"/>
-            </a:defPPr>
-            <a:lvl1pPr algn="l" rtl="0" eaLnBrk="0" fontAlgn="base" hangingPunct="0">
-              <a:spcBef>
-                <a:spcPct val="0"/>
-              </a:spcBef>
-              <a:spcAft>
-                <a:spcPct val="0"/>
-              </a:spcAft>
-              <a:defRPr b="1" kern="1200">
-                <a:solidFill>
-                  <a:schemeClr val="tx1"/>
-                </a:solidFill>
-                <a:latin typeface="Comic Sans MS" charset="0"/>
-                <a:ea typeface="ＭＳ Ｐゴシック" charset="0"/>
-                <a:cs typeface="ＭＳ Ｐゴシック" charset="0"/>
-              </a:defRPr>
-            </a:lvl1pPr>
-            <a:lvl2pPr marL="457200" algn="l" rtl="0" eaLnBrk="0" fontAlgn="base" hangingPunct="0">
-              <a:spcBef>
-                <a:spcPct val="0"/>
-              </a:spcBef>
-              <a:spcAft>
-                <a:spcPct val="0"/>
-              </a:spcAft>
-              <a:defRPr b="1" kern="1200">
-                <a:solidFill>
-                  <a:schemeClr val="tx1"/>
-                </a:solidFill>
-                <a:latin typeface="Comic Sans MS" charset="0"/>
-                <a:ea typeface="ＭＳ Ｐゴシック" charset="0"/>
-                <a:cs typeface="ＭＳ Ｐゴシック" charset="0"/>
-              </a:defRPr>
-            </a:lvl2pPr>
-            <a:lvl3pPr marL="914400" algn="l" rtl="0" eaLnBrk="0" fontAlgn="base" hangingPunct="0">
-              <a:spcBef>
-                <a:spcPct val="0"/>
-              </a:spcBef>
-              <a:spcAft>
-                <a:spcPct val="0"/>
-              </a:spcAft>
-              <a:defRPr b="1" kern="1200">
-                <a:solidFill>
-                  <a:schemeClr val="tx1"/>
-                </a:solidFill>
-                <a:latin typeface="Comic Sans MS" charset="0"/>
-                <a:ea typeface="ＭＳ Ｐゴシック" charset="0"/>
-                <a:cs typeface="ＭＳ Ｐゴシック" charset="0"/>
-              </a:defRPr>
-            </a:lvl3pPr>
-            <a:lvl4pPr marL="1371600" algn="l" rtl="0" eaLnBrk="0" fontAlgn="base" hangingPunct="0">
-              <a:spcBef>
-                <a:spcPct val="0"/>
-              </a:spcBef>
-              <a:spcAft>
-                <a:spcPct val="0"/>
-              </a:spcAft>
-              <a:defRPr b="1" kern="1200">
-                <a:solidFill>
-                  <a:schemeClr val="tx1"/>
-                </a:solidFill>
-                <a:latin typeface="Comic Sans MS" charset="0"/>
-                <a:ea typeface="ＭＳ Ｐゴシック" charset="0"/>
-                <a:cs typeface="ＭＳ Ｐゴシック" charset="0"/>
-              </a:defRPr>
-            </a:lvl4pPr>
-            <a:lvl5pPr marL="1828800" algn="l" rtl="0" eaLnBrk="0" fontAlgn="base" hangingPunct="0">
-              <a:spcBef>
-                <a:spcPct val="0"/>
-              </a:spcBef>
-              <a:spcAft>
-                <a:spcPct val="0"/>
-              </a:spcAft>
-              <a:defRPr b="1" kern="1200">
-                <a:solidFill>
-                  <a:schemeClr val="tx1"/>
-                </a:solidFill>
-                <a:latin typeface="Comic Sans MS" charset="0"/>
-                <a:ea typeface="ＭＳ Ｐゴシック" charset="0"/>
-                <a:cs typeface="ＭＳ Ｐゴシック" charset="0"/>
-              </a:defRPr>
-            </a:lvl5pPr>
-            <a:lvl6pPr marL="2286000" algn="l" defTabSz="457200" rtl="0" eaLnBrk="1" latinLnBrk="0" hangingPunct="1">
-              <a:defRPr b="1" kern="1200">
-                <a:solidFill>
-                  <a:schemeClr val="tx1"/>
-                </a:solidFill>
-                <a:latin typeface="Comic Sans MS" charset="0"/>
-                <a:ea typeface="ＭＳ Ｐゴシック" charset="0"/>
-                <a:cs typeface="ＭＳ Ｐゴシック" charset="0"/>
-              </a:defRPr>
-            </a:lvl6pPr>
-            <a:lvl7pPr marL="2743200" algn="l" defTabSz="457200" rtl="0" eaLnBrk="1" latinLnBrk="0" hangingPunct="1">
-              <a:defRPr b="1" kern="1200">
-                <a:solidFill>
-                  <a:schemeClr val="tx1"/>
-                </a:solidFill>
-                <a:latin typeface="Comic Sans MS" charset="0"/>
-                <a:ea typeface="ＭＳ Ｐゴシック" charset="0"/>
-                <a:cs typeface="ＭＳ Ｐゴシック" charset="0"/>
-              </a:defRPr>
-            </a:lvl7pPr>
-            <a:lvl8pPr marL="3200400" algn="l" defTabSz="457200" rtl="0" eaLnBrk="1" latinLnBrk="0" hangingPunct="1">
-              <a:defRPr b="1" kern="1200">
-                <a:solidFill>
-                  <a:schemeClr val="tx1"/>
-                </a:solidFill>
-                <a:latin typeface="Comic Sans MS" charset="0"/>
-                <a:ea typeface="ＭＳ Ｐゴシック" charset="0"/>
-                <a:cs typeface="ＭＳ Ｐゴシック" charset="0"/>
-              </a:defRPr>
-            </a:lvl8pPr>
-            <a:lvl9pPr marL="3657600" algn="l" defTabSz="457200" rtl="0" eaLnBrk="1" latinLnBrk="0" hangingPunct="1">
-              <a:defRPr b="1" kern="1200">
-                <a:solidFill>
-                  <a:schemeClr val="tx1"/>
-                </a:solidFill>
-                <a:latin typeface="Comic Sans MS" charset="0"/>
-                <a:ea typeface="ＭＳ Ｐゴシック" charset="0"/>
-                <a:cs typeface="ＭＳ Ｐゴシック" charset="0"/>
-              </a:defRPr>
-            </a:lvl9pPr>
-          </a:lstStyle>
-          <a:p>
-            <a:pPr algn="ctr">
-              <a:defRPr/>
-            </a:pPr>
-            <a:r>
-              <a:rPr lang="en-US">
-                <a:solidFill>
-                  <a:srgbClr val="000000"/>
-                </a:solidFill>
-              </a:rPr>
-              <a:t> © Zonghua Gu, CMPT 300, Fall 2011 </a:t>
-            </a:r>
-            <a:endParaRPr lang="en-US" b="0">
-              <a:solidFill>
-                <a:srgbClr val="000000"/>
-              </a:solidFill>
-              <a:latin typeface="Times New Roman" pitchFamily="18" charset="0"/>
-              <a:ea typeface="+mn-ea"/>
-              <a:cs typeface="+mn-cs"/>
-            </a:endParaRPr>
-          </a:p>
-        </p:txBody>
-      </p:sp>
-      <p:sp>
-        <p:nvSpPr>
-          <p:cNvPr id="5" name="Slide Number Placeholder 4"/>
-          <p:cNvSpPr>
-            <a:spLocks noGrp="1"/>
-          </p:cNvSpPr>
-          <p:nvPr>
-            <p:ph type="sldNum" sz="quarter" idx="11"/>
-          </p:nvPr>
-        </p:nvSpPr>
-        <p:spPr bwMode="auto">
-          <a:xfrm>
-            <a:off x="9042400" y="6364288"/>
-            <a:ext cx="2540000" cy="457200"/>
-          </a:xfrm>
-          <a:prstGeom prst="rect">
-            <a:avLst/>
-          </a:prstGeom>
-          <a:noFill/>
-          <a:ln w="9525">
-            <a:noFill/>
-            <a:miter lim="800000"/>
-            <a:headEnd/>
-            <a:tailEnd/>
-          </a:ln>
-          <a:effectLst/>
-        </p:spPr>
-        <p:txBody>
-          <a:bodyPr vert="horz" wrap="square" lIns="91440" tIns="45720" rIns="91440" bIns="45720" numCol="1" anchor="t" anchorCtr="0" compatLnSpc="1">
-            <a:prstTxWarp prst="textNoShape">
-              <a:avLst/>
-            </a:prstTxWarp>
-          </a:bodyPr>
-          <a:lstStyle>
-            <a:defPPr>
-              <a:defRPr lang="en-US"/>
-            </a:defPPr>
-            <a:lvl1pPr algn="r" rtl="0" eaLnBrk="1" fontAlgn="base" hangingPunct="1">
-              <a:spcBef>
-                <a:spcPct val="0"/>
-              </a:spcBef>
-              <a:spcAft>
-                <a:spcPct val="0"/>
-              </a:spcAft>
-              <a:defRPr sz="1000" b="1" kern="1200">
-                <a:solidFill>
-                  <a:schemeClr val="tx1"/>
-                </a:solidFill>
-                <a:latin typeface="Arial" charset="0"/>
-                <a:ea typeface="宋体" charset="-122"/>
-                <a:cs typeface="ＭＳ Ｐゴシック" charset="0"/>
-              </a:defRPr>
-            </a:lvl1pPr>
-            <a:lvl2pPr marL="457200" algn="l" rtl="0" eaLnBrk="0" fontAlgn="base" hangingPunct="0">
-              <a:spcBef>
-                <a:spcPct val="0"/>
-              </a:spcBef>
-              <a:spcAft>
-                <a:spcPct val="0"/>
-              </a:spcAft>
-              <a:defRPr b="1" kern="1200">
-                <a:solidFill>
-                  <a:schemeClr val="tx1"/>
-                </a:solidFill>
-                <a:latin typeface="Comic Sans MS" charset="0"/>
-                <a:ea typeface="ＭＳ Ｐゴシック" charset="0"/>
-                <a:cs typeface="ＭＳ Ｐゴシック" charset="0"/>
-              </a:defRPr>
-            </a:lvl2pPr>
-            <a:lvl3pPr marL="914400" algn="l" rtl="0" eaLnBrk="0" fontAlgn="base" hangingPunct="0">
-              <a:spcBef>
-                <a:spcPct val="0"/>
-              </a:spcBef>
-              <a:spcAft>
-                <a:spcPct val="0"/>
-              </a:spcAft>
-              <a:defRPr b="1" kern="1200">
-                <a:solidFill>
-                  <a:schemeClr val="tx1"/>
-                </a:solidFill>
-                <a:latin typeface="Comic Sans MS" charset="0"/>
-                <a:ea typeface="ＭＳ Ｐゴシック" charset="0"/>
-                <a:cs typeface="ＭＳ Ｐゴシック" charset="0"/>
-              </a:defRPr>
-            </a:lvl3pPr>
-            <a:lvl4pPr marL="1371600" algn="l" rtl="0" eaLnBrk="0" fontAlgn="base" hangingPunct="0">
-              <a:spcBef>
-                <a:spcPct val="0"/>
-              </a:spcBef>
-              <a:spcAft>
-                <a:spcPct val="0"/>
-              </a:spcAft>
-              <a:defRPr b="1" kern="1200">
-                <a:solidFill>
-                  <a:schemeClr val="tx1"/>
-                </a:solidFill>
-                <a:latin typeface="Comic Sans MS" charset="0"/>
-                <a:ea typeface="ＭＳ Ｐゴシック" charset="0"/>
-                <a:cs typeface="ＭＳ Ｐゴシック" charset="0"/>
-              </a:defRPr>
-            </a:lvl4pPr>
-            <a:lvl5pPr marL="1828800" algn="l" rtl="0" eaLnBrk="0" fontAlgn="base" hangingPunct="0">
-              <a:spcBef>
-                <a:spcPct val="0"/>
-              </a:spcBef>
-              <a:spcAft>
-                <a:spcPct val="0"/>
-              </a:spcAft>
-              <a:defRPr b="1" kern="1200">
-                <a:solidFill>
-                  <a:schemeClr val="tx1"/>
-                </a:solidFill>
-                <a:latin typeface="Comic Sans MS" charset="0"/>
-                <a:ea typeface="ＭＳ Ｐゴシック" charset="0"/>
-                <a:cs typeface="ＭＳ Ｐゴシック" charset="0"/>
-              </a:defRPr>
-            </a:lvl5pPr>
-            <a:lvl6pPr marL="2286000" algn="l" defTabSz="457200" rtl="0" eaLnBrk="1" latinLnBrk="0" hangingPunct="1">
-              <a:defRPr b="1" kern="1200">
-                <a:solidFill>
-                  <a:schemeClr val="tx1"/>
-                </a:solidFill>
-                <a:latin typeface="Comic Sans MS" charset="0"/>
-                <a:ea typeface="ＭＳ Ｐゴシック" charset="0"/>
-                <a:cs typeface="ＭＳ Ｐゴシック" charset="0"/>
-              </a:defRPr>
-            </a:lvl6pPr>
-            <a:lvl7pPr marL="2743200" algn="l" defTabSz="457200" rtl="0" eaLnBrk="1" latinLnBrk="0" hangingPunct="1">
-              <a:defRPr b="1" kern="1200">
-                <a:solidFill>
-                  <a:schemeClr val="tx1"/>
-                </a:solidFill>
-                <a:latin typeface="Comic Sans MS" charset="0"/>
-                <a:ea typeface="ＭＳ Ｐゴシック" charset="0"/>
-                <a:cs typeface="ＭＳ Ｐゴシック" charset="0"/>
-              </a:defRPr>
-            </a:lvl7pPr>
-            <a:lvl8pPr marL="3200400" algn="l" defTabSz="457200" rtl="0" eaLnBrk="1" latinLnBrk="0" hangingPunct="1">
-              <a:defRPr b="1" kern="1200">
-                <a:solidFill>
-                  <a:schemeClr val="tx1"/>
-                </a:solidFill>
-                <a:latin typeface="Comic Sans MS" charset="0"/>
-                <a:ea typeface="ＭＳ Ｐゴシック" charset="0"/>
-                <a:cs typeface="ＭＳ Ｐゴシック" charset="0"/>
-              </a:defRPr>
-            </a:lvl8pPr>
-            <a:lvl9pPr marL="3657600" algn="l" defTabSz="457200" rtl="0" eaLnBrk="1" latinLnBrk="0" hangingPunct="1">
-              <a:defRPr b="1" kern="1200">
-                <a:solidFill>
-                  <a:schemeClr val="tx1"/>
-                </a:solidFill>
-                <a:latin typeface="Comic Sans MS" charset="0"/>
-                <a:ea typeface="ＭＳ Ｐゴシック" charset="0"/>
-                <a:cs typeface="ＭＳ Ｐゴシック" charset="0"/>
-              </a:defRPr>
-            </a:lvl9pPr>
-          </a:lstStyle>
-          <a:p>
-            <a:pPr>
-              <a:defRPr/>
-            </a:pPr>
-            <a:fld id="{198846B4-9419-4C68-9E06-408D83002EEA}" type="slidenum">
-              <a:rPr lang="en-US" altLang="zh-CN" smtClean="0">
-                <a:solidFill>
-                  <a:srgbClr val="000000"/>
-                </a:solidFill>
-              </a:rPr>
-              <a:pPr>
-                <a:defRPr/>
-              </a:pPr>
-              <a:t>9</a:t>
-            </a:fld>
-            <a:endParaRPr lang="en-US" altLang="zh-CN" b="0">
-              <a:solidFill>
-                <a:srgbClr val="000000"/>
-              </a:solidFill>
-              <a:cs typeface="+mn-cs"/>
-            </a:endParaRPr>
+              <a:t>using monitors and Bankers algorithm. Assume total number of chopsticks &gt;= number of hands of each lawyer, so at least one lawyer can eat.</a:t>
+            </a:r>
+          </a:p>
+          <a:p>
+            <a:endParaRPr lang="en-US" dirty="0"/>
           </a:p>
         </p:txBody>
       </p:sp>

--- a/PPTs/Deleted SLides.pptx
+++ b/PPTs/Deleted SLides.pptx
@@ -7,32 +7,35 @@
     <p:sldMasterId id="2147483753" r:id="rId3"/>
   </p:sldMasterIdLst>
   <p:notesMasterIdLst>
-    <p:notesMasterId r:id="rId24"/>
+    <p:notesMasterId r:id="rId27"/>
   </p:notesMasterIdLst>
   <p:handoutMasterIdLst>
-    <p:handoutMasterId r:id="rId25"/>
+    <p:handoutMasterId r:id="rId28"/>
   </p:handoutMasterIdLst>
   <p:sldIdLst>
     <p:sldId id="256" r:id="rId4"/>
-    <p:sldId id="813" r:id="rId5"/>
-    <p:sldId id="272" r:id="rId6"/>
-    <p:sldId id="422" r:id="rId7"/>
-    <p:sldId id="398" r:id="rId8"/>
-    <p:sldId id="399" r:id="rId9"/>
-    <p:sldId id="382" r:id="rId10"/>
-    <p:sldId id="357" r:id="rId11"/>
-    <p:sldId id="362" r:id="rId12"/>
-    <p:sldId id="363" r:id="rId13"/>
-    <p:sldId id="364" r:id="rId14"/>
-    <p:sldId id="371" r:id="rId15"/>
-    <p:sldId id="372" r:id="rId16"/>
-    <p:sldId id="365" r:id="rId17"/>
-    <p:sldId id="373" r:id="rId18"/>
-    <p:sldId id="376" r:id="rId19"/>
-    <p:sldId id="374" r:id="rId20"/>
-    <p:sldId id="378" r:id="rId21"/>
-    <p:sldId id="294" r:id="rId22"/>
-    <p:sldId id="295" r:id="rId23"/>
+    <p:sldId id="303" r:id="rId5"/>
+    <p:sldId id="811" r:id="rId6"/>
+    <p:sldId id="304" r:id="rId7"/>
+    <p:sldId id="813" r:id="rId8"/>
+    <p:sldId id="272" r:id="rId9"/>
+    <p:sldId id="422" r:id="rId10"/>
+    <p:sldId id="398" r:id="rId11"/>
+    <p:sldId id="399" r:id="rId12"/>
+    <p:sldId id="382" r:id="rId13"/>
+    <p:sldId id="357" r:id="rId14"/>
+    <p:sldId id="362" r:id="rId15"/>
+    <p:sldId id="363" r:id="rId16"/>
+    <p:sldId id="364" r:id="rId17"/>
+    <p:sldId id="371" r:id="rId18"/>
+    <p:sldId id="372" r:id="rId19"/>
+    <p:sldId id="365" r:id="rId20"/>
+    <p:sldId id="373" r:id="rId21"/>
+    <p:sldId id="376" r:id="rId22"/>
+    <p:sldId id="374" r:id="rId23"/>
+    <p:sldId id="378" r:id="rId24"/>
+    <p:sldId id="294" r:id="rId25"/>
+    <p:sldId id="295" r:id="rId26"/>
   </p:sldIdLst>
   <p:sldSz cx="12192000" cy="6858000"/>
   <p:notesSz cx="9601200" cy="7315200"/>
@@ -229,14 +232,14 @@
           <a:effectLst/>
           <a:extLst>
             <a:ext uri="{909E8E84-426E-40dd-AFC4-6F175D3DCCD1}">
-              <a14:hiddenFill xmlns:a14="http://schemas.microsoft.com/office/drawing/2010/main" xmlns="">
+              <a14:hiddenFill xmlns="" xmlns:a14="http://schemas.microsoft.com/office/drawing/2010/main">
                 <a:solidFill>
                   <a:schemeClr val="bg1"/>
                 </a:solidFill>
               </a14:hiddenFill>
             </a:ext>
             <a:ext uri="{91240B29-F687-4f45-9708-019B960494DF}">
-              <a14:hiddenLine xmlns:a14="http://schemas.microsoft.com/office/drawing/2010/main" xmlns="" w="12700">
+              <a14:hiddenLine xmlns="" xmlns:a14="http://schemas.microsoft.com/office/drawing/2010/main" w="12700">
                 <a:pattFill prst="narHorz">
                   <a:fgClr>
                     <a:schemeClr val="tx1"/>
@@ -251,7 +254,7 @@
               </a14:hiddenLine>
             </a:ext>
             <a:ext uri="{AF507438-7753-43e0-B8FC-AC1667EBCBE1}">
-              <a14:hiddenEffects xmlns:a14="http://schemas.microsoft.com/office/drawing/2010/main" xmlns="">
+              <a14:hiddenEffects xmlns="" xmlns:a14="http://schemas.microsoft.com/office/drawing/2010/main">
                 <a:effectLst>
                   <a:outerShdw dist="35921" dir="2700000" algn="ctr" rotWithShape="0">
                     <a:schemeClr val="bg2"/>
@@ -357,14 +360,14 @@
           <a:effectLst/>
           <a:extLst>
             <a:ext uri="{909E8E84-426E-40dd-AFC4-6F175D3DCCD1}">
-              <a14:hiddenFill xmlns:a14="http://schemas.microsoft.com/office/drawing/2010/main" xmlns="">
+              <a14:hiddenFill xmlns="" xmlns:a14="http://schemas.microsoft.com/office/drawing/2010/main">
                 <a:solidFill>
                   <a:schemeClr val="bg1"/>
                 </a:solidFill>
               </a14:hiddenFill>
             </a:ext>
             <a:ext uri="{91240B29-F687-4f45-9708-019B960494DF}">
-              <a14:hiddenLine xmlns:a14="http://schemas.microsoft.com/office/drawing/2010/main" xmlns="" w="12700">
+              <a14:hiddenLine xmlns="" xmlns:a14="http://schemas.microsoft.com/office/drawing/2010/main" w="12700">
                 <a:pattFill prst="narHorz">
                   <a:fgClr>
                     <a:schemeClr val="tx1"/>
@@ -379,7 +382,7 @@
               </a14:hiddenLine>
             </a:ext>
             <a:ext uri="{AF507438-7753-43e0-B8FC-AC1667EBCBE1}">
-              <a14:hiddenEffects xmlns:a14="http://schemas.microsoft.com/office/drawing/2010/main" xmlns="">
+              <a14:hiddenEffects xmlns="" xmlns:a14="http://schemas.microsoft.com/office/drawing/2010/main">
                 <a:effectLst>
                   <a:outerShdw dist="35921" dir="2700000" algn="ctr" rotWithShape="0">
                     <a:schemeClr val="bg2"/>
@@ -447,17 +450,17 @@
           <a:effectLst/>
           <a:extLst>
             <a:ext uri="{FAA26D3D-D897-4be2-8F04-BA451C77F1D7}">
-              <ma14:placeholderFlag xmlns:ma14="http://schemas.microsoft.com/office/mac/drawingml/2011/main" xmlns="" val="1"/>
+              <ma14:placeholderFlag xmlns="" xmlns:ma14="http://schemas.microsoft.com/office/mac/drawingml/2011/main" val="1"/>
             </a:ext>
             <a:ext uri="{909E8E84-426E-40dd-AFC4-6F175D3DCCD1}">
-              <a14:hiddenFill xmlns:a14="http://schemas.microsoft.com/office/drawing/2010/main" xmlns="">
+              <a14:hiddenFill xmlns="" xmlns:a14="http://schemas.microsoft.com/office/drawing/2010/main">
                 <a:solidFill>
                   <a:srgbClr val="FFFFFF"/>
                 </a:solidFill>
               </a14:hiddenFill>
             </a:ext>
             <a:ext uri="{AF507438-7753-43e0-B8FC-AC1667EBCBE1}">
-              <a14:hiddenEffects xmlns:a14="http://schemas.microsoft.com/office/drawing/2010/main" xmlns="">
+              <a14:hiddenEffects xmlns="" xmlns:a14="http://schemas.microsoft.com/office/drawing/2010/main">
                 <a:effectLst>
                   <a:outerShdw blurRad="63500" dist="38099" dir="2700000" algn="ctr" rotWithShape="0">
                     <a:srgbClr val="000000">
@@ -468,7 +471,7 @@
               </a14:hiddenEffects>
             </a:ext>
             <a:ext uri="{53640926-AAD7-44d8-BBD7-CCE9431645EC}">
-              <a14:shadowObscured xmlns:a14="http://schemas.microsoft.com/office/drawing/2010/main" xmlns="" val="1"/>
+              <a14:shadowObscured xmlns="" xmlns:a14="http://schemas.microsoft.com/office/drawing/2010/main" val="1"/>
             </a:ext>
           </a:extLst>
         </p:spPr>
@@ -498,14 +501,14 @@
           <a:effectLst/>
           <a:extLst>
             <a:ext uri="{909E8E84-426E-40dd-AFC4-6F175D3DCCD1}">
-              <a14:hiddenFill xmlns:a14="http://schemas.microsoft.com/office/drawing/2010/main" xmlns="">
+              <a14:hiddenFill xmlns="" xmlns:a14="http://schemas.microsoft.com/office/drawing/2010/main">
                 <a:solidFill>
                   <a:schemeClr val="bg1"/>
                 </a:solidFill>
               </a14:hiddenFill>
             </a:ext>
             <a:ext uri="{91240B29-F687-4f45-9708-019B960494DF}">
-              <a14:hiddenLine xmlns:a14="http://schemas.microsoft.com/office/drawing/2010/main" xmlns="" w="12700">
+              <a14:hiddenLine xmlns="" xmlns:a14="http://schemas.microsoft.com/office/drawing/2010/main" w="12700">
                 <a:pattFill prst="narHorz">
                   <a:fgClr>
                     <a:schemeClr val="tx1"/>
@@ -520,7 +523,7 @@
               </a14:hiddenLine>
             </a:ext>
             <a:ext uri="{AF507438-7753-43e0-B8FC-AC1667EBCBE1}">
-              <a14:hiddenEffects xmlns:a14="http://schemas.microsoft.com/office/drawing/2010/main" xmlns="">
+              <a14:hiddenEffects xmlns="" xmlns:a14="http://schemas.microsoft.com/office/drawing/2010/main">
                 <a:effectLst>
                   <a:outerShdw dist="35921" dir="2700000" algn="ctr" rotWithShape="0">
                     <a:schemeClr val="bg2"/>
@@ -770,10 +773,10 @@
         <p:spPr>
           <a:extLst>
             <a:ext uri="{FAA26D3D-D897-4be2-8F04-BA451C77F1D7}">
-              <ma14:placeholderFlag xmlns:ma14="http://schemas.microsoft.com/office/mac/drawingml/2011/main" xmlns="" val="1"/>
+              <ma14:placeholderFlag xmlns="" xmlns:ma14="http://schemas.microsoft.com/office/mac/drawingml/2011/main" val="1"/>
             </a:ext>
             <a:ext uri="{AF507438-7753-43e0-B8FC-AC1667EBCBE1}">
-              <a14:hiddenEffects xmlns:a14="http://schemas.microsoft.com/office/drawing/2010/main" xmlns="">
+              <a14:hiddenEffects xmlns="" xmlns:a14="http://schemas.microsoft.com/office/drawing/2010/main">
                 <a:effectLst>
                   <a:outerShdw blurRad="63500" dist="38099" dir="2700000" algn="ctr" rotWithShape="0">
                     <a:schemeClr val="bg2">
@@ -807,7 +810,437 @@
 </p:notes>
 </file>
 
+<file path=ppt/notesSlides/notesSlide10.xml><?xml version="1.0" encoding="utf-8"?>
+<p:notes xmlns:a="http://schemas.openxmlformats.org/drawingml/2006/main" xmlns:r="http://schemas.openxmlformats.org/officeDocument/2006/relationships" xmlns:p="http://schemas.openxmlformats.org/presentationml/2006/main">
+  <p:cSld>
+    <p:spTree>
+      <p:nvGrpSpPr>
+        <p:cNvPr id="1" name=""/>
+        <p:cNvGrpSpPr/>
+        <p:nvPr/>
+      </p:nvGrpSpPr>
+      <p:grpSpPr>
+        <a:xfrm>
+          <a:off x="0" y="0"/>
+          <a:ext cx="0" cy="0"/>
+          <a:chOff x="0" y="0"/>
+          <a:chExt cx="0" cy="0"/>
+        </a:xfrm>
+      </p:grpSpPr>
+      <p:sp>
+        <p:nvSpPr>
+          <p:cNvPr id="1677314" name="Rectangle 2"/>
+          <p:cNvSpPr>
+            <a:spLocks noGrp="1" noRot="1" noChangeAspect="1" noChangeArrowheads="1" noTextEdit="1"/>
+          </p:cNvSpPr>
+          <p:nvPr>
+            <p:ph type="sldImg"/>
+          </p:nvPr>
+        </p:nvSpPr>
+        <p:spPr/>
+      </p:sp>
+      <p:sp>
+        <p:nvSpPr>
+          <p:cNvPr id="1677315" name="Rectangle 3"/>
+          <p:cNvSpPr>
+            <a:spLocks noGrp="1" noChangeArrowheads="1"/>
+          </p:cNvSpPr>
+          <p:nvPr>
+            <p:ph type="body" idx="1"/>
+          </p:nvPr>
+        </p:nvSpPr>
+        <p:spPr>
+          <a:ln/>
+        </p:spPr>
+        <p:txBody>
+          <a:bodyPr/>
+          <a:lstStyle/>
+          <a:p>
+            <a:r>
+              <a:rPr lang="en-US" dirty="0"/>
+              <a:t>What if the </a:t>
+            </a:r>
+            <a:r>
+              <a:rPr lang="en-US" dirty="0" err="1"/>
+              <a:t>CPI</a:t>
+            </a:r>
+            <a:r>
+              <a:rPr lang="en-US" baseline="-25000" dirty="0" err="1"/>
+              <a:t>ideal</a:t>
+            </a:r>
+            <a:r>
+              <a:rPr lang="en-US" dirty="0"/>
+              <a:t> is reduced to 1?   </a:t>
+            </a:r>
+          </a:p>
+          <a:p>
+            <a:r>
+              <a:rPr lang="en-US" dirty="0"/>
+              <a:t>What if the D$ miss rate went up by 1%?  </a:t>
+            </a:r>
+          </a:p>
+          <a:p>
+            <a:endParaRPr lang="en-US" dirty="0"/>
+          </a:p>
+          <a:p>
+            <a:r>
+              <a:rPr lang="en-US" dirty="0"/>
+              <a:t>For ideal CPI = 1, then </a:t>
+            </a:r>
+            <a:r>
+              <a:rPr lang="en-US" dirty="0" err="1"/>
+              <a:t>CPIstall</a:t>
+            </a:r>
+            <a:r>
+              <a:rPr lang="en-US" dirty="0"/>
+              <a:t> = 4.44 and the amount of execution time spent on memory stalls would have risen from 3.44/5.44 = 63% to 3.44/4.44 = 77%</a:t>
+            </a:r>
+          </a:p>
+          <a:p>
+            <a:r>
+              <a:rPr lang="en-US" dirty="0"/>
+              <a:t>For miss penalty of 200, memory stall cycles = 2%  200 + 36% x 4% x 200 = 6.88 so that </a:t>
+            </a:r>
+            <a:r>
+              <a:rPr lang="en-US" dirty="0" err="1"/>
+              <a:t>CPIstall</a:t>
+            </a:r>
+            <a:r>
+              <a:rPr lang="en-US" dirty="0"/>
+              <a:t> = 8.88</a:t>
+            </a:r>
+          </a:p>
+          <a:p>
+            <a:endParaRPr lang="en-US" dirty="0"/>
+          </a:p>
+          <a:p>
+            <a:r>
+              <a:rPr lang="en-US" dirty="0"/>
+              <a:t>This assumes that hit time (so hit time is 1 cycle) is not a factor in determining cache performance.  A larger cache would have a longer access time (if a lower miss rate), meaning either a slower clock cycle or more stages in the pipeline for memory access.</a:t>
+            </a:r>
+          </a:p>
+        </p:txBody>
+      </p:sp>
+    </p:spTree>
+    <p:extLst>
+      <p:ext uri="{BB962C8B-B14F-4D97-AF65-F5344CB8AC3E}">
+        <p14:creationId xmlns:p14="http://schemas.microsoft.com/office/powerpoint/2010/main" val="2751273875"/>
+      </p:ext>
+    </p:extLst>
+  </p:cSld>
+  <p:clrMapOvr>
+    <a:masterClrMapping/>
+  </p:clrMapOvr>
+</p:notes>
+</file>
+
 <file path=ppt/notesSlides/notesSlide2.xml><?xml version="1.0" encoding="utf-8"?>
+<p:notes xmlns:a="http://schemas.openxmlformats.org/drawingml/2006/main" xmlns:r="http://schemas.openxmlformats.org/officeDocument/2006/relationships" xmlns:p="http://schemas.openxmlformats.org/presentationml/2006/main">
+  <p:cSld>
+    <p:spTree>
+      <p:nvGrpSpPr>
+        <p:cNvPr id="1" name=""/>
+        <p:cNvGrpSpPr/>
+        <p:nvPr/>
+      </p:nvGrpSpPr>
+      <p:grpSpPr>
+        <a:xfrm>
+          <a:off x="0" y="0"/>
+          <a:ext cx="0" cy="0"/>
+          <a:chOff x="0" y="0"/>
+          <a:chExt cx="0" cy="0"/>
+        </a:xfrm>
+      </p:grpSpPr>
+      <p:sp>
+        <p:nvSpPr>
+          <p:cNvPr id="5" name="Rectangle 7">
+            <a:extLst>
+              <a:ext uri="{FF2B5EF4-FFF2-40B4-BE49-F238E27FC236}">
+                <a16:creationId xmlns:a16="http://schemas.microsoft.com/office/drawing/2014/main" id="{E744F9A2-E329-A21D-3B91-BE11E6BBEAD2}"/>
+              </a:ext>
+            </a:extLst>
+          </p:cNvPr>
+          <p:cNvSpPr>
+            <a:spLocks noGrp="1" noChangeArrowheads="1"/>
+          </p:cNvSpPr>
+          <p:nvPr>
+            <p:ph type="sldNum" sz="quarter" idx="5"/>
+          </p:nvPr>
+        </p:nvSpPr>
+        <p:spPr>
+          <a:ln/>
+        </p:spPr>
+        <p:txBody>
+          <a:bodyPr/>
+          <a:lstStyle/>
+          <a:p>
+            <a:fld id="{75403325-FF36-4D9B-82AA-F7143ABDAB12}" type="slidenum">
+              <a:rPr lang="en-US" altLang="en-SE"/>
+              <a:pPr/>
+              <a:t>2</a:t>
+            </a:fld>
+            <a:endParaRPr lang="en-US" altLang="en-SE"/>
+          </a:p>
+        </p:txBody>
+      </p:sp>
+      <p:sp>
+        <p:nvSpPr>
+          <p:cNvPr id="163842" name="Rectangle 2">
+            <a:extLst>
+              <a:ext uri="{FF2B5EF4-FFF2-40B4-BE49-F238E27FC236}">
+                <a16:creationId xmlns:a16="http://schemas.microsoft.com/office/drawing/2014/main" id="{F4D92E0F-F3CF-6CF9-E5E4-62D2A551593A}"/>
+              </a:ext>
+            </a:extLst>
+          </p:cNvPr>
+          <p:cNvSpPr>
+            <a:spLocks noGrp="1" noRot="1" noChangeAspect="1" noChangeArrowheads="1" noTextEdit="1"/>
+          </p:cNvSpPr>
+          <p:nvPr>
+            <p:ph type="sldImg"/>
+          </p:nvPr>
+        </p:nvSpPr>
+        <p:spPr>
+          <a:ln/>
+        </p:spPr>
+      </p:sp>
+      <p:sp>
+        <p:nvSpPr>
+          <p:cNvPr id="163843" name="Rectangle 3">
+            <a:extLst>
+              <a:ext uri="{FF2B5EF4-FFF2-40B4-BE49-F238E27FC236}">
+                <a16:creationId xmlns:a16="http://schemas.microsoft.com/office/drawing/2014/main" id="{D582F09A-1AE3-ED32-7325-60552B67E2F1}"/>
+              </a:ext>
+            </a:extLst>
+          </p:cNvPr>
+          <p:cNvSpPr>
+            <a:spLocks noGrp="1" noChangeArrowheads="1"/>
+          </p:cNvSpPr>
+          <p:nvPr>
+            <p:ph type="body" idx="1"/>
+          </p:nvPr>
+        </p:nvSpPr>
+        <p:spPr/>
+        <p:txBody>
+          <a:bodyPr/>
+          <a:lstStyle/>
+          <a:p>
+            <a:endParaRPr lang="en-SE" altLang="en-SE"/>
+          </a:p>
+        </p:txBody>
+      </p:sp>
+    </p:spTree>
+  </p:cSld>
+  <p:clrMapOvr>
+    <a:masterClrMapping/>
+  </p:clrMapOvr>
+</p:notes>
+</file>
+
+<file path=ppt/notesSlides/notesSlide3.xml><?xml version="1.0" encoding="utf-8"?>
+<p:notes xmlns:a="http://schemas.openxmlformats.org/drawingml/2006/main" xmlns:r="http://schemas.openxmlformats.org/officeDocument/2006/relationships" xmlns:p="http://schemas.openxmlformats.org/presentationml/2006/main">
+  <p:cSld>
+    <p:spTree>
+      <p:nvGrpSpPr>
+        <p:cNvPr id="1" name=""/>
+        <p:cNvGrpSpPr/>
+        <p:nvPr/>
+      </p:nvGrpSpPr>
+      <p:grpSpPr>
+        <a:xfrm>
+          <a:off x="0" y="0"/>
+          <a:ext cx="0" cy="0"/>
+          <a:chOff x="0" y="0"/>
+          <a:chExt cx="0" cy="0"/>
+        </a:xfrm>
+      </p:grpSpPr>
+      <p:sp>
+        <p:nvSpPr>
+          <p:cNvPr id="5" name="Rectangle 7">
+            <a:extLst>
+              <a:ext uri="{FF2B5EF4-FFF2-40B4-BE49-F238E27FC236}">
+                <a16:creationId xmlns:a16="http://schemas.microsoft.com/office/drawing/2014/main" id="{DE1FFAB9-275C-8D81-98D0-A8217275EAA5}"/>
+              </a:ext>
+            </a:extLst>
+          </p:cNvPr>
+          <p:cNvSpPr>
+            <a:spLocks noGrp="1" noChangeArrowheads="1"/>
+          </p:cNvSpPr>
+          <p:nvPr>
+            <p:ph type="sldNum" sz="quarter" idx="5"/>
+          </p:nvPr>
+        </p:nvSpPr>
+        <p:spPr>
+          <a:ln/>
+        </p:spPr>
+        <p:txBody>
+          <a:bodyPr/>
+          <a:lstStyle/>
+          <a:p>
+            <a:fld id="{A6FE3B9C-FEF1-41A8-BAF0-57ADAC113098}" type="slidenum">
+              <a:rPr lang="en-US" altLang="en-SE"/>
+              <a:pPr/>
+              <a:t>3</a:t>
+            </a:fld>
+            <a:endParaRPr lang="en-US" altLang="en-SE"/>
+          </a:p>
+        </p:txBody>
+      </p:sp>
+      <p:sp>
+        <p:nvSpPr>
+          <p:cNvPr id="164866" name="Rectangle 2">
+            <a:extLst>
+              <a:ext uri="{FF2B5EF4-FFF2-40B4-BE49-F238E27FC236}">
+                <a16:creationId xmlns:a16="http://schemas.microsoft.com/office/drawing/2014/main" id="{0DB10AC2-4F75-AD3C-AB7D-BECB7A2234D7}"/>
+              </a:ext>
+            </a:extLst>
+          </p:cNvPr>
+          <p:cNvSpPr>
+            <a:spLocks noGrp="1" noRot="1" noChangeAspect="1" noChangeArrowheads="1" noTextEdit="1"/>
+          </p:cNvSpPr>
+          <p:nvPr>
+            <p:ph type="sldImg"/>
+          </p:nvPr>
+        </p:nvSpPr>
+        <p:spPr>
+          <a:ln/>
+        </p:spPr>
+      </p:sp>
+      <p:sp>
+        <p:nvSpPr>
+          <p:cNvPr id="164867" name="Rectangle 3">
+            <a:extLst>
+              <a:ext uri="{FF2B5EF4-FFF2-40B4-BE49-F238E27FC236}">
+                <a16:creationId xmlns:a16="http://schemas.microsoft.com/office/drawing/2014/main" id="{3AC8DDBE-80E1-F57A-3394-8369E261D05A}"/>
+              </a:ext>
+            </a:extLst>
+          </p:cNvPr>
+          <p:cNvSpPr>
+            <a:spLocks noGrp="1" noChangeArrowheads="1"/>
+          </p:cNvSpPr>
+          <p:nvPr>
+            <p:ph type="body" idx="1"/>
+          </p:nvPr>
+        </p:nvSpPr>
+        <p:spPr/>
+        <p:txBody>
+          <a:bodyPr/>
+          <a:lstStyle/>
+          <a:p>
+            <a:endParaRPr lang="en-SE" altLang="en-SE"/>
+          </a:p>
+        </p:txBody>
+      </p:sp>
+    </p:spTree>
+  </p:cSld>
+  <p:clrMapOvr>
+    <a:masterClrMapping/>
+  </p:clrMapOvr>
+</p:notes>
+</file>
+
+<file path=ppt/notesSlides/notesSlide4.xml><?xml version="1.0" encoding="utf-8"?>
+<p:notes xmlns:a="http://schemas.openxmlformats.org/drawingml/2006/main" xmlns:r="http://schemas.openxmlformats.org/officeDocument/2006/relationships" xmlns:p="http://schemas.openxmlformats.org/presentationml/2006/main">
+  <p:cSld>
+    <p:spTree>
+      <p:nvGrpSpPr>
+        <p:cNvPr id="1" name=""/>
+        <p:cNvGrpSpPr/>
+        <p:nvPr/>
+      </p:nvGrpSpPr>
+      <p:grpSpPr>
+        <a:xfrm>
+          <a:off x="0" y="0"/>
+          <a:ext cx="0" cy="0"/>
+          <a:chOff x="0" y="0"/>
+          <a:chExt cx="0" cy="0"/>
+        </a:xfrm>
+      </p:grpSpPr>
+      <p:sp>
+        <p:nvSpPr>
+          <p:cNvPr id="5" name="Rectangle 7">
+            <a:extLst>
+              <a:ext uri="{FF2B5EF4-FFF2-40B4-BE49-F238E27FC236}">
+                <a16:creationId xmlns:a16="http://schemas.microsoft.com/office/drawing/2014/main" id="{659D6562-41EA-BDEF-2CEB-D0F74E71B75E}"/>
+              </a:ext>
+            </a:extLst>
+          </p:cNvPr>
+          <p:cNvSpPr>
+            <a:spLocks noGrp="1" noChangeArrowheads="1"/>
+          </p:cNvSpPr>
+          <p:nvPr>
+            <p:ph type="sldNum" sz="quarter" idx="5"/>
+          </p:nvPr>
+        </p:nvSpPr>
+        <p:spPr>
+          <a:ln/>
+        </p:spPr>
+        <p:txBody>
+          <a:bodyPr/>
+          <a:lstStyle/>
+          <a:p>
+            <a:fld id="{8CE6AFDA-FFF0-41C3-BC3E-42F3491BD27F}" type="slidenum">
+              <a:rPr lang="en-US" altLang="en-SE"/>
+              <a:pPr/>
+              <a:t>4</a:t>
+            </a:fld>
+            <a:endParaRPr lang="en-US" altLang="en-SE"/>
+          </a:p>
+        </p:txBody>
+      </p:sp>
+      <p:sp>
+        <p:nvSpPr>
+          <p:cNvPr id="165890" name="Rectangle 2">
+            <a:extLst>
+              <a:ext uri="{FF2B5EF4-FFF2-40B4-BE49-F238E27FC236}">
+                <a16:creationId xmlns:a16="http://schemas.microsoft.com/office/drawing/2014/main" id="{5377B695-D7D9-C161-64F1-4A7D125B2C66}"/>
+              </a:ext>
+            </a:extLst>
+          </p:cNvPr>
+          <p:cNvSpPr>
+            <a:spLocks noGrp="1" noRot="1" noChangeAspect="1" noChangeArrowheads="1" noTextEdit="1"/>
+          </p:cNvSpPr>
+          <p:nvPr>
+            <p:ph type="sldImg"/>
+          </p:nvPr>
+        </p:nvSpPr>
+        <p:spPr>
+          <a:ln/>
+        </p:spPr>
+      </p:sp>
+      <p:sp>
+        <p:nvSpPr>
+          <p:cNvPr id="165891" name="Rectangle 3">
+            <a:extLst>
+              <a:ext uri="{FF2B5EF4-FFF2-40B4-BE49-F238E27FC236}">
+                <a16:creationId xmlns:a16="http://schemas.microsoft.com/office/drawing/2014/main" id="{30A0DF59-4446-A99C-0E66-7C58A6FA462F}"/>
+              </a:ext>
+            </a:extLst>
+          </p:cNvPr>
+          <p:cNvSpPr>
+            <a:spLocks noGrp="1" noChangeArrowheads="1"/>
+          </p:cNvSpPr>
+          <p:nvPr>
+            <p:ph type="body" idx="1"/>
+          </p:nvPr>
+        </p:nvSpPr>
+        <p:spPr/>
+        <p:txBody>
+          <a:bodyPr/>
+          <a:lstStyle/>
+          <a:p>
+            <a:endParaRPr lang="en-SE" altLang="en-SE"/>
+          </a:p>
+        </p:txBody>
+      </p:sp>
+    </p:spTree>
+  </p:cSld>
+  <p:clrMapOvr>
+    <a:masterClrMapping/>
+  </p:clrMapOvr>
+</p:notes>
+</file>
+
+<file path=ppt/notesSlides/notesSlide5.xml><?xml version="1.0" encoding="utf-8"?>
 <p:notes xmlns:a="http://schemas.openxmlformats.org/drawingml/2006/main" xmlns:r="http://schemas.openxmlformats.org/officeDocument/2006/relationships" xmlns:p="http://schemas.openxmlformats.org/presentationml/2006/main">
   <p:cSld>
     <p:spTree>
@@ -1032,7 +1465,7 @@
 </p:notes>
 </file>
 
-<file path=ppt/notesSlides/notesSlide3.xml><?xml version="1.0" encoding="utf-8"?>
+<file path=ppt/notesSlides/notesSlide6.xml><?xml version="1.0" encoding="utf-8"?>
 <p:notes xmlns:a="http://schemas.openxmlformats.org/drawingml/2006/main" xmlns:r="http://schemas.openxmlformats.org/officeDocument/2006/relationships" xmlns:p="http://schemas.openxmlformats.org/presentationml/2006/main">
   <p:cSld>
     <p:spTree>
@@ -1150,7 +1583,7 @@
 </p:notes>
 </file>
 
-<file path=ppt/notesSlides/notesSlide4.xml><?xml version="1.0" encoding="utf-8"?>
+<file path=ppt/notesSlides/notesSlide7.xml><?xml version="1.0" encoding="utf-8"?>
 <p:notes xmlns:a="http://schemas.openxmlformats.org/drawingml/2006/main" xmlns:r="http://schemas.openxmlformats.org/officeDocument/2006/relationships" xmlns:p="http://schemas.openxmlformats.org/presentationml/2006/main">
   <p:cSld>
     <p:spTree>
@@ -1294,7 +1727,7 @@
                 <a:tabLst/>
                 <a:defRPr/>
               </a:pPr>
-              <a:t>5</a:t>
+              <a:t>8</a:t>
             </a:fld>
             <a:endParaRPr kumimoji="1" lang="zh-CN" altLang="en-US" sz="1200" b="0" i="0" u="none" strike="noStrike" kern="1200" cap="none" spc="0" normalizeH="0" baseline="0" noProof="0">
               <a:ln>
@@ -1326,7 +1759,7 @@
 </p:notes>
 </file>
 
-<file path=ppt/notesSlides/notesSlide5.xml><?xml version="1.0" encoding="utf-8"?>
+<file path=ppt/notesSlides/notesSlide8.xml><?xml version="1.0" encoding="utf-8"?>
 <p:notes xmlns:a="http://schemas.openxmlformats.org/drawingml/2006/main" xmlns:r="http://schemas.openxmlformats.org/officeDocument/2006/relationships" xmlns:p="http://schemas.openxmlformats.org/presentationml/2006/main">
   <p:cSld>
     <p:spTree>
@@ -1590,7 +2023,7 @@
                 <a:tabLst/>
                 <a:defRPr/>
               </a:pPr>
-              <a:t>7</a:t>
+              <a:t>10</a:t>
             </a:fld>
             <a:endParaRPr kumimoji="0" lang="en-US" altLang="zh-CN" sz="1200" b="0" i="0" u="none" strike="noStrike" kern="1200" cap="none" spc="0" normalizeH="0" baseline="0" noProof="0">
               <a:ln>
@@ -1617,7 +2050,7 @@
 </p:notes>
 </file>
 
-<file path=ppt/notesSlides/notesSlide6.xml><?xml version="1.0" encoding="utf-8"?>
+<file path=ppt/notesSlides/notesSlide9.xml><?xml version="1.0" encoding="utf-8"?>
 <p:notes xmlns:a="http://schemas.openxmlformats.org/drawingml/2006/main" xmlns:r="http://schemas.openxmlformats.org/officeDocument/2006/relationships" xmlns:p="http://schemas.openxmlformats.org/presentationml/2006/main">
   <p:cSld>
     <p:spTree>
@@ -1674,130 +2107,6 @@
     <p:extLst>
       <p:ext uri="{BB962C8B-B14F-4D97-AF65-F5344CB8AC3E}">
         <p14:creationId xmlns:p14="http://schemas.microsoft.com/office/powerpoint/2010/main" val="549479417"/>
-      </p:ext>
-    </p:extLst>
-  </p:cSld>
-  <p:clrMapOvr>
-    <a:masterClrMapping/>
-  </p:clrMapOvr>
-</p:notes>
-</file>
-
-<file path=ppt/notesSlides/notesSlide7.xml><?xml version="1.0" encoding="utf-8"?>
-<p:notes xmlns:a="http://schemas.openxmlformats.org/drawingml/2006/main" xmlns:r="http://schemas.openxmlformats.org/officeDocument/2006/relationships" xmlns:p="http://schemas.openxmlformats.org/presentationml/2006/main">
-  <p:cSld>
-    <p:spTree>
-      <p:nvGrpSpPr>
-        <p:cNvPr id="1" name=""/>
-        <p:cNvGrpSpPr/>
-        <p:nvPr/>
-      </p:nvGrpSpPr>
-      <p:grpSpPr>
-        <a:xfrm>
-          <a:off x="0" y="0"/>
-          <a:ext cx="0" cy="0"/>
-          <a:chOff x="0" y="0"/>
-          <a:chExt cx="0" cy="0"/>
-        </a:xfrm>
-      </p:grpSpPr>
-      <p:sp>
-        <p:nvSpPr>
-          <p:cNvPr id="1677314" name="Rectangle 2"/>
-          <p:cNvSpPr>
-            <a:spLocks noGrp="1" noRot="1" noChangeAspect="1" noChangeArrowheads="1" noTextEdit="1"/>
-          </p:cNvSpPr>
-          <p:nvPr>
-            <p:ph type="sldImg"/>
-          </p:nvPr>
-        </p:nvSpPr>
-        <p:spPr/>
-      </p:sp>
-      <p:sp>
-        <p:nvSpPr>
-          <p:cNvPr id="1677315" name="Rectangle 3"/>
-          <p:cNvSpPr>
-            <a:spLocks noGrp="1" noChangeArrowheads="1"/>
-          </p:cNvSpPr>
-          <p:nvPr>
-            <p:ph type="body" idx="1"/>
-          </p:nvPr>
-        </p:nvSpPr>
-        <p:spPr>
-          <a:ln/>
-        </p:spPr>
-        <p:txBody>
-          <a:bodyPr/>
-          <a:lstStyle/>
-          <a:p>
-            <a:r>
-              <a:rPr lang="en-US" dirty="0"/>
-              <a:t>What if the </a:t>
-            </a:r>
-            <a:r>
-              <a:rPr lang="en-US" dirty="0" err="1"/>
-              <a:t>CPI</a:t>
-            </a:r>
-            <a:r>
-              <a:rPr lang="en-US" baseline="-25000" dirty="0" err="1"/>
-              <a:t>ideal</a:t>
-            </a:r>
-            <a:r>
-              <a:rPr lang="en-US" dirty="0"/>
-              <a:t> is reduced to 1?   </a:t>
-            </a:r>
-          </a:p>
-          <a:p>
-            <a:r>
-              <a:rPr lang="en-US" dirty="0"/>
-              <a:t>What if the D$ miss rate went up by 1%?  </a:t>
-            </a:r>
-          </a:p>
-          <a:p>
-            <a:endParaRPr lang="en-US" dirty="0"/>
-          </a:p>
-          <a:p>
-            <a:r>
-              <a:rPr lang="en-US" dirty="0"/>
-              <a:t>For ideal CPI = 1, then </a:t>
-            </a:r>
-            <a:r>
-              <a:rPr lang="en-US" dirty="0" err="1"/>
-              <a:t>CPIstall</a:t>
-            </a:r>
-            <a:r>
-              <a:rPr lang="en-US" dirty="0"/>
-              <a:t> = 4.44 and the amount of execution time spent on memory stalls would have risen from 3.44/5.44 = 63% to 3.44/4.44 = 77%</a:t>
-            </a:r>
-          </a:p>
-          <a:p>
-            <a:r>
-              <a:rPr lang="en-US" dirty="0"/>
-              <a:t>For miss penalty of 200, memory stall cycles = 2%  200 + 36% x 4% x 200 = 6.88 so that </a:t>
-            </a:r>
-            <a:r>
-              <a:rPr lang="en-US" dirty="0" err="1"/>
-              <a:t>CPIstall</a:t>
-            </a:r>
-            <a:r>
-              <a:rPr lang="en-US" dirty="0"/>
-              <a:t> = 8.88</a:t>
-            </a:r>
-          </a:p>
-          <a:p>
-            <a:endParaRPr lang="en-US" dirty="0"/>
-          </a:p>
-          <a:p>
-            <a:r>
-              <a:rPr lang="en-US" dirty="0"/>
-              <a:t>This assumes that hit time (so hit time is 1 cycle) is not a factor in determining cache performance.  A larger cache would have a longer access time (if a lower miss rate), meaning either a slower clock cycle or more stages in the pipeline for memory access.</a:t>
-            </a:r>
-          </a:p>
-        </p:txBody>
-      </p:sp>
-    </p:spTree>
-    <p:extLst>
-      <p:ext uri="{BB962C8B-B14F-4D97-AF65-F5344CB8AC3E}">
-        <p14:creationId xmlns:p14="http://schemas.microsoft.com/office/powerpoint/2010/main" val="2751273875"/>
       </p:ext>
     </p:extLst>
   </p:cSld>
@@ -10716,17 +11025,17 @@
           <a:effectLst/>
           <a:extLst>
             <a:ext uri="{FAA26D3D-D897-4be2-8F04-BA451C77F1D7}">
-              <ma14:placeholderFlag xmlns:ma14="http://schemas.microsoft.com/office/mac/drawingml/2011/main" xmlns="" val="1"/>
+              <ma14:placeholderFlag xmlns="" xmlns:ma14="http://schemas.microsoft.com/office/mac/drawingml/2011/main" val="1"/>
             </a:ext>
             <a:ext uri="{909E8E84-426E-40dd-AFC4-6F175D3DCCD1}">
-              <a14:hiddenFill xmlns:a14="http://schemas.microsoft.com/office/drawing/2010/main" xmlns="">
+              <a14:hiddenFill xmlns="" xmlns:a14="http://schemas.microsoft.com/office/drawing/2010/main">
                 <a:solidFill>
                   <a:schemeClr val="bg1"/>
                 </a:solidFill>
               </a14:hiddenFill>
             </a:ext>
             <a:ext uri="{91240B29-F687-4f45-9708-019B960494DF}">
-              <a14:hiddenLine xmlns:a14="http://schemas.microsoft.com/office/drawing/2010/main" xmlns="" w="12700">
+              <a14:hiddenLine xmlns="" xmlns:a14="http://schemas.microsoft.com/office/drawing/2010/main" w="12700">
                 <a:pattFill prst="narHorz">
                   <a:fgClr>
                     <a:schemeClr val="tx1"/>
@@ -10741,7 +11050,7 @@
               </a14:hiddenLine>
             </a:ext>
             <a:ext uri="{AF507438-7753-43e0-B8FC-AC1667EBCBE1}">
-              <a14:hiddenEffects xmlns:a14="http://schemas.microsoft.com/office/drawing/2010/main" xmlns="">
+              <a14:hiddenEffects xmlns="" xmlns:a14="http://schemas.microsoft.com/office/drawing/2010/main">
                 <a:effectLst>
                   <a:outerShdw blurRad="63500" dist="38099" dir="2700000" algn="ctr" rotWithShape="0">
                     <a:schemeClr val="bg2">
@@ -10794,17 +11103,17 @@
           <a:effectLst/>
           <a:extLst>
             <a:ext uri="{FAA26D3D-D897-4be2-8F04-BA451C77F1D7}">
-              <ma14:placeholderFlag xmlns:ma14="http://schemas.microsoft.com/office/mac/drawingml/2011/main" xmlns="" val="1"/>
+              <ma14:placeholderFlag xmlns="" xmlns:ma14="http://schemas.microsoft.com/office/mac/drawingml/2011/main" val="1"/>
             </a:ext>
             <a:ext uri="{909E8E84-426E-40dd-AFC4-6F175D3DCCD1}">
-              <a14:hiddenFill xmlns:a14="http://schemas.microsoft.com/office/drawing/2010/main" xmlns="">
+              <a14:hiddenFill xmlns="" xmlns:a14="http://schemas.microsoft.com/office/drawing/2010/main">
                 <a:solidFill>
                   <a:schemeClr val="bg1"/>
                 </a:solidFill>
               </a14:hiddenFill>
             </a:ext>
             <a:ext uri="{91240B29-F687-4f45-9708-019B960494DF}">
-              <a14:hiddenLine xmlns:a14="http://schemas.microsoft.com/office/drawing/2010/main" xmlns="" w="12700">
+              <a14:hiddenLine xmlns="" xmlns:a14="http://schemas.microsoft.com/office/drawing/2010/main" w="12700">
                 <a:pattFill prst="narHorz">
                   <a:fgClr>
                     <a:schemeClr val="tx1"/>
@@ -10819,7 +11128,7 @@
               </a14:hiddenLine>
             </a:ext>
             <a:ext uri="{AF507438-7753-43e0-B8FC-AC1667EBCBE1}">
-              <a14:hiddenEffects xmlns:a14="http://schemas.microsoft.com/office/drawing/2010/main" xmlns="">
+              <a14:hiddenEffects xmlns="" xmlns:a14="http://schemas.microsoft.com/office/drawing/2010/main">
                 <a:effectLst>
                   <a:outerShdw blurRad="63500" dist="38099" dir="2700000" algn="ctr" rotWithShape="0">
                     <a:schemeClr val="bg2">
@@ -10898,14 +11207,14 @@
           <a:effectLst/>
           <a:extLst>
             <a:ext uri="{909E8E84-426E-40dd-AFC4-6F175D3DCCD1}">
-              <a14:hiddenFill xmlns:a14="http://schemas.microsoft.com/office/drawing/2010/main" xmlns="">
+              <a14:hiddenFill xmlns="" xmlns:a14="http://schemas.microsoft.com/office/drawing/2010/main">
                 <a:solidFill>
                   <a:schemeClr val="bg1"/>
                 </a:solidFill>
               </a14:hiddenFill>
             </a:ext>
             <a:ext uri="{91240B29-F687-4f45-9708-019B960494DF}">
-              <a14:hiddenLine xmlns:a14="http://schemas.microsoft.com/office/drawing/2010/main" xmlns="" w="12700">
+              <a14:hiddenLine xmlns="" xmlns:a14="http://schemas.microsoft.com/office/drawing/2010/main" w="12700">
                 <a:pattFill prst="narHorz">
                   <a:fgClr>
                     <a:schemeClr val="tx1"/>
@@ -10920,7 +11229,7 @@
               </a14:hiddenLine>
             </a:ext>
             <a:ext uri="{AF507438-7753-43e0-B8FC-AC1667EBCBE1}">
-              <a14:hiddenEffects xmlns:a14="http://schemas.microsoft.com/office/drawing/2010/main" xmlns="">
+              <a14:hiddenEffects xmlns="" xmlns:a14="http://schemas.microsoft.com/office/drawing/2010/main">
                 <a:effectLst>
                   <a:outerShdw dist="35921" dir="2700000" algn="ctr" rotWithShape="0">
                     <a:schemeClr val="bg2"/>
@@ -11006,12 +11315,12 @@
           <a:effectLst/>
           <a:extLst>
             <a:ext uri="{909E8E84-426E-40dd-AFC4-6F175D3DCCD1}">
-              <a14:hiddenFill xmlns:a14="http://schemas.microsoft.com/office/drawing/2010/main" xmlns="">
+              <a14:hiddenFill xmlns="" xmlns:a14="http://schemas.microsoft.com/office/drawing/2010/main">
                 <a:noFill/>
               </a14:hiddenFill>
             </a:ext>
             <a:ext uri="{AF507438-7753-43e0-B8FC-AC1667EBCBE1}">
-              <a14:hiddenEffects xmlns:a14="http://schemas.microsoft.com/office/drawing/2010/main" xmlns="">
+              <a14:hiddenEffects xmlns="" xmlns:a14="http://schemas.microsoft.com/office/drawing/2010/main">
                 <a:effectLst>
                   <a:outerShdw blurRad="63500" dist="38099" dir="2700000" algn="ctr" rotWithShape="0">
                     <a:schemeClr val="bg2">
@@ -13301,6 +13610,620 @@
           <a:bodyPr/>
           <a:lstStyle/>
           <a:p>
+            <a:r>
+              <a:rPr lang="en-US" dirty="0"/>
+              <a:t>Quiz IV</a:t>
+            </a:r>
+          </a:p>
+        </p:txBody>
+      </p:sp>
+      <p:sp>
+        <p:nvSpPr>
+          <p:cNvPr id="3" name="Content Placeholder 2"/>
+          <p:cNvSpPr>
+            <a:spLocks noGrp="1"/>
+          </p:cNvSpPr>
+          <p:nvPr>
+            <p:ph idx="1"/>
+          </p:nvPr>
+        </p:nvSpPr>
+        <p:spPr>
+          <a:xfrm>
+            <a:off x="609600" y="1511300"/>
+            <a:ext cx="10972800" cy="4978400"/>
+          </a:xfrm>
+        </p:spPr>
+        <p:txBody>
+          <a:bodyPr>
+            <a:normAutofit lnSpcReduction="10000"/>
+          </a:bodyPr>
+          <a:lstStyle/>
+          <a:p>
+            <a:r>
+              <a:rPr lang="en-US" dirty="0"/>
+              <a:t>Consider 8-bit address space; a DM, write-back, write-allocate cache that can hold two blocks of 8 Bytes each. The cache is initially empty. The following sequence of memory operations are made, where each reference is a byte address of a 4-byte number (Only consider word aligned word addresses, i.e. locations 0, 4, 8, and so on. </a:t>
+            </a:r>
+            <a:r>
+              <a:rPr lang="en-US" dirty="0" err="1"/>
+              <a:t>lw</a:t>
+            </a:r>
+            <a:r>
+              <a:rPr lang="en-US" dirty="0"/>
+              <a:t>: load word; </a:t>
+            </a:r>
+            <a:r>
+              <a:rPr lang="en-US" dirty="0" err="1"/>
+              <a:t>sw</a:t>
+            </a:r>
+            <a:r>
+              <a:rPr lang="en-US" dirty="0"/>
+              <a:t>: store word) : </a:t>
+            </a:r>
+          </a:p>
+          <a:p>
+            <a:pPr lvl="1"/>
+            <a:r>
+              <a:rPr lang="en-US" dirty="0" err="1"/>
+              <a:t>lw</a:t>
+            </a:r>
+            <a:r>
+              <a:rPr lang="en-US" dirty="0"/>
+              <a:t> 0</a:t>
+            </a:r>
+          </a:p>
+          <a:p>
+            <a:pPr lvl="1"/>
+            <a:r>
+              <a:rPr lang="en-US" dirty="0" err="1"/>
+              <a:t>sw</a:t>
+            </a:r>
+            <a:r>
+              <a:rPr lang="en-US" dirty="0"/>
+              <a:t> 44</a:t>
+            </a:r>
+          </a:p>
+          <a:p>
+            <a:pPr lvl="1"/>
+            <a:r>
+              <a:rPr lang="en-US" dirty="0" err="1"/>
+              <a:t>lw</a:t>
+            </a:r>
+            <a:r>
+              <a:rPr lang="en-US" dirty="0"/>
+              <a:t> 52</a:t>
+            </a:r>
+          </a:p>
+          <a:p>
+            <a:pPr lvl="1"/>
+            <a:r>
+              <a:rPr lang="en-US" dirty="0" err="1"/>
+              <a:t>lw</a:t>
+            </a:r>
+            <a:r>
+              <a:rPr lang="en-US" dirty="0"/>
+              <a:t> 88</a:t>
+            </a:r>
+          </a:p>
+          <a:p>
+            <a:pPr lvl="1"/>
+            <a:r>
+              <a:rPr lang="en-US" dirty="0" err="1"/>
+              <a:t>lw</a:t>
+            </a:r>
+            <a:r>
+              <a:rPr lang="en-US" dirty="0"/>
+              <a:t> 0</a:t>
+            </a:r>
+          </a:p>
+          <a:p>
+            <a:pPr lvl="1"/>
+            <a:r>
+              <a:rPr lang="en-US" dirty="0" err="1"/>
+              <a:t>sw</a:t>
+            </a:r>
+            <a:r>
+              <a:rPr lang="en-US" dirty="0"/>
+              <a:t> 52 </a:t>
+            </a:r>
+          </a:p>
+          <a:p>
+            <a:pPr lvl="1"/>
+            <a:r>
+              <a:rPr lang="en-US" dirty="0" err="1"/>
+              <a:t>lw</a:t>
+            </a:r>
+            <a:r>
+              <a:rPr lang="en-US" dirty="0"/>
+              <a:t> 68 </a:t>
+            </a:r>
+          </a:p>
+          <a:p>
+            <a:pPr lvl="1"/>
+            <a:r>
+              <a:rPr lang="en-US" dirty="0" err="1"/>
+              <a:t>lw</a:t>
+            </a:r>
+            <a:r>
+              <a:rPr lang="en-US" dirty="0"/>
+              <a:t> 44 </a:t>
+            </a:r>
+          </a:p>
+          <a:p>
+            <a:r>
+              <a:rPr lang="en-US" dirty="0"/>
+              <a:t>Work out the cache behavior after each operation.</a:t>
+            </a:r>
+          </a:p>
+        </p:txBody>
+      </p:sp>
+      <p:sp>
+        <p:nvSpPr>
+          <p:cNvPr id="4" name="Slide Number Placeholder 3"/>
+          <p:cNvSpPr>
+            <a:spLocks noGrp="1"/>
+          </p:cNvSpPr>
+          <p:nvPr>
+            <p:ph type="sldNum" sz="quarter" idx="10"/>
+          </p:nvPr>
+        </p:nvSpPr>
+        <p:spPr>
+          <a:xfrm>
+            <a:off x="10896600" y="6364288"/>
+            <a:ext cx="685800" cy="457200"/>
+          </a:xfrm>
+          <a:prstGeom prst="rect">
+            <a:avLst/>
+          </a:prstGeom>
+        </p:spPr>
+        <p:txBody>
+          <a:bodyPr/>
+          <a:lstStyle>
+            <a:defPPr>
+              <a:defRPr lang="en-US"/>
+            </a:defPPr>
+            <a:lvl1pPr algn="l" rtl="0" eaLnBrk="0" fontAlgn="base" hangingPunct="0">
+              <a:spcBef>
+                <a:spcPct val="0"/>
+              </a:spcBef>
+              <a:spcAft>
+                <a:spcPct val="0"/>
+              </a:spcAft>
+              <a:defRPr b="1" kern="1200">
+                <a:solidFill>
+                  <a:schemeClr val="tx1"/>
+                </a:solidFill>
+                <a:latin typeface="Comic Sans MS" charset="0"/>
+                <a:ea typeface="ＭＳ Ｐゴシック" charset="0"/>
+                <a:cs typeface="ＭＳ Ｐゴシック" charset="0"/>
+              </a:defRPr>
+            </a:lvl1pPr>
+            <a:lvl2pPr marL="457200" algn="l" rtl="0" eaLnBrk="0" fontAlgn="base" hangingPunct="0">
+              <a:spcBef>
+                <a:spcPct val="0"/>
+              </a:spcBef>
+              <a:spcAft>
+                <a:spcPct val="0"/>
+              </a:spcAft>
+              <a:defRPr b="1" kern="1200">
+                <a:solidFill>
+                  <a:schemeClr val="tx1"/>
+                </a:solidFill>
+                <a:latin typeface="Comic Sans MS" charset="0"/>
+                <a:ea typeface="ＭＳ Ｐゴシック" charset="0"/>
+                <a:cs typeface="ＭＳ Ｐゴシック" charset="0"/>
+              </a:defRPr>
+            </a:lvl2pPr>
+            <a:lvl3pPr marL="914400" algn="l" rtl="0" eaLnBrk="0" fontAlgn="base" hangingPunct="0">
+              <a:spcBef>
+                <a:spcPct val="0"/>
+              </a:spcBef>
+              <a:spcAft>
+                <a:spcPct val="0"/>
+              </a:spcAft>
+              <a:defRPr b="1" kern="1200">
+                <a:solidFill>
+                  <a:schemeClr val="tx1"/>
+                </a:solidFill>
+                <a:latin typeface="Comic Sans MS" charset="0"/>
+                <a:ea typeface="ＭＳ Ｐゴシック" charset="0"/>
+                <a:cs typeface="ＭＳ Ｐゴシック" charset="0"/>
+              </a:defRPr>
+            </a:lvl3pPr>
+            <a:lvl4pPr marL="1371600" algn="l" rtl="0" eaLnBrk="0" fontAlgn="base" hangingPunct="0">
+              <a:spcBef>
+                <a:spcPct val="0"/>
+              </a:spcBef>
+              <a:spcAft>
+                <a:spcPct val="0"/>
+              </a:spcAft>
+              <a:defRPr b="1" kern="1200">
+                <a:solidFill>
+                  <a:schemeClr val="tx1"/>
+                </a:solidFill>
+                <a:latin typeface="Comic Sans MS" charset="0"/>
+                <a:ea typeface="ＭＳ Ｐゴシック" charset="0"/>
+                <a:cs typeface="ＭＳ Ｐゴシック" charset="0"/>
+              </a:defRPr>
+            </a:lvl4pPr>
+            <a:lvl5pPr marL="1828800" algn="l" rtl="0" eaLnBrk="0" fontAlgn="base" hangingPunct="0">
+              <a:spcBef>
+                <a:spcPct val="0"/>
+              </a:spcBef>
+              <a:spcAft>
+                <a:spcPct val="0"/>
+              </a:spcAft>
+              <a:defRPr b="1" kern="1200">
+                <a:solidFill>
+                  <a:schemeClr val="tx1"/>
+                </a:solidFill>
+                <a:latin typeface="Comic Sans MS" charset="0"/>
+                <a:ea typeface="ＭＳ Ｐゴシック" charset="0"/>
+                <a:cs typeface="ＭＳ Ｐゴシック" charset="0"/>
+              </a:defRPr>
+            </a:lvl5pPr>
+            <a:lvl6pPr marL="2286000" algn="l" defTabSz="457200" rtl="0" eaLnBrk="1" latinLnBrk="0" hangingPunct="1">
+              <a:defRPr b="1" kern="1200">
+                <a:solidFill>
+                  <a:schemeClr val="tx1"/>
+                </a:solidFill>
+                <a:latin typeface="Comic Sans MS" charset="0"/>
+                <a:ea typeface="ＭＳ Ｐゴシック" charset="0"/>
+                <a:cs typeface="ＭＳ Ｐゴシック" charset="0"/>
+              </a:defRPr>
+            </a:lvl6pPr>
+            <a:lvl7pPr marL="2743200" algn="l" defTabSz="457200" rtl="0" eaLnBrk="1" latinLnBrk="0" hangingPunct="1">
+              <a:defRPr b="1" kern="1200">
+                <a:solidFill>
+                  <a:schemeClr val="tx1"/>
+                </a:solidFill>
+                <a:latin typeface="Comic Sans MS" charset="0"/>
+                <a:ea typeface="ＭＳ Ｐゴシック" charset="0"/>
+                <a:cs typeface="ＭＳ Ｐゴシック" charset="0"/>
+              </a:defRPr>
+            </a:lvl7pPr>
+            <a:lvl8pPr marL="3200400" algn="l" defTabSz="457200" rtl="0" eaLnBrk="1" latinLnBrk="0" hangingPunct="1">
+              <a:defRPr b="1" kern="1200">
+                <a:solidFill>
+                  <a:schemeClr val="tx1"/>
+                </a:solidFill>
+                <a:latin typeface="Comic Sans MS" charset="0"/>
+                <a:ea typeface="ＭＳ Ｐゴシック" charset="0"/>
+                <a:cs typeface="ＭＳ Ｐゴシック" charset="0"/>
+              </a:defRPr>
+            </a:lvl8pPr>
+            <a:lvl9pPr marL="3657600" algn="l" defTabSz="457200" rtl="0" eaLnBrk="1" latinLnBrk="0" hangingPunct="1">
+              <a:defRPr b="1" kern="1200">
+                <a:solidFill>
+                  <a:schemeClr val="tx1"/>
+                </a:solidFill>
+                <a:latin typeface="Comic Sans MS" charset="0"/>
+                <a:ea typeface="ＭＳ Ｐゴシック" charset="0"/>
+                <a:cs typeface="ＭＳ Ｐゴシック" charset="0"/>
+              </a:defRPr>
+            </a:lvl9pPr>
+          </a:lstStyle>
+          <a:p>
+            <a:pPr algn="ctr">
+              <a:defRPr/>
+            </a:pPr>
+            <a:fld id="{79ACD604-DE96-4BF4-B014-6BD05026CF1E}" type="slidenum">
+              <a:rPr lang="en-US" altLang="zh-CN" smtClean="0"/>
+              <a:pPr algn="ctr">
+                <a:defRPr/>
+              </a:pPr>
+              <a:t>10</a:t>
+            </a:fld>
+            <a:endParaRPr lang="en-US" altLang="zh-CN" b="0">
+              <a:solidFill>
+                <a:prstClr val="black"/>
+              </a:solidFill>
+              <a:latin typeface="Times New Roman" pitchFamily="18" charset="0"/>
+              <a:ea typeface="宋体" panose="02010600030101010101" pitchFamily="2" charset="-122"/>
+              <a:cs typeface="+mn-cs"/>
+            </a:endParaRPr>
+          </a:p>
+        </p:txBody>
+      </p:sp>
+    </p:spTree>
+  </p:cSld>
+  <p:clrMapOvr>
+    <a:masterClrMapping/>
+  </p:clrMapOvr>
+  <p:transition/>
+</p:sld>
+</file>
+
+<file path=ppt/slides/slide11.xml><?xml version="1.0" encoding="utf-8"?>
+<p:sld xmlns:a="http://schemas.openxmlformats.org/drawingml/2006/main" xmlns:r="http://schemas.openxmlformats.org/officeDocument/2006/relationships" xmlns:p="http://schemas.openxmlformats.org/presentationml/2006/main">
+  <p:cSld>
+    <p:spTree>
+      <p:nvGrpSpPr>
+        <p:cNvPr id="1" name=""/>
+        <p:cNvGrpSpPr/>
+        <p:nvPr/>
+      </p:nvGrpSpPr>
+      <p:grpSpPr>
+        <a:xfrm>
+          <a:off x="0" y="0"/>
+          <a:ext cx="0" cy="0"/>
+          <a:chOff x="0" y="0"/>
+          <a:chExt cx="0" cy="0"/>
+        </a:xfrm>
+      </p:grpSpPr>
+      <p:sp>
+        <p:nvSpPr>
+          <p:cNvPr id="2" name="Title 1"/>
+          <p:cNvSpPr>
+            <a:spLocks noGrp="1"/>
+          </p:cNvSpPr>
+          <p:nvPr>
+            <p:ph type="title"/>
+          </p:nvPr>
+        </p:nvSpPr>
+        <p:spPr/>
+        <p:txBody>
+          <a:bodyPr/>
+          <a:lstStyle/>
+          <a:p>
+            <a:r>
+              <a:rPr lang="en-US" dirty="0" err="1"/>
+              <a:t>Livelock</a:t>
+            </a:r>
+            <a:endParaRPr lang="en-US" dirty="0"/>
+          </a:p>
+        </p:txBody>
+      </p:sp>
+      <p:sp>
+        <p:nvSpPr>
+          <p:cNvPr id="3" name="Content Placeholder 2"/>
+          <p:cNvSpPr>
+            <a:spLocks noGrp="1"/>
+          </p:cNvSpPr>
+          <p:nvPr>
+            <p:ph idx="1"/>
+          </p:nvPr>
+        </p:nvSpPr>
+        <p:spPr>
+          <a:xfrm>
+            <a:off x="914400" y="4031227"/>
+            <a:ext cx="10363200" cy="2271251"/>
+          </a:xfrm>
+        </p:spPr>
+        <p:txBody>
+          <a:bodyPr>
+            <a:normAutofit/>
+          </a:bodyPr>
+          <a:lstStyle/>
+          <a:p>
+            <a:r>
+              <a:rPr lang="en-US" dirty="0"/>
+              <a:t>Both processes use the polling primitive </a:t>
+            </a:r>
+            <a:r>
+              <a:rPr lang="en-US" dirty="0" err="1"/>
+              <a:t>enter_region</a:t>
+            </a:r>
+            <a:r>
+              <a:rPr lang="en-US" dirty="0"/>
+              <a:t>() to try to acquire locks via busy-waiting; </a:t>
+            </a:r>
+            <a:r>
+              <a:rPr lang="en-US" dirty="0" err="1"/>
+              <a:t>process_A</a:t>
+            </a:r>
+            <a:r>
+              <a:rPr lang="en-US" dirty="0"/>
+              <a:t> gets resource_1 and </a:t>
+            </a:r>
+            <a:r>
+              <a:rPr lang="en-US" dirty="0" err="1"/>
+              <a:t>process_B</a:t>
+            </a:r>
+            <a:r>
+              <a:rPr lang="en-US" dirty="0"/>
+              <a:t> gets resource_2.</a:t>
+            </a:r>
+          </a:p>
+          <a:p>
+            <a:r>
+              <a:rPr lang="en-US" dirty="0" err="1"/>
+              <a:t>Livelock</a:t>
+            </a:r>
+            <a:r>
+              <a:rPr lang="en-US" dirty="0"/>
+              <a:t>, not deadlock, since no process is blocked.</a:t>
+            </a:r>
+          </a:p>
+        </p:txBody>
+      </p:sp>
+      <p:pic>
+        <p:nvPicPr>
+          <p:cNvPr id="6" name="Picture 2"/>
+          <p:cNvPicPr>
+            <a:picLocks noChangeAspect="1" noChangeArrowheads="1"/>
+          </p:cNvPicPr>
+          <p:nvPr/>
+        </p:nvPicPr>
+        <p:blipFill>
+          <a:blip r:embed="rId2" cstate="print"/>
+          <a:srcRect/>
+          <a:stretch>
+            <a:fillRect/>
+          </a:stretch>
+        </p:blipFill>
+        <p:spPr bwMode="auto">
+          <a:xfrm>
+            <a:off x="1800226" y="1855789"/>
+            <a:ext cx="4124325" cy="2238375"/>
+          </a:xfrm>
+          <a:prstGeom prst="rect">
+            <a:avLst/>
+          </a:prstGeom>
+          <a:noFill/>
+          <a:ln w="9525">
+            <a:noFill/>
+            <a:miter lim="800000"/>
+            <a:headEnd/>
+            <a:tailEnd/>
+          </a:ln>
+        </p:spPr>
+      </p:pic>
+      <p:pic>
+        <p:nvPicPr>
+          <p:cNvPr id="7" name="Picture 3"/>
+          <p:cNvPicPr>
+            <a:picLocks noChangeAspect="1" noChangeArrowheads="1"/>
+          </p:cNvPicPr>
+          <p:nvPr/>
+        </p:nvPicPr>
+        <p:blipFill>
+          <a:blip r:embed="rId3" cstate="print"/>
+          <a:srcRect/>
+          <a:stretch>
+            <a:fillRect/>
+          </a:stretch>
+        </p:blipFill>
+        <p:spPr bwMode="auto">
+          <a:xfrm>
+            <a:off x="6172201" y="1831975"/>
+            <a:ext cx="3902075" cy="2152650"/>
+          </a:xfrm>
+          <a:prstGeom prst="rect">
+            <a:avLst/>
+          </a:prstGeom>
+          <a:noFill/>
+          <a:ln w="9525">
+            <a:noFill/>
+            <a:miter lim="800000"/>
+            <a:headEnd/>
+            <a:tailEnd/>
+          </a:ln>
+        </p:spPr>
+      </p:pic>
+    </p:spTree>
+  </p:cSld>
+  <p:clrMapOvr>
+    <a:masterClrMapping/>
+  </p:clrMapOvr>
+  <p:transition/>
+</p:sld>
+</file>
+
+<file path=ppt/slides/slide12.xml><?xml version="1.0" encoding="utf-8"?>
+<p:sld xmlns:a="http://schemas.openxmlformats.org/drawingml/2006/main" xmlns:r="http://schemas.openxmlformats.org/officeDocument/2006/relationships" xmlns:p="http://schemas.openxmlformats.org/presentationml/2006/main">
+  <p:cSld>
+    <p:spTree>
+      <p:nvGrpSpPr>
+        <p:cNvPr id="1" name=""/>
+        <p:cNvGrpSpPr/>
+        <p:nvPr/>
+      </p:nvGrpSpPr>
+      <p:grpSpPr>
+        <a:xfrm>
+          <a:off x="0" y="0"/>
+          <a:ext cx="0" cy="0"/>
+          <a:chOff x="0" y="0"/>
+          <a:chExt cx="0" cy="0"/>
+        </a:xfrm>
+      </p:grpSpPr>
+      <p:sp>
+        <p:nvSpPr>
+          <p:cNvPr id="2" name="Title 1"/>
+          <p:cNvSpPr>
+            <a:spLocks noGrp="1"/>
+          </p:cNvSpPr>
+          <p:nvPr>
+            <p:ph type="title"/>
+          </p:nvPr>
+        </p:nvSpPr>
+        <p:spPr/>
+        <p:txBody>
+          <a:bodyPr/>
+          <a:lstStyle/>
+          <a:p>
+            <a:r>
+              <a:rPr lang="en-US" dirty="0"/>
+              <a:t>Multi-Armed Lawyers</a:t>
+            </a:r>
+          </a:p>
+        </p:txBody>
+      </p:sp>
+      <p:sp>
+        <p:nvSpPr>
+          <p:cNvPr id="3" name="Content Placeholder 2"/>
+          <p:cNvSpPr>
+            <a:spLocks noGrp="1"/>
+          </p:cNvSpPr>
+          <p:nvPr>
+            <p:ph idx="1"/>
+          </p:nvPr>
+        </p:nvSpPr>
+        <p:spPr/>
+        <p:txBody>
+          <a:bodyPr>
+            <a:normAutofit/>
+          </a:bodyPr>
+          <a:lstStyle/>
+          <a:p>
+            <a:r>
+              <a:rPr lang="en-US" dirty="0"/>
+              <a:t>Consider a large table with IDENTICAL multi-armed alien lawyers. In the center is a pile of chopsticks. In order to eat, a lawyer must have one chopstick in each hand. The lawyers are so busy talking that they can only grab one chopstick at a time. Design a deadlock-free algorithm</a:t>
+            </a:r>
+            <a:r>
+              <a:rPr lang="en-US" i="1" dirty="0"/>
+              <a:t> </a:t>
+            </a:r>
+            <a:r>
+              <a:rPr lang="en-US" dirty="0"/>
+              <a:t>using monitors and Bankers algorithm. Assume total number of chopsticks &gt;= number of hands of each lawyer, so at least one lawyer can eat.</a:t>
+            </a:r>
+          </a:p>
+          <a:p>
+            <a:endParaRPr lang="en-US" dirty="0"/>
+          </a:p>
+        </p:txBody>
+      </p:sp>
+    </p:spTree>
+  </p:cSld>
+  <p:clrMapOvr>
+    <a:masterClrMapping/>
+  </p:clrMapOvr>
+  <p:transition/>
+</p:sld>
+</file>
+
+<file path=ppt/slides/slide13.xml><?xml version="1.0" encoding="utf-8"?>
+<p:sld xmlns:a="http://schemas.openxmlformats.org/drawingml/2006/main" xmlns:r="http://schemas.openxmlformats.org/officeDocument/2006/relationships" xmlns:p="http://schemas.openxmlformats.org/presentationml/2006/main">
+  <p:cSld>
+    <p:spTree>
+      <p:nvGrpSpPr>
+        <p:cNvPr id="1" name=""/>
+        <p:cNvGrpSpPr/>
+        <p:nvPr/>
+      </p:nvGrpSpPr>
+      <p:grpSpPr>
+        <a:xfrm>
+          <a:off x="0" y="0"/>
+          <a:ext cx="0" cy="0"/>
+          <a:chOff x="0" y="0"/>
+          <a:chExt cx="0" cy="0"/>
+        </a:xfrm>
+      </p:grpSpPr>
+      <p:sp>
+        <p:nvSpPr>
+          <p:cNvPr id="2" name="Title 1"/>
+          <p:cNvSpPr>
+            <a:spLocks noGrp="1"/>
+          </p:cNvSpPr>
+          <p:nvPr>
+            <p:ph type="title"/>
+          </p:nvPr>
+        </p:nvSpPr>
+        <p:spPr/>
+        <p:txBody>
+          <a:bodyPr/>
+          <a:lstStyle/>
+          <a:p>
             <a:endParaRPr lang="en-US"/>
           </a:p>
         </p:txBody>
@@ -13646,7 +14569,7 @@
               <a:pPr>
                 <a:defRPr/>
               </a:pPr>
-              <a:t>10</a:t>
+              <a:t>13</a:t>
             </a:fld>
             <a:endParaRPr lang="en-US" altLang="zh-CN" b="0">
               <a:solidFill>
@@ -13765,7 +14688,7 @@
 </p:sld>
 </file>
 
-<file path=ppt/slides/slide11.xml><?xml version="1.0" encoding="utf-8"?>
+<file path=ppt/slides/slide14.xml><?xml version="1.0" encoding="utf-8"?>
 <p:sld xmlns:a="http://schemas.openxmlformats.org/drawingml/2006/main" xmlns:r="http://schemas.openxmlformats.org/officeDocument/2006/relationships" xmlns:p="http://schemas.openxmlformats.org/presentationml/2006/main">
   <p:cSld>
     <p:spTree>
@@ -14255,7 +15178,7 @@
               <a:pPr>
                 <a:defRPr/>
               </a:pPr>
-              <a:t>11</a:t>
+              <a:t>14</a:t>
             </a:fld>
             <a:endParaRPr lang="en-US" altLang="zh-CN" b="0">
               <a:solidFill>
@@ -14513,7 +15436,7 @@
 </p:sld>
 </file>
 
-<file path=ppt/slides/slide12.xml><?xml version="1.0" encoding="utf-8"?>
+<file path=ppt/slides/slide15.xml><?xml version="1.0" encoding="utf-8"?>
 <p:sld xmlns:a="http://schemas.openxmlformats.org/drawingml/2006/main" xmlns:r="http://schemas.openxmlformats.org/officeDocument/2006/relationships" xmlns:p="http://schemas.openxmlformats.org/presentationml/2006/main">
   <p:cSld>
     <p:spTree>
@@ -14949,7 +15872,7 @@
               <a:pPr>
                 <a:defRPr/>
               </a:pPr>
-              <a:t>12</a:t>
+              <a:t>15</a:t>
             </a:fld>
             <a:endParaRPr lang="en-US" altLang="zh-CN" b="0">
               <a:solidFill>
@@ -14969,7 +15892,7 @@
 </p:sld>
 </file>
 
-<file path=ppt/slides/slide13.xml><?xml version="1.0" encoding="utf-8"?>
+<file path=ppt/slides/slide16.xml><?xml version="1.0" encoding="utf-8"?>
 <p:sld xmlns:a="http://schemas.openxmlformats.org/drawingml/2006/main" xmlns:r="http://schemas.openxmlformats.org/officeDocument/2006/relationships" xmlns:p="http://schemas.openxmlformats.org/presentationml/2006/main">
   <p:cSld>
     <p:spTree>
@@ -15399,7 +16322,7 @@
               <a:pPr>
                 <a:defRPr/>
               </a:pPr>
-              <a:t>13</a:t>
+              <a:t>16</a:t>
             </a:fld>
             <a:endParaRPr lang="en-US" altLang="zh-CN" b="0">
               <a:solidFill>
@@ -15419,7 +16342,7 @@
 </p:sld>
 </file>
 
-<file path=ppt/slides/slide14.xml><?xml version="1.0" encoding="utf-8"?>
+<file path=ppt/slides/slide17.xml><?xml version="1.0" encoding="utf-8"?>
 <p:sld xmlns:a="http://schemas.openxmlformats.org/drawingml/2006/main" xmlns:r="http://schemas.openxmlformats.org/officeDocument/2006/relationships" xmlns:p="http://schemas.openxmlformats.org/presentationml/2006/main">
   <p:cSld>
     <p:spTree>
@@ -15718,7 +16641,7 @@
 </p:sld>
 </file>
 
-<file path=ppt/slides/slide15.xml><?xml version="1.0" encoding="utf-8"?>
+<file path=ppt/slides/slide18.xml><?xml version="1.0" encoding="utf-8"?>
 <p:sld xmlns:a="http://schemas.openxmlformats.org/drawingml/2006/main" xmlns:r="http://schemas.openxmlformats.org/officeDocument/2006/relationships" xmlns:p="http://schemas.openxmlformats.org/presentationml/2006/main">
   <p:cSld>
     <p:spTree>
@@ -16238,7 +17161,7 @@
 </p:sld>
 </file>
 
-<file path=ppt/slides/slide16.xml><?xml version="1.0" encoding="utf-8"?>
+<file path=ppt/slides/slide19.xml><?xml version="1.0" encoding="utf-8"?>
 <p:sld xmlns:a="http://schemas.openxmlformats.org/drawingml/2006/main" xmlns:r="http://schemas.openxmlformats.org/officeDocument/2006/relationships" xmlns:p="http://schemas.openxmlformats.org/presentationml/2006/main">
   <p:cSld>
     <p:spTree>
@@ -16674,7 +17597,239 @@
 </p:sld>
 </file>
 
-<file path=ppt/slides/slide17.xml><?xml version="1.0" encoding="utf-8"?>
+<file path=ppt/slides/slide2.xml><?xml version="1.0" encoding="utf-8"?>
+<p:sld xmlns:a="http://schemas.openxmlformats.org/drawingml/2006/main" xmlns:r="http://schemas.openxmlformats.org/officeDocument/2006/relationships" xmlns:p="http://schemas.openxmlformats.org/presentationml/2006/main">
+  <p:cSld>
+    <p:spTree>
+      <p:nvGrpSpPr>
+        <p:cNvPr id="1" name=""/>
+        <p:cNvGrpSpPr/>
+        <p:nvPr/>
+      </p:nvGrpSpPr>
+      <p:grpSpPr>
+        <a:xfrm>
+          <a:off x="0" y="0"/>
+          <a:ext cx="0" cy="0"/>
+          <a:chOff x="0" y="0"/>
+          <a:chExt cx="0" cy="0"/>
+        </a:xfrm>
+      </p:grpSpPr>
+      <p:sp>
+        <p:nvSpPr>
+          <p:cNvPr id="139267" name="Rectangle 3">
+            <a:extLst>
+              <a:ext uri="{FF2B5EF4-FFF2-40B4-BE49-F238E27FC236}">
+                <a16:creationId xmlns:a16="http://schemas.microsoft.com/office/drawing/2014/main" id="{5D933542-F242-41A2-3FBC-D892553ADD37}"/>
+              </a:ext>
+            </a:extLst>
+          </p:cNvPr>
+          <p:cNvSpPr>
+            <a:spLocks noGrp="1" noChangeArrowheads="1"/>
+          </p:cNvSpPr>
+          <p:nvPr>
+            <p:ph type="body" idx="1"/>
+          </p:nvPr>
+        </p:nvSpPr>
+        <p:spPr>
+          <a:xfrm>
+            <a:off x="1238491" y="1292506"/>
+            <a:ext cx="9988952" cy="4953000"/>
+          </a:xfrm>
+        </p:spPr>
+        <p:txBody>
+          <a:bodyPr/>
+          <a:lstStyle/>
+          <a:p>
+            <a:pPr>
+              <a:lnSpc>
+                <a:spcPct val="90000"/>
+              </a:lnSpc>
+            </a:pPr>
+            <a:r>
+              <a:rPr lang="en-US" altLang="en-SE" dirty="0"/>
+              <a:t>Strategy 1: force everyone to cooperate</a:t>
+            </a:r>
+          </a:p>
+          <a:p>
+            <a:pPr lvl="1">
+              <a:lnSpc>
+                <a:spcPct val="90000"/>
+              </a:lnSpc>
+            </a:pPr>
+            <a:r>
+              <a:rPr lang="en-US" altLang="en-SE" dirty="0"/>
+              <a:t>a thread willingly gives up the CPU by calling </a:t>
+            </a:r>
+            <a:r>
+              <a:rPr lang="en-US" altLang="en-SE" b="1" dirty="0">
+                <a:latin typeface="Courier New" panose="02070309020205020404" pitchFamily="49" charset="0"/>
+              </a:rPr>
+              <a:t>yield()</a:t>
+            </a:r>
+          </a:p>
+          <a:p>
+            <a:pPr lvl="1">
+              <a:lnSpc>
+                <a:spcPct val="90000"/>
+              </a:lnSpc>
+            </a:pPr>
+            <a:r>
+              <a:rPr lang="en-US" altLang="en-SE" b="1" dirty="0">
+                <a:latin typeface="Courier New" panose="02070309020205020404" pitchFamily="49" charset="0"/>
+              </a:rPr>
+              <a:t>yield()</a:t>
+            </a:r>
+            <a:r>
+              <a:rPr lang="en-US" altLang="en-SE" dirty="0"/>
+              <a:t> calls into the scheduler, which context switches to another ready thread</a:t>
+            </a:r>
+          </a:p>
+          <a:p>
+            <a:pPr lvl="1">
+              <a:lnSpc>
+                <a:spcPct val="90000"/>
+              </a:lnSpc>
+            </a:pPr>
+            <a:r>
+              <a:rPr lang="en-US" altLang="en-SE" dirty="0"/>
+              <a:t>what happens if a thread never calls </a:t>
+            </a:r>
+            <a:r>
+              <a:rPr lang="en-US" altLang="en-SE" b="1" dirty="0">
+                <a:latin typeface="Courier New" panose="02070309020205020404" pitchFamily="49" charset="0"/>
+              </a:rPr>
+              <a:t>yield()</a:t>
+            </a:r>
+            <a:r>
+              <a:rPr lang="en-US" altLang="en-SE" dirty="0"/>
+              <a:t>?</a:t>
+            </a:r>
+          </a:p>
+          <a:p>
+            <a:pPr>
+              <a:lnSpc>
+                <a:spcPct val="90000"/>
+              </a:lnSpc>
+            </a:pPr>
+            <a:endParaRPr lang="en-US" altLang="en-SE" dirty="0"/>
+          </a:p>
+          <a:p>
+            <a:pPr>
+              <a:lnSpc>
+                <a:spcPct val="90000"/>
+              </a:lnSpc>
+            </a:pPr>
+            <a:r>
+              <a:rPr lang="en-US" altLang="en-SE" dirty="0"/>
+              <a:t>Strategy 2: use preemption</a:t>
+            </a:r>
+          </a:p>
+          <a:p>
+            <a:pPr lvl="1">
+              <a:lnSpc>
+                <a:spcPct val="90000"/>
+              </a:lnSpc>
+            </a:pPr>
+            <a:r>
+              <a:rPr lang="en-US" altLang="en-SE" dirty="0"/>
+              <a:t>scheduler requests that a timer interrupt be delivered by the OS periodically</a:t>
+            </a:r>
+          </a:p>
+          <a:p>
+            <a:pPr lvl="2">
+              <a:lnSpc>
+                <a:spcPct val="90000"/>
+              </a:lnSpc>
+            </a:pPr>
+            <a:r>
+              <a:rPr lang="en-US" altLang="en-SE" dirty="0"/>
+              <a:t>usually delivered as a UNIX signal (</a:t>
+            </a:r>
+            <a:r>
+              <a:rPr lang="en-US" altLang="en-SE" dirty="0">
+                <a:latin typeface="Courier New" panose="02070309020205020404" pitchFamily="49" charset="0"/>
+              </a:rPr>
+              <a:t>man signal</a:t>
+            </a:r>
+            <a:r>
+              <a:rPr lang="en-US" altLang="en-SE" dirty="0"/>
+              <a:t>)</a:t>
+            </a:r>
+          </a:p>
+          <a:p>
+            <a:pPr lvl="2">
+              <a:lnSpc>
+                <a:spcPct val="90000"/>
+              </a:lnSpc>
+            </a:pPr>
+            <a:r>
+              <a:rPr lang="en-US" altLang="en-SE" dirty="0"/>
+              <a:t>signals are just like software interrupts, but delivered to user-level by the OS instead of delivered to OS by hardware</a:t>
+            </a:r>
+          </a:p>
+          <a:p>
+            <a:pPr lvl="1">
+              <a:lnSpc>
+                <a:spcPct val="90000"/>
+              </a:lnSpc>
+            </a:pPr>
+            <a:r>
+              <a:rPr lang="en-US" altLang="en-SE" dirty="0"/>
+              <a:t>at each timer interrupt, scheduler gains control and context switches as appropriate</a:t>
+            </a:r>
+          </a:p>
+        </p:txBody>
+      </p:sp>
+      <p:sp>
+        <p:nvSpPr>
+          <p:cNvPr id="139269" name="Rectangle 5">
+            <a:extLst>
+              <a:ext uri="{FF2B5EF4-FFF2-40B4-BE49-F238E27FC236}">
+                <a16:creationId xmlns:a16="http://schemas.microsoft.com/office/drawing/2014/main" id="{31B1C15B-0645-38D6-E9B7-4C47C92C01AB}"/>
+              </a:ext>
+            </a:extLst>
+          </p:cNvPr>
+          <p:cNvSpPr>
+            <a:spLocks noGrp="1" noChangeArrowheads="1"/>
+          </p:cNvSpPr>
+          <p:nvPr>
+            <p:ph type="title"/>
+          </p:nvPr>
+        </p:nvSpPr>
+        <p:spPr>
+          <a:xfrm>
+            <a:off x="1524000" y="381000"/>
+            <a:ext cx="9144000" cy="685800"/>
+          </a:xfrm>
+        </p:spPr>
+        <p:txBody>
+          <a:bodyPr/>
+          <a:lstStyle/>
+          <a:p>
+            <a:r>
+              <a:rPr lang="en-US" altLang="en-SE" dirty="0"/>
+              <a:t>How to prevent a user-level thread from</a:t>
+            </a:r>
+            <a:br>
+              <a:rPr lang="en-US" altLang="en-SE" dirty="0"/>
+            </a:br>
+            <a:r>
+              <a:rPr lang="en-US" altLang="en-SE" dirty="0"/>
+              <a:t>hogging the CPU?</a:t>
+            </a:r>
+          </a:p>
+        </p:txBody>
+      </p:sp>
+    </p:spTree>
+  </p:cSld>
+  <p:clrMapOvr>
+    <a:masterClrMapping/>
+  </p:clrMapOvr>
+  <p:transition/>
+</p:sld>
+</file>
+
+<file path=ppt/slides/slide20.xml><?xml version="1.0" encoding="utf-8"?>
 <p:sld xmlns:a="http://schemas.openxmlformats.org/drawingml/2006/main" xmlns:r="http://schemas.openxmlformats.org/officeDocument/2006/relationships" xmlns:p="http://schemas.openxmlformats.org/presentationml/2006/main">
   <p:cSld>
     <p:spTree>
@@ -17306,7 +18461,7 @@
 </p:sld>
 </file>
 
-<file path=ppt/slides/slide18.xml><?xml version="1.0" encoding="utf-8"?>
+<file path=ppt/slides/slide21.xml><?xml version="1.0" encoding="utf-8"?>
 <p:sld xmlns:a="http://schemas.openxmlformats.org/drawingml/2006/main" xmlns:r="http://schemas.openxmlformats.org/officeDocument/2006/relationships" xmlns:p="http://schemas.openxmlformats.org/presentationml/2006/main">
   <p:cSld>
     <p:spTree>
@@ -17544,7 +18699,7 @@
 </p:sld>
 </file>
 
-<file path=ppt/slides/slide19.xml><?xml version="1.0" encoding="utf-8"?>
+<file path=ppt/slides/slide22.xml><?xml version="1.0" encoding="utf-8"?>
 <p:sld xmlns:a="http://schemas.openxmlformats.org/drawingml/2006/main" xmlns:r="http://schemas.openxmlformats.org/officeDocument/2006/relationships" xmlns:p="http://schemas.openxmlformats.org/presentationml/2006/main">
   <p:cSld>
     <p:spTree>
@@ -17713,7 +18868,7 @@
                 <a:tabLst/>
                 <a:defRPr/>
               </a:pPr>
-              <a:t>19</a:t>
+              <a:t>22</a:t>
             </a:fld>
             <a:endParaRPr kumimoji="0" lang="en-US" sz="1000" b="0" i="0" u="none" strike="noStrike" kern="1200" cap="none" spc="0" normalizeH="0" baseline="0" noProof="0">
               <a:ln>
@@ -18260,543 +19415,7 @@
 </p:sld>
 </file>
 
-<file path=ppt/slides/slide2.xml><?xml version="1.0" encoding="utf-8"?>
-<p:sld xmlns:a="http://schemas.openxmlformats.org/drawingml/2006/main" xmlns:r="http://schemas.openxmlformats.org/officeDocument/2006/relationships" xmlns:p="http://schemas.openxmlformats.org/presentationml/2006/main">
-  <p:cSld>
-    <p:spTree>
-      <p:nvGrpSpPr>
-        <p:cNvPr id="1" name="">
-          <a:extLst>
-            <a:ext uri="{FF2B5EF4-FFF2-40B4-BE49-F238E27FC236}">
-              <a16:creationId xmlns:a16="http://schemas.microsoft.com/office/drawing/2014/main" id="{1AE0EC44-3BBD-EB7A-FC48-2F591BA4CA6B}"/>
-            </a:ext>
-          </a:extLst>
-        </p:cNvPr>
-        <p:cNvGrpSpPr/>
-        <p:nvPr/>
-      </p:nvGrpSpPr>
-      <p:grpSpPr>
-        <a:xfrm>
-          <a:off x="0" y="0"/>
-          <a:ext cx="0" cy="0"/>
-          <a:chOff x="0" y="0"/>
-          <a:chExt cx="0" cy="0"/>
-        </a:xfrm>
-      </p:grpSpPr>
-      <p:sp>
-        <p:nvSpPr>
-          <p:cNvPr id="2" name="Title 1">
-            <a:extLst>
-              <a:ext uri="{FF2B5EF4-FFF2-40B4-BE49-F238E27FC236}">
-                <a16:creationId xmlns:a16="http://schemas.microsoft.com/office/drawing/2014/main" id="{D4BA9138-4608-E262-DBF7-C3E895956F72}"/>
-              </a:ext>
-            </a:extLst>
-          </p:cNvPr>
-          <p:cNvSpPr>
-            <a:spLocks noGrp="1"/>
-          </p:cNvSpPr>
-          <p:nvPr>
-            <p:ph type="title"/>
-          </p:nvPr>
-        </p:nvSpPr>
-        <p:spPr/>
-        <p:txBody>
-          <a:bodyPr/>
-          <a:lstStyle/>
-          <a:p>
-            <a:r>
-              <a:rPr lang="en-GB" dirty="0"/>
-              <a:t>Fork Quiz</a:t>
-            </a:r>
-            <a:endParaRPr lang="en-SE" dirty="0"/>
-          </a:p>
-        </p:txBody>
-      </p:sp>
-      <p:sp>
-        <p:nvSpPr>
-          <p:cNvPr id="4" name="Plassholder for innhold 2">
-            <a:extLst>
-              <a:ext uri="{FF2B5EF4-FFF2-40B4-BE49-F238E27FC236}">
-                <a16:creationId xmlns:a16="http://schemas.microsoft.com/office/drawing/2014/main" id="{E3BA8FE3-FB30-F57C-ABE7-EAF6E22BF142}"/>
-              </a:ext>
-            </a:extLst>
-          </p:cNvPr>
-          <p:cNvSpPr>
-            <a:spLocks noGrp="1"/>
-          </p:cNvSpPr>
-          <p:nvPr>
-            <p:ph idx="1"/>
-          </p:nvPr>
-        </p:nvSpPr>
-        <p:spPr>
-          <a:xfrm>
-            <a:off x="856087" y="750216"/>
-            <a:ext cx="5055376" cy="3702042"/>
-          </a:xfrm>
-        </p:spPr>
-        <p:txBody>
-          <a:bodyPr>
-            <a:normAutofit/>
-          </a:bodyPr>
-          <a:lstStyle/>
-          <a:p>
-            <a:pPr marL="0" indent="0">
-              <a:buNone/>
-            </a:pPr>
-            <a:endParaRPr lang="en-US" altLang="zh-CN" sz="2800" dirty="0"/>
-          </a:p>
-        </p:txBody>
-      </p:sp>
-      <p:sp>
-        <p:nvSpPr>
-          <p:cNvPr id="7" name="内容占位符 2">
-            <a:extLst>
-              <a:ext uri="{FF2B5EF4-FFF2-40B4-BE49-F238E27FC236}">
-                <a16:creationId xmlns:a16="http://schemas.microsoft.com/office/drawing/2014/main" id="{B2342B56-D6E1-F877-D1C8-D028192E5D0D}"/>
-              </a:ext>
-            </a:extLst>
-          </p:cNvPr>
-          <p:cNvSpPr txBox="1">
-            <a:spLocks/>
-          </p:cNvSpPr>
-          <p:nvPr/>
-        </p:nvSpPr>
-        <p:spPr bwMode="auto">
-          <a:xfrm>
-            <a:off x="4815031" y="750215"/>
-            <a:ext cx="6894512" cy="5833146"/>
-          </a:xfrm>
-          <a:prstGeom prst="rect">
-            <a:avLst/>
-          </a:prstGeom>
-          <a:noFill/>
-          <a:ln>
-            <a:noFill/>
-          </a:ln>
-          <a:effectLst/>
-          <a:extLst>
-            <a:ext uri="{FAA26D3D-D897-4be2-8F04-BA451C77F1D7}">
-              <ma14:placeholderFlag xmlns:ma14="http://schemas.microsoft.com/office/mac/drawingml/2011/main" xmlns="" val="1"/>
-            </a:ext>
-            <a:ext uri="{909E8E84-426E-40dd-AFC4-6F175D3DCCD1}">
-              <a14:hiddenFill xmlns:a14="http://schemas.microsoft.com/office/drawing/2010/main" xmlns="">
-                <a:solidFill>
-                  <a:schemeClr val="bg1"/>
-                </a:solidFill>
-              </a14:hiddenFill>
-            </a:ext>
-            <a:ext uri="{91240B29-F687-4f45-9708-019B960494DF}">
-              <a14:hiddenLine xmlns:a14="http://schemas.microsoft.com/office/drawing/2010/main" xmlns="" w="12700">
-                <a:pattFill prst="narHorz">
-                  <a:fgClr>
-                    <a:schemeClr val="tx1"/>
-                  </a:fgClr>
-                  <a:bgClr>
-                    <a:schemeClr val="bg1"/>
-                  </a:bgClr>
-                </a:pattFill>
-                <a:miter lim="800000"/>
-                <a:headEnd/>
-                <a:tailEnd/>
-              </a14:hiddenLine>
-            </a:ext>
-            <a:ext uri="{AF507438-7753-43e0-B8FC-AC1667EBCBE1}">
-              <a14:hiddenEffects xmlns:a14="http://schemas.microsoft.com/office/drawing/2010/main" xmlns="">
-                <a:effectLst>
-                  <a:outerShdw blurRad="63500" dist="38099" dir="2700000" algn="ctr" rotWithShape="0">
-                    <a:schemeClr val="bg2">
-                      <a:alpha val="74998"/>
-                    </a:schemeClr>
-                  </a:outerShdw>
-                </a:effectLst>
-              </a14:hiddenEffects>
-            </a:ext>
-          </a:extLst>
-        </p:spPr>
-        <p:txBody>
-          <a:bodyPr vert="horz" wrap="square" lIns="90478" tIns="44445" rIns="90478" bIns="44445" numCol="1" anchor="t" anchorCtr="0" compatLnSpc="1">
-            <a:prstTxWarp prst="textNoShape">
-              <a:avLst/>
-            </a:prstTxWarp>
-          </a:bodyPr>
-          <a:lstStyle>
-            <a:lvl1pPr marL="285750" indent="-285750" algn="l" rtl="0" eaLnBrk="0" fontAlgn="base" hangingPunct="0">
-              <a:lnSpc>
-                <a:spcPct val="90000"/>
-              </a:lnSpc>
-              <a:spcBef>
-                <a:spcPct val="30000"/>
-              </a:spcBef>
-              <a:spcAft>
-                <a:spcPct val="0"/>
-              </a:spcAft>
-              <a:buSzPct val="100000"/>
-              <a:buChar char="•"/>
-              <a:defRPr sz="2400">
-                <a:solidFill>
-                  <a:schemeClr val="tx1"/>
-                </a:solidFill>
-                <a:latin typeface="Gill Sans" charset="0"/>
-                <a:ea typeface="ＭＳ Ｐゴシック" charset="0"/>
-                <a:cs typeface="Gill Sans" charset="0"/>
-              </a:defRPr>
-            </a:lvl1pPr>
-            <a:lvl2pPr marL="685800" indent="-228600" algn="l" rtl="0" eaLnBrk="0" fontAlgn="base" hangingPunct="0">
-              <a:lnSpc>
-                <a:spcPct val="90000"/>
-              </a:lnSpc>
-              <a:spcBef>
-                <a:spcPct val="30000"/>
-              </a:spcBef>
-              <a:spcAft>
-                <a:spcPct val="0"/>
-              </a:spcAft>
-              <a:buSzPct val="100000"/>
-              <a:buChar char="–"/>
-              <a:defRPr sz="2200">
-                <a:solidFill>
-                  <a:schemeClr val="tx1"/>
-                </a:solidFill>
-                <a:latin typeface="Gill Sans" charset="0"/>
-                <a:ea typeface="Gill Sans" charset="0"/>
-                <a:cs typeface="Gill Sans" charset="0"/>
-              </a:defRPr>
-            </a:lvl2pPr>
-            <a:lvl3pPr marL="1143000" indent="-228600" algn="l" rtl="0" eaLnBrk="0" fontAlgn="base" hangingPunct="0">
-              <a:lnSpc>
-                <a:spcPct val="90000"/>
-              </a:lnSpc>
-              <a:spcBef>
-                <a:spcPct val="30000"/>
-              </a:spcBef>
-              <a:spcAft>
-                <a:spcPct val="0"/>
-              </a:spcAft>
-              <a:buSzPct val="100000"/>
-              <a:buChar char="»"/>
-              <a:defRPr sz="2000">
-                <a:solidFill>
-                  <a:schemeClr val="tx1"/>
-                </a:solidFill>
-                <a:latin typeface="Gill Sans" charset="0"/>
-                <a:ea typeface="Gill Sans" charset="0"/>
-                <a:cs typeface="Gill Sans" charset="0"/>
-              </a:defRPr>
-            </a:lvl3pPr>
-            <a:lvl4pPr marL="1543050" indent="-171450" algn="l" rtl="0" eaLnBrk="0" fontAlgn="base" hangingPunct="0">
-              <a:lnSpc>
-                <a:spcPct val="90000"/>
-              </a:lnSpc>
-              <a:spcBef>
-                <a:spcPct val="30000"/>
-              </a:spcBef>
-              <a:spcAft>
-                <a:spcPct val="0"/>
-              </a:spcAft>
-              <a:buSzPct val="100000"/>
-              <a:buChar char="•"/>
-              <a:defRPr sz="2000">
-                <a:solidFill>
-                  <a:schemeClr val="tx1"/>
-                </a:solidFill>
-                <a:latin typeface="Gill Sans" charset="0"/>
-                <a:ea typeface="Gill Sans" charset="0"/>
-                <a:cs typeface="Gill Sans" charset="0"/>
-              </a:defRPr>
-            </a:lvl4pPr>
-            <a:lvl5pPr marL="2000250" indent="-171450" algn="l" rtl="0" eaLnBrk="0" fontAlgn="base" hangingPunct="0">
-              <a:lnSpc>
-                <a:spcPct val="90000"/>
-              </a:lnSpc>
-              <a:spcBef>
-                <a:spcPct val="30000"/>
-              </a:spcBef>
-              <a:spcAft>
-                <a:spcPct val="0"/>
-              </a:spcAft>
-              <a:buSzPct val="100000"/>
-              <a:buChar char="–"/>
-              <a:defRPr sz="2000">
-                <a:solidFill>
-                  <a:schemeClr val="tx1"/>
-                </a:solidFill>
-                <a:latin typeface="Gill Sans" charset="0"/>
-                <a:ea typeface="Gill Sans" charset="0"/>
-                <a:cs typeface="Gill Sans" charset="0"/>
-              </a:defRPr>
-            </a:lvl5pPr>
-            <a:lvl6pPr marL="2457450" indent="-171450" algn="l" rtl="0" eaLnBrk="0" fontAlgn="base" hangingPunct="0">
-              <a:lnSpc>
-                <a:spcPct val="90000"/>
-              </a:lnSpc>
-              <a:spcBef>
-                <a:spcPct val="30000"/>
-              </a:spcBef>
-              <a:spcAft>
-                <a:spcPct val="0"/>
-              </a:spcAft>
-              <a:buSzPct val="100000"/>
-              <a:buChar char="–"/>
-              <a:defRPr sz="2000" b="1">
-                <a:solidFill>
-                  <a:schemeClr val="tx1"/>
-                </a:solidFill>
-                <a:latin typeface="+mn-lt"/>
-              </a:defRPr>
-            </a:lvl6pPr>
-            <a:lvl7pPr marL="2914650" indent="-171450" algn="l" rtl="0" eaLnBrk="0" fontAlgn="base" hangingPunct="0">
-              <a:lnSpc>
-                <a:spcPct val="90000"/>
-              </a:lnSpc>
-              <a:spcBef>
-                <a:spcPct val="30000"/>
-              </a:spcBef>
-              <a:spcAft>
-                <a:spcPct val="0"/>
-              </a:spcAft>
-              <a:buSzPct val="100000"/>
-              <a:buChar char="–"/>
-              <a:defRPr sz="2000" b="1">
-                <a:solidFill>
-                  <a:schemeClr val="tx1"/>
-                </a:solidFill>
-                <a:latin typeface="+mn-lt"/>
-              </a:defRPr>
-            </a:lvl7pPr>
-            <a:lvl8pPr marL="3371850" indent="-171450" algn="l" rtl="0" eaLnBrk="0" fontAlgn="base" hangingPunct="0">
-              <a:lnSpc>
-                <a:spcPct val="90000"/>
-              </a:lnSpc>
-              <a:spcBef>
-                <a:spcPct val="30000"/>
-              </a:spcBef>
-              <a:spcAft>
-                <a:spcPct val="0"/>
-              </a:spcAft>
-              <a:buSzPct val="100000"/>
-              <a:buChar char="–"/>
-              <a:defRPr sz="2000" b="1">
-                <a:solidFill>
-                  <a:schemeClr val="tx1"/>
-                </a:solidFill>
-                <a:latin typeface="+mn-lt"/>
-              </a:defRPr>
-            </a:lvl8pPr>
-            <a:lvl9pPr marL="3829050" indent="-171450" algn="l" rtl="0" eaLnBrk="0" fontAlgn="base" hangingPunct="0">
-              <a:lnSpc>
-                <a:spcPct val="90000"/>
-              </a:lnSpc>
-              <a:spcBef>
-                <a:spcPct val="30000"/>
-              </a:spcBef>
-              <a:spcAft>
-                <a:spcPct val="0"/>
-              </a:spcAft>
-              <a:buSzPct val="100000"/>
-              <a:buChar char="–"/>
-              <a:defRPr sz="2000" b="1">
-                <a:solidFill>
-                  <a:schemeClr val="tx1"/>
-                </a:solidFill>
-                <a:latin typeface="+mn-lt"/>
-              </a:defRPr>
-            </a:lvl9pPr>
-          </a:lstStyle>
-          <a:p>
-            <a:r>
-              <a:rPr lang="en-GB" sz="2000" b="0" kern="0" dirty="0"/>
-              <a:t>The number of times ‘hello’ is printed is equal to the total number of processes = 2^n, where n is the number of fork system calls. So here n = 3, 2^3 = 8.</a:t>
-            </a:r>
-          </a:p>
-          <a:p>
-            <a:pPr lvl="1"/>
-            <a:r>
-              <a:rPr lang="en-GB" sz="1800" b="0" kern="0" dirty="0"/>
-              <a:t>Main process: P0</a:t>
-            </a:r>
-          </a:p>
-          <a:p>
-            <a:pPr lvl="1"/>
-            <a:r>
-              <a:rPr lang="en-GB" sz="1800" b="0" kern="0" dirty="0"/>
-              <a:t>1 child process created by the 1st fork: P1</a:t>
-            </a:r>
-          </a:p>
-          <a:p>
-            <a:pPr lvl="1"/>
-            <a:r>
-              <a:rPr lang="en-GB" sz="1800" b="0" kern="0" dirty="0"/>
-              <a:t>2 child processes created by the 2nd fork: P2, P3</a:t>
-            </a:r>
-          </a:p>
-          <a:p>
-            <a:pPr lvl="1"/>
-            <a:r>
-              <a:rPr lang="en-GB" sz="1800" b="0" kern="0" dirty="0"/>
-              <a:t>4 child processes created by the 3rd fork: P4, P5, P6, P7</a:t>
-            </a:r>
-          </a:p>
-          <a:p>
-            <a:r>
-              <a:rPr lang="en-GB" sz="2000" b="0" kern="0" dirty="0"/>
-              <a:t>In general, for (i = 0; i &lt; n; i++) fork();” creates 1+2+…+2^(n-1)=(2^n)-1 child processes. Plus the main process P0, we have a total of 2^n processes.</a:t>
-            </a:r>
-          </a:p>
-          <a:p>
-            <a:r>
-              <a:rPr lang="en-GB" sz="2000" b="0" kern="0" dirty="0"/>
-              <a:t>Order of process execution may vary depending on how OS schedules these processes, so you don’t know which process printed which hello.</a:t>
-            </a:r>
-          </a:p>
-          <a:p>
-            <a:r>
-              <a:rPr lang="en-GB" sz="2000" b="0" kern="0" dirty="0"/>
-              <a:t>None of the processes include a wait() call to handle terminated child processes. When any of these child processes terminate, their PCBs remain in the process table as no parent process is waiting on them, resulting in zombie processes. (This also applies to the following examples.)</a:t>
-            </a:r>
-          </a:p>
-        </p:txBody>
-      </p:sp>
-      <p:sp>
-        <p:nvSpPr>
-          <p:cNvPr id="5" name="TextBox 4">
-            <a:extLst>
-              <a:ext uri="{FF2B5EF4-FFF2-40B4-BE49-F238E27FC236}">
-                <a16:creationId xmlns:a16="http://schemas.microsoft.com/office/drawing/2014/main" id="{96F69844-19C6-3EEA-BBBD-42EC37BE72D7}"/>
-              </a:ext>
-            </a:extLst>
-          </p:cNvPr>
-          <p:cNvSpPr txBox="1"/>
-          <p:nvPr/>
-        </p:nvSpPr>
-        <p:spPr>
-          <a:xfrm>
-            <a:off x="3777517" y="3923531"/>
-            <a:ext cx="1058303" cy="2862322"/>
-          </a:xfrm>
-          <a:prstGeom prst="rect">
-            <a:avLst/>
-          </a:prstGeom>
-        </p:spPr>
-        <p:style>
-          <a:lnRef idx="2">
-            <a:schemeClr val="accent1"/>
-          </a:lnRef>
-          <a:fillRef idx="1">
-            <a:schemeClr val="lt1"/>
-          </a:fillRef>
-          <a:effectRef idx="0">
-            <a:schemeClr val="accent1"/>
-          </a:effectRef>
-          <a:fontRef idx="minor">
-            <a:schemeClr val="dk1"/>
-          </a:fontRef>
-        </p:style>
-        <p:txBody>
-          <a:bodyPr wrap="none" rtlCol="0">
-            <a:spAutoFit/>
-          </a:bodyPr>
-          <a:lstStyle/>
-          <a:p>
-            <a:r>
-              <a:rPr lang="en-GB" altLang="zh-CN" sz="2000" b="0" kern="0" dirty="0"/>
-              <a:t>Output: </a:t>
-            </a:r>
-          </a:p>
-          <a:p>
-            <a:r>
-              <a:rPr lang="nn-NO" altLang="zh-CN" sz="2000" b="0" kern="0" dirty="0"/>
-              <a:t>hello</a:t>
-            </a:r>
-          </a:p>
-          <a:p>
-            <a:r>
-              <a:rPr lang="nn-NO" altLang="zh-CN" sz="2000" b="0" kern="0" dirty="0"/>
-              <a:t>hello</a:t>
-            </a:r>
-          </a:p>
-          <a:p>
-            <a:r>
-              <a:rPr lang="nn-NO" altLang="zh-CN" sz="2000" b="0" kern="0" dirty="0"/>
-              <a:t>hello</a:t>
-            </a:r>
-          </a:p>
-          <a:p>
-            <a:r>
-              <a:rPr lang="nn-NO" altLang="zh-CN" sz="2000" b="0" kern="0" dirty="0"/>
-              <a:t>hello</a:t>
-            </a:r>
-          </a:p>
-          <a:p>
-            <a:r>
-              <a:rPr lang="nn-NO" altLang="zh-CN" sz="2000" b="0" kern="0" dirty="0"/>
-              <a:t>hello</a:t>
-            </a:r>
-          </a:p>
-          <a:p>
-            <a:r>
-              <a:rPr lang="nn-NO" altLang="zh-CN" sz="2000" b="0" kern="0" dirty="0"/>
-              <a:t>hello</a:t>
-            </a:r>
-          </a:p>
-          <a:p>
-            <a:r>
-              <a:rPr lang="nn-NO" altLang="zh-CN" sz="2000" b="0" kern="0" dirty="0"/>
-              <a:t>hello</a:t>
-            </a:r>
-          </a:p>
-          <a:p>
-            <a:r>
-              <a:rPr lang="nn-NO" altLang="zh-CN" sz="2000" b="0" kern="0" dirty="0"/>
-              <a:t>hello</a:t>
-            </a:r>
-            <a:endParaRPr lang="en-GB" altLang="zh-CN" sz="2000" b="0" kern="0" dirty="0"/>
-          </a:p>
-        </p:txBody>
-      </p:sp>
-      <p:pic>
-        <p:nvPicPr>
-          <p:cNvPr id="10" name="Picture 9">
-            <a:extLst>
-              <a:ext uri="{FF2B5EF4-FFF2-40B4-BE49-F238E27FC236}">
-                <a16:creationId xmlns:a16="http://schemas.microsoft.com/office/drawing/2014/main" id="{FC3A7D3F-EC65-056B-6A9F-6CB2076667FA}"/>
-              </a:ext>
-            </a:extLst>
-          </p:cNvPr>
-          <p:cNvPicPr>
-            <a:picLocks noChangeAspect="1"/>
-          </p:cNvPicPr>
-          <p:nvPr/>
-        </p:nvPicPr>
-        <p:blipFill>
-          <a:blip r:embed="rId3"/>
-          <a:stretch>
-            <a:fillRect/>
-          </a:stretch>
-        </p:blipFill>
-        <p:spPr>
-          <a:xfrm>
-            <a:off x="923175" y="4419600"/>
-            <a:ext cx="2787254" cy="2382269"/>
-          </a:xfrm>
-          <a:prstGeom prst="rect">
-            <a:avLst/>
-          </a:prstGeom>
-        </p:spPr>
-      </p:pic>
-    </p:spTree>
-    <p:extLst>
-      <p:ext uri="{BB962C8B-B14F-4D97-AF65-F5344CB8AC3E}">
-        <p14:creationId xmlns:p14="http://schemas.microsoft.com/office/powerpoint/2010/main" val="2722048720"/>
-      </p:ext>
-    </p:extLst>
-  </p:cSld>
-  <p:clrMapOvr>
-    <a:masterClrMapping/>
-  </p:clrMapOvr>
-</p:sld>
-</file>
-
-<file path=ppt/slides/slide20.xml><?xml version="1.0" encoding="utf-8"?>
+<file path=ppt/slides/slide23.xml><?xml version="1.0" encoding="utf-8"?>
 <p:sld xmlns:a="http://schemas.openxmlformats.org/drawingml/2006/main" xmlns:r="http://schemas.openxmlformats.org/officeDocument/2006/relationships" xmlns:p="http://schemas.openxmlformats.org/presentationml/2006/main">
   <p:cSld>
     <p:spTree>
@@ -19046,7 +19665,7 @@
                 <a:tabLst/>
                 <a:defRPr/>
               </a:pPr>
-              <a:t>20</a:t>
+              <a:t>23</a:t>
             </a:fld>
             <a:endParaRPr kumimoji="0" lang="en-US" sz="1000" b="0" i="0" u="none" strike="noStrike" kern="1200" cap="none" spc="0" normalizeH="0" baseline="0" noProof="0">
               <a:ln>
@@ -19371,6 +19990,772 @@
 </file>
 
 <file path=ppt/slides/slide3.xml><?xml version="1.0" encoding="utf-8"?>
+<p:sld xmlns:a="http://schemas.openxmlformats.org/drawingml/2006/main" xmlns:r="http://schemas.openxmlformats.org/officeDocument/2006/relationships" xmlns:p="http://schemas.openxmlformats.org/presentationml/2006/main">
+  <p:cSld>
+    <p:spTree>
+      <p:nvGrpSpPr>
+        <p:cNvPr id="1" name=""/>
+        <p:cNvGrpSpPr/>
+        <p:nvPr/>
+      </p:nvGrpSpPr>
+      <p:grpSpPr>
+        <a:xfrm>
+          <a:off x="0" y="0"/>
+          <a:ext cx="0" cy="0"/>
+          <a:chOff x="0" y="0"/>
+          <a:chExt cx="0" cy="0"/>
+        </a:xfrm>
+      </p:grpSpPr>
+      <p:sp>
+        <p:nvSpPr>
+          <p:cNvPr id="123906" name="Rectangle 2">
+            <a:extLst>
+              <a:ext uri="{FF2B5EF4-FFF2-40B4-BE49-F238E27FC236}">
+                <a16:creationId xmlns:a16="http://schemas.microsoft.com/office/drawing/2014/main" id="{15C97C8B-8A83-7EC6-E38A-E5BEF37F288B}"/>
+              </a:ext>
+            </a:extLst>
+          </p:cNvPr>
+          <p:cNvSpPr>
+            <a:spLocks noGrp="1" noChangeArrowheads="1"/>
+          </p:cNvSpPr>
+          <p:nvPr>
+            <p:ph type="title"/>
+          </p:nvPr>
+        </p:nvSpPr>
+        <p:spPr/>
+        <p:txBody>
+          <a:bodyPr/>
+          <a:lstStyle/>
+          <a:p>
+            <a:r>
+              <a:rPr lang="en-US" altLang="en-SE"/>
+              <a:t>Thread context switch</a:t>
+            </a:r>
+          </a:p>
+        </p:txBody>
+      </p:sp>
+      <p:sp>
+        <p:nvSpPr>
+          <p:cNvPr id="123907" name="Rectangle 3">
+            <a:extLst>
+              <a:ext uri="{FF2B5EF4-FFF2-40B4-BE49-F238E27FC236}">
+                <a16:creationId xmlns:a16="http://schemas.microsoft.com/office/drawing/2014/main" id="{8E3EB131-6FD4-5ED9-588D-90226196C480}"/>
+              </a:ext>
+            </a:extLst>
+          </p:cNvPr>
+          <p:cNvSpPr>
+            <a:spLocks noGrp="1" noChangeArrowheads="1"/>
+          </p:cNvSpPr>
+          <p:nvPr>
+            <p:ph type="body" idx="1"/>
+          </p:nvPr>
+        </p:nvSpPr>
+        <p:spPr/>
+        <p:txBody>
+          <a:bodyPr/>
+          <a:lstStyle/>
+          <a:p>
+            <a:r>
+              <a:rPr lang="en-US" altLang="en-SE"/>
+              <a:t>Very simple for user-level threads:</a:t>
+            </a:r>
+          </a:p>
+          <a:p>
+            <a:pPr lvl="1"/>
+            <a:r>
+              <a:rPr lang="en-US" altLang="en-SE"/>
+              <a:t>save context of currently running thread</a:t>
+            </a:r>
+          </a:p>
+          <a:p>
+            <a:pPr lvl="2"/>
+            <a:r>
+              <a:rPr lang="en-US" altLang="en-SE"/>
+              <a:t>push machine state onto thread stack</a:t>
+            </a:r>
+          </a:p>
+          <a:p>
+            <a:pPr lvl="1"/>
+            <a:r>
+              <a:rPr lang="en-US" altLang="en-SE"/>
+              <a:t>restore context of the next thread</a:t>
+            </a:r>
+          </a:p>
+          <a:p>
+            <a:pPr lvl="2"/>
+            <a:r>
+              <a:rPr lang="en-US" altLang="en-SE"/>
+              <a:t>pop machine state from next thread’s stack</a:t>
+            </a:r>
+          </a:p>
+          <a:p>
+            <a:pPr lvl="1"/>
+            <a:r>
+              <a:rPr lang="en-US" altLang="en-SE"/>
+              <a:t>return as the new thread</a:t>
+            </a:r>
+          </a:p>
+          <a:p>
+            <a:pPr lvl="2"/>
+            <a:r>
+              <a:rPr lang="en-US" altLang="en-SE"/>
+              <a:t>execution resumes at PC of next thread</a:t>
+            </a:r>
+          </a:p>
+          <a:p>
+            <a:r>
+              <a:rPr lang="en-US" altLang="en-SE"/>
+              <a:t>This is all done by assembly language</a:t>
+            </a:r>
+          </a:p>
+          <a:p>
+            <a:pPr lvl="1"/>
+            <a:r>
+              <a:rPr lang="en-US" altLang="en-SE"/>
+              <a:t>it works at the level of the procedure calling convention</a:t>
+            </a:r>
+          </a:p>
+          <a:p>
+            <a:pPr lvl="2"/>
+            <a:r>
+              <a:rPr lang="en-US" altLang="en-SE"/>
+              <a:t>thus, it cannot be implemented using procedure calls</a:t>
+            </a:r>
+          </a:p>
+          <a:p>
+            <a:pPr lvl="2"/>
+            <a:r>
+              <a:rPr lang="en-US" altLang="en-SE"/>
+              <a:t>e.g., a thread might be preempted (and then resumed) in the middle of a procedure call</a:t>
+            </a:r>
+          </a:p>
+        </p:txBody>
+      </p:sp>
+    </p:spTree>
+  </p:cSld>
+  <p:clrMapOvr>
+    <a:masterClrMapping/>
+  </p:clrMapOvr>
+  <p:transition/>
+</p:sld>
+</file>
+
+<file path=ppt/slides/slide4.xml><?xml version="1.0" encoding="utf-8"?>
+<p:sld xmlns:a="http://schemas.openxmlformats.org/drawingml/2006/main" xmlns:r="http://schemas.openxmlformats.org/officeDocument/2006/relationships" xmlns:p="http://schemas.openxmlformats.org/presentationml/2006/main">
+  <p:cSld>
+    <p:spTree>
+      <p:nvGrpSpPr>
+        <p:cNvPr id="1" name=""/>
+        <p:cNvGrpSpPr/>
+        <p:nvPr/>
+      </p:nvGrpSpPr>
+      <p:grpSpPr>
+        <a:xfrm>
+          <a:off x="0" y="0"/>
+          <a:ext cx="0" cy="0"/>
+          <a:chOff x="0" y="0"/>
+          <a:chExt cx="0" cy="0"/>
+        </a:xfrm>
+      </p:grpSpPr>
+      <p:sp>
+        <p:nvSpPr>
+          <p:cNvPr id="140290" name="Rectangle 2">
+            <a:extLst>
+              <a:ext uri="{FF2B5EF4-FFF2-40B4-BE49-F238E27FC236}">
+                <a16:creationId xmlns:a16="http://schemas.microsoft.com/office/drawing/2014/main" id="{28954194-30C0-3926-3FFE-26BFE5DD46E9}"/>
+              </a:ext>
+            </a:extLst>
+          </p:cNvPr>
+          <p:cNvSpPr>
+            <a:spLocks noGrp="1" noChangeArrowheads="1"/>
+          </p:cNvSpPr>
+          <p:nvPr>
+            <p:ph type="title"/>
+          </p:nvPr>
+        </p:nvSpPr>
+        <p:spPr/>
+        <p:txBody>
+          <a:bodyPr/>
+          <a:lstStyle/>
+          <a:p>
+            <a:r>
+              <a:rPr lang="en-US" altLang="en-SE"/>
+              <a:t>What if a thread tries to do I/O?</a:t>
+            </a:r>
+          </a:p>
+        </p:txBody>
+      </p:sp>
+      <p:sp>
+        <p:nvSpPr>
+          <p:cNvPr id="140291" name="Rectangle 3">
+            <a:extLst>
+              <a:ext uri="{FF2B5EF4-FFF2-40B4-BE49-F238E27FC236}">
+                <a16:creationId xmlns:a16="http://schemas.microsoft.com/office/drawing/2014/main" id="{FFD71764-B3AA-5153-3CBE-DB7975F010CA}"/>
+              </a:ext>
+            </a:extLst>
+          </p:cNvPr>
+          <p:cNvSpPr>
+            <a:spLocks noGrp="1" noChangeArrowheads="1"/>
+          </p:cNvSpPr>
+          <p:nvPr>
+            <p:ph type="body" idx="1"/>
+          </p:nvPr>
+        </p:nvSpPr>
+        <p:spPr/>
+        <p:txBody>
+          <a:bodyPr/>
+          <a:lstStyle/>
+          <a:p>
+            <a:endParaRPr lang="en-US" altLang="en-SE" dirty="0"/>
+          </a:p>
+        </p:txBody>
+      </p:sp>
+    </p:spTree>
+  </p:cSld>
+  <p:clrMapOvr>
+    <a:masterClrMapping/>
+  </p:clrMapOvr>
+  <p:transition/>
+</p:sld>
+</file>
+
+<file path=ppt/slides/slide5.xml><?xml version="1.0" encoding="utf-8"?>
+<p:sld xmlns:a="http://schemas.openxmlformats.org/drawingml/2006/main" xmlns:r="http://schemas.openxmlformats.org/officeDocument/2006/relationships" xmlns:p="http://schemas.openxmlformats.org/presentationml/2006/main">
+  <p:cSld>
+    <p:spTree>
+      <p:nvGrpSpPr>
+        <p:cNvPr id="1" name="">
+          <a:extLst>
+            <a:ext uri="{FF2B5EF4-FFF2-40B4-BE49-F238E27FC236}">
+              <a16:creationId xmlns:a16="http://schemas.microsoft.com/office/drawing/2014/main" id="{1AE0EC44-3BBD-EB7A-FC48-2F591BA4CA6B}"/>
+            </a:ext>
+          </a:extLst>
+        </p:cNvPr>
+        <p:cNvGrpSpPr/>
+        <p:nvPr/>
+      </p:nvGrpSpPr>
+      <p:grpSpPr>
+        <a:xfrm>
+          <a:off x="0" y="0"/>
+          <a:ext cx="0" cy="0"/>
+          <a:chOff x="0" y="0"/>
+          <a:chExt cx="0" cy="0"/>
+        </a:xfrm>
+      </p:grpSpPr>
+      <p:sp>
+        <p:nvSpPr>
+          <p:cNvPr id="2" name="Title 1">
+            <a:extLst>
+              <a:ext uri="{FF2B5EF4-FFF2-40B4-BE49-F238E27FC236}">
+                <a16:creationId xmlns:a16="http://schemas.microsoft.com/office/drawing/2014/main" id="{D4BA9138-4608-E262-DBF7-C3E895956F72}"/>
+              </a:ext>
+            </a:extLst>
+          </p:cNvPr>
+          <p:cNvSpPr>
+            <a:spLocks noGrp="1"/>
+          </p:cNvSpPr>
+          <p:nvPr>
+            <p:ph type="title"/>
+          </p:nvPr>
+        </p:nvSpPr>
+        <p:spPr/>
+        <p:txBody>
+          <a:bodyPr/>
+          <a:lstStyle/>
+          <a:p>
+            <a:r>
+              <a:rPr lang="en-GB" dirty="0"/>
+              <a:t>Fork Quiz</a:t>
+            </a:r>
+            <a:endParaRPr lang="en-SE" dirty="0"/>
+          </a:p>
+        </p:txBody>
+      </p:sp>
+      <p:sp>
+        <p:nvSpPr>
+          <p:cNvPr id="4" name="Plassholder for innhold 2">
+            <a:extLst>
+              <a:ext uri="{FF2B5EF4-FFF2-40B4-BE49-F238E27FC236}">
+                <a16:creationId xmlns:a16="http://schemas.microsoft.com/office/drawing/2014/main" id="{E3BA8FE3-FB30-F57C-ABE7-EAF6E22BF142}"/>
+              </a:ext>
+            </a:extLst>
+          </p:cNvPr>
+          <p:cNvSpPr>
+            <a:spLocks noGrp="1"/>
+          </p:cNvSpPr>
+          <p:nvPr>
+            <p:ph idx="1"/>
+          </p:nvPr>
+        </p:nvSpPr>
+        <p:spPr>
+          <a:xfrm>
+            <a:off x="856087" y="750216"/>
+            <a:ext cx="5055376" cy="3702042"/>
+          </a:xfrm>
+        </p:spPr>
+        <p:txBody>
+          <a:bodyPr>
+            <a:normAutofit/>
+          </a:bodyPr>
+          <a:lstStyle/>
+          <a:p>
+            <a:pPr marL="0" indent="0">
+              <a:buNone/>
+            </a:pPr>
+            <a:endParaRPr lang="en-US" altLang="zh-CN" sz="2800" dirty="0"/>
+          </a:p>
+        </p:txBody>
+      </p:sp>
+      <p:sp>
+        <p:nvSpPr>
+          <p:cNvPr id="7" name="内容占位符 2">
+            <a:extLst>
+              <a:ext uri="{FF2B5EF4-FFF2-40B4-BE49-F238E27FC236}">
+                <a16:creationId xmlns:a16="http://schemas.microsoft.com/office/drawing/2014/main" id="{B2342B56-D6E1-F877-D1C8-D028192E5D0D}"/>
+              </a:ext>
+            </a:extLst>
+          </p:cNvPr>
+          <p:cNvSpPr txBox="1">
+            <a:spLocks/>
+          </p:cNvSpPr>
+          <p:nvPr/>
+        </p:nvSpPr>
+        <p:spPr bwMode="auto">
+          <a:xfrm>
+            <a:off x="4815031" y="750215"/>
+            <a:ext cx="6894512" cy="5833146"/>
+          </a:xfrm>
+          <a:prstGeom prst="rect">
+            <a:avLst/>
+          </a:prstGeom>
+          <a:noFill/>
+          <a:ln>
+            <a:noFill/>
+          </a:ln>
+          <a:effectLst/>
+          <a:extLst>
+            <a:ext uri="{FAA26D3D-D897-4be2-8F04-BA451C77F1D7}">
+              <ma14:placeholderFlag xmlns="" xmlns:ma14="http://schemas.microsoft.com/office/mac/drawingml/2011/main" val="1"/>
+            </a:ext>
+            <a:ext uri="{909E8E84-426E-40dd-AFC4-6F175D3DCCD1}">
+              <a14:hiddenFill xmlns="" xmlns:a14="http://schemas.microsoft.com/office/drawing/2010/main">
+                <a:solidFill>
+                  <a:schemeClr val="bg1"/>
+                </a:solidFill>
+              </a14:hiddenFill>
+            </a:ext>
+            <a:ext uri="{91240B29-F687-4f45-9708-019B960494DF}">
+              <a14:hiddenLine xmlns="" xmlns:a14="http://schemas.microsoft.com/office/drawing/2010/main" w="12700">
+                <a:pattFill prst="narHorz">
+                  <a:fgClr>
+                    <a:schemeClr val="tx1"/>
+                  </a:fgClr>
+                  <a:bgClr>
+                    <a:schemeClr val="bg1"/>
+                  </a:bgClr>
+                </a:pattFill>
+                <a:miter lim="800000"/>
+                <a:headEnd/>
+                <a:tailEnd/>
+              </a14:hiddenLine>
+            </a:ext>
+            <a:ext uri="{AF507438-7753-43e0-B8FC-AC1667EBCBE1}">
+              <a14:hiddenEffects xmlns="" xmlns:a14="http://schemas.microsoft.com/office/drawing/2010/main">
+                <a:effectLst>
+                  <a:outerShdw blurRad="63500" dist="38099" dir="2700000" algn="ctr" rotWithShape="0">
+                    <a:schemeClr val="bg2">
+                      <a:alpha val="74998"/>
+                    </a:schemeClr>
+                  </a:outerShdw>
+                </a:effectLst>
+              </a14:hiddenEffects>
+            </a:ext>
+          </a:extLst>
+        </p:spPr>
+        <p:txBody>
+          <a:bodyPr vert="horz" wrap="square" lIns="90478" tIns="44445" rIns="90478" bIns="44445" numCol="1" anchor="t" anchorCtr="0" compatLnSpc="1">
+            <a:prstTxWarp prst="textNoShape">
+              <a:avLst/>
+            </a:prstTxWarp>
+          </a:bodyPr>
+          <a:lstStyle>
+            <a:lvl1pPr marL="285750" indent="-285750" algn="l" rtl="0" eaLnBrk="0" fontAlgn="base" hangingPunct="0">
+              <a:lnSpc>
+                <a:spcPct val="90000"/>
+              </a:lnSpc>
+              <a:spcBef>
+                <a:spcPct val="30000"/>
+              </a:spcBef>
+              <a:spcAft>
+                <a:spcPct val="0"/>
+              </a:spcAft>
+              <a:buSzPct val="100000"/>
+              <a:buChar char="•"/>
+              <a:defRPr sz="2400">
+                <a:solidFill>
+                  <a:schemeClr val="tx1"/>
+                </a:solidFill>
+                <a:latin typeface="Gill Sans" charset="0"/>
+                <a:ea typeface="ＭＳ Ｐゴシック" charset="0"/>
+                <a:cs typeface="Gill Sans" charset="0"/>
+              </a:defRPr>
+            </a:lvl1pPr>
+            <a:lvl2pPr marL="685800" indent="-228600" algn="l" rtl="0" eaLnBrk="0" fontAlgn="base" hangingPunct="0">
+              <a:lnSpc>
+                <a:spcPct val="90000"/>
+              </a:lnSpc>
+              <a:spcBef>
+                <a:spcPct val="30000"/>
+              </a:spcBef>
+              <a:spcAft>
+                <a:spcPct val="0"/>
+              </a:spcAft>
+              <a:buSzPct val="100000"/>
+              <a:buChar char="–"/>
+              <a:defRPr sz="2200">
+                <a:solidFill>
+                  <a:schemeClr val="tx1"/>
+                </a:solidFill>
+                <a:latin typeface="Gill Sans" charset="0"/>
+                <a:ea typeface="Gill Sans" charset="0"/>
+                <a:cs typeface="Gill Sans" charset="0"/>
+              </a:defRPr>
+            </a:lvl2pPr>
+            <a:lvl3pPr marL="1143000" indent="-228600" algn="l" rtl="0" eaLnBrk="0" fontAlgn="base" hangingPunct="0">
+              <a:lnSpc>
+                <a:spcPct val="90000"/>
+              </a:lnSpc>
+              <a:spcBef>
+                <a:spcPct val="30000"/>
+              </a:spcBef>
+              <a:spcAft>
+                <a:spcPct val="0"/>
+              </a:spcAft>
+              <a:buSzPct val="100000"/>
+              <a:buChar char="»"/>
+              <a:defRPr sz="2000">
+                <a:solidFill>
+                  <a:schemeClr val="tx1"/>
+                </a:solidFill>
+                <a:latin typeface="Gill Sans" charset="0"/>
+                <a:ea typeface="Gill Sans" charset="0"/>
+                <a:cs typeface="Gill Sans" charset="0"/>
+              </a:defRPr>
+            </a:lvl3pPr>
+            <a:lvl4pPr marL="1543050" indent="-171450" algn="l" rtl="0" eaLnBrk="0" fontAlgn="base" hangingPunct="0">
+              <a:lnSpc>
+                <a:spcPct val="90000"/>
+              </a:lnSpc>
+              <a:spcBef>
+                <a:spcPct val="30000"/>
+              </a:spcBef>
+              <a:spcAft>
+                <a:spcPct val="0"/>
+              </a:spcAft>
+              <a:buSzPct val="100000"/>
+              <a:buChar char="•"/>
+              <a:defRPr sz="2000">
+                <a:solidFill>
+                  <a:schemeClr val="tx1"/>
+                </a:solidFill>
+                <a:latin typeface="Gill Sans" charset="0"/>
+                <a:ea typeface="Gill Sans" charset="0"/>
+                <a:cs typeface="Gill Sans" charset="0"/>
+              </a:defRPr>
+            </a:lvl4pPr>
+            <a:lvl5pPr marL="2000250" indent="-171450" algn="l" rtl="0" eaLnBrk="0" fontAlgn="base" hangingPunct="0">
+              <a:lnSpc>
+                <a:spcPct val="90000"/>
+              </a:lnSpc>
+              <a:spcBef>
+                <a:spcPct val="30000"/>
+              </a:spcBef>
+              <a:spcAft>
+                <a:spcPct val="0"/>
+              </a:spcAft>
+              <a:buSzPct val="100000"/>
+              <a:buChar char="–"/>
+              <a:defRPr sz="2000">
+                <a:solidFill>
+                  <a:schemeClr val="tx1"/>
+                </a:solidFill>
+                <a:latin typeface="Gill Sans" charset="0"/>
+                <a:ea typeface="Gill Sans" charset="0"/>
+                <a:cs typeface="Gill Sans" charset="0"/>
+              </a:defRPr>
+            </a:lvl5pPr>
+            <a:lvl6pPr marL="2457450" indent="-171450" algn="l" rtl="0" eaLnBrk="0" fontAlgn="base" hangingPunct="0">
+              <a:lnSpc>
+                <a:spcPct val="90000"/>
+              </a:lnSpc>
+              <a:spcBef>
+                <a:spcPct val="30000"/>
+              </a:spcBef>
+              <a:spcAft>
+                <a:spcPct val="0"/>
+              </a:spcAft>
+              <a:buSzPct val="100000"/>
+              <a:buChar char="–"/>
+              <a:defRPr sz="2000" b="1">
+                <a:solidFill>
+                  <a:schemeClr val="tx1"/>
+                </a:solidFill>
+                <a:latin typeface="+mn-lt"/>
+              </a:defRPr>
+            </a:lvl6pPr>
+            <a:lvl7pPr marL="2914650" indent="-171450" algn="l" rtl="0" eaLnBrk="0" fontAlgn="base" hangingPunct="0">
+              <a:lnSpc>
+                <a:spcPct val="90000"/>
+              </a:lnSpc>
+              <a:spcBef>
+                <a:spcPct val="30000"/>
+              </a:spcBef>
+              <a:spcAft>
+                <a:spcPct val="0"/>
+              </a:spcAft>
+              <a:buSzPct val="100000"/>
+              <a:buChar char="–"/>
+              <a:defRPr sz="2000" b="1">
+                <a:solidFill>
+                  <a:schemeClr val="tx1"/>
+                </a:solidFill>
+                <a:latin typeface="+mn-lt"/>
+              </a:defRPr>
+            </a:lvl7pPr>
+            <a:lvl8pPr marL="3371850" indent="-171450" algn="l" rtl="0" eaLnBrk="0" fontAlgn="base" hangingPunct="0">
+              <a:lnSpc>
+                <a:spcPct val="90000"/>
+              </a:lnSpc>
+              <a:spcBef>
+                <a:spcPct val="30000"/>
+              </a:spcBef>
+              <a:spcAft>
+                <a:spcPct val="0"/>
+              </a:spcAft>
+              <a:buSzPct val="100000"/>
+              <a:buChar char="–"/>
+              <a:defRPr sz="2000" b="1">
+                <a:solidFill>
+                  <a:schemeClr val="tx1"/>
+                </a:solidFill>
+                <a:latin typeface="+mn-lt"/>
+              </a:defRPr>
+            </a:lvl8pPr>
+            <a:lvl9pPr marL="3829050" indent="-171450" algn="l" rtl="0" eaLnBrk="0" fontAlgn="base" hangingPunct="0">
+              <a:lnSpc>
+                <a:spcPct val="90000"/>
+              </a:lnSpc>
+              <a:spcBef>
+                <a:spcPct val="30000"/>
+              </a:spcBef>
+              <a:spcAft>
+                <a:spcPct val="0"/>
+              </a:spcAft>
+              <a:buSzPct val="100000"/>
+              <a:buChar char="–"/>
+              <a:defRPr sz="2000" b="1">
+                <a:solidFill>
+                  <a:schemeClr val="tx1"/>
+                </a:solidFill>
+                <a:latin typeface="+mn-lt"/>
+              </a:defRPr>
+            </a:lvl9pPr>
+          </a:lstStyle>
+          <a:p>
+            <a:r>
+              <a:rPr lang="en-GB" sz="2000" b="0" kern="0" dirty="0"/>
+              <a:t>The number of times ‘hello’ is printed is equal to the total number of processes = 2^n, where n is the number of fork system calls. So here n = 3, 2^3 = 8.</a:t>
+            </a:r>
+          </a:p>
+          <a:p>
+            <a:pPr lvl="1"/>
+            <a:r>
+              <a:rPr lang="en-GB" sz="1800" b="0" kern="0" dirty="0"/>
+              <a:t>Main process: P0</a:t>
+            </a:r>
+          </a:p>
+          <a:p>
+            <a:pPr lvl="1"/>
+            <a:r>
+              <a:rPr lang="en-GB" sz="1800" b="0" kern="0" dirty="0"/>
+              <a:t>1 child process created by the 1st fork: P1</a:t>
+            </a:r>
+          </a:p>
+          <a:p>
+            <a:pPr lvl="1"/>
+            <a:r>
+              <a:rPr lang="en-GB" sz="1800" b="0" kern="0" dirty="0"/>
+              <a:t>2 child processes created by the 2nd fork: P2, P3</a:t>
+            </a:r>
+          </a:p>
+          <a:p>
+            <a:pPr lvl="1"/>
+            <a:r>
+              <a:rPr lang="en-GB" sz="1800" b="0" kern="0" dirty="0"/>
+              <a:t>4 child processes created by the 3rd fork: P4, P5, P6, P7</a:t>
+            </a:r>
+          </a:p>
+          <a:p>
+            <a:r>
+              <a:rPr lang="en-GB" sz="2000" b="0" kern="0" dirty="0"/>
+              <a:t>In general, for (i = 0; i &lt; n; i++) fork();” creates 1+2+…+2^(n-1)=(2^n)-1 child processes. Plus the main process P0, we have a total of 2^n processes.</a:t>
+            </a:r>
+          </a:p>
+          <a:p>
+            <a:r>
+              <a:rPr lang="en-GB" sz="2000" b="0" kern="0" dirty="0"/>
+              <a:t>Order of process execution may vary depending on how OS schedules these processes, so you don’t know which process printed which hello.</a:t>
+            </a:r>
+          </a:p>
+          <a:p>
+            <a:r>
+              <a:rPr lang="en-GB" sz="2000" b="0" kern="0" dirty="0"/>
+              <a:t>None of the processes include a wait() call to handle terminated child processes. When any of these child processes terminate, their PCBs remain in the process table as no parent process is waiting on them, resulting in zombie processes. (This also applies to the following examples.)</a:t>
+            </a:r>
+          </a:p>
+        </p:txBody>
+      </p:sp>
+      <p:sp>
+        <p:nvSpPr>
+          <p:cNvPr id="5" name="TextBox 4">
+            <a:extLst>
+              <a:ext uri="{FF2B5EF4-FFF2-40B4-BE49-F238E27FC236}">
+                <a16:creationId xmlns:a16="http://schemas.microsoft.com/office/drawing/2014/main" id="{96F69844-19C6-3EEA-BBBD-42EC37BE72D7}"/>
+              </a:ext>
+            </a:extLst>
+          </p:cNvPr>
+          <p:cNvSpPr txBox="1"/>
+          <p:nvPr/>
+        </p:nvSpPr>
+        <p:spPr>
+          <a:xfrm>
+            <a:off x="3777517" y="3923531"/>
+            <a:ext cx="1058303" cy="2862322"/>
+          </a:xfrm>
+          <a:prstGeom prst="rect">
+            <a:avLst/>
+          </a:prstGeom>
+        </p:spPr>
+        <p:style>
+          <a:lnRef idx="2">
+            <a:schemeClr val="accent1"/>
+          </a:lnRef>
+          <a:fillRef idx="1">
+            <a:schemeClr val="lt1"/>
+          </a:fillRef>
+          <a:effectRef idx="0">
+            <a:schemeClr val="accent1"/>
+          </a:effectRef>
+          <a:fontRef idx="minor">
+            <a:schemeClr val="dk1"/>
+          </a:fontRef>
+        </p:style>
+        <p:txBody>
+          <a:bodyPr wrap="none" rtlCol="0">
+            <a:spAutoFit/>
+          </a:bodyPr>
+          <a:lstStyle/>
+          <a:p>
+            <a:r>
+              <a:rPr lang="en-GB" altLang="zh-CN" sz="2000" b="0" kern="0" dirty="0"/>
+              <a:t>Output: </a:t>
+            </a:r>
+          </a:p>
+          <a:p>
+            <a:r>
+              <a:rPr lang="nn-NO" altLang="zh-CN" sz="2000" b="0" kern="0" dirty="0"/>
+              <a:t>hello</a:t>
+            </a:r>
+          </a:p>
+          <a:p>
+            <a:r>
+              <a:rPr lang="nn-NO" altLang="zh-CN" sz="2000" b="0" kern="0" dirty="0"/>
+              <a:t>hello</a:t>
+            </a:r>
+          </a:p>
+          <a:p>
+            <a:r>
+              <a:rPr lang="nn-NO" altLang="zh-CN" sz="2000" b="0" kern="0" dirty="0"/>
+              <a:t>hello</a:t>
+            </a:r>
+          </a:p>
+          <a:p>
+            <a:r>
+              <a:rPr lang="nn-NO" altLang="zh-CN" sz="2000" b="0" kern="0" dirty="0"/>
+              <a:t>hello</a:t>
+            </a:r>
+          </a:p>
+          <a:p>
+            <a:r>
+              <a:rPr lang="nn-NO" altLang="zh-CN" sz="2000" b="0" kern="0" dirty="0"/>
+              <a:t>hello</a:t>
+            </a:r>
+          </a:p>
+          <a:p>
+            <a:r>
+              <a:rPr lang="nn-NO" altLang="zh-CN" sz="2000" b="0" kern="0" dirty="0"/>
+              <a:t>hello</a:t>
+            </a:r>
+          </a:p>
+          <a:p>
+            <a:r>
+              <a:rPr lang="nn-NO" altLang="zh-CN" sz="2000" b="0" kern="0" dirty="0"/>
+              <a:t>hello</a:t>
+            </a:r>
+          </a:p>
+          <a:p>
+            <a:r>
+              <a:rPr lang="nn-NO" altLang="zh-CN" sz="2000" b="0" kern="0" dirty="0"/>
+              <a:t>hello</a:t>
+            </a:r>
+            <a:endParaRPr lang="en-GB" altLang="zh-CN" sz="2000" b="0" kern="0" dirty="0"/>
+          </a:p>
+        </p:txBody>
+      </p:sp>
+      <p:pic>
+        <p:nvPicPr>
+          <p:cNvPr id="10" name="Picture 9">
+            <a:extLst>
+              <a:ext uri="{FF2B5EF4-FFF2-40B4-BE49-F238E27FC236}">
+                <a16:creationId xmlns:a16="http://schemas.microsoft.com/office/drawing/2014/main" id="{FC3A7D3F-EC65-056B-6A9F-6CB2076667FA}"/>
+              </a:ext>
+            </a:extLst>
+          </p:cNvPr>
+          <p:cNvPicPr>
+            <a:picLocks noChangeAspect="1"/>
+          </p:cNvPicPr>
+          <p:nvPr/>
+        </p:nvPicPr>
+        <p:blipFill>
+          <a:blip r:embed="rId3"/>
+          <a:stretch>
+            <a:fillRect/>
+          </a:stretch>
+        </p:blipFill>
+        <p:spPr>
+          <a:xfrm>
+            <a:off x="923175" y="4419600"/>
+            <a:ext cx="2787254" cy="2382269"/>
+          </a:xfrm>
+          <a:prstGeom prst="rect">
+            <a:avLst/>
+          </a:prstGeom>
+        </p:spPr>
+      </p:pic>
+    </p:spTree>
+    <p:extLst>
+      <p:ext uri="{BB962C8B-B14F-4D97-AF65-F5344CB8AC3E}">
+        <p14:creationId xmlns:p14="http://schemas.microsoft.com/office/powerpoint/2010/main" val="2722048720"/>
+      </p:ext>
+    </p:extLst>
+  </p:cSld>
+  <p:clrMapOvr>
+    <a:masterClrMapping/>
+  </p:clrMapOvr>
+</p:sld>
+</file>
+
+<file path=ppt/slides/slide6.xml><?xml version="1.0" encoding="utf-8"?>
 <p:sld xmlns:a="http://schemas.openxmlformats.org/drawingml/2006/main" xmlns:r="http://schemas.openxmlformats.org/officeDocument/2006/relationships" xmlns:p="http://schemas.openxmlformats.org/presentationml/2006/main" showMasterPhAnim="0">
   <p:cSld>
     <p:spTree>
@@ -20995,7 +22380,7 @@
               <a:pPr algn="ctr">
                 <a:defRPr/>
               </a:pPr>
-              <a:t>3</a:t>
+              <a:t>6</a:t>
             </a:fld>
             <a:endParaRPr lang="en-US" altLang="zh-CN" dirty="0">
               <a:solidFill>
@@ -21265,7 +22650,7 @@
 </p:sld>
 </file>
 
-<file path=ppt/slides/slide4.xml><?xml version="1.0" encoding="utf-8"?>
+<file path=ppt/slides/slide7.xml><?xml version="1.0" encoding="utf-8"?>
 <p:sld xmlns:a="http://schemas.openxmlformats.org/drawingml/2006/main" xmlns:r="http://schemas.openxmlformats.org/officeDocument/2006/relationships" xmlns:p="http://schemas.openxmlformats.org/presentationml/2006/main">
   <p:cSld>
     <p:spTree>
@@ -21379,7 +22764,7 @@
 </p:sld>
 </file>
 
-<file path=ppt/slides/slide5.xml><?xml version="1.0" encoding="utf-8"?>
+<file path=ppt/slides/slide8.xml><?xml version="1.0" encoding="utf-8"?>
 <p:sld xmlns:a="http://schemas.openxmlformats.org/drawingml/2006/main" xmlns:r="http://schemas.openxmlformats.org/officeDocument/2006/relationships" xmlns:p="http://schemas.openxmlformats.org/presentationml/2006/main">
   <p:cSld>
     <p:spTree>
@@ -24740,7 +26125,7 @@
                 <a:cs typeface="Arial"/>
               </a:rPr>
               <a:pPr algn="r"/>
-              <a:t>5</a:t>
+              <a:t>8</a:t>
             </a:fld>
             <a:endParaRPr lang="nb-NO">
               <a:latin typeface="Arial"/>
@@ -24827,7 +26212,7 @@
 </p:sld>
 </file>
 
-<file path=ppt/slides/slide6.xml><?xml version="1.0" encoding="utf-8"?>
+<file path=ppt/slides/slide9.xml><?xml version="1.0" encoding="utf-8"?>
 <p:sld xmlns:a="http://schemas.openxmlformats.org/drawingml/2006/main" xmlns:r="http://schemas.openxmlformats.org/officeDocument/2006/relationships" xmlns:p="http://schemas.openxmlformats.org/presentationml/2006/main">
   <p:cSld>
     <p:spTree>
@@ -27190,7 +28575,7 @@
                 <a:cs typeface="Arial"/>
               </a:rPr>
               <a:pPr algn="r"/>
-              <a:t>6</a:t>
+              <a:t>9</a:t>
             </a:fld>
             <a:endParaRPr lang="nb-NO">
               <a:latin typeface="Arial"/>
@@ -27209,620 +28594,6 @@
   <p:clrMapOvr>
     <a:masterClrMapping/>
   </p:clrMapOvr>
-</p:sld>
-</file>
-
-<file path=ppt/slides/slide7.xml><?xml version="1.0" encoding="utf-8"?>
-<p:sld xmlns:a="http://schemas.openxmlformats.org/drawingml/2006/main" xmlns:r="http://schemas.openxmlformats.org/officeDocument/2006/relationships" xmlns:p="http://schemas.openxmlformats.org/presentationml/2006/main">
-  <p:cSld>
-    <p:spTree>
-      <p:nvGrpSpPr>
-        <p:cNvPr id="1" name=""/>
-        <p:cNvGrpSpPr/>
-        <p:nvPr/>
-      </p:nvGrpSpPr>
-      <p:grpSpPr>
-        <a:xfrm>
-          <a:off x="0" y="0"/>
-          <a:ext cx="0" cy="0"/>
-          <a:chOff x="0" y="0"/>
-          <a:chExt cx="0" cy="0"/>
-        </a:xfrm>
-      </p:grpSpPr>
-      <p:sp>
-        <p:nvSpPr>
-          <p:cNvPr id="2" name="Title 1"/>
-          <p:cNvSpPr>
-            <a:spLocks noGrp="1"/>
-          </p:cNvSpPr>
-          <p:nvPr>
-            <p:ph type="title"/>
-          </p:nvPr>
-        </p:nvSpPr>
-        <p:spPr/>
-        <p:txBody>
-          <a:bodyPr/>
-          <a:lstStyle/>
-          <a:p>
-            <a:r>
-              <a:rPr lang="en-US" dirty="0"/>
-              <a:t>Quiz IV</a:t>
-            </a:r>
-          </a:p>
-        </p:txBody>
-      </p:sp>
-      <p:sp>
-        <p:nvSpPr>
-          <p:cNvPr id="3" name="Content Placeholder 2"/>
-          <p:cNvSpPr>
-            <a:spLocks noGrp="1"/>
-          </p:cNvSpPr>
-          <p:nvPr>
-            <p:ph idx="1"/>
-          </p:nvPr>
-        </p:nvSpPr>
-        <p:spPr>
-          <a:xfrm>
-            <a:off x="609600" y="1511300"/>
-            <a:ext cx="10972800" cy="4978400"/>
-          </a:xfrm>
-        </p:spPr>
-        <p:txBody>
-          <a:bodyPr>
-            <a:normAutofit lnSpcReduction="10000"/>
-          </a:bodyPr>
-          <a:lstStyle/>
-          <a:p>
-            <a:r>
-              <a:rPr lang="en-US" dirty="0"/>
-              <a:t>Consider 8-bit address space; a DM, write-back, write-allocate cache that can hold two blocks of 8 Bytes each. The cache is initially empty. The following sequence of memory operations are made, where each reference is a byte address of a 4-byte number (Only consider word aligned word addresses, i.e. locations 0, 4, 8, and so on. </a:t>
-            </a:r>
-            <a:r>
-              <a:rPr lang="en-US" dirty="0" err="1"/>
-              <a:t>lw</a:t>
-            </a:r>
-            <a:r>
-              <a:rPr lang="en-US" dirty="0"/>
-              <a:t>: load word; </a:t>
-            </a:r>
-            <a:r>
-              <a:rPr lang="en-US" dirty="0" err="1"/>
-              <a:t>sw</a:t>
-            </a:r>
-            <a:r>
-              <a:rPr lang="en-US" dirty="0"/>
-              <a:t>: store word) : </a:t>
-            </a:r>
-          </a:p>
-          <a:p>
-            <a:pPr lvl="1"/>
-            <a:r>
-              <a:rPr lang="en-US" dirty="0" err="1"/>
-              <a:t>lw</a:t>
-            </a:r>
-            <a:r>
-              <a:rPr lang="en-US" dirty="0"/>
-              <a:t> 0</a:t>
-            </a:r>
-          </a:p>
-          <a:p>
-            <a:pPr lvl="1"/>
-            <a:r>
-              <a:rPr lang="en-US" dirty="0" err="1"/>
-              <a:t>sw</a:t>
-            </a:r>
-            <a:r>
-              <a:rPr lang="en-US" dirty="0"/>
-              <a:t> 44</a:t>
-            </a:r>
-          </a:p>
-          <a:p>
-            <a:pPr lvl="1"/>
-            <a:r>
-              <a:rPr lang="en-US" dirty="0" err="1"/>
-              <a:t>lw</a:t>
-            </a:r>
-            <a:r>
-              <a:rPr lang="en-US" dirty="0"/>
-              <a:t> 52</a:t>
-            </a:r>
-          </a:p>
-          <a:p>
-            <a:pPr lvl="1"/>
-            <a:r>
-              <a:rPr lang="en-US" dirty="0" err="1"/>
-              <a:t>lw</a:t>
-            </a:r>
-            <a:r>
-              <a:rPr lang="en-US" dirty="0"/>
-              <a:t> 88</a:t>
-            </a:r>
-          </a:p>
-          <a:p>
-            <a:pPr lvl="1"/>
-            <a:r>
-              <a:rPr lang="en-US" dirty="0" err="1"/>
-              <a:t>lw</a:t>
-            </a:r>
-            <a:r>
-              <a:rPr lang="en-US" dirty="0"/>
-              <a:t> 0</a:t>
-            </a:r>
-          </a:p>
-          <a:p>
-            <a:pPr lvl="1"/>
-            <a:r>
-              <a:rPr lang="en-US" dirty="0" err="1"/>
-              <a:t>sw</a:t>
-            </a:r>
-            <a:r>
-              <a:rPr lang="en-US" dirty="0"/>
-              <a:t> 52 </a:t>
-            </a:r>
-          </a:p>
-          <a:p>
-            <a:pPr lvl="1"/>
-            <a:r>
-              <a:rPr lang="en-US" dirty="0" err="1"/>
-              <a:t>lw</a:t>
-            </a:r>
-            <a:r>
-              <a:rPr lang="en-US" dirty="0"/>
-              <a:t> 68 </a:t>
-            </a:r>
-          </a:p>
-          <a:p>
-            <a:pPr lvl="1"/>
-            <a:r>
-              <a:rPr lang="en-US" dirty="0" err="1"/>
-              <a:t>lw</a:t>
-            </a:r>
-            <a:r>
-              <a:rPr lang="en-US" dirty="0"/>
-              <a:t> 44 </a:t>
-            </a:r>
-          </a:p>
-          <a:p>
-            <a:r>
-              <a:rPr lang="en-US" dirty="0"/>
-              <a:t>Work out the cache behavior after each operation.</a:t>
-            </a:r>
-          </a:p>
-        </p:txBody>
-      </p:sp>
-      <p:sp>
-        <p:nvSpPr>
-          <p:cNvPr id="4" name="Slide Number Placeholder 3"/>
-          <p:cNvSpPr>
-            <a:spLocks noGrp="1"/>
-          </p:cNvSpPr>
-          <p:nvPr>
-            <p:ph type="sldNum" sz="quarter" idx="10"/>
-          </p:nvPr>
-        </p:nvSpPr>
-        <p:spPr>
-          <a:xfrm>
-            <a:off x="10896600" y="6364288"/>
-            <a:ext cx="685800" cy="457200"/>
-          </a:xfrm>
-          <a:prstGeom prst="rect">
-            <a:avLst/>
-          </a:prstGeom>
-        </p:spPr>
-        <p:txBody>
-          <a:bodyPr/>
-          <a:lstStyle>
-            <a:defPPr>
-              <a:defRPr lang="en-US"/>
-            </a:defPPr>
-            <a:lvl1pPr algn="l" rtl="0" eaLnBrk="0" fontAlgn="base" hangingPunct="0">
-              <a:spcBef>
-                <a:spcPct val="0"/>
-              </a:spcBef>
-              <a:spcAft>
-                <a:spcPct val="0"/>
-              </a:spcAft>
-              <a:defRPr b="1" kern="1200">
-                <a:solidFill>
-                  <a:schemeClr val="tx1"/>
-                </a:solidFill>
-                <a:latin typeface="Comic Sans MS" charset="0"/>
-                <a:ea typeface="ＭＳ Ｐゴシック" charset="0"/>
-                <a:cs typeface="ＭＳ Ｐゴシック" charset="0"/>
-              </a:defRPr>
-            </a:lvl1pPr>
-            <a:lvl2pPr marL="457200" algn="l" rtl="0" eaLnBrk="0" fontAlgn="base" hangingPunct="0">
-              <a:spcBef>
-                <a:spcPct val="0"/>
-              </a:spcBef>
-              <a:spcAft>
-                <a:spcPct val="0"/>
-              </a:spcAft>
-              <a:defRPr b="1" kern="1200">
-                <a:solidFill>
-                  <a:schemeClr val="tx1"/>
-                </a:solidFill>
-                <a:latin typeface="Comic Sans MS" charset="0"/>
-                <a:ea typeface="ＭＳ Ｐゴシック" charset="0"/>
-                <a:cs typeface="ＭＳ Ｐゴシック" charset="0"/>
-              </a:defRPr>
-            </a:lvl2pPr>
-            <a:lvl3pPr marL="914400" algn="l" rtl="0" eaLnBrk="0" fontAlgn="base" hangingPunct="0">
-              <a:spcBef>
-                <a:spcPct val="0"/>
-              </a:spcBef>
-              <a:spcAft>
-                <a:spcPct val="0"/>
-              </a:spcAft>
-              <a:defRPr b="1" kern="1200">
-                <a:solidFill>
-                  <a:schemeClr val="tx1"/>
-                </a:solidFill>
-                <a:latin typeface="Comic Sans MS" charset="0"/>
-                <a:ea typeface="ＭＳ Ｐゴシック" charset="0"/>
-                <a:cs typeface="ＭＳ Ｐゴシック" charset="0"/>
-              </a:defRPr>
-            </a:lvl3pPr>
-            <a:lvl4pPr marL="1371600" algn="l" rtl="0" eaLnBrk="0" fontAlgn="base" hangingPunct="0">
-              <a:spcBef>
-                <a:spcPct val="0"/>
-              </a:spcBef>
-              <a:spcAft>
-                <a:spcPct val="0"/>
-              </a:spcAft>
-              <a:defRPr b="1" kern="1200">
-                <a:solidFill>
-                  <a:schemeClr val="tx1"/>
-                </a:solidFill>
-                <a:latin typeface="Comic Sans MS" charset="0"/>
-                <a:ea typeface="ＭＳ Ｐゴシック" charset="0"/>
-                <a:cs typeface="ＭＳ Ｐゴシック" charset="0"/>
-              </a:defRPr>
-            </a:lvl4pPr>
-            <a:lvl5pPr marL="1828800" algn="l" rtl="0" eaLnBrk="0" fontAlgn="base" hangingPunct="0">
-              <a:spcBef>
-                <a:spcPct val="0"/>
-              </a:spcBef>
-              <a:spcAft>
-                <a:spcPct val="0"/>
-              </a:spcAft>
-              <a:defRPr b="1" kern="1200">
-                <a:solidFill>
-                  <a:schemeClr val="tx1"/>
-                </a:solidFill>
-                <a:latin typeface="Comic Sans MS" charset="0"/>
-                <a:ea typeface="ＭＳ Ｐゴシック" charset="0"/>
-                <a:cs typeface="ＭＳ Ｐゴシック" charset="0"/>
-              </a:defRPr>
-            </a:lvl5pPr>
-            <a:lvl6pPr marL="2286000" algn="l" defTabSz="457200" rtl="0" eaLnBrk="1" latinLnBrk="0" hangingPunct="1">
-              <a:defRPr b="1" kern="1200">
-                <a:solidFill>
-                  <a:schemeClr val="tx1"/>
-                </a:solidFill>
-                <a:latin typeface="Comic Sans MS" charset="0"/>
-                <a:ea typeface="ＭＳ Ｐゴシック" charset="0"/>
-                <a:cs typeface="ＭＳ Ｐゴシック" charset="0"/>
-              </a:defRPr>
-            </a:lvl6pPr>
-            <a:lvl7pPr marL="2743200" algn="l" defTabSz="457200" rtl="0" eaLnBrk="1" latinLnBrk="0" hangingPunct="1">
-              <a:defRPr b="1" kern="1200">
-                <a:solidFill>
-                  <a:schemeClr val="tx1"/>
-                </a:solidFill>
-                <a:latin typeface="Comic Sans MS" charset="0"/>
-                <a:ea typeface="ＭＳ Ｐゴシック" charset="0"/>
-                <a:cs typeface="ＭＳ Ｐゴシック" charset="0"/>
-              </a:defRPr>
-            </a:lvl7pPr>
-            <a:lvl8pPr marL="3200400" algn="l" defTabSz="457200" rtl="0" eaLnBrk="1" latinLnBrk="0" hangingPunct="1">
-              <a:defRPr b="1" kern="1200">
-                <a:solidFill>
-                  <a:schemeClr val="tx1"/>
-                </a:solidFill>
-                <a:latin typeface="Comic Sans MS" charset="0"/>
-                <a:ea typeface="ＭＳ Ｐゴシック" charset="0"/>
-                <a:cs typeface="ＭＳ Ｐゴシック" charset="0"/>
-              </a:defRPr>
-            </a:lvl8pPr>
-            <a:lvl9pPr marL="3657600" algn="l" defTabSz="457200" rtl="0" eaLnBrk="1" latinLnBrk="0" hangingPunct="1">
-              <a:defRPr b="1" kern="1200">
-                <a:solidFill>
-                  <a:schemeClr val="tx1"/>
-                </a:solidFill>
-                <a:latin typeface="Comic Sans MS" charset="0"/>
-                <a:ea typeface="ＭＳ Ｐゴシック" charset="0"/>
-                <a:cs typeface="ＭＳ Ｐゴシック" charset="0"/>
-              </a:defRPr>
-            </a:lvl9pPr>
-          </a:lstStyle>
-          <a:p>
-            <a:pPr algn="ctr">
-              <a:defRPr/>
-            </a:pPr>
-            <a:fld id="{79ACD604-DE96-4BF4-B014-6BD05026CF1E}" type="slidenum">
-              <a:rPr lang="en-US" altLang="zh-CN" smtClean="0"/>
-              <a:pPr algn="ctr">
-                <a:defRPr/>
-              </a:pPr>
-              <a:t>7</a:t>
-            </a:fld>
-            <a:endParaRPr lang="en-US" altLang="zh-CN" b="0">
-              <a:solidFill>
-                <a:prstClr val="black"/>
-              </a:solidFill>
-              <a:latin typeface="Times New Roman" pitchFamily="18" charset="0"/>
-              <a:ea typeface="宋体" panose="02010600030101010101" pitchFamily="2" charset="-122"/>
-              <a:cs typeface="+mn-cs"/>
-            </a:endParaRPr>
-          </a:p>
-        </p:txBody>
-      </p:sp>
-    </p:spTree>
-  </p:cSld>
-  <p:clrMapOvr>
-    <a:masterClrMapping/>
-  </p:clrMapOvr>
-  <p:transition/>
-</p:sld>
-</file>
-
-<file path=ppt/slides/slide8.xml><?xml version="1.0" encoding="utf-8"?>
-<p:sld xmlns:a="http://schemas.openxmlformats.org/drawingml/2006/main" xmlns:r="http://schemas.openxmlformats.org/officeDocument/2006/relationships" xmlns:p="http://schemas.openxmlformats.org/presentationml/2006/main">
-  <p:cSld>
-    <p:spTree>
-      <p:nvGrpSpPr>
-        <p:cNvPr id="1" name=""/>
-        <p:cNvGrpSpPr/>
-        <p:nvPr/>
-      </p:nvGrpSpPr>
-      <p:grpSpPr>
-        <a:xfrm>
-          <a:off x="0" y="0"/>
-          <a:ext cx="0" cy="0"/>
-          <a:chOff x="0" y="0"/>
-          <a:chExt cx="0" cy="0"/>
-        </a:xfrm>
-      </p:grpSpPr>
-      <p:sp>
-        <p:nvSpPr>
-          <p:cNvPr id="2" name="Title 1"/>
-          <p:cNvSpPr>
-            <a:spLocks noGrp="1"/>
-          </p:cNvSpPr>
-          <p:nvPr>
-            <p:ph type="title"/>
-          </p:nvPr>
-        </p:nvSpPr>
-        <p:spPr/>
-        <p:txBody>
-          <a:bodyPr/>
-          <a:lstStyle/>
-          <a:p>
-            <a:r>
-              <a:rPr lang="en-US" dirty="0" err="1"/>
-              <a:t>Livelock</a:t>
-            </a:r>
-            <a:endParaRPr lang="en-US" dirty="0"/>
-          </a:p>
-        </p:txBody>
-      </p:sp>
-      <p:sp>
-        <p:nvSpPr>
-          <p:cNvPr id="3" name="Content Placeholder 2"/>
-          <p:cNvSpPr>
-            <a:spLocks noGrp="1"/>
-          </p:cNvSpPr>
-          <p:nvPr>
-            <p:ph idx="1"/>
-          </p:nvPr>
-        </p:nvSpPr>
-        <p:spPr>
-          <a:xfrm>
-            <a:off x="914400" y="4031227"/>
-            <a:ext cx="10363200" cy="2271251"/>
-          </a:xfrm>
-        </p:spPr>
-        <p:txBody>
-          <a:bodyPr>
-            <a:normAutofit/>
-          </a:bodyPr>
-          <a:lstStyle/>
-          <a:p>
-            <a:r>
-              <a:rPr lang="en-US" dirty="0"/>
-              <a:t>Both processes use the polling primitive </a:t>
-            </a:r>
-            <a:r>
-              <a:rPr lang="en-US" dirty="0" err="1"/>
-              <a:t>enter_region</a:t>
-            </a:r>
-            <a:r>
-              <a:rPr lang="en-US" dirty="0"/>
-              <a:t>() to try to acquire locks via busy-waiting; </a:t>
-            </a:r>
-            <a:r>
-              <a:rPr lang="en-US" dirty="0" err="1"/>
-              <a:t>process_A</a:t>
-            </a:r>
-            <a:r>
-              <a:rPr lang="en-US" dirty="0"/>
-              <a:t> gets resource_1 and </a:t>
-            </a:r>
-            <a:r>
-              <a:rPr lang="en-US" dirty="0" err="1"/>
-              <a:t>process_B</a:t>
-            </a:r>
-            <a:r>
-              <a:rPr lang="en-US" dirty="0"/>
-              <a:t> gets resource_2.</a:t>
-            </a:r>
-          </a:p>
-          <a:p>
-            <a:r>
-              <a:rPr lang="en-US" dirty="0" err="1"/>
-              <a:t>Livelock</a:t>
-            </a:r>
-            <a:r>
-              <a:rPr lang="en-US" dirty="0"/>
-              <a:t>, not deadlock, since no process is blocked.</a:t>
-            </a:r>
-          </a:p>
-        </p:txBody>
-      </p:sp>
-      <p:pic>
-        <p:nvPicPr>
-          <p:cNvPr id="6" name="Picture 2"/>
-          <p:cNvPicPr>
-            <a:picLocks noChangeAspect="1" noChangeArrowheads="1"/>
-          </p:cNvPicPr>
-          <p:nvPr/>
-        </p:nvPicPr>
-        <p:blipFill>
-          <a:blip r:embed="rId2" cstate="print"/>
-          <a:srcRect/>
-          <a:stretch>
-            <a:fillRect/>
-          </a:stretch>
-        </p:blipFill>
-        <p:spPr bwMode="auto">
-          <a:xfrm>
-            <a:off x="1800226" y="1855789"/>
-            <a:ext cx="4124325" cy="2238375"/>
-          </a:xfrm>
-          <a:prstGeom prst="rect">
-            <a:avLst/>
-          </a:prstGeom>
-          <a:noFill/>
-          <a:ln w="9525">
-            <a:noFill/>
-            <a:miter lim="800000"/>
-            <a:headEnd/>
-            <a:tailEnd/>
-          </a:ln>
-        </p:spPr>
-      </p:pic>
-      <p:pic>
-        <p:nvPicPr>
-          <p:cNvPr id="7" name="Picture 3"/>
-          <p:cNvPicPr>
-            <a:picLocks noChangeAspect="1" noChangeArrowheads="1"/>
-          </p:cNvPicPr>
-          <p:nvPr/>
-        </p:nvPicPr>
-        <p:blipFill>
-          <a:blip r:embed="rId3" cstate="print"/>
-          <a:srcRect/>
-          <a:stretch>
-            <a:fillRect/>
-          </a:stretch>
-        </p:blipFill>
-        <p:spPr bwMode="auto">
-          <a:xfrm>
-            <a:off x="6172201" y="1831975"/>
-            <a:ext cx="3902075" cy="2152650"/>
-          </a:xfrm>
-          <a:prstGeom prst="rect">
-            <a:avLst/>
-          </a:prstGeom>
-          <a:noFill/>
-          <a:ln w="9525">
-            <a:noFill/>
-            <a:miter lim="800000"/>
-            <a:headEnd/>
-            <a:tailEnd/>
-          </a:ln>
-        </p:spPr>
-      </p:pic>
-    </p:spTree>
-  </p:cSld>
-  <p:clrMapOvr>
-    <a:masterClrMapping/>
-  </p:clrMapOvr>
-  <p:transition/>
-</p:sld>
-</file>
-
-<file path=ppt/slides/slide9.xml><?xml version="1.0" encoding="utf-8"?>
-<p:sld xmlns:a="http://schemas.openxmlformats.org/drawingml/2006/main" xmlns:r="http://schemas.openxmlformats.org/officeDocument/2006/relationships" xmlns:p="http://schemas.openxmlformats.org/presentationml/2006/main">
-  <p:cSld>
-    <p:spTree>
-      <p:nvGrpSpPr>
-        <p:cNvPr id="1" name=""/>
-        <p:cNvGrpSpPr/>
-        <p:nvPr/>
-      </p:nvGrpSpPr>
-      <p:grpSpPr>
-        <a:xfrm>
-          <a:off x="0" y="0"/>
-          <a:ext cx="0" cy="0"/>
-          <a:chOff x="0" y="0"/>
-          <a:chExt cx="0" cy="0"/>
-        </a:xfrm>
-      </p:grpSpPr>
-      <p:sp>
-        <p:nvSpPr>
-          <p:cNvPr id="2" name="Title 1"/>
-          <p:cNvSpPr>
-            <a:spLocks noGrp="1"/>
-          </p:cNvSpPr>
-          <p:nvPr>
-            <p:ph type="title"/>
-          </p:nvPr>
-        </p:nvSpPr>
-        <p:spPr/>
-        <p:txBody>
-          <a:bodyPr/>
-          <a:lstStyle/>
-          <a:p>
-            <a:r>
-              <a:rPr lang="en-US" dirty="0"/>
-              <a:t>Multi-Armed Lawyers</a:t>
-            </a:r>
-          </a:p>
-        </p:txBody>
-      </p:sp>
-      <p:sp>
-        <p:nvSpPr>
-          <p:cNvPr id="3" name="Content Placeholder 2"/>
-          <p:cNvSpPr>
-            <a:spLocks noGrp="1"/>
-          </p:cNvSpPr>
-          <p:nvPr>
-            <p:ph idx="1"/>
-          </p:nvPr>
-        </p:nvSpPr>
-        <p:spPr/>
-        <p:txBody>
-          <a:bodyPr>
-            <a:normAutofit/>
-          </a:bodyPr>
-          <a:lstStyle/>
-          <a:p>
-            <a:r>
-              <a:rPr lang="en-US" dirty="0"/>
-              <a:t>Consider a large table with IDENTICAL multi-armed alien lawyers. In the center is a pile of chopsticks. In order to eat, a lawyer must have one chopstick in each hand. The lawyers are so busy talking that they can only grab one chopstick at a time. Design a deadlock-free algorithm</a:t>
-            </a:r>
-            <a:r>
-              <a:rPr lang="en-US" i="1" dirty="0"/>
-              <a:t> </a:t>
-            </a:r>
-            <a:r>
-              <a:rPr lang="en-US" dirty="0"/>
-              <a:t>using monitors and Bankers algorithm. Assume total number of chopsticks &gt;= number of hands of each lawyer, so at least one lawyer can eat.</a:t>
-            </a:r>
-          </a:p>
-          <a:p>
-            <a:endParaRPr lang="en-US" dirty="0"/>
-          </a:p>
-        </p:txBody>
-      </p:sp>
-    </p:spTree>
-  </p:cSld>
-  <p:clrMapOvr>
-    <a:masterClrMapping/>
-  </p:clrMapOvr>
-  <p:transition/>
 </p:sld>
 </file>
 
@@ -28064,7 +28835,7 @@
         <a:effectLst/>
         <a:extLst>
           <a:ext uri="{AF507438-7753-43e0-B8FC-AC1667EBCBE1}">
-            <a14:hiddenEffects xmlns:a14="http://schemas.microsoft.com/office/drawing/2010/main" xmlns="">
+            <a14:hiddenEffects xmlns="" xmlns:a14="http://schemas.microsoft.com/office/drawing/2010/main">
               <a:effectLst>
                 <a:outerShdw dist="35921" dir="2700000" algn="ctr" rotWithShape="0">
                   <a:schemeClr val="bg2"/>
@@ -28137,7 +28908,7 @@
         <a:effectLst/>
         <a:extLst>
           <a:ext uri="{AF507438-7753-43e0-B8FC-AC1667EBCBE1}">
-            <a14:hiddenEffects xmlns:a14="http://schemas.microsoft.com/office/drawing/2010/main" xmlns="">
+            <a14:hiddenEffects xmlns="" xmlns:a14="http://schemas.microsoft.com/office/drawing/2010/main">
               <a:effectLst>
                 <a:outerShdw dist="35921" dir="2700000" algn="ctr" rotWithShape="0">
                   <a:schemeClr val="bg2"/>
